--- a/slides/1. Intro Partie I.pptx
+++ b/slides/1. Intro Partie I.pptx
@@ -5,7 +5,7 @@
     <p:sldMasterId id="2147483648" r:id="rId1"/>
   </p:sldMasterIdLst>
   <p:notesMasterIdLst>
-    <p:notesMasterId r:id="rId51"/>
+    <p:notesMasterId r:id="rId52"/>
   </p:notesMasterIdLst>
   <p:sldIdLst>
     <p:sldId id="256" r:id="rId2"/>
@@ -45,18 +45,19 @@
     <p:sldId id="290" r:id="rId36"/>
     <p:sldId id="303" r:id="rId37"/>
     <p:sldId id="305" r:id="rId38"/>
-    <p:sldId id="291" r:id="rId39"/>
-    <p:sldId id="292" r:id="rId40"/>
-    <p:sldId id="293" r:id="rId41"/>
-    <p:sldId id="294" r:id="rId42"/>
-    <p:sldId id="295" r:id="rId43"/>
-    <p:sldId id="296" r:id="rId44"/>
-    <p:sldId id="297" r:id="rId45"/>
-    <p:sldId id="298" r:id="rId46"/>
-    <p:sldId id="299" r:id="rId47"/>
-    <p:sldId id="300" r:id="rId48"/>
-    <p:sldId id="301" r:id="rId49"/>
-    <p:sldId id="302" r:id="rId50"/>
+    <p:sldId id="307" r:id="rId39"/>
+    <p:sldId id="291" r:id="rId40"/>
+    <p:sldId id="292" r:id="rId41"/>
+    <p:sldId id="293" r:id="rId42"/>
+    <p:sldId id="294" r:id="rId43"/>
+    <p:sldId id="295" r:id="rId44"/>
+    <p:sldId id="296" r:id="rId45"/>
+    <p:sldId id="297" r:id="rId46"/>
+    <p:sldId id="298" r:id="rId47"/>
+    <p:sldId id="299" r:id="rId48"/>
+    <p:sldId id="300" r:id="rId49"/>
+    <p:sldId id="301" r:id="rId50"/>
+    <p:sldId id="302" r:id="rId51"/>
   </p:sldIdLst>
   <p:sldSz cx="9144000" cy="6858000" type="screen4x3"/>
   <p:notesSz cx="6858000" cy="9144000"/>
@@ -5756,7 +5757,13 @@
   <p:cSld>
     <p:spTree>
       <p:nvGrpSpPr>
-        <p:cNvPr id="1" name="Shape 411"/>
+        <p:cNvPr id="1" name="Shape 402">
+          <a:extLst>
+            <a:ext uri="{FF2B5EF4-FFF2-40B4-BE49-F238E27FC236}">
+              <a16:creationId xmlns:a16="http://schemas.microsoft.com/office/drawing/2014/main" id="{37F41F6F-11E5-466C-789E-417625B64182}"/>
+            </a:ext>
+          </a:extLst>
+        </p:cNvPr>
         <p:cNvGrpSpPr/>
         <p:nvPr/>
       </p:nvGrpSpPr>
@@ -5770,7 +5777,13 @@
       </p:grpSpPr>
       <p:sp>
         <p:nvSpPr>
-          <p:cNvPr id="412" name="Google Shape;412;g2a994f7876f_0_40:notes"/>
+          <p:cNvPr id="403" name="Google Shape;403;g32040ae3fd7_0_2:notes">
+            <a:extLst>
+              <a:ext uri="{FF2B5EF4-FFF2-40B4-BE49-F238E27FC236}">
+                <a16:creationId xmlns:a16="http://schemas.microsoft.com/office/drawing/2014/main" id="{DC6F4CD1-38AD-A7E6-80DD-E87B9C88FFC0}"/>
+              </a:ext>
+            </a:extLst>
+          </p:cNvPr>
           <p:cNvSpPr txBox="1">
             <a:spLocks noGrp="1"/>
           </p:cNvSpPr>
@@ -5816,7 +5829,13 @@
       </p:sp>
       <p:sp>
         <p:nvSpPr>
-          <p:cNvPr id="413" name="Google Shape;413;g2a994f7876f_0_40:notes"/>
+          <p:cNvPr id="404" name="Google Shape;404;g32040ae3fd7_0_2:notes">
+            <a:extLst>
+              <a:ext uri="{FF2B5EF4-FFF2-40B4-BE49-F238E27FC236}">
+                <a16:creationId xmlns:a16="http://schemas.microsoft.com/office/drawing/2014/main" id="{3952C95B-DC2F-7F50-176F-71A07DA80CA5}"/>
+              </a:ext>
+            </a:extLst>
+          </p:cNvPr>
           <p:cNvSpPr>
             <a:spLocks noGrp="1" noRot="1" noChangeAspect="1"/>
           </p:cNvSpPr>
@@ -5866,6 +5885,11 @@
         </p:spPr>
       </p:sp>
     </p:spTree>
+    <p:extLst>
+      <p:ext uri="{BB962C8B-B14F-4D97-AF65-F5344CB8AC3E}">
+        <p14:creationId xmlns:p14="http://schemas.microsoft.com/office/powerpoint/2010/main" val="4070266298"/>
+      </p:ext>
+    </p:extLst>
   </p:cSld>
   <p:clrMapOvr>
     <a:masterClrMapping/>
@@ -5878,7 +5902,7 @@
   <p:cSld>
     <p:spTree>
       <p:nvGrpSpPr>
-        <p:cNvPr id="1" name="Shape 420"/>
+        <p:cNvPr id="1" name="Shape 411"/>
         <p:cNvGrpSpPr/>
         <p:nvPr/>
       </p:nvGrpSpPr>
@@ -5892,7 +5916,7 @@
       </p:grpSpPr>
       <p:sp>
         <p:nvSpPr>
-          <p:cNvPr id="421" name="Google Shape;421;g2ab55a4ceb1_2_0:notes"/>
+          <p:cNvPr id="412" name="Google Shape;412;g2a994f7876f_0_40:notes"/>
           <p:cNvSpPr txBox="1">
             <a:spLocks noGrp="1"/>
           </p:cNvSpPr>
@@ -5938,7 +5962,7 @@
       </p:sp>
       <p:sp>
         <p:nvSpPr>
-          <p:cNvPr id="422" name="Google Shape;422;g2ab55a4ceb1_2_0:notes"/>
+          <p:cNvPr id="413" name="Google Shape;413;g2a994f7876f_0_40:notes"/>
           <p:cNvSpPr>
             <a:spLocks noGrp="1" noRot="1" noChangeAspect="1"/>
           </p:cNvSpPr>
@@ -6122,6 +6146,128 @@
   <p:cSld>
     <p:spTree>
       <p:nvGrpSpPr>
+        <p:cNvPr id="1" name="Shape 420"/>
+        <p:cNvGrpSpPr/>
+        <p:nvPr/>
+      </p:nvGrpSpPr>
+      <p:grpSpPr>
+        <a:xfrm>
+          <a:off x="0" y="0"/>
+          <a:ext cx="0" cy="0"/>
+          <a:chOff x="0" y="0"/>
+          <a:chExt cx="0" cy="0"/>
+        </a:xfrm>
+      </p:grpSpPr>
+      <p:sp>
+        <p:nvSpPr>
+          <p:cNvPr id="421" name="Google Shape;421;g2ab55a4ceb1_2_0:notes"/>
+          <p:cNvSpPr txBox="1">
+            <a:spLocks noGrp="1"/>
+          </p:cNvSpPr>
+          <p:nvPr>
+            <p:ph type="body" idx="1"/>
+          </p:nvPr>
+        </p:nvSpPr>
+        <p:spPr>
+          <a:xfrm>
+            <a:off x="685800" y="4343400"/>
+            <a:ext cx="5486400" cy="4114800"/>
+          </a:xfrm>
+          <a:prstGeom prst="rect">
+            <a:avLst/>
+          </a:prstGeom>
+          <a:noFill/>
+          <a:ln>
+            <a:noFill/>
+          </a:ln>
+        </p:spPr>
+        <p:txBody>
+          <a:bodyPr spcFirstLastPara="1" wrap="square" lIns="91425" tIns="45700" rIns="91425" bIns="45700" anchor="t" anchorCtr="0">
+            <a:noAutofit/>
+          </a:bodyPr>
+          <a:lstStyle/>
+          <a:p>
+            <a:pPr marL="0" lvl="0" indent="0" algn="l" rtl="0">
+              <a:lnSpc>
+                <a:spcPct val="100000"/>
+              </a:lnSpc>
+              <a:spcBef>
+                <a:spcPts val="0"/>
+              </a:spcBef>
+              <a:spcAft>
+                <a:spcPts val="0"/>
+              </a:spcAft>
+              <a:buSzPts val="1400"/>
+              <a:buNone/>
+            </a:pPr>
+            <a:endParaRPr/>
+          </a:p>
+        </p:txBody>
+      </p:sp>
+      <p:sp>
+        <p:nvSpPr>
+          <p:cNvPr id="422" name="Google Shape;422;g2ab55a4ceb1_2_0:notes"/>
+          <p:cNvSpPr>
+            <a:spLocks noGrp="1" noRot="1" noChangeAspect="1"/>
+          </p:cNvSpPr>
+          <p:nvPr>
+            <p:ph type="sldImg" idx="2"/>
+          </p:nvPr>
+        </p:nvSpPr>
+        <p:spPr>
+          <a:xfrm>
+            <a:off x="1143000" y="685800"/>
+            <a:ext cx="4572000" cy="3429000"/>
+          </a:xfrm>
+          <a:custGeom>
+            <a:avLst/>
+            <a:gdLst/>
+            <a:ahLst/>
+            <a:cxnLst/>
+            <a:rect l="l" t="t" r="r" b="b"/>
+            <a:pathLst>
+              <a:path w="120000" h="120000" extrusionOk="0">
+                <a:moveTo>
+                  <a:pt x="0" y="0"/>
+                </a:moveTo>
+                <a:lnTo>
+                  <a:pt x="120000" y="0"/>
+                </a:lnTo>
+                <a:lnTo>
+                  <a:pt x="120000" y="120000"/>
+                </a:lnTo>
+                <a:lnTo>
+                  <a:pt x="0" y="120000"/>
+                </a:lnTo>
+                <a:close/>
+              </a:path>
+            </a:pathLst>
+          </a:custGeom>
+          <a:noFill/>
+          <a:ln w="12700" cap="flat" cmpd="sng">
+            <a:solidFill>
+              <a:srgbClr val="000000"/>
+            </a:solidFill>
+            <a:prstDash val="solid"/>
+            <a:round/>
+            <a:headEnd type="none" w="sm" len="sm"/>
+            <a:tailEnd type="none" w="sm" len="sm"/>
+          </a:ln>
+        </p:spPr>
+      </p:sp>
+    </p:spTree>
+  </p:cSld>
+  <p:clrMapOvr>
+    <a:masterClrMapping/>
+  </p:clrMapOvr>
+</p:notes>
+</file>
+
+<file path=ppt/notesSlides/notesSlide41.xml><?xml version="1.0" encoding="utf-8"?>
+<p:notes xmlns:a="http://schemas.openxmlformats.org/drawingml/2006/main" xmlns:r="http://schemas.openxmlformats.org/officeDocument/2006/relationships" xmlns:p="http://schemas.openxmlformats.org/presentationml/2006/main" showMasterSp="0" showMasterPhAnim="0">
+  <p:cSld>
+    <p:spTree>
+      <p:nvGrpSpPr>
         <p:cNvPr id="1" name="Shape 429"/>
         <p:cNvGrpSpPr/>
         <p:nvPr/>
@@ -6239,7 +6385,7 @@
 </p:notes>
 </file>
 
-<file path=ppt/notesSlides/notesSlide41.xml><?xml version="1.0" encoding="utf-8"?>
+<file path=ppt/notesSlides/notesSlide42.xml><?xml version="1.0" encoding="utf-8"?>
 <p:notes xmlns:a="http://schemas.openxmlformats.org/drawingml/2006/main" xmlns:r="http://schemas.openxmlformats.org/officeDocument/2006/relationships" xmlns:p="http://schemas.openxmlformats.org/presentationml/2006/main" showMasterSp="0" showMasterPhAnim="0">
   <p:cSld>
     <p:spTree>
@@ -6361,7 +6507,7 @@
 </p:notes>
 </file>
 
-<file path=ppt/notesSlides/notesSlide42.xml><?xml version="1.0" encoding="utf-8"?>
+<file path=ppt/notesSlides/notesSlide43.xml><?xml version="1.0" encoding="utf-8"?>
 <p:notes xmlns:a="http://schemas.openxmlformats.org/drawingml/2006/main" xmlns:r="http://schemas.openxmlformats.org/officeDocument/2006/relationships" xmlns:p="http://schemas.openxmlformats.org/presentationml/2006/main" showMasterSp="0" showMasterPhAnim="0">
   <p:cSld>
     <p:spTree>
@@ -6483,7 +6629,7 @@
 </p:notes>
 </file>
 
-<file path=ppt/notesSlides/notesSlide43.xml><?xml version="1.0" encoding="utf-8"?>
+<file path=ppt/notesSlides/notesSlide44.xml><?xml version="1.0" encoding="utf-8"?>
 <p:notes xmlns:a="http://schemas.openxmlformats.org/drawingml/2006/main" xmlns:r="http://schemas.openxmlformats.org/officeDocument/2006/relationships" xmlns:p="http://schemas.openxmlformats.org/presentationml/2006/main" showMasterSp="0" showMasterPhAnim="0">
   <p:cSld>
     <p:spTree>
@@ -6605,7 +6751,7 @@
 </p:notes>
 </file>
 
-<file path=ppt/notesSlides/notesSlide44.xml><?xml version="1.0" encoding="utf-8"?>
+<file path=ppt/notesSlides/notesSlide45.xml><?xml version="1.0" encoding="utf-8"?>
 <p:notes xmlns:a="http://schemas.openxmlformats.org/drawingml/2006/main" xmlns:r="http://schemas.openxmlformats.org/officeDocument/2006/relationships" xmlns:p="http://schemas.openxmlformats.org/presentationml/2006/main" showMasterSp="0" showMasterPhAnim="0">
   <p:cSld>
     <p:spTree>
@@ -6727,7 +6873,7 @@
 </p:notes>
 </file>
 
-<file path=ppt/notesSlides/notesSlide45.xml><?xml version="1.0" encoding="utf-8"?>
+<file path=ppt/notesSlides/notesSlide46.xml><?xml version="1.0" encoding="utf-8"?>
 <p:notes xmlns:a="http://schemas.openxmlformats.org/drawingml/2006/main" xmlns:r="http://schemas.openxmlformats.org/officeDocument/2006/relationships" xmlns:p="http://schemas.openxmlformats.org/presentationml/2006/main" showMasterSp="0" showMasterPhAnim="0">
   <p:cSld>
     <p:spTree>
@@ -6849,7 +6995,7 @@
 </p:notes>
 </file>
 
-<file path=ppt/notesSlides/notesSlide46.xml><?xml version="1.0" encoding="utf-8"?>
+<file path=ppt/notesSlides/notesSlide47.xml><?xml version="1.0" encoding="utf-8"?>
 <p:notes xmlns:a="http://schemas.openxmlformats.org/drawingml/2006/main" xmlns:r="http://schemas.openxmlformats.org/officeDocument/2006/relationships" xmlns:p="http://schemas.openxmlformats.org/presentationml/2006/main" showMasterSp="0" showMasterPhAnim="0">
   <p:cSld>
     <p:spTree>
@@ -6971,7 +7117,7 @@
 </p:notes>
 </file>
 
-<file path=ppt/notesSlides/notesSlide47.xml><?xml version="1.0" encoding="utf-8"?>
+<file path=ppt/notesSlides/notesSlide48.xml><?xml version="1.0" encoding="utf-8"?>
 <p:notes xmlns:a="http://schemas.openxmlformats.org/drawingml/2006/main" xmlns:r="http://schemas.openxmlformats.org/officeDocument/2006/relationships" xmlns:p="http://schemas.openxmlformats.org/presentationml/2006/main" showMasterSp="0" showMasterPhAnim="0">
   <p:cSld>
     <p:spTree>
@@ -7093,7 +7239,7 @@
 </p:notes>
 </file>
 
-<file path=ppt/notesSlides/notesSlide48.xml><?xml version="1.0" encoding="utf-8"?>
+<file path=ppt/notesSlides/notesSlide49.xml><?xml version="1.0" encoding="utf-8"?>
 <p:notes xmlns:a="http://schemas.openxmlformats.org/drawingml/2006/main" xmlns:r="http://schemas.openxmlformats.org/officeDocument/2006/relationships" xmlns:p="http://schemas.openxmlformats.org/presentationml/2006/main" showMasterSp="0" showMasterPhAnim="0">
   <p:cSld>
     <p:spTree>
@@ -7159,128 +7305,6 @@
       <p:sp>
         <p:nvSpPr>
           <p:cNvPr id="503" name="Google Shape;503;g2ae90372f67_0_0:notes"/>
-          <p:cNvSpPr>
-            <a:spLocks noGrp="1" noRot="1" noChangeAspect="1"/>
-          </p:cNvSpPr>
-          <p:nvPr>
-            <p:ph type="sldImg" idx="2"/>
-          </p:nvPr>
-        </p:nvSpPr>
-        <p:spPr>
-          <a:xfrm>
-            <a:off x="1143000" y="685800"/>
-            <a:ext cx="4572000" cy="3429000"/>
-          </a:xfrm>
-          <a:custGeom>
-            <a:avLst/>
-            <a:gdLst/>
-            <a:ahLst/>
-            <a:cxnLst/>
-            <a:rect l="l" t="t" r="r" b="b"/>
-            <a:pathLst>
-              <a:path w="120000" h="120000" extrusionOk="0">
-                <a:moveTo>
-                  <a:pt x="0" y="0"/>
-                </a:moveTo>
-                <a:lnTo>
-                  <a:pt x="120000" y="0"/>
-                </a:lnTo>
-                <a:lnTo>
-                  <a:pt x="120000" y="120000"/>
-                </a:lnTo>
-                <a:lnTo>
-                  <a:pt x="0" y="120000"/>
-                </a:lnTo>
-                <a:close/>
-              </a:path>
-            </a:pathLst>
-          </a:custGeom>
-          <a:noFill/>
-          <a:ln w="12700" cap="flat" cmpd="sng">
-            <a:solidFill>
-              <a:srgbClr val="000000"/>
-            </a:solidFill>
-            <a:prstDash val="solid"/>
-            <a:round/>
-            <a:headEnd type="none" w="sm" len="sm"/>
-            <a:tailEnd type="none" w="sm" len="sm"/>
-          </a:ln>
-        </p:spPr>
-      </p:sp>
-    </p:spTree>
-  </p:cSld>
-  <p:clrMapOvr>
-    <a:masterClrMapping/>
-  </p:clrMapOvr>
-</p:notes>
-</file>
-
-<file path=ppt/notesSlides/notesSlide49.xml><?xml version="1.0" encoding="utf-8"?>
-<p:notes xmlns:a="http://schemas.openxmlformats.org/drawingml/2006/main" xmlns:r="http://schemas.openxmlformats.org/officeDocument/2006/relationships" xmlns:p="http://schemas.openxmlformats.org/presentationml/2006/main" showMasterSp="0" showMasterPhAnim="0">
-  <p:cSld>
-    <p:spTree>
-      <p:nvGrpSpPr>
-        <p:cNvPr id="1" name="Shape 510"/>
-        <p:cNvGrpSpPr/>
-        <p:nvPr/>
-      </p:nvGrpSpPr>
-      <p:grpSpPr>
-        <a:xfrm>
-          <a:off x="0" y="0"/>
-          <a:ext cx="0" cy="0"/>
-          <a:chOff x="0" y="0"/>
-          <a:chExt cx="0" cy="0"/>
-        </a:xfrm>
-      </p:grpSpPr>
-      <p:sp>
-        <p:nvSpPr>
-          <p:cNvPr id="511" name="Google Shape;511;g2abac93716c_0_50:notes"/>
-          <p:cNvSpPr txBox="1">
-            <a:spLocks noGrp="1"/>
-          </p:cNvSpPr>
-          <p:nvPr>
-            <p:ph type="body" idx="1"/>
-          </p:nvPr>
-        </p:nvSpPr>
-        <p:spPr>
-          <a:xfrm>
-            <a:off x="685800" y="4343400"/>
-            <a:ext cx="5486400" cy="4114800"/>
-          </a:xfrm>
-          <a:prstGeom prst="rect">
-            <a:avLst/>
-          </a:prstGeom>
-          <a:noFill/>
-          <a:ln>
-            <a:noFill/>
-          </a:ln>
-        </p:spPr>
-        <p:txBody>
-          <a:bodyPr spcFirstLastPara="1" wrap="square" lIns="91425" tIns="45700" rIns="91425" bIns="45700" anchor="t" anchorCtr="0">
-            <a:noAutofit/>
-          </a:bodyPr>
-          <a:lstStyle/>
-          <a:p>
-            <a:pPr marL="0" lvl="0" indent="0" algn="l" rtl="0">
-              <a:lnSpc>
-                <a:spcPct val="100000"/>
-              </a:lnSpc>
-              <a:spcBef>
-                <a:spcPts val="0"/>
-              </a:spcBef>
-              <a:spcAft>
-                <a:spcPts val="0"/>
-              </a:spcAft>
-              <a:buSzPts val="1400"/>
-              <a:buNone/>
-            </a:pPr>
-            <a:endParaRPr/>
-          </a:p>
-        </p:txBody>
-      </p:sp>
-      <p:sp>
-        <p:nvSpPr>
-          <p:cNvPr id="512" name="Google Shape;512;g2abac93716c_0_50:notes"/>
           <p:cNvSpPr>
             <a:spLocks noGrp="1" noRot="1" noChangeAspect="1"/>
           </p:cNvSpPr>
@@ -7403,6 +7427,128 @@
       <p:sp>
         <p:nvSpPr>
           <p:cNvPr id="124" name="Google Shape;124;g2ab55a4ceb1_0_68:notes"/>
+          <p:cNvSpPr>
+            <a:spLocks noGrp="1" noRot="1" noChangeAspect="1"/>
+          </p:cNvSpPr>
+          <p:nvPr>
+            <p:ph type="sldImg" idx="2"/>
+          </p:nvPr>
+        </p:nvSpPr>
+        <p:spPr>
+          <a:xfrm>
+            <a:off x="1143000" y="685800"/>
+            <a:ext cx="4572000" cy="3429000"/>
+          </a:xfrm>
+          <a:custGeom>
+            <a:avLst/>
+            <a:gdLst/>
+            <a:ahLst/>
+            <a:cxnLst/>
+            <a:rect l="l" t="t" r="r" b="b"/>
+            <a:pathLst>
+              <a:path w="120000" h="120000" extrusionOk="0">
+                <a:moveTo>
+                  <a:pt x="0" y="0"/>
+                </a:moveTo>
+                <a:lnTo>
+                  <a:pt x="120000" y="0"/>
+                </a:lnTo>
+                <a:lnTo>
+                  <a:pt x="120000" y="120000"/>
+                </a:lnTo>
+                <a:lnTo>
+                  <a:pt x="0" y="120000"/>
+                </a:lnTo>
+                <a:close/>
+              </a:path>
+            </a:pathLst>
+          </a:custGeom>
+          <a:noFill/>
+          <a:ln w="12700" cap="flat" cmpd="sng">
+            <a:solidFill>
+              <a:srgbClr val="000000"/>
+            </a:solidFill>
+            <a:prstDash val="solid"/>
+            <a:round/>
+            <a:headEnd type="none" w="sm" len="sm"/>
+            <a:tailEnd type="none" w="sm" len="sm"/>
+          </a:ln>
+        </p:spPr>
+      </p:sp>
+    </p:spTree>
+  </p:cSld>
+  <p:clrMapOvr>
+    <a:masterClrMapping/>
+  </p:clrMapOvr>
+</p:notes>
+</file>
+
+<file path=ppt/notesSlides/notesSlide50.xml><?xml version="1.0" encoding="utf-8"?>
+<p:notes xmlns:a="http://schemas.openxmlformats.org/drawingml/2006/main" xmlns:r="http://schemas.openxmlformats.org/officeDocument/2006/relationships" xmlns:p="http://schemas.openxmlformats.org/presentationml/2006/main" showMasterSp="0" showMasterPhAnim="0">
+  <p:cSld>
+    <p:spTree>
+      <p:nvGrpSpPr>
+        <p:cNvPr id="1" name="Shape 510"/>
+        <p:cNvGrpSpPr/>
+        <p:nvPr/>
+      </p:nvGrpSpPr>
+      <p:grpSpPr>
+        <a:xfrm>
+          <a:off x="0" y="0"/>
+          <a:ext cx="0" cy="0"/>
+          <a:chOff x="0" y="0"/>
+          <a:chExt cx="0" cy="0"/>
+        </a:xfrm>
+      </p:grpSpPr>
+      <p:sp>
+        <p:nvSpPr>
+          <p:cNvPr id="511" name="Google Shape;511;g2abac93716c_0_50:notes"/>
+          <p:cNvSpPr txBox="1">
+            <a:spLocks noGrp="1"/>
+          </p:cNvSpPr>
+          <p:nvPr>
+            <p:ph type="body" idx="1"/>
+          </p:nvPr>
+        </p:nvSpPr>
+        <p:spPr>
+          <a:xfrm>
+            <a:off x="685800" y="4343400"/>
+            <a:ext cx="5486400" cy="4114800"/>
+          </a:xfrm>
+          <a:prstGeom prst="rect">
+            <a:avLst/>
+          </a:prstGeom>
+          <a:noFill/>
+          <a:ln>
+            <a:noFill/>
+          </a:ln>
+        </p:spPr>
+        <p:txBody>
+          <a:bodyPr spcFirstLastPara="1" wrap="square" lIns="91425" tIns="45700" rIns="91425" bIns="45700" anchor="t" anchorCtr="0">
+            <a:noAutofit/>
+          </a:bodyPr>
+          <a:lstStyle/>
+          <a:p>
+            <a:pPr marL="0" lvl="0" indent="0" algn="l" rtl="0">
+              <a:lnSpc>
+                <a:spcPct val="100000"/>
+              </a:lnSpc>
+              <a:spcBef>
+                <a:spcPts val="0"/>
+              </a:spcBef>
+              <a:spcAft>
+                <a:spcPts val="0"/>
+              </a:spcAft>
+              <a:buSzPts val="1400"/>
+              <a:buNone/>
+            </a:pPr>
+            <a:endParaRPr/>
+          </a:p>
+        </p:txBody>
+      </p:sp>
+      <p:sp>
+        <p:nvSpPr>
+          <p:cNvPr id="512" name="Google Shape;512;g2abac93716c_0_50:notes"/>
           <p:cNvSpPr>
             <a:spLocks noGrp="1" noRot="1" noChangeAspect="1"/>
           </p:cNvSpPr>
@@ -36622,23 +36768,23 @@
               </a:rPr>
               <a:t>https://github.com/alextranslatus/MQSS/</a:t>
             </a:r>
-            <a:endParaRPr lang="fr-FR" sz="2450" dirty="0">
-              <a:solidFill>
-                <a:schemeClr val="dk1"/>
-              </a:solidFill>
-            </a:endParaRPr>
-          </a:p>
-          <a:p>
-            <a:pPr marL="457200" marR="0" lvl="0" indent="-384175" algn="l" rtl="0">
+            <a:r>
+              <a:rPr lang="fr-FR" sz="2450" dirty="0">
+                <a:solidFill>
+                  <a:schemeClr val="dk1"/>
+                </a:solidFill>
+              </a:rPr>
+              <a:t> </a:t>
+            </a:r>
+          </a:p>
+          <a:p>
+            <a:pPr marL="457200" lvl="0" indent="-384175">
               <a:lnSpc>
                 <a:spcPct val="90000"/>
               </a:lnSpc>
               <a:spcBef>
                 <a:spcPts val="25"/>
               </a:spcBef>
-              <a:spcAft>
-                <a:spcPts val="0"/>
-              </a:spcAft>
               <a:buClr>
                 <a:schemeClr val="dk1"/>
               </a:buClr>
@@ -36754,20 +36900,19 @@
             </a:endParaRPr>
           </a:p>
           <a:p>
-            <a:pPr marL="73025" marR="0" lvl="0" algn="l" rtl="0">
+            <a:pPr marL="415925" lvl="5" indent="-342900">
               <a:lnSpc>
                 <a:spcPct val="90000"/>
               </a:lnSpc>
               <a:spcBef>
                 <a:spcPts val="25"/>
               </a:spcBef>
-              <a:spcAft>
-                <a:spcPts val="0"/>
-              </a:spcAft>
               <a:buClr>
                 <a:schemeClr val="dk1"/>
               </a:buClr>
               <a:buSzPts val="2450"/>
+              <a:buFont typeface="Courier New" panose="02070309020205020404" pitchFamily="49" charset="0"/>
+              <a:buChar char="o"/>
             </a:pPr>
             <a:endParaRPr lang="fr-FR" sz="2450" dirty="0">
               <a:solidFill>
@@ -36776,7 +36921,7 @@
             </a:endParaRPr>
           </a:p>
           <a:p>
-            <a:pPr marL="457200" lvl="0" indent="-384175">
+            <a:pPr marL="415925" lvl="5" indent="-342900">
               <a:lnSpc>
                 <a:spcPct val="90000"/>
               </a:lnSpc>
@@ -36787,36 +36932,16 @@
                 <a:schemeClr val="dk1"/>
               </a:buClr>
               <a:buSzPts val="2450"/>
-              <a:buFont typeface="Arial"/>
-              <a:buChar char="-"/>
-            </a:pPr>
-            <a:r>
-              <a:rPr lang="fr-FR" sz="2450" b="0" i="0" u="none" strike="noStrike" cap="none" dirty="0">
-                <a:solidFill>
-                  <a:schemeClr val="dk1"/>
-                </a:solidFill>
-                <a:latin typeface="Arial"/>
-                <a:ea typeface="Arial"/>
-                <a:cs typeface="Arial"/>
-                <a:sym typeface="Arial"/>
-              </a:rPr>
-              <a:t>Vigilance, pour TeO1, on ne dispose que d’une poignée de variables : celles listées dans </a:t>
-            </a:r>
+              <a:buFont typeface="Courier New" panose="02070309020205020404" pitchFamily="49" charset="0"/>
+              <a:buChar char="o"/>
+            </a:pPr>
             <a:r>
               <a:rPr lang="fr-FR" sz="2450" dirty="0">
                 <a:solidFill>
                   <a:schemeClr val="dk1"/>
                 </a:solidFill>
               </a:rPr>
-              <a:t>le doc </a:t>
-            </a:r>
-            <a:r>
-              <a:rPr lang="fr-FR" sz="2450" dirty="0" err="1">
-                <a:solidFill>
-                  <a:schemeClr val="dk1"/>
-                </a:solidFill>
-              </a:rPr>
-              <a:t>TeO_selectionvariable.csv</a:t>
+              <a:t>Penser à télécharger les questionnaires sur votre ordinateur pour les voir dans leur intégralité</a:t>
             </a:r>
             <a:endParaRPr lang="fr-FR" sz="2450" b="0" i="0" u="none" strike="noStrike" cap="none" dirty="0">
               <a:solidFill>
@@ -37211,7 +37336,84 @@
               <a:buSzPts val="2450"/>
             </a:pPr>
             <a:r>
-              <a:rPr lang="fr-FR" sz="2450" b="0" i="0" u="none" strike="noStrike" cap="none" dirty="0">
+              <a:rPr lang="fr-FR" sz="2450" dirty="0">
+                <a:solidFill>
+                  <a:schemeClr val="dk1"/>
+                </a:solidFill>
+              </a:rPr>
+              <a:t>Vigilance, pour TeO1, on ne dispose que d’une poignée de variables : celles listées dans le doc </a:t>
+            </a:r>
+            <a:r>
+              <a:rPr lang="fr-FR" sz="2450" dirty="0" err="1">
+                <a:solidFill>
+                  <a:schemeClr val="dk1"/>
+                </a:solidFill>
+              </a:rPr>
+              <a:t>TeO_selectionvariable.csv</a:t>
+            </a:r>
+            <a:endParaRPr lang="fr-FR" sz="2450" dirty="0">
+              <a:solidFill>
+                <a:schemeClr val="dk1"/>
+              </a:solidFill>
+            </a:endParaRPr>
+          </a:p>
+          <a:p>
+            <a:pPr marL="73025" lvl="0">
+              <a:lnSpc>
+                <a:spcPct val="90000"/>
+              </a:lnSpc>
+              <a:spcBef>
+                <a:spcPts val="25"/>
+              </a:spcBef>
+              <a:buClr>
+                <a:schemeClr val="dk1"/>
+              </a:buClr>
+              <a:buSzPts val="2450"/>
+            </a:pPr>
+            <a:endParaRPr lang="fr-FR" sz="2450" b="1" i="0" u="none" strike="noStrike" cap="none" dirty="0">
+              <a:solidFill>
+                <a:schemeClr val="dk1"/>
+              </a:solidFill>
+              <a:latin typeface="Arial"/>
+              <a:ea typeface="Arial"/>
+              <a:cs typeface="Arial"/>
+              <a:sym typeface="Arial"/>
+            </a:endParaRPr>
+          </a:p>
+          <a:p>
+            <a:pPr marL="73025" lvl="0">
+              <a:lnSpc>
+                <a:spcPct val="90000"/>
+              </a:lnSpc>
+              <a:spcBef>
+                <a:spcPts val="25"/>
+              </a:spcBef>
+              <a:buClr>
+                <a:schemeClr val="dk1"/>
+              </a:buClr>
+              <a:buSzPts val="2450"/>
+            </a:pPr>
+            <a:endParaRPr lang="fr-FR" sz="2450" b="1" dirty="0">
+              <a:solidFill>
+                <a:schemeClr val="dk1"/>
+              </a:solidFill>
+            </a:endParaRPr>
+          </a:p>
+          <a:p>
+            <a:pPr marL="73025" lvl="0">
+              <a:lnSpc>
+                <a:spcPct val="90000"/>
+              </a:lnSpc>
+              <a:spcBef>
+                <a:spcPts val="25"/>
+              </a:spcBef>
+              <a:buClr>
+                <a:schemeClr val="dk1"/>
+              </a:buClr>
+              <a:buSzPts val="2450"/>
+            </a:pPr>
+            <a:r>
+              <a:rPr lang="fr-FR" sz="2450" b="1" i="0" u="none" strike="noStrike" cap="none" dirty="0">
                 <a:solidFill>
                   <a:schemeClr val="dk1"/>
                 </a:solidFill>
@@ -37220,7 +37422,7 @@
                 <a:cs typeface="Arial"/>
                 <a:sym typeface="Arial"/>
               </a:rPr>
-              <a:t>Quelle enquête vous intéresse plus ? Quelles variables suscite votre curiosité ? Réponse la semaine prochaine !</a:t>
+              <a:t>Quelle enquête vous intéresse le plus ? Quelles variables suscitent votre curiosité ?</a:t>
             </a:r>
           </a:p>
           <a:p>
@@ -37236,28 +37438,125 @@
               </a:buClr>
               <a:buSzPts val="2450"/>
             </a:pPr>
-            <a:endParaRPr lang="fr-FR" sz="2450" dirty="0">
-              <a:solidFill>
-                <a:schemeClr val="dk1"/>
-              </a:solidFill>
-            </a:endParaRPr>
-          </a:p>
-          <a:p>
-            <a:pPr marL="73025" lvl="0">
-              <a:lnSpc>
-                <a:spcPct val="90000"/>
-              </a:lnSpc>
-              <a:spcBef>
-                <a:spcPts val="25"/>
-              </a:spcBef>
-              <a:buClr>
-                <a:schemeClr val="dk1"/>
-              </a:buClr>
-              <a:buSzPts val="2450"/>
-            </a:pPr>
-            <a:endParaRPr lang="fr-FR" sz="2450" b="0" i="0" u="none" strike="noStrike" cap="none" dirty="0">
-              <a:solidFill>
-                <a:schemeClr val="dk1"/>
+            <a:r>
+              <a:rPr lang="fr-FR" sz="2450" b="1" i="0" u="none" strike="noStrike" cap="none" dirty="0">
+                <a:solidFill>
+                  <a:schemeClr val="dk1"/>
+                </a:solidFill>
+                <a:latin typeface="Arial"/>
+                <a:ea typeface="Arial"/>
+                <a:cs typeface="Arial"/>
+                <a:sym typeface="Arial"/>
+              </a:rPr>
+              <a:t>Réponse la semaine prochaine</a:t>
+            </a:r>
+            <a:endParaRPr lang="fr-FR" sz="2450" b="1" dirty="0">
+              <a:solidFill>
+                <a:schemeClr val="dk1"/>
+              </a:solidFill>
+            </a:endParaRPr>
+          </a:p>
+        </p:txBody>
+      </p:sp>
+    </p:spTree>
+    <p:extLst>
+      <p:ext uri="{BB962C8B-B14F-4D97-AF65-F5344CB8AC3E}">
+        <p14:creationId xmlns:p14="http://schemas.microsoft.com/office/powerpoint/2010/main" val="883674604"/>
+      </p:ext>
+    </p:extLst>
+  </p:cSld>
+  <p:clrMapOvr>
+    <a:masterClrMapping/>
+  </p:clrMapOvr>
+</p:sld>
+</file>
+
+<file path=ppt/slides/slide38.xml><?xml version="1.0" encoding="utf-8"?>
+<p:sld xmlns:a="http://schemas.openxmlformats.org/drawingml/2006/main" xmlns:r="http://schemas.openxmlformats.org/officeDocument/2006/relationships" xmlns:p="http://schemas.openxmlformats.org/presentationml/2006/main">
+  <p:cSld>
+    <p:spTree>
+      <p:nvGrpSpPr>
+        <p:cNvPr id="1" name="Shape 405">
+          <a:extLst>
+            <a:ext uri="{FF2B5EF4-FFF2-40B4-BE49-F238E27FC236}">
+              <a16:creationId xmlns:a16="http://schemas.microsoft.com/office/drawing/2014/main" id="{33516E96-7D7B-7C9C-9588-1DFF30B77E20}"/>
+            </a:ext>
+          </a:extLst>
+        </p:cNvPr>
+        <p:cNvGrpSpPr/>
+        <p:nvPr/>
+      </p:nvGrpSpPr>
+      <p:grpSpPr>
+        <a:xfrm>
+          <a:off x="0" y="0"/>
+          <a:ext cx="0" cy="0"/>
+          <a:chOff x="0" y="0"/>
+          <a:chExt cx="0" cy="0"/>
+        </a:xfrm>
+      </p:grpSpPr>
+      <p:sp>
+        <p:nvSpPr>
+          <p:cNvPr id="406" name="Google Shape;406;g32040ae3fd7_0_2">
+            <a:extLst>
+              <a:ext uri="{FF2B5EF4-FFF2-40B4-BE49-F238E27FC236}">
+                <a16:creationId xmlns:a16="http://schemas.microsoft.com/office/drawing/2014/main" id="{AB43E984-E618-D7D2-699B-DE5D84510905}"/>
+              </a:ext>
+            </a:extLst>
+          </p:cNvPr>
+          <p:cNvSpPr txBox="1">
+            <a:spLocks noGrp="1"/>
+          </p:cNvSpPr>
+          <p:nvPr>
+            <p:ph type="sldNum" idx="12"/>
+          </p:nvPr>
+        </p:nvSpPr>
+        <p:spPr>
+          <a:xfrm>
+            <a:off x="6553200" y="6356350"/>
+            <a:ext cx="2133600" cy="365100"/>
+          </a:xfrm>
+          <a:prstGeom prst="rect">
+            <a:avLst/>
+          </a:prstGeom>
+          <a:noFill/>
+          <a:ln>
+            <a:noFill/>
+          </a:ln>
+        </p:spPr>
+        <p:txBody>
+          <a:bodyPr spcFirstLastPara="1" wrap="square" lIns="91425" tIns="45700" rIns="91425" bIns="45700" anchor="ctr" anchorCtr="0">
+            <a:noAutofit/>
+          </a:bodyPr>
+          <a:lstStyle/>
+          <a:p>
+            <a:pPr marL="0" lvl="0" indent="0" algn="r" rtl="0">
+              <a:lnSpc>
+                <a:spcPct val="100000"/>
+              </a:lnSpc>
+              <a:spcBef>
+                <a:spcPts val="0"/>
+              </a:spcBef>
+              <a:spcAft>
+                <a:spcPts val="0"/>
+              </a:spcAft>
+              <a:buSzPts val="1000"/>
+              <a:buNone/>
+            </a:pPr>
+            <a:fld id="{00000000-1234-1234-1234-123412341234}" type="slidenum">
+              <a:rPr lang="fr-FR" sz="1000">
+                <a:solidFill>
+                  <a:srgbClr val="808080"/>
+                </a:solidFill>
+                <a:latin typeface="Arial"/>
+                <a:ea typeface="Arial"/>
+                <a:cs typeface="Arial"/>
+                <a:sym typeface="Arial"/>
+              </a:rPr>
+              <a:t>38</a:t>
+            </a:fld>
+            <a:endParaRPr sz="1000">
+              <a:solidFill>
+                <a:srgbClr val="808080"/>
               </a:solidFill>
               <a:latin typeface="Arial"/>
               <a:ea typeface="Arial"/>
@@ -37265,6 +37564,279 @@
               <a:sym typeface="Arial"/>
             </a:endParaRPr>
           </a:p>
+        </p:txBody>
+      </p:sp>
+      <p:sp>
+        <p:nvSpPr>
+          <p:cNvPr id="407" name="Google Shape;407;g32040ae3fd7_0_2">
+            <a:extLst>
+              <a:ext uri="{FF2B5EF4-FFF2-40B4-BE49-F238E27FC236}">
+                <a16:creationId xmlns:a16="http://schemas.microsoft.com/office/drawing/2014/main" id="{D30949F7-BF05-5731-6D32-3ABFC22B2753}"/>
+              </a:ext>
+            </a:extLst>
+          </p:cNvPr>
+          <p:cNvSpPr/>
+          <p:nvPr/>
+        </p:nvSpPr>
+        <p:spPr>
+          <a:xfrm>
+            <a:off x="0" y="0"/>
+            <a:ext cx="9144000" cy="698100"/>
+          </a:xfrm>
+          <a:prstGeom prst="rect">
+            <a:avLst/>
+          </a:prstGeom>
+          <a:solidFill>
+            <a:srgbClr val="2E5D5A"/>
+          </a:solidFill>
+          <a:ln>
+            <a:noFill/>
+          </a:ln>
+        </p:spPr>
+        <p:txBody>
+          <a:bodyPr spcFirstLastPara="1" wrap="square" lIns="91425" tIns="45700" rIns="91425" bIns="45700" anchor="ctr" anchorCtr="0">
+            <a:noAutofit/>
+          </a:bodyPr>
+          <a:lstStyle/>
+          <a:p>
+            <a:pPr marL="0" marR="0" lvl="0" indent="0" algn="ctr" rtl="0">
+              <a:lnSpc>
+                <a:spcPct val="100000"/>
+              </a:lnSpc>
+              <a:spcBef>
+                <a:spcPts val="0"/>
+              </a:spcBef>
+              <a:spcAft>
+                <a:spcPts val="0"/>
+              </a:spcAft>
+              <a:buClr>
+                <a:srgbClr val="000000"/>
+              </a:buClr>
+              <a:buSzPts val="1800"/>
+              <a:buFont typeface="Arial"/>
+              <a:buNone/>
+            </a:pPr>
+            <a:endParaRPr sz="1800" b="0" i="0" u="none" strike="noStrike" cap="none">
+              <a:solidFill>
+                <a:srgbClr val="2E5D5A"/>
+              </a:solidFill>
+              <a:latin typeface="Calibri"/>
+              <a:ea typeface="Calibri"/>
+              <a:cs typeface="Calibri"/>
+              <a:sym typeface="Calibri"/>
+            </a:endParaRPr>
+          </a:p>
+        </p:txBody>
+      </p:sp>
+      <p:sp>
+        <p:nvSpPr>
+          <p:cNvPr id="408" name="Google Shape;408;g32040ae3fd7_0_2">
+            <a:extLst>
+              <a:ext uri="{FF2B5EF4-FFF2-40B4-BE49-F238E27FC236}">
+                <a16:creationId xmlns:a16="http://schemas.microsoft.com/office/drawing/2014/main" id="{ABF0E072-62E9-1D6E-7F8E-BDDF26E055FB}"/>
+              </a:ext>
+            </a:extLst>
+          </p:cNvPr>
+          <p:cNvSpPr txBox="1"/>
+          <p:nvPr/>
+        </p:nvSpPr>
+        <p:spPr>
+          <a:xfrm>
+            <a:off x="6904408" y="142212"/>
+            <a:ext cx="1975500" cy="428400"/>
+          </a:xfrm>
+          <a:prstGeom prst="rect">
+            <a:avLst/>
+          </a:prstGeom>
+          <a:noFill/>
+          <a:ln>
+            <a:noFill/>
+          </a:ln>
+        </p:spPr>
+        <p:txBody>
+          <a:bodyPr spcFirstLastPara="1" wrap="square" lIns="91425" tIns="45700" rIns="91425" bIns="45700" anchor="t" anchorCtr="0">
+            <a:noAutofit/>
+          </a:bodyPr>
+          <a:lstStyle/>
+          <a:p>
+            <a:pPr marL="0" marR="0" lvl="0" indent="0" algn="r" rtl="0">
+              <a:lnSpc>
+                <a:spcPct val="110000"/>
+              </a:lnSpc>
+              <a:spcBef>
+                <a:spcPts val="0"/>
+              </a:spcBef>
+              <a:spcAft>
+                <a:spcPts val="0"/>
+              </a:spcAft>
+              <a:buClr>
+                <a:srgbClr val="000000"/>
+              </a:buClr>
+              <a:buSzPts val="1000"/>
+              <a:buFont typeface="Arial"/>
+              <a:buNone/>
+            </a:pPr>
+            <a:r>
+              <a:rPr lang="fr-FR" sz="1000" b="1" i="0" u="none" strike="noStrike" cap="none">
+                <a:solidFill>
+                  <a:srgbClr val="FFFFFF"/>
+                </a:solidFill>
+                <a:latin typeface="Arial"/>
+                <a:ea typeface="Arial"/>
+                <a:cs typeface="Arial"/>
+                <a:sym typeface="Arial"/>
+              </a:rPr>
+              <a:t>SEANCE 1</a:t>
+            </a:r>
+            <a:br>
+              <a:rPr lang="fr-FR" sz="1000" b="0" i="0" u="none" strike="noStrike" cap="none">
+                <a:solidFill>
+                  <a:srgbClr val="FFFFFF"/>
+                </a:solidFill>
+                <a:latin typeface="Arial"/>
+                <a:ea typeface="Arial"/>
+                <a:cs typeface="Arial"/>
+                <a:sym typeface="Arial"/>
+              </a:rPr>
+            </a:br>
+            <a:r>
+              <a:rPr lang="fr-FR" sz="1000" b="0" i="0" u="none" strike="noStrike" cap="none">
+                <a:solidFill>
+                  <a:srgbClr val="FFFFFF"/>
+                </a:solidFill>
+                <a:latin typeface="Arial"/>
+                <a:ea typeface="Arial"/>
+                <a:cs typeface="Arial"/>
+                <a:sym typeface="Arial"/>
+              </a:rPr>
+              <a:t>Cours introductif</a:t>
+            </a:r>
+            <a:endParaRPr sz="1000" b="0" i="0" u="none" strike="noStrike" cap="none">
+              <a:solidFill>
+                <a:srgbClr val="FFFFFF"/>
+              </a:solidFill>
+              <a:latin typeface="Arial"/>
+              <a:ea typeface="Arial"/>
+              <a:cs typeface="Arial"/>
+              <a:sym typeface="Arial"/>
+            </a:endParaRPr>
+          </a:p>
+        </p:txBody>
+      </p:sp>
+      <p:sp>
+        <p:nvSpPr>
+          <p:cNvPr id="409" name="Google Shape;409;g32040ae3fd7_0_2">
+            <a:extLst>
+              <a:ext uri="{FF2B5EF4-FFF2-40B4-BE49-F238E27FC236}">
+                <a16:creationId xmlns:a16="http://schemas.microsoft.com/office/drawing/2014/main" id="{4C28DB63-9905-57AB-F703-A0E3A55E49A1}"/>
+              </a:ext>
+            </a:extLst>
+          </p:cNvPr>
+          <p:cNvSpPr txBox="1"/>
+          <p:nvPr/>
+        </p:nvSpPr>
+        <p:spPr>
+          <a:xfrm>
+            <a:off x="467650" y="973475"/>
+            <a:ext cx="8219100" cy="698100"/>
+          </a:xfrm>
+          <a:prstGeom prst="rect">
+            <a:avLst/>
+          </a:prstGeom>
+          <a:noFill/>
+          <a:ln>
+            <a:noFill/>
+          </a:ln>
+        </p:spPr>
+        <p:txBody>
+          <a:bodyPr spcFirstLastPara="1" wrap="square" lIns="91425" tIns="91425" rIns="91425" bIns="91425" anchor="t" anchorCtr="0">
+            <a:noAutofit/>
+          </a:bodyPr>
+          <a:lstStyle/>
+          <a:p>
+            <a:pPr marL="0" marR="0" lvl="0" indent="0" algn="l" rtl="0">
+              <a:lnSpc>
+                <a:spcPct val="90000"/>
+              </a:lnSpc>
+              <a:spcBef>
+                <a:spcPts val="25"/>
+              </a:spcBef>
+              <a:spcAft>
+                <a:spcPts val="0"/>
+              </a:spcAft>
+              <a:buClr>
+                <a:srgbClr val="000000"/>
+              </a:buClr>
+              <a:buSzPts val="2550"/>
+              <a:buFont typeface="Arial"/>
+              <a:buNone/>
+            </a:pPr>
+            <a:r>
+              <a:rPr lang="fr-FR" sz="2550" b="1" i="0" u="none" strike="noStrike" cap="none" dirty="0">
+                <a:solidFill>
+                  <a:schemeClr val="dk1"/>
+                </a:solidFill>
+                <a:latin typeface="Arial"/>
+                <a:ea typeface="Arial"/>
+                <a:cs typeface="Arial"/>
+                <a:sym typeface="Arial"/>
+              </a:rPr>
+              <a:t>Télécharger et installer R et </a:t>
+            </a:r>
+            <a:r>
+              <a:rPr lang="fr-FR" sz="2550" b="1" i="0" u="none" strike="noStrike" cap="none" dirty="0" err="1">
+                <a:solidFill>
+                  <a:schemeClr val="dk1"/>
+                </a:solidFill>
+                <a:latin typeface="Arial"/>
+                <a:ea typeface="Arial"/>
+                <a:cs typeface="Arial"/>
+                <a:sym typeface="Arial"/>
+              </a:rPr>
+              <a:t>Rstudio</a:t>
+            </a:r>
+            <a:endParaRPr sz="2550" b="1" i="0" u="none" strike="noStrike" cap="none" dirty="0">
+              <a:solidFill>
+                <a:schemeClr val="dk1"/>
+              </a:solidFill>
+              <a:latin typeface="Arial"/>
+              <a:ea typeface="Arial"/>
+              <a:cs typeface="Arial"/>
+              <a:sym typeface="Arial"/>
+            </a:endParaRPr>
+          </a:p>
+        </p:txBody>
+      </p:sp>
+      <p:sp>
+        <p:nvSpPr>
+          <p:cNvPr id="410" name="Google Shape;410;g32040ae3fd7_0_2">
+            <a:extLst>
+              <a:ext uri="{FF2B5EF4-FFF2-40B4-BE49-F238E27FC236}">
+                <a16:creationId xmlns:a16="http://schemas.microsoft.com/office/drawing/2014/main" id="{134D7F15-D1FE-58A7-3F7A-B28020CC10D3}"/>
+              </a:ext>
+            </a:extLst>
+          </p:cNvPr>
+          <p:cNvSpPr txBox="1"/>
+          <p:nvPr/>
+        </p:nvSpPr>
+        <p:spPr>
+          <a:xfrm>
+            <a:off x="467925" y="1846650"/>
+            <a:ext cx="8219100" cy="4215000"/>
+          </a:xfrm>
+          <a:prstGeom prst="rect">
+            <a:avLst/>
+          </a:prstGeom>
+          <a:noFill/>
+          <a:ln>
+            <a:noFill/>
+          </a:ln>
+        </p:spPr>
+        <p:txBody>
+          <a:bodyPr spcFirstLastPara="1" wrap="square" lIns="91425" tIns="91425" rIns="91425" bIns="91425" anchor="t" anchorCtr="0">
+            <a:noAutofit/>
+          </a:bodyPr>
+          <a:lstStyle/>
           <a:p>
             <a:pPr marL="73025" lvl="0">
               <a:lnSpc>
@@ -37278,13 +37850,21 @@
               </a:buClr>
               <a:buSzPts val="2450"/>
             </a:pPr>
+            <a:r>
+              <a:rPr lang="fr-FR" sz="2450" b="1" dirty="0">
+                <a:solidFill>
+                  <a:schemeClr val="dk1"/>
+                </a:solidFill>
+              </a:rPr>
+              <a:t>Également pour la semaine prochaine</a:t>
+            </a:r>
             <a:r>
               <a:rPr lang="fr-FR" sz="2450" dirty="0">
                 <a:solidFill>
                   <a:schemeClr val="dk1"/>
                 </a:solidFill>
               </a:rPr>
-              <a:t>Également pour la semaine prochaine, télécharger et installer R en premier, puis </a:t>
+              <a:t>, télécharger et installer R en premier, puis </a:t>
             </a:r>
             <a:r>
               <a:rPr lang="fr-FR" sz="2450" dirty="0" err="1">
@@ -37364,7 +37944,7 @@
           <p:cNvPr id="3" name="Picture 2" descr="A screenshot of a computer&#10;&#10;AI-generated content may be incorrect.">
             <a:extLst>
               <a:ext uri="{FF2B5EF4-FFF2-40B4-BE49-F238E27FC236}">
-                <a16:creationId xmlns:a16="http://schemas.microsoft.com/office/drawing/2014/main" id="{24306681-58D2-2042-BF29-26349E0CC2EA}"/>
+                <a16:creationId xmlns:a16="http://schemas.microsoft.com/office/drawing/2014/main" id="{D2F6F924-8294-D9CA-FB88-18514A716C4A}"/>
               </a:ext>
             </a:extLst>
           </p:cNvPr>
@@ -37381,8 +37961,8 @@
         </p:blipFill>
         <p:spPr>
           <a:xfrm>
-            <a:off x="2049510" y="4571143"/>
-            <a:ext cx="5044979" cy="1785207"/>
+            <a:off x="1012990" y="3259178"/>
+            <a:ext cx="7118019" cy="2518769"/>
           </a:xfrm>
           <a:prstGeom prst="rect">
             <a:avLst/>
@@ -37392,7 +37972,7 @@
     </p:spTree>
     <p:extLst>
       <p:ext uri="{BB962C8B-B14F-4D97-AF65-F5344CB8AC3E}">
-        <p14:creationId xmlns:p14="http://schemas.microsoft.com/office/powerpoint/2010/main" val="883674604"/>
+        <p14:creationId xmlns:p14="http://schemas.microsoft.com/office/powerpoint/2010/main" val="2035028294"/>
       </p:ext>
     </p:extLst>
   </p:cSld>
@@ -37402,7 +37982,7 @@
 </p:sld>
 </file>
 
-<file path=ppt/slides/slide38.xml><?xml version="1.0" encoding="utf-8"?>
+<file path=ppt/slides/slide39.xml><?xml version="1.0" encoding="utf-8"?>
 <p:sld xmlns:a="http://schemas.openxmlformats.org/drawingml/2006/main" xmlns:r="http://schemas.openxmlformats.org/officeDocument/2006/relationships" xmlns:p="http://schemas.openxmlformats.org/presentationml/2006/main">
   <p:cSld>
     <p:spTree>
@@ -37471,7 +38051,7 @@
                 <a:cs typeface="Arial"/>
                 <a:sym typeface="Arial"/>
               </a:rPr>
-              <a:t>38</a:t>
+              <a:t>39</a:t>
             </a:fld>
             <a:endParaRPr sz="1000">
               <a:solidFill>
@@ -37854,649 +38434,6 @@
               <a:ea typeface="Calibri"/>
               <a:cs typeface="Calibri"/>
               <a:sym typeface="Calibri"/>
-            </a:endParaRPr>
-          </a:p>
-        </p:txBody>
-      </p:sp>
-    </p:spTree>
-  </p:cSld>
-  <p:clrMapOvr>
-    <a:masterClrMapping/>
-  </p:clrMapOvr>
-</p:sld>
-</file>
-
-<file path=ppt/slides/slide39.xml><?xml version="1.0" encoding="utf-8"?>
-<p:sld xmlns:a="http://schemas.openxmlformats.org/drawingml/2006/main" xmlns:r="http://schemas.openxmlformats.org/officeDocument/2006/relationships" xmlns:p="http://schemas.openxmlformats.org/presentationml/2006/main">
-  <p:cSld>
-    <p:spTree>
-      <p:nvGrpSpPr>
-        <p:cNvPr id="1" name="Shape 423"/>
-        <p:cNvGrpSpPr/>
-        <p:nvPr/>
-      </p:nvGrpSpPr>
-      <p:grpSpPr>
-        <a:xfrm>
-          <a:off x="0" y="0"/>
-          <a:ext cx="0" cy="0"/>
-          <a:chOff x="0" y="0"/>
-          <a:chExt cx="0" cy="0"/>
-        </a:xfrm>
-      </p:grpSpPr>
-      <p:sp>
-        <p:nvSpPr>
-          <p:cNvPr id="424" name="Google Shape;424;g2ab55a4ceb1_2_0"/>
-          <p:cNvSpPr txBox="1">
-            <a:spLocks noGrp="1"/>
-          </p:cNvSpPr>
-          <p:nvPr>
-            <p:ph type="sldNum" idx="12"/>
-          </p:nvPr>
-        </p:nvSpPr>
-        <p:spPr>
-          <a:xfrm>
-            <a:off x="6553200" y="6356350"/>
-            <a:ext cx="2133600" cy="365100"/>
-          </a:xfrm>
-          <a:prstGeom prst="rect">
-            <a:avLst/>
-          </a:prstGeom>
-          <a:noFill/>
-          <a:ln>
-            <a:noFill/>
-          </a:ln>
-        </p:spPr>
-        <p:txBody>
-          <a:bodyPr spcFirstLastPara="1" wrap="square" lIns="91425" tIns="45700" rIns="91425" bIns="45700" anchor="ctr" anchorCtr="0">
-            <a:noAutofit/>
-          </a:bodyPr>
-          <a:lstStyle/>
-          <a:p>
-            <a:pPr marL="0" lvl="0" indent="0" algn="r" rtl="0">
-              <a:lnSpc>
-                <a:spcPct val="100000"/>
-              </a:lnSpc>
-              <a:spcBef>
-                <a:spcPts val="0"/>
-              </a:spcBef>
-              <a:spcAft>
-                <a:spcPts val="0"/>
-              </a:spcAft>
-              <a:buSzPts val="1000"/>
-              <a:buNone/>
-            </a:pPr>
-            <a:fld id="{00000000-1234-1234-1234-123412341234}" type="slidenum">
-              <a:rPr lang="fr-FR" sz="1000">
-                <a:solidFill>
-                  <a:srgbClr val="808080"/>
-                </a:solidFill>
-                <a:latin typeface="Arial"/>
-                <a:ea typeface="Arial"/>
-                <a:cs typeface="Arial"/>
-                <a:sym typeface="Arial"/>
-              </a:rPr>
-              <a:t>39</a:t>
-            </a:fld>
-            <a:endParaRPr sz="1000">
-              <a:solidFill>
-                <a:srgbClr val="808080"/>
-              </a:solidFill>
-              <a:latin typeface="Arial"/>
-              <a:ea typeface="Arial"/>
-              <a:cs typeface="Arial"/>
-              <a:sym typeface="Arial"/>
-            </a:endParaRPr>
-          </a:p>
-        </p:txBody>
-      </p:sp>
-      <p:sp>
-        <p:nvSpPr>
-          <p:cNvPr id="425" name="Google Shape;425;g2ab55a4ceb1_2_0"/>
-          <p:cNvSpPr/>
-          <p:nvPr/>
-        </p:nvSpPr>
-        <p:spPr>
-          <a:xfrm>
-            <a:off x="0" y="0"/>
-            <a:ext cx="9144000" cy="698100"/>
-          </a:xfrm>
-          <a:prstGeom prst="rect">
-            <a:avLst/>
-          </a:prstGeom>
-          <a:solidFill>
-            <a:srgbClr val="2E5D5A"/>
-          </a:solidFill>
-          <a:ln>
-            <a:noFill/>
-          </a:ln>
-        </p:spPr>
-        <p:txBody>
-          <a:bodyPr spcFirstLastPara="1" wrap="square" lIns="91425" tIns="45700" rIns="91425" bIns="45700" anchor="ctr" anchorCtr="0">
-            <a:noAutofit/>
-          </a:bodyPr>
-          <a:lstStyle/>
-          <a:p>
-            <a:pPr marL="0" marR="0" lvl="0" indent="0" algn="ctr" rtl="0">
-              <a:lnSpc>
-                <a:spcPct val="100000"/>
-              </a:lnSpc>
-              <a:spcBef>
-                <a:spcPts val="0"/>
-              </a:spcBef>
-              <a:spcAft>
-                <a:spcPts val="0"/>
-              </a:spcAft>
-              <a:buClr>
-                <a:srgbClr val="000000"/>
-              </a:buClr>
-              <a:buSzPts val="1800"/>
-              <a:buFont typeface="Arial"/>
-              <a:buNone/>
-            </a:pPr>
-            <a:endParaRPr sz="1800" b="0" i="0" u="none" strike="noStrike" cap="none">
-              <a:solidFill>
-                <a:srgbClr val="2E5D5A"/>
-              </a:solidFill>
-              <a:latin typeface="Calibri"/>
-              <a:ea typeface="Calibri"/>
-              <a:cs typeface="Calibri"/>
-              <a:sym typeface="Calibri"/>
-            </a:endParaRPr>
-          </a:p>
-        </p:txBody>
-      </p:sp>
-      <p:sp>
-        <p:nvSpPr>
-          <p:cNvPr id="426" name="Google Shape;426;g2ab55a4ceb1_2_0"/>
-          <p:cNvSpPr txBox="1"/>
-          <p:nvPr/>
-        </p:nvSpPr>
-        <p:spPr>
-          <a:xfrm>
-            <a:off x="6904408" y="142212"/>
-            <a:ext cx="1975500" cy="428400"/>
-          </a:xfrm>
-          <a:prstGeom prst="rect">
-            <a:avLst/>
-          </a:prstGeom>
-          <a:noFill/>
-          <a:ln>
-            <a:noFill/>
-          </a:ln>
-        </p:spPr>
-        <p:txBody>
-          <a:bodyPr spcFirstLastPara="1" wrap="square" lIns="91425" tIns="45700" rIns="91425" bIns="45700" anchor="t" anchorCtr="0">
-            <a:noAutofit/>
-          </a:bodyPr>
-          <a:lstStyle/>
-          <a:p>
-            <a:pPr marL="0" marR="0" lvl="0" indent="0" algn="r" rtl="0">
-              <a:lnSpc>
-                <a:spcPct val="110000"/>
-              </a:lnSpc>
-              <a:spcBef>
-                <a:spcPts val="0"/>
-              </a:spcBef>
-              <a:spcAft>
-                <a:spcPts val="0"/>
-              </a:spcAft>
-              <a:buClr>
-                <a:srgbClr val="000000"/>
-              </a:buClr>
-              <a:buSzPts val="1000"/>
-              <a:buFont typeface="Arial"/>
-              <a:buNone/>
-            </a:pPr>
-            <a:r>
-              <a:rPr lang="fr-FR" sz="1000" b="1" i="0" u="none" strike="noStrike" cap="none">
-                <a:solidFill>
-                  <a:srgbClr val="FFFFFF"/>
-                </a:solidFill>
-                <a:latin typeface="Arial"/>
-                <a:ea typeface="Arial"/>
-                <a:cs typeface="Arial"/>
-                <a:sym typeface="Arial"/>
-              </a:rPr>
-              <a:t>SEANCE 1</a:t>
-            </a:r>
-            <a:br>
-              <a:rPr lang="fr-FR" sz="1000" b="0" i="0" u="none" strike="noStrike" cap="none">
-                <a:solidFill>
-                  <a:srgbClr val="FFFFFF"/>
-                </a:solidFill>
-                <a:latin typeface="Arial"/>
-                <a:ea typeface="Arial"/>
-                <a:cs typeface="Arial"/>
-                <a:sym typeface="Arial"/>
-              </a:rPr>
-            </a:br>
-            <a:r>
-              <a:rPr lang="fr-FR" sz="1000" b="0" i="0" u="none" strike="noStrike" cap="none">
-                <a:solidFill>
-                  <a:srgbClr val="FFFFFF"/>
-                </a:solidFill>
-                <a:latin typeface="Arial"/>
-                <a:ea typeface="Arial"/>
-                <a:cs typeface="Arial"/>
-                <a:sym typeface="Arial"/>
-              </a:rPr>
-              <a:t>Cours introductif</a:t>
-            </a:r>
-            <a:endParaRPr sz="1000" b="0" i="0" u="none" strike="noStrike" cap="none">
-              <a:solidFill>
-                <a:srgbClr val="FFFFFF"/>
-              </a:solidFill>
-              <a:latin typeface="Arial"/>
-              <a:ea typeface="Arial"/>
-              <a:cs typeface="Arial"/>
-              <a:sym typeface="Arial"/>
-            </a:endParaRPr>
-          </a:p>
-        </p:txBody>
-      </p:sp>
-      <p:sp>
-        <p:nvSpPr>
-          <p:cNvPr id="427" name="Google Shape;427;g2ab55a4ceb1_2_0"/>
-          <p:cNvSpPr txBox="1"/>
-          <p:nvPr/>
-        </p:nvSpPr>
-        <p:spPr>
-          <a:xfrm>
-            <a:off x="571150" y="1563745"/>
-            <a:ext cx="8048700" cy="4651500"/>
-          </a:xfrm>
-          <a:prstGeom prst="rect">
-            <a:avLst/>
-          </a:prstGeom>
-          <a:noFill/>
-          <a:ln>
-            <a:noFill/>
-          </a:ln>
-        </p:spPr>
-        <p:txBody>
-          <a:bodyPr spcFirstLastPara="1" wrap="square" lIns="91425" tIns="91425" rIns="91425" bIns="91425" anchor="t" anchorCtr="0">
-            <a:noAutofit/>
-          </a:bodyPr>
-          <a:lstStyle/>
-          <a:p>
-            <a:pPr marL="0" marR="0" lvl="0" indent="0" algn="l" rtl="0">
-              <a:lnSpc>
-                <a:spcPct val="90000"/>
-              </a:lnSpc>
-              <a:spcBef>
-                <a:spcPts val="25"/>
-              </a:spcBef>
-              <a:spcAft>
-                <a:spcPts val="0"/>
-              </a:spcAft>
-              <a:buClr>
-                <a:srgbClr val="000000"/>
-              </a:buClr>
-              <a:buSzPts val="2565"/>
-              <a:buFont typeface="Arial"/>
-              <a:buNone/>
-            </a:pPr>
-            <a:endParaRPr sz="1165">
-              <a:solidFill>
-                <a:schemeClr val="dk1"/>
-              </a:solidFill>
-            </a:endParaRPr>
-          </a:p>
-          <a:p>
-            <a:pPr marL="0" marR="0" lvl="0" indent="0" algn="l" rtl="0">
-              <a:lnSpc>
-                <a:spcPct val="90000"/>
-              </a:lnSpc>
-              <a:spcBef>
-                <a:spcPts val="25"/>
-              </a:spcBef>
-              <a:spcAft>
-                <a:spcPts val="0"/>
-              </a:spcAft>
-              <a:buClr>
-                <a:srgbClr val="000000"/>
-              </a:buClr>
-              <a:buSzPts val="2565"/>
-              <a:buFont typeface="Arial"/>
-              <a:buNone/>
-            </a:pPr>
-            <a:r>
-              <a:rPr lang="fr-FR" sz="2565" b="0" i="0" u="none" strike="noStrike" cap="none">
-                <a:solidFill>
-                  <a:schemeClr val="dk1"/>
-                </a:solidFill>
-                <a:latin typeface="Arial"/>
-                <a:ea typeface="Arial"/>
-                <a:cs typeface="Arial"/>
-                <a:sym typeface="Arial"/>
-              </a:rPr>
-              <a:t>cf. syllabus</a:t>
-            </a:r>
-            <a:endParaRPr sz="2565" b="0" i="0" u="none" strike="noStrike" cap="none">
-              <a:solidFill>
-                <a:schemeClr val="dk1"/>
-              </a:solidFill>
-              <a:latin typeface="Arial"/>
-              <a:ea typeface="Arial"/>
-              <a:cs typeface="Arial"/>
-              <a:sym typeface="Arial"/>
-            </a:endParaRPr>
-          </a:p>
-          <a:p>
-            <a:pPr marL="0" marR="0" lvl="0" indent="0" algn="l" rtl="0">
-              <a:lnSpc>
-                <a:spcPct val="90000"/>
-              </a:lnSpc>
-              <a:spcBef>
-                <a:spcPts val="25"/>
-              </a:spcBef>
-              <a:spcAft>
-                <a:spcPts val="0"/>
-              </a:spcAft>
-              <a:buClr>
-                <a:srgbClr val="000000"/>
-              </a:buClr>
-              <a:buSzPts val="2565"/>
-              <a:buFont typeface="Arial"/>
-              <a:buNone/>
-            </a:pPr>
-            <a:endParaRPr sz="1565">
-              <a:solidFill>
-                <a:schemeClr val="dk1"/>
-              </a:solidFill>
-            </a:endParaRPr>
-          </a:p>
-          <a:p>
-            <a:pPr marL="457200" marR="0" lvl="0" indent="-391477" algn="l" rtl="0">
-              <a:lnSpc>
-                <a:spcPct val="90000"/>
-              </a:lnSpc>
-              <a:spcBef>
-                <a:spcPts val="25"/>
-              </a:spcBef>
-              <a:spcAft>
-                <a:spcPts val="0"/>
-              </a:spcAft>
-              <a:buClr>
-                <a:schemeClr val="dk1"/>
-              </a:buClr>
-              <a:buSzPts val="2565"/>
-              <a:buChar char="-"/>
-            </a:pPr>
-            <a:r>
-              <a:rPr lang="fr-FR" sz="2565">
-                <a:solidFill>
-                  <a:schemeClr val="dk1"/>
-                </a:solidFill>
-              </a:rPr>
-              <a:t>Séance 1 &amp; 2: Introduction: les méthodes quantitatives qu’est-ce que c’est?</a:t>
-            </a:r>
-            <a:endParaRPr sz="2565">
-              <a:solidFill>
-                <a:schemeClr val="dk1"/>
-              </a:solidFill>
-            </a:endParaRPr>
-          </a:p>
-          <a:p>
-            <a:pPr marL="457200" marR="0" lvl="0" indent="0" algn="l" rtl="0">
-              <a:lnSpc>
-                <a:spcPct val="90000"/>
-              </a:lnSpc>
-              <a:spcBef>
-                <a:spcPts val="25"/>
-              </a:spcBef>
-              <a:spcAft>
-                <a:spcPts val="0"/>
-              </a:spcAft>
-              <a:buNone/>
-            </a:pPr>
-            <a:endParaRPr sz="1765">
-              <a:solidFill>
-                <a:schemeClr val="dk1"/>
-              </a:solidFill>
-            </a:endParaRPr>
-          </a:p>
-          <a:p>
-            <a:pPr marL="457200" marR="0" lvl="0" indent="-391477" algn="l" rtl="0">
-              <a:lnSpc>
-                <a:spcPct val="90000"/>
-              </a:lnSpc>
-              <a:spcBef>
-                <a:spcPts val="25"/>
-              </a:spcBef>
-              <a:spcAft>
-                <a:spcPts val="0"/>
-              </a:spcAft>
-              <a:buClr>
-                <a:schemeClr val="dk1"/>
-              </a:buClr>
-              <a:buSzPts val="2565"/>
-              <a:buChar char="-"/>
-            </a:pPr>
-            <a:r>
-              <a:rPr lang="fr-FR" sz="2565">
-                <a:solidFill>
-                  <a:schemeClr val="dk1"/>
-                </a:solidFill>
-              </a:rPr>
-              <a:t>Séance 3, 4 : l’analyse univariée</a:t>
-            </a:r>
-            <a:endParaRPr sz="2565">
-              <a:solidFill>
-                <a:schemeClr val="dk1"/>
-              </a:solidFill>
-            </a:endParaRPr>
-          </a:p>
-          <a:p>
-            <a:pPr marL="457200" marR="0" lvl="0" indent="0" algn="l" rtl="0">
-              <a:lnSpc>
-                <a:spcPct val="90000"/>
-              </a:lnSpc>
-              <a:spcBef>
-                <a:spcPts val="25"/>
-              </a:spcBef>
-              <a:spcAft>
-                <a:spcPts val="0"/>
-              </a:spcAft>
-              <a:buNone/>
-            </a:pPr>
-            <a:endParaRPr sz="1565">
-              <a:solidFill>
-                <a:schemeClr val="dk1"/>
-              </a:solidFill>
-            </a:endParaRPr>
-          </a:p>
-          <a:p>
-            <a:pPr marL="457200" marR="0" lvl="0" indent="-391477" algn="l" rtl="0">
-              <a:lnSpc>
-                <a:spcPct val="90000"/>
-              </a:lnSpc>
-              <a:spcBef>
-                <a:spcPts val="25"/>
-              </a:spcBef>
-              <a:spcAft>
-                <a:spcPts val="0"/>
-              </a:spcAft>
-              <a:buClr>
-                <a:schemeClr val="dk1"/>
-              </a:buClr>
-              <a:buSzPts val="2565"/>
-              <a:buChar char="-"/>
-            </a:pPr>
-            <a:r>
-              <a:rPr lang="fr-FR" sz="2565">
-                <a:solidFill>
-                  <a:schemeClr val="dk1"/>
-                </a:solidFill>
-              </a:rPr>
-              <a:t>Séance 5, 6 et 7 : l’analyse bivariée</a:t>
-            </a:r>
-            <a:endParaRPr sz="2565">
-              <a:solidFill>
-                <a:schemeClr val="dk1"/>
-              </a:solidFill>
-            </a:endParaRPr>
-          </a:p>
-          <a:p>
-            <a:pPr marL="457200" marR="0" lvl="0" indent="-327977" algn="l" rtl="0">
-              <a:lnSpc>
-                <a:spcPct val="90000"/>
-              </a:lnSpc>
-              <a:spcBef>
-                <a:spcPts val="0"/>
-              </a:spcBef>
-              <a:spcAft>
-                <a:spcPts val="0"/>
-              </a:spcAft>
-              <a:buClr>
-                <a:schemeClr val="dk1"/>
-              </a:buClr>
-              <a:buSzPts val="1565"/>
-              <a:buChar char="-"/>
-            </a:pPr>
-            <a:endParaRPr sz="1565">
-              <a:solidFill>
-                <a:schemeClr val="dk1"/>
-              </a:solidFill>
-            </a:endParaRPr>
-          </a:p>
-          <a:p>
-            <a:pPr marL="457200" marR="0" lvl="0" indent="-391477" algn="l" rtl="0">
-              <a:lnSpc>
-                <a:spcPct val="90000"/>
-              </a:lnSpc>
-              <a:spcBef>
-                <a:spcPts val="0"/>
-              </a:spcBef>
-              <a:spcAft>
-                <a:spcPts val="0"/>
-              </a:spcAft>
-              <a:buClr>
-                <a:schemeClr val="dk1"/>
-              </a:buClr>
-              <a:buSzPts val="2565"/>
-              <a:buChar char="-"/>
-            </a:pPr>
-            <a:r>
-              <a:rPr lang="fr-FR" sz="2565">
-                <a:solidFill>
-                  <a:schemeClr val="dk1"/>
-                </a:solidFill>
-              </a:rPr>
-              <a:t>Séance 8 &amp; 9 : introduction aux indicateurs synthétiques</a:t>
-            </a:r>
-            <a:endParaRPr sz="2565">
-              <a:solidFill>
-                <a:schemeClr val="dk1"/>
-              </a:solidFill>
-            </a:endParaRPr>
-          </a:p>
-          <a:p>
-            <a:pPr marL="457200" marR="0" lvl="0" indent="0" algn="l" rtl="0">
-              <a:lnSpc>
-                <a:spcPct val="90000"/>
-              </a:lnSpc>
-              <a:spcBef>
-                <a:spcPts val="25"/>
-              </a:spcBef>
-              <a:spcAft>
-                <a:spcPts val="0"/>
-              </a:spcAft>
-              <a:buNone/>
-            </a:pPr>
-            <a:endParaRPr sz="2065">
-              <a:solidFill>
-                <a:schemeClr val="dk1"/>
-              </a:solidFill>
-            </a:endParaRPr>
-          </a:p>
-          <a:p>
-            <a:pPr marL="457200" marR="0" lvl="0" indent="-391477" algn="l" rtl="0">
-              <a:lnSpc>
-                <a:spcPct val="90000"/>
-              </a:lnSpc>
-              <a:spcBef>
-                <a:spcPts val="25"/>
-              </a:spcBef>
-              <a:spcAft>
-                <a:spcPts val="0"/>
-              </a:spcAft>
-              <a:buClr>
-                <a:schemeClr val="dk1"/>
-              </a:buClr>
-              <a:buSzPts val="2565"/>
-              <a:buChar char="-"/>
-            </a:pPr>
-            <a:r>
-              <a:rPr lang="fr-FR" sz="2565">
-                <a:solidFill>
-                  <a:schemeClr val="dk1"/>
-                </a:solidFill>
-              </a:rPr>
-              <a:t>Séance 10 : travail en groupe en vue du rendu final  </a:t>
-            </a:r>
-            <a:endParaRPr sz="2565">
-              <a:solidFill>
-                <a:schemeClr val="dk1"/>
-              </a:solidFill>
-            </a:endParaRPr>
-          </a:p>
-        </p:txBody>
-      </p:sp>
-      <p:sp>
-        <p:nvSpPr>
-          <p:cNvPr id="428" name="Google Shape;428;g2ab55a4ceb1_2_0"/>
-          <p:cNvSpPr txBox="1"/>
-          <p:nvPr/>
-        </p:nvSpPr>
-        <p:spPr>
-          <a:xfrm>
-            <a:off x="467925" y="761600"/>
-            <a:ext cx="8274900" cy="698100"/>
-          </a:xfrm>
-          <a:prstGeom prst="rect">
-            <a:avLst/>
-          </a:prstGeom>
-          <a:noFill/>
-          <a:ln>
-            <a:noFill/>
-          </a:ln>
-        </p:spPr>
-        <p:txBody>
-          <a:bodyPr spcFirstLastPara="1" wrap="square" lIns="91425" tIns="91425" rIns="91425" bIns="91425" anchor="t" anchorCtr="0">
-            <a:noAutofit/>
-          </a:bodyPr>
-          <a:lstStyle/>
-          <a:p>
-            <a:pPr marL="0" marR="0" lvl="0" indent="0" algn="l" rtl="0">
-              <a:lnSpc>
-                <a:spcPct val="90000"/>
-              </a:lnSpc>
-              <a:spcBef>
-                <a:spcPts val="25"/>
-              </a:spcBef>
-              <a:spcAft>
-                <a:spcPts val="0"/>
-              </a:spcAft>
-              <a:buClr>
-                <a:srgbClr val="000000"/>
-              </a:buClr>
-              <a:buSzPts val="2950"/>
-              <a:buFont typeface="Arial"/>
-              <a:buNone/>
-            </a:pPr>
-            <a:r>
-              <a:rPr lang="fr-FR" sz="2750" b="1" i="0" u="none" strike="noStrike" cap="none">
-                <a:solidFill>
-                  <a:schemeClr val="dk1"/>
-                </a:solidFill>
-              </a:rPr>
-              <a:t>Planning du semestre : contenu des cours et évaluations</a:t>
-            </a:r>
-            <a:endParaRPr sz="2750" b="1" i="0" u="none" strike="noStrike" cap="none">
-              <a:solidFill>
-                <a:srgbClr val="CCCCCC"/>
-              </a:solidFill>
             </a:endParaRPr>
           </a:p>
         </p:txBody>
@@ -39134,6 +39071,649 @@
   <p:cSld>
     <p:spTree>
       <p:nvGrpSpPr>
+        <p:cNvPr id="1" name="Shape 423"/>
+        <p:cNvGrpSpPr/>
+        <p:nvPr/>
+      </p:nvGrpSpPr>
+      <p:grpSpPr>
+        <a:xfrm>
+          <a:off x="0" y="0"/>
+          <a:ext cx="0" cy="0"/>
+          <a:chOff x="0" y="0"/>
+          <a:chExt cx="0" cy="0"/>
+        </a:xfrm>
+      </p:grpSpPr>
+      <p:sp>
+        <p:nvSpPr>
+          <p:cNvPr id="424" name="Google Shape;424;g2ab55a4ceb1_2_0"/>
+          <p:cNvSpPr txBox="1">
+            <a:spLocks noGrp="1"/>
+          </p:cNvSpPr>
+          <p:nvPr>
+            <p:ph type="sldNum" idx="12"/>
+          </p:nvPr>
+        </p:nvSpPr>
+        <p:spPr>
+          <a:xfrm>
+            <a:off x="6553200" y="6356350"/>
+            <a:ext cx="2133600" cy="365100"/>
+          </a:xfrm>
+          <a:prstGeom prst="rect">
+            <a:avLst/>
+          </a:prstGeom>
+          <a:noFill/>
+          <a:ln>
+            <a:noFill/>
+          </a:ln>
+        </p:spPr>
+        <p:txBody>
+          <a:bodyPr spcFirstLastPara="1" wrap="square" lIns="91425" tIns="45700" rIns="91425" bIns="45700" anchor="ctr" anchorCtr="0">
+            <a:noAutofit/>
+          </a:bodyPr>
+          <a:lstStyle/>
+          <a:p>
+            <a:pPr marL="0" lvl="0" indent="0" algn="r" rtl="0">
+              <a:lnSpc>
+                <a:spcPct val="100000"/>
+              </a:lnSpc>
+              <a:spcBef>
+                <a:spcPts val="0"/>
+              </a:spcBef>
+              <a:spcAft>
+                <a:spcPts val="0"/>
+              </a:spcAft>
+              <a:buSzPts val="1000"/>
+              <a:buNone/>
+            </a:pPr>
+            <a:fld id="{00000000-1234-1234-1234-123412341234}" type="slidenum">
+              <a:rPr lang="fr-FR" sz="1000">
+                <a:solidFill>
+                  <a:srgbClr val="808080"/>
+                </a:solidFill>
+                <a:latin typeface="Arial"/>
+                <a:ea typeface="Arial"/>
+                <a:cs typeface="Arial"/>
+                <a:sym typeface="Arial"/>
+              </a:rPr>
+              <a:t>40</a:t>
+            </a:fld>
+            <a:endParaRPr sz="1000">
+              <a:solidFill>
+                <a:srgbClr val="808080"/>
+              </a:solidFill>
+              <a:latin typeface="Arial"/>
+              <a:ea typeface="Arial"/>
+              <a:cs typeface="Arial"/>
+              <a:sym typeface="Arial"/>
+            </a:endParaRPr>
+          </a:p>
+        </p:txBody>
+      </p:sp>
+      <p:sp>
+        <p:nvSpPr>
+          <p:cNvPr id="425" name="Google Shape;425;g2ab55a4ceb1_2_0"/>
+          <p:cNvSpPr/>
+          <p:nvPr/>
+        </p:nvSpPr>
+        <p:spPr>
+          <a:xfrm>
+            <a:off x="0" y="0"/>
+            <a:ext cx="9144000" cy="698100"/>
+          </a:xfrm>
+          <a:prstGeom prst="rect">
+            <a:avLst/>
+          </a:prstGeom>
+          <a:solidFill>
+            <a:srgbClr val="2E5D5A"/>
+          </a:solidFill>
+          <a:ln>
+            <a:noFill/>
+          </a:ln>
+        </p:spPr>
+        <p:txBody>
+          <a:bodyPr spcFirstLastPara="1" wrap="square" lIns="91425" tIns="45700" rIns="91425" bIns="45700" anchor="ctr" anchorCtr="0">
+            <a:noAutofit/>
+          </a:bodyPr>
+          <a:lstStyle/>
+          <a:p>
+            <a:pPr marL="0" marR="0" lvl="0" indent="0" algn="ctr" rtl="0">
+              <a:lnSpc>
+                <a:spcPct val="100000"/>
+              </a:lnSpc>
+              <a:spcBef>
+                <a:spcPts val="0"/>
+              </a:spcBef>
+              <a:spcAft>
+                <a:spcPts val="0"/>
+              </a:spcAft>
+              <a:buClr>
+                <a:srgbClr val="000000"/>
+              </a:buClr>
+              <a:buSzPts val="1800"/>
+              <a:buFont typeface="Arial"/>
+              <a:buNone/>
+            </a:pPr>
+            <a:endParaRPr sz="1800" b="0" i="0" u="none" strike="noStrike" cap="none">
+              <a:solidFill>
+                <a:srgbClr val="2E5D5A"/>
+              </a:solidFill>
+              <a:latin typeface="Calibri"/>
+              <a:ea typeface="Calibri"/>
+              <a:cs typeface="Calibri"/>
+              <a:sym typeface="Calibri"/>
+            </a:endParaRPr>
+          </a:p>
+        </p:txBody>
+      </p:sp>
+      <p:sp>
+        <p:nvSpPr>
+          <p:cNvPr id="426" name="Google Shape;426;g2ab55a4ceb1_2_0"/>
+          <p:cNvSpPr txBox="1"/>
+          <p:nvPr/>
+        </p:nvSpPr>
+        <p:spPr>
+          <a:xfrm>
+            <a:off x="6904408" y="142212"/>
+            <a:ext cx="1975500" cy="428400"/>
+          </a:xfrm>
+          <a:prstGeom prst="rect">
+            <a:avLst/>
+          </a:prstGeom>
+          <a:noFill/>
+          <a:ln>
+            <a:noFill/>
+          </a:ln>
+        </p:spPr>
+        <p:txBody>
+          <a:bodyPr spcFirstLastPara="1" wrap="square" lIns="91425" tIns="45700" rIns="91425" bIns="45700" anchor="t" anchorCtr="0">
+            <a:noAutofit/>
+          </a:bodyPr>
+          <a:lstStyle/>
+          <a:p>
+            <a:pPr marL="0" marR="0" lvl="0" indent="0" algn="r" rtl="0">
+              <a:lnSpc>
+                <a:spcPct val="110000"/>
+              </a:lnSpc>
+              <a:spcBef>
+                <a:spcPts val="0"/>
+              </a:spcBef>
+              <a:spcAft>
+                <a:spcPts val="0"/>
+              </a:spcAft>
+              <a:buClr>
+                <a:srgbClr val="000000"/>
+              </a:buClr>
+              <a:buSzPts val="1000"/>
+              <a:buFont typeface="Arial"/>
+              <a:buNone/>
+            </a:pPr>
+            <a:r>
+              <a:rPr lang="fr-FR" sz="1000" b="1" i="0" u="none" strike="noStrike" cap="none">
+                <a:solidFill>
+                  <a:srgbClr val="FFFFFF"/>
+                </a:solidFill>
+                <a:latin typeface="Arial"/>
+                <a:ea typeface="Arial"/>
+                <a:cs typeface="Arial"/>
+                <a:sym typeface="Arial"/>
+              </a:rPr>
+              <a:t>SEANCE 1</a:t>
+            </a:r>
+            <a:br>
+              <a:rPr lang="fr-FR" sz="1000" b="0" i="0" u="none" strike="noStrike" cap="none">
+                <a:solidFill>
+                  <a:srgbClr val="FFFFFF"/>
+                </a:solidFill>
+                <a:latin typeface="Arial"/>
+                <a:ea typeface="Arial"/>
+                <a:cs typeface="Arial"/>
+                <a:sym typeface="Arial"/>
+              </a:rPr>
+            </a:br>
+            <a:r>
+              <a:rPr lang="fr-FR" sz="1000" b="0" i="0" u="none" strike="noStrike" cap="none">
+                <a:solidFill>
+                  <a:srgbClr val="FFFFFF"/>
+                </a:solidFill>
+                <a:latin typeface="Arial"/>
+                <a:ea typeface="Arial"/>
+                <a:cs typeface="Arial"/>
+                <a:sym typeface="Arial"/>
+              </a:rPr>
+              <a:t>Cours introductif</a:t>
+            </a:r>
+            <a:endParaRPr sz="1000" b="0" i="0" u="none" strike="noStrike" cap="none">
+              <a:solidFill>
+                <a:srgbClr val="FFFFFF"/>
+              </a:solidFill>
+              <a:latin typeface="Arial"/>
+              <a:ea typeface="Arial"/>
+              <a:cs typeface="Arial"/>
+              <a:sym typeface="Arial"/>
+            </a:endParaRPr>
+          </a:p>
+        </p:txBody>
+      </p:sp>
+      <p:sp>
+        <p:nvSpPr>
+          <p:cNvPr id="427" name="Google Shape;427;g2ab55a4ceb1_2_0"/>
+          <p:cNvSpPr txBox="1"/>
+          <p:nvPr/>
+        </p:nvSpPr>
+        <p:spPr>
+          <a:xfrm>
+            <a:off x="571150" y="1563745"/>
+            <a:ext cx="8048700" cy="4651500"/>
+          </a:xfrm>
+          <a:prstGeom prst="rect">
+            <a:avLst/>
+          </a:prstGeom>
+          <a:noFill/>
+          <a:ln>
+            <a:noFill/>
+          </a:ln>
+        </p:spPr>
+        <p:txBody>
+          <a:bodyPr spcFirstLastPara="1" wrap="square" lIns="91425" tIns="91425" rIns="91425" bIns="91425" anchor="t" anchorCtr="0">
+            <a:noAutofit/>
+          </a:bodyPr>
+          <a:lstStyle/>
+          <a:p>
+            <a:pPr marL="0" marR="0" lvl="0" indent="0" algn="l" rtl="0">
+              <a:lnSpc>
+                <a:spcPct val="90000"/>
+              </a:lnSpc>
+              <a:spcBef>
+                <a:spcPts val="25"/>
+              </a:spcBef>
+              <a:spcAft>
+                <a:spcPts val="0"/>
+              </a:spcAft>
+              <a:buClr>
+                <a:srgbClr val="000000"/>
+              </a:buClr>
+              <a:buSzPts val="2565"/>
+              <a:buFont typeface="Arial"/>
+              <a:buNone/>
+            </a:pPr>
+            <a:endParaRPr sz="1165">
+              <a:solidFill>
+                <a:schemeClr val="dk1"/>
+              </a:solidFill>
+            </a:endParaRPr>
+          </a:p>
+          <a:p>
+            <a:pPr marL="0" marR="0" lvl="0" indent="0" algn="l" rtl="0">
+              <a:lnSpc>
+                <a:spcPct val="90000"/>
+              </a:lnSpc>
+              <a:spcBef>
+                <a:spcPts val="25"/>
+              </a:spcBef>
+              <a:spcAft>
+                <a:spcPts val="0"/>
+              </a:spcAft>
+              <a:buClr>
+                <a:srgbClr val="000000"/>
+              </a:buClr>
+              <a:buSzPts val="2565"/>
+              <a:buFont typeface="Arial"/>
+              <a:buNone/>
+            </a:pPr>
+            <a:r>
+              <a:rPr lang="fr-FR" sz="2565" b="0" i="0" u="none" strike="noStrike" cap="none">
+                <a:solidFill>
+                  <a:schemeClr val="dk1"/>
+                </a:solidFill>
+                <a:latin typeface="Arial"/>
+                <a:ea typeface="Arial"/>
+                <a:cs typeface="Arial"/>
+                <a:sym typeface="Arial"/>
+              </a:rPr>
+              <a:t>cf. syllabus</a:t>
+            </a:r>
+            <a:endParaRPr sz="2565" b="0" i="0" u="none" strike="noStrike" cap="none">
+              <a:solidFill>
+                <a:schemeClr val="dk1"/>
+              </a:solidFill>
+              <a:latin typeface="Arial"/>
+              <a:ea typeface="Arial"/>
+              <a:cs typeface="Arial"/>
+              <a:sym typeface="Arial"/>
+            </a:endParaRPr>
+          </a:p>
+          <a:p>
+            <a:pPr marL="0" marR="0" lvl="0" indent="0" algn="l" rtl="0">
+              <a:lnSpc>
+                <a:spcPct val="90000"/>
+              </a:lnSpc>
+              <a:spcBef>
+                <a:spcPts val="25"/>
+              </a:spcBef>
+              <a:spcAft>
+                <a:spcPts val="0"/>
+              </a:spcAft>
+              <a:buClr>
+                <a:srgbClr val="000000"/>
+              </a:buClr>
+              <a:buSzPts val="2565"/>
+              <a:buFont typeface="Arial"/>
+              <a:buNone/>
+            </a:pPr>
+            <a:endParaRPr sz="1565">
+              <a:solidFill>
+                <a:schemeClr val="dk1"/>
+              </a:solidFill>
+            </a:endParaRPr>
+          </a:p>
+          <a:p>
+            <a:pPr marL="457200" marR="0" lvl="0" indent="-391477" algn="l" rtl="0">
+              <a:lnSpc>
+                <a:spcPct val="90000"/>
+              </a:lnSpc>
+              <a:spcBef>
+                <a:spcPts val="25"/>
+              </a:spcBef>
+              <a:spcAft>
+                <a:spcPts val="0"/>
+              </a:spcAft>
+              <a:buClr>
+                <a:schemeClr val="dk1"/>
+              </a:buClr>
+              <a:buSzPts val="2565"/>
+              <a:buChar char="-"/>
+            </a:pPr>
+            <a:r>
+              <a:rPr lang="fr-FR" sz="2565">
+                <a:solidFill>
+                  <a:schemeClr val="dk1"/>
+                </a:solidFill>
+              </a:rPr>
+              <a:t>Séance 1 &amp; 2: Introduction: les méthodes quantitatives qu’est-ce que c’est?</a:t>
+            </a:r>
+            <a:endParaRPr sz="2565">
+              <a:solidFill>
+                <a:schemeClr val="dk1"/>
+              </a:solidFill>
+            </a:endParaRPr>
+          </a:p>
+          <a:p>
+            <a:pPr marL="457200" marR="0" lvl="0" indent="0" algn="l" rtl="0">
+              <a:lnSpc>
+                <a:spcPct val="90000"/>
+              </a:lnSpc>
+              <a:spcBef>
+                <a:spcPts val="25"/>
+              </a:spcBef>
+              <a:spcAft>
+                <a:spcPts val="0"/>
+              </a:spcAft>
+              <a:buNone/>
+            </a:pPr>
+            <a:endParaRPr sz="1765">
+              <a:solidFill>
+                <a:schemeClr val="dk1"/>
+              </a:solidFill>
+            </a:endParaRPr>
+          </a:p>
+          <a:p>
+            <a:pPr marL="457200" marR="0" lvl="0" indent="-391477" algn="l" rtl="0">
+              <a:lnSpc>
+                <a:spcPct val="90000"/>
+              </a:lnSpc>
+              <a:spcBef>
+                <a:spcPts val="25"/>
+              </a:spcBef>
+              <a:spcAft>
+                <a:spcPts val="0"/>
+              </a:spcAft>
+              <a:buClr>
+                <a:schemeClr val="dk1"/>
+              </a:buClr>
+              <a:buSzPts val="2565"/>
+              <a:buChar char="-"/>
+            </a:pPr>
+            <a:r>
+              <a:rPr lang="fr-FR" sz="2565">
+                <a:solidFill>
+                  <a:schemeClr val="dk1"/>
+                </a:solidFill>
+              </a:rPr>
+              <a:t>Séance 3, 4 : l’analyse univariée</a:t>
+            </a:r>
+            <a:endParaRPr sz="2565">
+              <a:solidFill>
+                <a:schemeClr val="dk1"/>
+              </a:solidFill>
+            </a:endParaRPr>
+          </a:p>
+          <a:p>
+            <a:pPr marL="457200" marR="0" lvl="0" indent="0" algn="l" rtl="0">
+              <a:lnSpc>
+                <a:spcPct val="90000"/>
+              </a:lnSpc>
+              <a:spcBef>
+                <a:spcPts val="25"/>
+              </a:spcBef>
+              <a:spcAft>
+                <a:spcPts val="0"/>
+              </a:spcAft>
+              <a:buNone/>
+            </a:pPr>
+            <a:endParaRPr sz="1565">
+              <a:solidFill>
+                <a:schemeClr val="dk1"/>
+              </a:solidFill>
+            </a:endParaRPr>
+          </a:p>
+          <a:p>
+            <a:pPr marL="457200" marR="0" lvl="0" indent="-391477" algn="l" rtl="0">
+              <a:lnSpc>
+                <a:spcPct val="90000"/>
+              </a:lnSpc>
+              <a:spcBef>
+                <a:spcPts val="25"/>
+              </a:spcBef>
+              <a:spcAft>
+                <a:spcPts val="0"/>
+              </a:spcAft>
+              <a:buClr>
+                <a:schemeClr val="dk1"/>
+              </a:buClr>
+              <a:buSzPts val="2565"/>
+              <a:buChar char="-"/>
+            </a:pPr>
+            <a:r>
+              <a:rPr lang="fr-FR" sz="2565">
+                <a:solidFill>
+                  <a:schemeClr val="dk1"/>
+                </a:solidFill>
+              </a:rPr>
+              <a:t>Séance 5, 6 et 7 : l’analyse bivariée</a:t>
+            </a:r>
+            <a:endParaRPr sz="2565">
+              <a:solidFill>
+                <a:schemeClr val="dk1"/>
+              </a:solidFill>
+            </a:endParaRPr>
+          </a:p>
+          <a:p>
+            <a:pPr marL="457200" marR="0" lvl="0" indent="-327977" algn="l" rtl="0">
+              <a:lnSpc>
+                <a:spcPct val="90000"/>
+              </a:lnSpc>
+              <a:spcBef>
+                <a:spcPts val="0"/>
+              </a:spcBef>
+              <a:spcAft>
+                <a:spcPts val="0"/>
+              </a:spcAft>
+              <a:buClr>
+                <a:schemeClr val="dk1"/>
+              </a:buClr>
+              <a:buSzPts val="1565"/>
+              <a:buChar char="-"/>
+            </a:pPr>
+            <a:endParaRPr sz="1565">
+              <a:solidFill>
+                <a:schemeClr val="dk1"/>
+              </a:solidFill>
+            </a:endParaRPr>
+          </a:p>
+          <a:p>
+            <a:pPr marL="457200" marR="0" lvl="0" indent="-391477" algn="l" rtl="0">
+              <a:lnSpc>
+                <a:spcPct val="90000"/>
+              </a:lnSpc>
+              <a:spcBef>
+                <a:spcPts val="0"/>
+              </a:spcBef>
+              <a:spcAft>
+                <a:spcPts val="0"/>
+              </a:spcAft>
+              <a:buClr>
+                <a:schemeClr val="dk1"/>
+              </a:buClr>
+              <a:buSzPts val="2565"/>
+              <a:buChar char="-"/>
+            </a:pPr>
+            <a:r>
+              <a:rPr lang="fr-FR" sz="2565">
+                <a:solidFill>
+                  <a:schemeClr val="dk1"/>
+                </a:solidFill>
+              </a:rPr>
+              <a:t>Séance 8 &amp; 9 : introduction aux indicateurs synthétiques</a:t>
+            </a:r>
+            <a:endParaRPr sz="2565">
+              <a:solidFill>
+                <a:schemeClr val="dk1"/>
+              </a:solidFill>
+            </a:endParaRPr>
+          </a:p>
+          <a:p>
+            <a:pPr marL="457200" marR="0" lvl="0" indent="0" algn="l" rtl="0">
+              <a:lnSpc>
+                <a:spcPct val="90000"/>
+              </a:lnSpc>
+              <a:spcBef>
+                <a:spcPts val="25"/>
+              </a:spcBef>
+              <a:spcAft>
+                <a:spcPts val="0"/>
+              </a:spcAft>
+              <a:buNone/>
+            </a:pPr>
+            <a:endParaRPr sz="2065">
+              <a:solidFill>
+                <a:schemeClr val="dk1"/>
+              </a:solidFill>
+            </a:endParaRPr>
+          </a:p>
+          <a:p>
+            <a:pPr marL="457200" marR="0" lvl="0" indent="-391477" algn="l" rtl="0">
+              <a:lnSpc>
+                <a:spcPct val="90000"/>
+              </a:lnSpc>
+              <a:spcBef>
+                <a:spcPts val="25"/>
+              </a:spcBef>
+              <a:spcAft>
+                <a:spcPts val="0"/>
+              </a:spcAft>
+              <a:buClr>
+                <a:schemeClr val="dk1"/>
+              </a:buClr>
+              <a:buSzPts val="2565"/>
+              <a:buChar char="-"/>
+            </a:pPr>
+            <a:r>
+              <a:rPr lang="fr-FR" sz="2565">
+                <a:solidFill>
+                  <a:schemeClr val="dk1"/>
+                </a:solidFill>
+              </a:rPr>
+              <a:t>Séance 10 : travail en groupe en vue du rendu final  </a:t>
+            </a:r>
+            <a:endParaRPr sz="2565">
+              <a:solidFill>
+                <a:schemeClr val="dk1"/>
+              </a:solidFill>
+            </a:endParaRPr>
+          </a:p>
+        </p:txBody>
+      </p:sp>
+      <p:sp>
+        <p:nvSpPr>
+          <p:cNvPr id="428" name="Google Shape;428;g2ab55a4ceb1_2_0"/>
+          <p:cNvSpPr txBox="1"/>
+          <p:nvPr/>
+        </p:nvSpPr>
+        <p:spPr>
+          <a:xfrm>
+            <a:off x="467925" y="761600"/>
+            <a:ext cx="8274900" cy="698100"/>
+          </a:xfrm>
+          <a:prstGeom prst="rect">
+            <a:avLst/>
+          </a:prstGeom>
+          <a:noFill/>
+          <a:ln>
+            <a:noFill/>
+          </a:ln>
+        </p:spPr>
+        <p:txBody>
+          <a:bodyPr spcFirstLastPara="1" wrap="square" lIns="91425" tIns="91425" rIns="91425" bIns="91425" anchor="t" anchorCtr="0">
+            <a:noAutofit/>
+          </a:bodyPr>
+          <a:lstStyle/>
+          <a:p>
+            <a:pPr marL="0" marR="0" lvl="0" indent="0" algn="l" rtl="0">
+              <a:lnSpc>
+                <a:spcPct val="90000"/>
+              </a:lnSpc>
+              <a:spcBef>
+                <a:spcPts val="25"/>
+              </a:spcBef>
+              <a:spcAft>
+                <a:spcPts val="0"/>
+              </a:spcAft>
+              <a:buClr>
+                <a:srgbClr val="000000"/>
+              </a:buClr>
+              <a:buSzPts val="2950"/>
+              <a:buFont typeface="Arial"/>
+              <a:buNone/>
+            </a:pPr>
+            <a:r>
+              <a:rPr lang="fr-FR" sz="2750" b="1" i="0" u="none" strike="noStrike" cap="none">
+                <a:solidFill>
+                  <a:schemeClr val="dk1"/>
+                </a:solidFill>
+              </a:rPr>
+              <a:t>Planning du semestre : contenu des cours et évaluations</a:t>
+            </a:r>
+            <a:endParaRPr sz="2750" b="1" i="0" u="none" strike="noStrike" cap="none">
+              <a:solidFill>
+                <a:srgbClr val="CCCCCC"/>
+              </a:solidFill>
+            </a:endParaRPr>
+          </a:p>
+        </p:txBody>
+      </p:sp>
+    </p:spTree>
+  </p:cSld>
+  <p:clrMapOvr>
+    <a:masterClrMapping/>
+  </p:clrMapOvr>
+</p:sld>
+</file>
+
+<file path=ppt/slides/slide41.xml><?xml version="1.0" encoding="utf-8"?>
+<p:sld xmlns:a="http://schemas.openxmlformats.org/drawingml/2006/main" xmlns:r="http://schemas.openxmlformats.org/officeDocument/2006/relationships" xmlns:p="http://schemas.openxmlformats.org/presentationml/2006/main">
+  <p:cSld>
+    <p:spTree>
+      <p:nvGrpSpPr>
         <p:cNvPr id="1" name="Shape 432"/>
         <p:cNvGrpSpPr/>
         <p:nvPr/>
@@ -39198,7 +39778,7 @@
                 <a:cs typeface="Arial"/>
                 <a:sym typeface="Arial"/>
               </a:rPr>
-              <a:t>40</a:t>
+              <a:t>41</a:t>
             </a:fld>
             <a:endParaRPr sz="1000">
               <a:solidFill>
@@ -39661,7 +40241,7 @@
 </p:sld>
 </file>
 
-<file path=ppt/slides/slide41.xml><?xml version="1.0" encoding="utf-8"?>
+<file path=ppt/slides/slide42.xml><?xml version="1.0" encoding="utf-8"?>
 <p:sld xmlns:a="http://schemas.openxmlformats.org/drawingml/2006/main" xmlns:r="http://schemas.openxmlformats.org/officeDocument/2006/relationships" xmlns:p="http://schemas.openxmlformats.org/presentationml/2006/main">
   <p:cSld>
     <p:spTree>
@@ -39730,7 +40310,7 @@
                 <a:cs typeface="Arial"/>
                 <a:sym typeface="Arial"/>
               </a:rPr>
-              <a:t>41</a:t>
+              <a:t>42</a:t>
             </a:fld>
             <a:endParaRPr sz="1000">
               <a:solidFill>
@@ -40212,7 +40792,7 @@
 </p:sld>
 </file>
 
-<file path=ppt/slides/slide42.xml><?xml version="1.0" encoding="utf-8"?>
+<file path=ppt/slides/slide43.xml><?xml version="1.0" encoding="utf-8"?>
 <p:sld xmlns:a="http://schemas.openxmlformats.org/drawingml/2006/main" xmlns:r="http://schemas.openxmlformats.org/officeDocument/2006/relationships" xmlns:p="http://schemas.openxmlformats.org/presentationml/2006/main">
   <p:cSld>
     <p:spTree>
@@ -40281,7 +40861,7 @@
                 <a:cs typeface="Arial"/>
                 <a:sym typeface="Arial"/>
               </a:rPr>
-              <a:t>42</a:t>
+              <a:t>43</a:t>
             </a:fld>
             <a:endParaRPr sz="1000">
               <a:solidFill>
@@ -40740,7 +41320,7 @@
 </p:sld>
 </file>
 
-<file path=ppt/slides/slide43.xml><?xml version="1.0" encoding="utf-8"?>
+<file path=ppt/slides/slide44.xml><?xml version="1.0" encoding="utf-8"?>
 <p:sld xmlns:a="http://schemas.openxmlformats.org/drawingml/2006/main" xmlns:r="http://schemas.openxmlformats.org/officeDocument/2006/relationships" xmlns:p="http://schemas.openxmlformats.org/presentationml/2006/main">
   <p:cSld>
     <p:spTree>
@@ -40809,7 +41389,7 @@
                 <a:cs typeface="Arial"/>
                 <a:sym typeface="Arial"/>
               </a:rPr>
-              <a:t>43</a:t>
+              <a:t>44</a:t>
             </a:fld>
             <a:endParaRPr sz="1000">
               <a:solidFill>
@@ -41316,7 +41896,7 @@
 </p:sld>
 </file>
 
-<file path=ppt/slides/slide44.xml><?xml version="1.0" encoding="utf-8"?>
+<file path=ppt/slides/slide45.xml><?xml version="1.0" encoding="utf-8"?>
 <p:sld xmlns:a="http://schemas.openxmlformats.org/drawingml/2006/main" xmlns:r="http://schemas.openxmlformats.org/officeDocument/2006/relationships" xmlns:p="http://schemas.openxmlformats.org/presentationml/2006/main">
   <p:cSld>
     <p:spTree>
@@ -41385,7 +41965,7 @@
                 <a:cs typeface="Arial"/>
                 <a:sym typeface="Arial"/>
               </a:rPr>
-              <a:t>44</a:t>
+              <a:t>45</a:t>
             </a:fld>
             <a:endParaRPr sz="1000">
               <a:solidFill>
@@ -41884,7 +42464,7 @@
 </p:sld>
 </file>
 
-<file path=ppt/slides/slide45.xml><?xml version="1.0" encoding="utf-8"?>
+<file path=ppt/slides/slide46.xml><?xml version="1.0" encoding="utf-8"?>
 <p:sld xmlns:a="http://schemas.openxmlformats.org/drawingml/2006/main" xmlns:r="http://schemas.openxmlformats.org/officeDocument/2006/relationships" xmlns:p="http://schemas.openxmlformats.org/presentationml/2006/main">
   <p:cSld>
     <p:spTree>
@@ -41953,7 +42533,7 @@
                 <a:cs typeface="Arial"/>
                 <a:sym typeface="Arial"/>
               </a:rPr>
-              <a:t>45</a:t>
+              <a:t>46</a:t>
             </a:fld>
             <a:endParaRPr sz="1000">
               <a:solidFill>
@@ -42404,7 +42984,7 @@
 </p:sld>
 </file>
 
-<file path=ppt/slides/slide46.xml><?xml version="1.0" encoding="utf-8"?>
+<file path=ppt/slides/slide47.xml><?xml version="1.0" encoding="utf-8"?>
 <p:sld xmlns:a="http://schemas.openxmlformats.org/drawingml/2006/main" xmlns:r="http://schemas.openxmlformats.org/officeDocument/2006/relationships" xmlns:p="http://schemas.openxmlformats.org/presentationml/2006/main">
   <p:cSld>
     <p:spTree>
@@ -42473,7 +43053,7 @@
                 <a:cs typeface="Arial"/>
                 <a:sym typeface="Arial"/>
               </a:rPr>
-              <a:t>46</a:t>
+              <a:t>47</a:t>
             </a:fld>
             <a:endParaRPr sz="1000">
               <a:solidFill>
@@ -43186,7 +43766,7 @@
 </p:sld>
 </file>
 
-<file path=ppt/slides/slide47.xml><?xml version="1.0" encoding="utf-8"?>
+<file path=ppt/slides/slide48.xml><?xml version="1.0" encoding="utf-8"?>
 <p:sld xmlns:a="http://schemas.openxmlformats.org/drawingml/2006/main" xmlns:r="http://schemas.openxmlformats.org/officeDocument/2006/relationships" xmlns:p="http://schemas.openxmlformats.org/presentationml/2006/main">
   <p:cSld>
     <p:spTree>
@@ -43255,7 +43835,7 @@
                 <a:cs typeface="Arial"/>
                 <a:sym typeface="Arial"/>
               </a:rPr>
-              <a:t>47</a:t>
+              <a:t>48</a:t>
             </a:fld>
             <a:endParaRPr sz="1000">
               <a:solidFill>
@@ -43756,7 +44336,7 @@
 </p:sld>
 </file>
 
-<file path=ppt/slides/slide48.xml><?xml version="1.0" encoding="utf-8"?>
+<file path=ppt/slides/slide49.xml><?xml version="1.0" encoding="utf-8"?>
 <p:sld xmlns:a="http://schemas.openxmlformats.org/drawingml/2006/main" xmlns:r="http://schemas.openxmlformats.org/officeDocument/2006/relationships" xmlns:p="http://schemas.openxmlformats.org/presentationml/2006/main">
   <p:cSld>
     <p:spTree>
@@ -43825,7 +44405,7 @@
                 <a:cs typeface="Arial"/>
                 <a:sym typeface="Arial"/>
               </a:rPr>
-              <a:t>48</a:t>
+              <a:t>49</a:t>
             </a:fld>
             <a:endParaRPr sz="1000">
               <a:solidFill>
@@ -44200,1006 +44780,6 @@
                 <a:sym typeface="Calibri"/>
               </a:rPr>
               <a:t>Personnes ressources</a:t>
-            </a:r>
-            <a:endParaRPr sz="3200" b="1" i="0" u="none" strike="noStrike" cap="none">
-              <a:solidFill>
-                <a:srgbClr val="2E5D5A"/>
-              </a:solidFill>
-              <a:latin typeface="Calibri"/>
-              <a:ea typeface="Calibri"/>
-              <a:cs typeface="Calibri"/>
-              <a:sym typeface="Calibri"/>
-            </a:endParaRPr>
-          </a:p>
-        </p:txBody>
-      </p:sp>
-    </p:spTree>
-  </p:cSld>
-  <p:clrMapOvr>
-    <a:masterClrMapping/>
-  </p:clrMapOvr>
-</p:sld>
-</file>
-
-<file path=ppt/slides/slide49.xml><?xml version="1.0" encoding="utf-8"?>
-<p:sld xmlns:a="http://schemas.openxmlformats.org/drawingml/2006/main" xmlns:r="http://schemas.openxmlformats.org/officeDocument/2006/relationships" xmlns:p="http://schemas.openxmlformats.org/presentationml/2006/main">
-  <p:cSld>
-    <p:spTree>
-      <p:nvGrpSpPr>
-        <p:cNvPr id="1" name="Shape 513"/>
-        <p:cNvGrpSpPr/>
-        <p:nvPr/>
-      </p:nvGrpSpPr>
-      <p:grpSpPr>
-        <a:xfrm>
-          <a:off x="0" y="0"/>
-          <a:ext cx="0" cy="0"/>
-          <a:chOff x="0" y="0"/>
-          <a:chExt cx="0" cy="0"/>
-        </a:xfrm>
-      </p:grpSpPr>
-      <p:sp>
-        <p:nvSpPr>
-          <p:cNvPr id="514" name="Google Shape;514;g2abac93716c_0_50"/>
-          <p:cNvSpPr txBox="1">
-            <a:spLocks noGrp="1"/>
-          </p:cNvSpPr>
-          <p:nvPr>
-            <p:ph type="sldNum" idx="12"/>
-          </p:nvPr>
-        </p:nvSpPr>
-        <p:spPr>
-          <a:xfrm>
-            <a:off x="6553200" y="6356350"/>
-            <a:ext cx="2133600" cy="365100"/>
-          </a:xfrm>
-          <a:prstGeom prst="rect">
-            <a:avLst/>
-          </a:prstGeom>
-          <a:noFill/>
-          <a:ln>
-            <a:noFill/>
-          </a:ln>
-        </p:spPr>
-        <p:txBody>
-          <a:bodyPr spcFirstLastPara="1" wrap="square" lIns="91425" tIns="45700" rIns="91425" bIns="45700" anchor="ctr" anchorCtr="0">
-            <a:noAutofit/>
-          </a:bodyPr>
-          <a:lstStyle/>
-          <a:p>
-            <a:pPr marL="0" lvl="0" indent="0" algn="r" rtl="0">
-              <a:lnSpc>
-                <a:spcPct val="100000"/>
-              </a:lnSpc>
-              <a:spcBef>
-                <a:spcPts val="0"/>
-              </a:spcBef>
-              <a:spcAft>
-                <a:spcPts val="0"/>
-              </a:spcAft>
-              <a:buSzPts val="1000"/>
-              <a:buNone/>
-            </a:pPr>
-            <a:fld id="{00000000-1234-1234-1234-123412341234}" type="slidenum">
-              <a:rPr lang="fr-FR" sz="1000">
-                <a:solidFill>
-                  <a:srgbClr val="808080"/>
-                </a:solidFill>
-                <a:latin typeface="Arial"/>
-                <a:ea typeface="Arial"/>
-                <a:cs typeface="Arial"/>
-                <a:sym typeface="Arial"/>
-              </a:rPr>
-              <a:t>49</a:t>
-            </a:fld>
-            <a:endParaRPr sz="1000">
-              <a:solidFill>
-                <a:srgbClr val="808080"/>
-              </a:solidFill>
-              <a:latin typeface="Arial"/>
-              <a:ea typeface="Arial"/>
-              <a:cs typeface="Arial"/>
-              <a:sym typeface="Arial"/>
-            </a:endParaRPr>
-          </a:p>
-        </p:txBody>
-      </p:sp>
-      <p:sp>
-        <p:nvSpPr>
-          <p:cNvPr id="515" name="Google Shape;515;g2abac93716c_0_50"/>
-          <p:cNvSpPr/>
-          <p:nvPr/>
-        </p:nvSpPr>
-        <p:spPr>
-          <a:xfrm>
-            <a:off x="0" y="0"/>
-            <a:ext cx="9144000" cy="698100"/>
-          </a:xfrm>
-          <a:prstGeom prst="rect">
-            <a:avLst/>
-          </a:prstGeom>
-          <a:solidFill>
-            <a:srgbClr val="2E5D5A"/>
-          </a:solidFill>
-          <a:ln>
-            <a:noFill/>
-          </a:ln>
-        </p:spPr>
-        <p:txBody>
-          <a:bodyPr spcFirstLastPara="1" wrap="square" lIns="91425" tIns="45700" rIns="91425" bIns="45700" anchor="ctr" anchorCtr="0">
-            <a:noAutofit/>
-          </a:bodyPr>
-          <a:lstStyle/>
-          <a:p>
-            <a:pPr marL="0" marR="0" lvl="0" indent="0" algn="ctr" rtl="0">
-              <a:lnSpc>
-                <a:spcPct val="100000"/>
-              </a:lnSpc>
-              <a:spcBef>
-                <a:spcPts val="0"/>
-              </a:spcBef>
-              <a:spcAft>
-                <a:spcPts val="0"/>
-              </a:spcAft>
-              <a:buClr>
-                <a:srgbClr val="000000"/>
-              </a:buClr>
-              <a:buSzPts val="1800"/>
-              <a:buFont typeface="Arial"/>
-              <a:buNone/>
-            </a:pPr>
-            <a:endParaRPr sz="1800" b="0" i="0" u="none" strike="noStrike" cap="none">
-              <a:solidFill>
-                <a:schemeClr val="dk1"/>
-              </a:solidFill>
-              <a:latin typeface="Calibri"/>
-              <a:ea typeface="Calibri"/>
-              <a:cs typeface="Calibri"/>
-              <a:sym typeface="Calibri"/>
-            </a:endParaRPr>
-          </a:p>
-        </p:txBody>
-      </p:sp>
-      <p:sp>
-        <p:nvSpPr>
-          <p:cNvPr id="516" name="Google Shape;516;g2abac93716c_0_50"/>
-          <p:cNvSpPr txBox="1"/>
-          <p:nvPr/>
-        </p:nvSpPr>
-        <p:spPr>
-          <a:xfrm>
-            <a:off x="6904408" y="142212"/>
-            <a:ext cx="1975500" cy="428400"/>
-          </a:xfrm>
-          <a:prstGeom prst="rect">
-            <a:avLst/>
-          </a:prstGeom>
-          <a:noFill/>
-          <a:ln>
-            <a:noFill/>
-          </a:ln>
-        </p:spPr>
-        <p:txBody>
-          <a:bodyPr spcFirstLastPara="1" wrap="square" lIns="91425" tIns="45700" rIns="91425" bIns="45700" anchor="t" anchorCtr="0">
-            <a:noAutofit/>
-          </a:bodyPr>
-          <a:lstStyle/>
-          <a:p>
-            <a:pPr marL="0" marR="0" lvl="0" indent="0" algn="r" rtl="0">
-              <a:lnSpc>
-                <a:spcPct val="110000"/>
-              </a:lnSpc>
-              <a:spcBef>
-                <a:spcPts val="0"/>
-              </a:spcBef>
-              <a:spcAft>
-                <a:spcPts val="0"/>
-              </a:spcAft>
-              <a:buClr>
-                <a:srgbClr val="000000"/>
-              </a:buClr>
-              <a:buSzPts val="1000"/>
-              <a:buFont typeface="Arial"/>
-              <a:buNone/>
-            </a:pPr>
-            <a:r>
-              <a:rPr lang="fr-FR" sz="1000" b="1" i="0" u="none" strike="noStrike" cap="none">
-                <a:solidFill>
-                  <a:srgbClr val="FFFFFF"/>
-                </a:solidFill>
-                <a:latin typeface="Arial"/>
-                <a:ea typeface="Arial"/>
-                <a:cs typeface="Arial"/>
-                <a:sym typeface="Arial"/>
-              </a:rPr>
-              <a:t>SEANCE 1</a:t>
-            </a:r>
-            <a:br>
-              <a:rPr lang="fr-FR" sz="1000" b="0" i="0" u="none" strike="noStrike" cap="none">
-                <a:solidFill>
-                  <a:srgbClr val="FFFFFF"/>
-                </a:solidFill>
-                <a:latin typeface="Arial"/>
-                <a:ea typeface="Arial"/>
-                <a:cs typeface="Arial"/>
-                <a:sym typeface="Arial"/>
-              </a:rPr>
-            </a:br>
-            <a:r>
-              <a:rPr lang="fr-FR" sz="1000" b="0" i="0" u="none" strike="noStrike" cap="none">
-                <a:solidFill>
-                  <a:srgbClr val="FFFFFF"/>
-                </a:solidFill>
-                <a:latin typeface="Arial"/>
-                <a:ea typeface="Arial"/>
-                <a:cs typeface="Arial"/>
-                <a:sym typeface="Arial"/>
-              </a:rPr>
-              <a:t>Cours introductif</a:t>
-            </a:r>
-            <a:endParaRPr sz="1000" b="0" i="0" u="none" strike="noStrike" cap="none">
-              <a:solidFill>
-                <a:srgbClr val="FFFFFF"/>
-              </a:solidFill>
-              <a:latin typeface="Arial"/>
-              <a:ea typeface="Arial"/>
-              <a:cs typeface="Arial"/>
-              <a:sym typeface="Arial"/>
-            </a:endParaRPr>
-          </a:p>
-        </p:txBody>
-      </p:sp>
-      <p:sp>
-        <p:nvSpPr>
-          <p:cNvPr id="517" name="Google Shape;517;g2abac93716c_0_50"/>
-          <p:cNvSpPr txBox="1"/>
-          <p:nvPr/>
-        </p:nvSpPr>
-        <p:spPr>
-          <a:xfrm>
-            <a:off x="467925" y="1846650"/>
-            <a:ext cx="8219100" cy="4215000"/>
-          </a:xfrm>
-          <a:prstGeom prst="rect">
-            <a:avLst/>
-          </a:prstGeom>
-          <a:noFill/>
-          <a:ln>
-            <a:noFill/>
-          </a:ln>
-        </p:spPr>
-        <p:txBody>
-          <a:bodyPr spcFirstLastPara="1" wrap="square" lIns="91425" tIns="91425" rIns="91425" bIns="91425" anchor="t" anchorCtr="0">
-            <a:noAutofit/>
-          </a:bodyPr>
-          <a:lstStyle/>
-          <a:p>
-            <a:pPr marL="0" marR="0" lvl="0" indent="0" algn="l" rtl="0">
-              <a:lnSpc>
-                <a:spcPct val="90000"/>
-              </a:lnSpc>
-              <a:spcBef>
-                <a:spcPts val="25"/>
-              </a:spcBef>
-              <a:spcAft>
-                <a:spcPts val="0"/>
-              </a:spcAft>
-              <a:buClr>
-                <a:schemeClr val="dk1"/>
-              </a:buClr>
-              <a:buSzPts val="1100"/>
-              <a:buFont typeface="Arial"/>
-              <a:buNone/>
-            </a:pPr>
-            <a:r>
-              <a:rPr lang="fr-FR" sz="1500" b="1" i="0" u="none" strike="noStrike" cap="none">
-                <a:solidFill>
-                  <a:schemeClr val="dk1"/>
-                </a:solidFill>
-                <a:latin typeface="Arial"/>
-                <a:ea typeface="Arial"/>
-                <a:cs typeface="Arial"/>
-                <a:sym typeface="Arial"/>
-              </a:rPr>
-              <a:t>BERGSTRÖM Marie, </a:t>
-            </a:r>
-            <a:r>
-              <a:rPr lang="fr-FR" sz="1500" b="0" i="0" u="none" strike="noStrike" cap="none">
-                <a:solidFill>
-                  <a:schemeClr val="dk1"/>
-                </a:solidFill>
-                <a:latin typeface="Arial"/>
-                <a:ea typeface="Arial"/>
-                <a:cs typeface="Arial"/>
-                <a:sym typeface="Arial"/>
-              </a:rPr>
-              <a:t>« De quoi l’écart d’âge est-il le nombre ? L’apport des big data à l’étude de la différence d’âge au sein des couples », </a:t>
-            </a:r>
-            <a:r>
-              <a:rPr lang="fr-FR" sz="1500" b="0" i="1" u="none" strike="noStrike" cap="none">
-                <a:solidFill>
-                  <a:schemeClr val="dk1"/>
-                </a:solidFill>
-                <a:latin typeface="Arial"/>
-                <a:ea typeface="Arial"/>
-                <a:cs typeface="Arial"/>
-                <a:sym typeface="Arial"/>
-              </a:rPr>
-              <a:t>Revue française de sociologie</a:t>
-            </a:r>
-            <a:r>
-              <a:rPr lang="fr-FR" sz="1500" b="0" i="0" u="none" strike="noStrike" cap="none">
-                <a:solidFill>
-                  <a:schemeClr val="dk1"/>
-                </a:solidFill>
-                <a:latin typeface="Arial"/>
-                <a:ea typeface="Arial"/>
-                <a:cs typeface="Arial"/>
-                <a:sym typeface="Arial"/>
-              </a:rPr>
-              <a:t>, 2018/3 (Vol. 59), pp. 395-422.</a:t>
-            </a:r>
-            <a:endParaRPr/>
-          </a:p>
-          <a:p>
-            <a:pPr marL="0" marR="0" lvl="0" indent="0" algn="l" rtl="0">
-              <a:lnSpc>
-                <a:spcPct val="90000"/>
-              </a:lnSpc>
-              <a:spcBef>
-                <a:spcPts val="25"/>
-              </a:spcBef>
-              <a:spcAft>
-                <a:spcPts val="0"/>
-              </a:spcAft>
-              <a:buClr>
-                <a:schemeClr val="dk1"/>
-              </a:buClr>
-              <a:buSzPts val="1100"/>
-              <a:buFont typeface="Arial"/>
-              <a:buNone/>
-            </a:pPr>
-            <a:endParaRPr sz="1500" b="0" i="0" u="none" strike="noStrike" cap="none">
-              <a:solidFill>
-                <a:schemeClr val="dk1"/>
-              </a:solidFill>
-              <a:latin typeface="Arial"/>
-              <a:ea typeface="Arial"/>
-              <a:cs typeface="Arial"/>
-              <a:sym typeface="Arial"/>
-            </a:endParaRPr>
-          </a:p>
-          <a:p>
-            <a:pPr marL="0" marR="0" lvl="0" indent="0" algn="l" rtl="0">
-              <a:lnSpc>
-                <a:spcPct val="90000"/>
-              </a:lnSpc>
-              <a:spcBef>
-                <a:spcPts val="25"/>
-              </a:spcBef>
-              <a:spcAft>
-                <a:spcPts val="0"/>
-              </a:spcAft>
-              <a:buClr>
-                <a:schemeClr val="dk1"/>
-              </a:buClr>
-              <a:buSzPts val="1100"/>
-              <a:buFont typeface="Arial"/>
-              <a:buNone/>
-            </a:pPr>
-            <a:r>
-              <a:rPr lang="fr-FR" sz="1600" b="1" i="0" u="none" strike="noStrike" cap="none">
-                <a:solidFill>
-                  <a:schemeClr val="dk1"/>
-                </a:solidFill>
-                <a:latin typeface="Arial"/>
-                <a:ea typeface="Arial"/>
-                <a:cs typeface="Arial"/>
-                <a:sym typeface="Arial"/>
-              </a:rPr>
-              <a:t>BRUN, Solène, et COSQUER, Clair.</a:t>
-            </a:r>
-            <a:r>
-              <a:rPr lang="fr-FR" sz="1600" b="0" i="0" u="none" strike="noStrike" cap="none">
-                <a:solidFill>
-                  <a:schemeClr val="dk1"/>
-                </a:solidFill>
-                <a:latin typeface="Arial"/>
-                <a:ea typeface="Arial"/>
-                <a:cs typeface="Arial"/>
-                <a:sym typeface="Arial"/>
-              </a:rPr>
-              <a:t> « 9. Les défis méthodologiques d’une analyse sociologique de la race », dans </a:t>
-            </a:r>
-            <a:r>
-              <a:rPr lang="fr-FR" sz="1600" b="0" i="1" u="none" strike="noStrike" cap="none">
-                <a:solidFill>
-                  <a:schemeClr val="dk1"/>
-                </a:solidFill>
-                <a:latin typeface="Arial"/>
-                <a:ea typeface="Arial"/>
-                <a:cs typeface="Arial"/>
-                <a:sym typeface="Arial"/>
-              </a:rPr>
-              <a:t>Sociologie de la race</a:t>
-            </a:r>
-            <a:r>
-              <a:rPr lang="fr-FR" sz="1600" b="0" i="0" u="none" strike="noStrike" cap="none">
-                <a:solidFill>
-                  <a:schemeClr val="dk1"/>
-                </a:solidFill>
-                <a:latin typeface="Arial"/>
-                <a:ea typeface="Arial"/>
-                <a:cs typeface="Arial"/>
-                <a:sym typeface="Arial"/>
-              </a:rPr>
-              <a:t>. Armand Colin, 2022, pp. 111-124</a:t>
-            </a:r>
-            <a:endParaRPr sz="1500" b="0" i="0" u="none" strike="noStrike" cap="none">
-              <a:solidFill>
-                <a:schemeClr val="dk1"/>
-              </a:solidFill>
-              <a:latin typeface="Arial"/>
-              <a:ea typeface="Arial"/>
-              <a:cs typeface="Arial"/>
-              <a:sym typeface="Arial"/>
-            </a:endParaRPr>
-          </a:p>
-          <a:p>
-            <a:pPr marL="0" marR="0" lvl="0" indent="0" algn="l" rtl="0">
-              <a:lnSpc>
-                <a:spcPct val="90000"/>
-              </a:lnSpc>
-              <a:spcBef>
-                <a:spcPts val="25"/>
-              </a:spcBef>
-              <a:spcAft>
-                <a:spcPts val="0"/>
-              </a:spcAft>
-              <a:buClr>
-                <a:schemeClr val="dk1"/>
-              </a:buClr>
-              <a:buSzPts val="1100"/>
-              <a:buFont typeface="Arial"/>
-              <a:buNone/>
-            </a:pPr>
-            <a:endParaRPr sz="1500" b="0" i="0" u="none" strike="noStrike" cap="none">
-              <a:solidFill>
-                <a:schemeClr val="dk1"/>
-              </a:solidFill>
-              <a:latin typeface="Arial"/>
-              <a:ea typeface="Arial"/>
-              <a:cs typeface="Arial"/>
-              <a:sym typeface="Arial"/>
-            </a:endParaRPr>
-          </a:p>
-          <a:p>
-            <a:pPr marL="0" marR="0" lvl="0" indent="0" algn="l" rtl="0">
-              <a:lnSpc>
-                <a:spcPct val="90000"/>
-              </a:lnSpc>
-              <a:spcBef>
-                <a:spcPts val="25"/>
-              </a:spcBef>
-              <a:spcAft>
-                <a:spcPts val="0"/>
-              </a:spcAft>
-              <a:buClr>
-                <a:schemeClr val="dk1"/>
-              </a:buClr>
-              <a:buSzPts val="1100"/>
-              <a:buFont typeface="Arial"/>
-              <a:buNone/>
-            </a:pPr>
-            <a:r>
-              <a:rPr lang="fr-FR" sz="1500" b="1" i="0" u="none" strike="noStrike" cap="none">
-                <a:solidFill>
-                  <a:schemeClr val="dk1"/>
-                </a:solidFill>
-                <a:latin typeface="Arial"/>
-                <a:ea typeface="Arial"/>
-                <a:cs typeface="Arial"/>
-                <a:sym typeface="Arial"/>
-              </a:rPr>
-              <a:t>DAGIRAL, Éric, LICOPPE, Christian, MARTIN, Olivier, </a:t>
-            </a:r>
-            <a:r>
-              <a:rPr lang="fr-FR" sz="1500" b="1" i="1" u="none" strike="noStrike" cap="none">
-                <a:solidFill>
-                  <a:schemeClr val="dk1"/>
-                </a:solidFill>
-                <a:latin typeface="Arial"/>
-                <a:ea typeface="Arial"/>
-                <a:cs typeface="Arial"/>
-                <a:sym typeface="Arial"/>
-              </a:rPr>
-              <a:t>et al.</a:t>
-            </a:r>
-            <a:r>
-              <a:rPr lang="fr-FR" sz="1500" b="0" i="0" u="none" strike="noStrike" cap="none">
-                <a:solidFill>
-                  <a:schemeClr val="dk1"/>
-                </a:solidFill>
-                <a:latin typeface="Arial"/>
-                <a:ea typeface="Arial"/>
-                <a:cs typeface="Arial"/>
-                <a:sym typeface="Arial"/>
-              </a:rPr>
-              <a:t> Le Quantified Self en question (s) Un état des lieux des travaux de sciences sociales consacrés à l’automesure des individus. </a:t>
-            </a:r>
-            <a:r>
-              <a:rPr lang="fr-FR" sz="1500" b="0" i="1" u="none" strike="noStrike" cap="none">
-                <a:solidFill>
-                  <a:schemeClr val="dk1"/>
-                </a:solidFill>
-                <a:latin typeface="Arial"/>
-                <a:ea typeface="Arial"/>
-                <a:cs typeface="Arial"/>
-                <a:sym typeface="Arial"/>
-              </a:rPr>
-              <a:t>Réseaux</a:t>
-            </a:r>
-            <a:r>
-              <a:rPr lang="fr-FR" sz="1500" b="0" i="0" u="none" strike="noStrike" cap="none">
-                <a:solidFill>
-                  <a:schemeClr val="dk1"/>
-                </a:solidFill>
-                <a:latin typeface="Arial"/>
-                <a:ea typeface="Arial"/>
-                <a:cs typeface="Arial"/>
-                <a:sym typeface="Arial"/>
-              </a:rPr>
-              <a:t>, 2019, no 4, p. 17-54.</a:t>
-            </a:r>
-            <a:endParaRPr/>
-          </a:p>
-          <a:p>
-            <a:pPr marL="0" marR="0" lvl="0" indent="0" algn="l" rtl="0">
-              <a:lnSpc>
-                <a:spcPct val="90000"/>
-              </a:lnSpc>
-              <a:spcBef>
-                <a:spcPts val="25"/>
-              </a:spcBef>
-              <a:spcAft>
-                <a:spcPts val="0"/>
-              </a:spcAft>
-              <a:buClr>
-                <a:schemeClr val="dk1"/>
-              </a:buClr>
-              <a:buSzPts val="1100"/>
-              <a:buFont typeface="Arial"/>
-              <a:buNone/>
-            </a:pPr>
-            <a:endParaRPr sz="1500" b="0" i="0" u="none" strike="noStrike" cap="none">
-              <a:solidFill>
-                <a:schemeClr val="dk1"/>
-              </a:solidFill>
-              <a:latin typeface="Arial"/>
-              <a:ea typeface="Arial"/>
-              <a:cs typeface="Arial"/>
-              <a:sym typeface="Arial"/>
-            </a:endParaRPr>
-          </a:p>
-          <a:p>
-            <a:pPr marL="0" marR="0" lvl="0" indent="0" algn="l" rtl="0">
-              <a:lnSpc>
-                <a:spcPct val="90000"/>
-              </a:lnSpc>
-              <a:spcBef>
-                <a:spcPts val="25"/>
-              </a:spcBef>
-              <a:spcAft>
-                <a:spcPts val="0"/>
-              </a:spcAft>
-              <a:buClr>
-                <a:schemeClr val="dk1"/>
-              </a:buClr>
-              <a:buSzPts val="1100"/>
-              <a:buFont typeface="Arial"/>
-              <a:buNone/>
-            </a:pPr>
-            <a:r>
-              <a:rPr lang="fr-FR" sz="1500" b="1" i="0" u="none" strike="noStrike" cap="none">
-                <a:solidFill>
-                  <a:schemeClr val="dk1"/>
-                </a:solidFill>
-                <a:latin typeface="Arial"/>
-                <a:ea typeface="Arial"/>
-                <a:cs typeface="Arial"/>
-                <a:sym typeface="Arial"/>
-              </a:rPr>
-              <a:t>MARTIN Olivier</a:t>
-            </a:r>
-            <a:r>
-              <a:rPr lang="fr-FR" sz="1500" b="0" i="0" u="none" strike="noStrike" cap="none">
-                <a:solidFill>
-                  <a:schemeClr val="dk1"/>
-                </a:solidFill>
-                <a:latin typeface="Arial"/>
-                <a:ea typeface="Arial"/>
-                <a:cs typeface="Arial"/>
-                <a:sym typeface="Arial"/>
-              </a:rPr>
-              <a:t>, </a:t>
-            </a:r>
-            <a:r>
-              <a:rPr lang="fr-FR" sz="1500" b="0" i="1" u="none" strike="noStrike" cap="none">
-                <a:solidFill>
-                  <a:schemeClr val="dk1"/>
-                </a:solidFill>
-                <a:latin typeface="Arial"/>
-                <a:ea typeface="Arial"/>
-                <a:cs typeface="Arial"/>
-                <a:sym typeface="Arial"/>
-              </a:rPr>
-              <a:t>L'analyse quantitative des données. </a:t>
-            </a:r>
-            <a:r>
-              <a:rPr lang="fr-FR" sz="1500" b="0" i="0" u="none" strike="noStrike" cap="none">
-                <a:solidFill>
-                  <a:schemeClr val="dk1"/>
-                </a:solidFill>
-                <a:latin typeface="Arial"/>
-                <a:ea typeface="Arial"/>
-                <a:cs typeface="Arial"/>
-                <a:sym typeface="Arial"/>
-              </a:rPr>
-              <a:t>Armand Colin, « 128 », 2020. </a:t>
-            </a:r>
-            <a:endParaRPr/>
-          </a:p>
-          <a:p>
-            <a:pPr marL="0" marR="0" lvl="0" indent="0" algn="l" rtl="0">
-              <a:lnSpc>
-                <a:spcPct val="90000"/>
-              </a:lnSpc>
-              <a:spcBef>
-                <a:spcPts val="25"/>
-              </a:spcBef>
-              <a:spcAft>
-                <a:spcPts val="0"/>
-              </a:spcAft>
-              <a:buClr>
-                <a:schemeClr val="dk1"/>
-              </a:buClr>
-              <a:buSzPts val="1100"/>
-              <a:buFont typeface="Arial"/>
-              <a:buNone/>
-            </a:pPr>
-            <a:endParaRPr sz="1500" b="1" i="0" u="none" strike="noStrike" cap="none">
-              <a:solidFill>
-                <a:schemeClr val="dk1"/>
-              </a:solidFill>
-              <a:latin typeface="Arial"/>
-              <a:ea typeface="Arial"/>
-              <a:cs typeface="Arial"/>
-              <a:sym typeface="Arial"/>
-            </a:endParaRPr>
-          </a:p>
-          <a:p>
-            <a:pPr marL="0" marR="0" lvl="0" indent="0" algn="l" rtl="0">
-              <a:lnSpc>
-                <a:spcPct val="90000"/>
-              </a:lnSpc>
-              <a:spcBef>
-                <a:spcPts val="25"/>
-              </a:spcBef>
-              <a:spcAft>
-                <a:spcPts val="0"/>
-              </a:spcAft>
-              <a:buClr>
-                <a:schemeClr val="dk1"/>
-              </a:buClr>
-              <a:buSzPts val="1100"/>
-              <a:buFont typeface="Arial"/>
-              <a:buNone/>
-            </a:pPr>
-            <a:r>
-              <a:rPr lang="fr-FR" sz="1500" b="1" i="0" u="none" strike="noStrike" cap="none">
-                <a:solidFill>
-                  <a:schemeClr val="dk1"/>
-                </a:solidFill>
-                <a:latin typeface="Arial"/>
-                <a:ea typeface="Arial"/>
-                <a:cs typeface="Arial"/>
-                <a:sym typeface="Arial"/>
-              </a:rPr>
-              <a:t>ALAN, Sule, ERTAC, Seda, et MUMCU, Ipek</a:t>
-            </a:r>
-            <a:r>
-              <a:rPr lang="fr-FR" sz="1500" b="0" i="0" u="none" strike="noStrike" cap="none">
-                <a:solidFill>
-                  <a:schemeClr val="dk1"/>
-                </a:solidFill>
-                <a:latin typeface="Arial"/>
-                <a:ea typeface="Arial"/>
-                <a:cs typeface="Arial"/>
-                <a:sym typeface="Arial"/>
-              </a:rPr>
-              <a:t>. Gender stereotypes in the classroom and effects on achievement. </a:t>
-            </a:r>
-            <a:r>
-              <a:rPr lang="fr-FR" sz="1500" b="0" i="1" u="none" strike="noStrike" cap="none">
-                <a:solidFill>
-                  <a:schemeClr val="dk1"/>
-                </a:solidFill>
-                <a:latin typeface="Arial"/>
-                <a:ea typeface="Arial"/>
-                <a:cs typeface="Arial"/>
-                <a:sym typeface="Arial"/>
-              </a:rPr>
-              <a:t>Review of Economics and Statistics</a:t>
-            </a:r>
-            <a:r>
-              <a:rPr lang="fr-FR" sz="1500" b="0" i="0" u="none" strike="noStrike" cap="none">
-                <a:solidFill>
-                  <a:schemeClr val="dk1"/>
-                </a:solidFill>
-                <a:latin typeface="Arial"/>
-                <a:ea typeface="Arial"/>
-                <a:cs typeface="Arial"/>
-                <a:sym typeface="Arial"/>
-              </a:rPr>
-              <a:t>, 2018, vol. 100, no 5, p. 876-890.</a:t>
-            </a:r>
-            <a:endParaRPr/>
-          </a:p>
-          <a:p>
-            <a:pPr marL="0" marR="0" lvl="0" indent="0" algn="l" rtl="0">
-              <a:lnSpc>
-                <a:spcPct val="90000"/>
-              </a:lnSpc>
-              <a:spcBef>
-                <a:spcPts val="25"/>
-              </a:spcBef>
-              <a:spcAft>
-                <a:spcPts val="0"/>
-              </a:spcAft>
-              <a:buClr>
-                <a:schemeClr val="dk1"/>
-              </a:buClr>
-              <a:buSzPts val="1100"/>
-              <a:buFont typeface="Arial"/>
-              <a:buNone/>
-            </a:pPr>
-            <a:endParaRPr sz="1500" b="0" i="0" u="none" strike="noStrike" cap="none">
-              <a:solidFill>
-                <a:schemeClr val="dk1"/>
-              </a:solidFill>
-              <a:latin typeface="Arial"/>
-              <a:ea typeface="Arial"/>
-              <a:cs typeface="Arial"/>
-              <a:sym typeface="Arial"/>
-            </a:endParaRPr>
-          </a:p>
-          <a:p>
-            <a:pPr marL="0" marR="0" lvl="0" indent="0" algn="l" rtl="0">
-              <a:lnSpc>
-                <a:spcPct val="90000"/>
-              </a:lnSpc>
-              <a:spcBef>
-                <a:spcPts val="25"/>
-              </a:spcBef>
-              <a:spcAft>
-                <a:spcPts val="0"/>
-              </a:spcAft>
-              <a:buClr>
-                <a:schemeClr val="dk1"/>
-              </a:buClr>
-              <a:buSzPts val="1100"/>
-              <a:buFont typeface="Arial"/>
-              <a:buNone/>
-            </a:pPr>
-            <a:r>
-              <a:rPr lang="fr-FR" sz="1500" b="1" i="0" u="none" strike="noStrike" cap="none">
-                <a:solidFill>
-                  <a:schemeClr val="dk1"/>
-                </a:solidFill>
-                <a:latin typeface="Arial"/>
-                <a:ea typeface="Arial"/>
-                <a:cs typeface="Arial"/>
-                <a:sym typeface="Arial"/>
-              </a:rPr>
-              <a:t>STEELE, Claude M. et ARONSON, Joshua</a:t>
-            </a:r>
-            <a:r>
-              <a:rPr lang="fr-FR" sz="1500" b="0" i="0" u="none" strike="noStrike" cap="none">
-                <a:solidFill>
-                  <a:schemeClr val="dk1"/>
-                </a:solidFill>
-                <a:latin typeface="Arial"/>
-                <a:ea typeface="Arial"/>
-                <a:cs typeface="Arial"/>
-                <a:sym typeface="Arial"/>
-              </a:rPr>
-              <a:t>. Stereotype threat and the intellectual test performance of African Americans. </a:t>
-            </a:r>
-            <a:r>
-              <a:rPr lang="fr-FR" sz="1500" b="0" i="1" u="none" strike="noStrike" cap="none">
-                <a:solidFill>
-                  <a:schemeClr val="dk1"/>
-                </a:solidFill>
-                <a:latin typeface="Arial"/>
-                <a:ea typeface="Arial"/>
-                <a:cs typeface="Arial"/>
-                <a:sym typeface="Arial"/>
-              </a:rPr>
-              <a:t>Journal of personality and social psychology</a:t>
-            </a:r>
-            <a:r>
-              <a:rPr lang="fr-FR" sz="1500" b="0" i="0" u="none" strike="noStrike" cap="none">
-                <a:solidFill>
-                  <a:schemeClr val="dk1"/>
-                </a:solidFill>
-                <a:latin typeface="Arial"/>
-                <a:ea typeface="Arial"/>
-                <a:cs typeface="Arial"/>
-                <a:sym typeface="Arial"/>
-              </a:rPr>
-              <a:t>, 1995, vol. 69, no 5, p. 797.</a:t>
-            </a:r>
-            <a:endParaRPr/>
-          </a:p>
-          <a:p>
-            <a:pPr marL="0" marR="0" lvl="0" indent="0" algn="l" rtl="0">
-              <a:lnSpc>
-                <a:spcPct val="90000"/>
-              </a:lnSpc>
-              <a:spcBef>
-                <a:spcPts val="25"/>
-              </a:spcBef>
-              <a:spcAft>
-                <a:spcPts val="0"/>
-              </a:spcAft>
-              <a:buClr>
-                <a:schemeClr val="dk1"/>
-              </a:buClr>
-              <a:buSzPts val="1100"/>
-              <a:buFont typeface="Arial"/>
-              <a:buNone/>
-            </a:pPr>
-            <a:endParaRPr sz="1500" b="0" i="0" u="none" strike="noStrike" cap="none">
-              <a:solidFill>
-                <a:schemeClr val="dk1"/>
-              </a:solidFill>
-              <a:latin typeface="Arial"/>
-              <a:ea typeface="Arial"/>
-              <a:cs typeface="Arial"/>
-              <a:sym typeface="Arial"/>
-            </a:endParaRPr>
-          </a:p>
-          <a:p>
-            <a:pPr marL="0" marR="0" lvl="0" indent="0" algn="l" rtl="0">
-              <a:lnSpc>
-                <a:spcPct val="90000"/>
-              </a:lnSpc>
-              <a:spcBef>
-                <a:spcPts val="25"/>
-              </a:spcBef>
-              <a:spcAft>
-                <a:spcPts val="0"/>
-              </a:spcAft>
-              <a:buClr>
-                <a:schemeClr val="dk1"/>
-              </a:buClr>
-              <a:buSzPts val="1100"/>
-              <a:buFont typeface="Arial"/>
-              <a:buNone/>
-            </a:pPr>
-            <a:r>
-              <a:rPr lang="fr-FR" sz="1500" b="1" i="0" u="none" strike="noStrike" cap="none">
-                <a:solidFill>
-                  <a:schemeClr val="dk1"/>
-                </a:solidFill>
-                <a:latin typeface="Arial"/>
-                <a:ea typeface="Arial"/>
-                <a:cs typeface="Arial"/>
-                <a:sym typeface="Arial"/>
-              </a:rPr>
-              <a:t>TITTEL Katharina</a:t>
-            </a:r>
-            <a:r>
-              <a:rPr lang="fr-FR" sz="1500" b="0" i="0" u="none" strike="noStrike" cap="none">
-                <a:solidFill>
-                  <a:schemeClr val="dk1"/>
-                </a:solidFill>
-                <a:latin typeface="Arial"/>
-                <a:ea typeface="Arial"/>
-                <a:cs typeface="Arial"/>
-                <a:sym typeface="Arial"/>
-              </a:rPr>
-              <a:t>, « Ébrécher le plafond de verre sans le percer. Le pouvoir épisodique des internautes ordinaires dans le discours Français sur l’immigration sur Twitter », </a:t>
-            </a:r>
-            <a:r>
-              <a:rPr lang="fr-FR" sz="1500" b="0" i="1" u="none" strike="noStrike" cap="none">
-                <a:solidFill>
-                  <a:schemeClr val="dk1"/>
-                </a:solidFill>
-                <a:latin typeface="Arial"/>
-                <a:ea typeface="Arial"/>
-                <a:cs typeface="Arial"/>
-                <a:sym typeface="Arial"/>
-              </a:rPr>
-              <a:t>Hommes &amp; Migrations</a:t>
-            </a:r>
-            <a:r>
-              <a:rPr lang="fr-FR" sz="1500" b="0" i="0" u="none" strike="noStrike" cap="none">
-                <a:solidFill>
-                  <a:schemeClr val="dk1"/>
-                </a:solidFill>
-                <a:latin typeface="Arial"/>
-                <a:ea typeface="Arial"/>
-                <a:cs typeface="Arial"/>
-                <a:sym typeface="Arial"/>
-              </a:rPr>
-              <a:t>, 2022/2 (n° 1337), p. 21-33. </a:t>
-            </a:r>
-            <a:endParaRPr sz="1500" b="0" i="0" u="none" strike="noStrike" cap="none">
-              <a:solidFill>
-                <a:schemeClr val="dk1"/>
-              </a:solidFill>
-              <a:latin typeface="Arial"/>
-              <a:ea typeface="Arial"/>
-              <a:cs typeface="Arial"/>
-              <a:sym typeface="Arial"/>
-            </a:endParaRPr>
-          </a:p>
-        </p:txBody>
-      </p:sp>
-      <p:sp>
-        <p:nvSpPr>
-          <p:cNvPr id="518" name="Google Shape;518;g2abac93716c_0_50"/>
-          <p:cNvSpPr txBox="1"/>
-          <p:nvPr/>
-        </p:nvSpPr>
-        <p:spPr>
-          <a:xfrm>
-            <a:off x="467650" y="973475"/>
-            <a:ext cx="8219100" cy="698100"/>
-          </a:xfrm>
-          <a:prstGeom prst="rect">
-            <a:avLst/>
-          </a:prstGeom>
-          <a:noFill/>
-          <a:ln>
-            <a:noFill/>
-          </a:ln>
-        </p:spPr>
-        <p:txBody>
-          <a:bodyPr spcFirstLastPara="1" wrap="square" lIns="91425" tIns="91425" rIns="91425" bIns="91425" anchor="t" anchorCtr="0">
-            <a:noAutofit/>
-          </a:bodyPr>
-          <a:lstStyle/>
-          <a:p>
-            <a:pPr marL="0" marR="0" lvl="0" indent="0" algn="l" rtl="0">
-              <a:lnSpc>
-                <a:spcPct val="100000"/>
-              </a:lnSpc>
-              <a:spcBef>
-                <a:spcPts val="0"/>
-              </a:spcBef>
-              <a:spcAft>
-                <a:spcPts val="0"/>
-              </a:spcAft>
-              <a:buClr>
-                <a:srgbClr val="000000"/>
-              </a:buClr>
-              <a:buSzPts val="3200"/>
-              <a:buFont typeface="Arial"/>
-              <a:buNone/>
-            </a:pPr>
-            <a:r>
-              <a:rPr lang="fr-FR" sz="3200" b="1" i="0" u="none" strike="noStrike" cap="none">
-                <a:solidFill>
-                  <a:srgbClr val="2E5D5A"/>
-                </a:solidFill>
-                <a:latin typeface="Calibri"/>
-                <a:ea typeface="Calibri"/>
-                <a:cs typeface="Calibri"/>
-                <a:sym typeface="Calibri"/>
-              </a:rPr>
-              <a:t>Références bibliographiques</a:t>
             </a:r>
             <a:endParaRPr sz="3200" b="1" i="0" u="none" strike="noStrike" cap="none">
               <a:solidFill>
@@ -45820,6 +45400,1006 @@
             <a:endParaRPr sz="3200" b="1" i="0" u="none" strike="noStrike" cap="none">
               <a:solidFill>
                 <a:schemeClr val="dk1"/>
+              </a:solidFill>
+              <a:latin typeface="Calibri"/>
+              <a:ea typeface="Calibri"/>
+              <a:cs typeface="Calibri"/>
+              <a:sym typeface="Calibri"/>
+            </a:endParaRPr>
+          </a:p>
+        </p:txBody>
+      </p:sp>
+    </p:spTree>
+  </p:cSld>
+  <p:clrMapOvr>
+    <a:masterClrMapping/>
+  </p:clrMapOvr>
+</p:sld>
+</file>
+
+<file path=ppt/slides/slide50.xml><?xml version="1.0" encoding="utf-8"?>
+<p:sld xmlns:a="http://schemas.openxmlformats.org/drawingml/2006/main" xmlns:r="http://schemas.openxmlformats.org/officeDocument/2006/relationships" xmlns:p="http://schemas.openxmlformats.org/presentationml/2006/main">
+  <p:cSld>
+    <p:spTree>
+      <p:nvGrpSpPr>
+        <p:cNvPr id="1" name="Shape 513"/>
+        <p:cNvGrpSpPr/>
+        <p:nvPr/>
+      </p:nvGrpSpPr>
+      <p:grpSpPr>
+        <a:xfrm>
+          <a:off x="0" y="0"/>
+          <a:ext cx="0" cy="0"/>
+          <a:chOff x="0" y="0"/>
+          <a:chExt cx="0" cy="0"/>
+        </a:xfrm>
+      </p:grpSpPr>
+      <p:sp>
+        <p:nvSpPr>
+          <p:cNvPr id="514" name="Google Shape;514;g2abac93716c_0_50"/>
+          <p:cNvSpPr txBox="1">
+            <a:spLocks noGrp="1"/>
+          </p:cNvSpPr>
+          <p:nvPr>
+            <p:ph type="sldNum" idx="12"/>
+          </p:nvPr>
+        </p:nvSpPr>
+        <p:spPr>
+          <a:xfrm>
+            <a:off x="6553200" y="6356350"/>
+            <a:ext cx="2133600" cy="365100"/>
+          </a:xfrm>
+          <a:prstGeom prst="rect">
+            <a:avLst/>
+          </a:prstGeom>
+          <a:noFill/>
+          <a:ln>
+            <a:noFill/>
+          </a:ln>
+        </p:spPr>
+        <p:txBody>
+          <a:bodyPr spcFirstLastPara="1" wrap="square" lIns="91425" tIns="45700" rIns="91425" bIns="45700" anchor="ctr" anchorCtr="0">
+            <a:noAutofit/>
+          </a:bodyPr>
+          <a:lstStyle/>
+          <a:p>
+            <a:pPr marL="0" lvl="0" indent="0" algn="r" rtl="0">
+              <a:lnSpc>
+                <a:spcPct val="100000"/>
+              </a:lnSpc>
+              <a:spcBef>
+                <a:spcPts val="0"/>
+              </a:spcBef>
+              <a:spcAft>
+                <a:spcPts val="0"/>
+              </a:spcAft>
+              <a:buSzPts val="1000"/>
+              <a:buNone/>
+            </a:pPr>
+            <a:fld id="{00000000-1234-1234-1234-123412341234}" type="slidenum">
+              <a:rPr lang="fr-FR" sz="1000">
+                <a:solidFill>
+                  <a:srgbClr val="808080"/>
+                </a:solidFill>
+                <a:latin typeface="Arial"/>
+                <a:ea typeface="Arial"/>
+                <a:cs typeface="Arial"/>
+                <a:sym typeface="Arial"/>
+              </a:rPr>
+              <a:t>50</a:t>
+            </a:fld>
+            <a:endParaRPr sz="1000">
+              <a:solidFill>
+                <a:srgbClr val="808080"/>
+              </a:solidFill>
+              <a:latin typeface="Arial"/>
+              <a:ea typeface="Arial"/>
+              <a:cs typeface="Arial"/>
+              <a:sym typeface="Arial"/>
+            </a:endParaRPr>
+          </a:p>
+        </p:txBody>
+      </p:sp>
+      <p:sp>
+        <p:nvSpPr>
+          <p:cNvPr id="515" name="Google Shape;515;g2abac93716c_0_50"/>
+          <p:cNvSpPr/>
+          <p:nvPr/>
+        </p:nvSpPr>
+        <p:spPr>
+          <a:xfrm>
+            <a:off x="0" y="0"/>
+            <a:ext cx="9144000" cy="698100"/>
+          </a:xfrm>
+          <a:prstGeom prst="rect">
+            <a:avLst/>
+          </a:prstGeom>
+          <a:solidFill>
+            <a:srgbClr val="2E5D5A"/>
+          </a:solidFill>
+          <a:ln>
+            <a:noFill/>
+          </a:ln>
+        </p:spPr>
+        <p:txBody>
+          <a:bodyPr spcFirstLastPara="1" wrap="square" lIns="91425" tIns="45700" rIns="91425" bIns="45700" anchor="ctr" anchorCtr="0">
+            <a:noAutofit/>
+          </a:bodyPr>
+          <a:lstStyle/>
+          <a:p>
+            <a:pPr marL="0" marR="0" lvl="0" indent="0" algn="ctr" rtl="0">
+              <a:lnSpc>
+                <a:spcPct val="100000"/>
+              </a:lnSpc>
+              <a:spcBef>
+                <a:spcPts val="0"/>
+              </a:spcBef>
+              <a:spcAft>
+                <a:spcPts val="0"/>
+              </a:spcAft>
+              <a:buClr>
+                <a:srgbClr val="000000"/>
+              </a:buClr>
+              <a:buSzPts val="1800"/>
+              <a:buFont typeface="Arial"/>
+              <a:buNone/>
+            </a:pPr>
+            <a:endParaRPr sz="1800" b="0" i="0" u="none" strike="noStrike" cap="none">
+              <a:solidFill>
+                <a:schemeClr val="dk1"/>
+              </a:solidFill>
+              <a:latin typeface="Calibri"/>
+              <a:ea typeface="Calibri"/>
+              <a:cs typeface="Calibri"/>
+              <a:sym typeface="Calibri"/>
+            </a:endParaRPr>
+          </a:p>
+        </p:txBody>
+      </p:sp>
+      <p:sp>
+        <p:nvSpPr>
+          <p:cNvPr id="516" name="Google Shape;516;g2abac93716c_0_50"/>
+          <p:cNvSpPr txBox="1"/>
+          <p:nvPr/>
+        </p:nvSpPr>
+        <p:spPr>
+          <a:xfrm>
+            <a:off x="6904408" y="142212"/>
+            <a:ext cx="1975500" cy="428400"/>
+          </a:xfrm>
+          <a:prstGeom prst="rect">
+            <a:avLst/>
+          </a:prstGeom>
+          <a:noFill/>
+          <a:ln>
+            <a:noFill/>
+          </a:ln>
+        </p:spPr>
+        <p:txBody>
+          <a:bodyPr spcFirstLastPara="1" wrap="square" lIns="91425" tIns="45700" rIns="91425" bIns="45700" anchor="t" anchorCtr="0">
+            <a:noAutofit/>
+          </a:bodyPr>
+          <a:lstStyle/>
+          <a:p>
+            <a:pPr marL="0" marR="0" lvl="0" indent="0" algn="r" rtl="0">
+              <a:lnSpc>
+                <a:spcPct val="110000"/>
+              </a:lnSpc>
+              <a:spcBef>
+                <a:spcPts val="0"/>
+              </a:spcBef>
+              <a:spcAft>
+                <a:spcPts val="0"/>
+              </a:spcAft>
+              <a:buClr>
+                <a:srgbClr val="000000"/>
+              </a:buClr>
+              <a:buSzPts val="1000"/>
+              <a:buFont typeface="Arial"/>
+              <a:buNone/>
+            </a:pPr>
+            <a:r>
+              <a:rPr lang="fr-FR" sz="1000" b="1" i="0" u="none" strike="noStrike" cap="none">
+                <a:solidFill>
+                  <a:srgbClr val="FFFFFF"/>
+                </a:solidFill>
+                <a:latin typeface="Arial"/>
+                <a:ea typeface="Arial"/>
+                <a:cs typeface="Arial"/>
+                <a:sym typeface="Arial"/>
+              </a:rPr>
+              <a:t>SEANCE 1</a:t>
+            </a:r>
+            <a:br>
+              <a:rPr lang="fr-FR" sz="1000" b="0" i="0" u="none" strike="noStrike" cap="none">
+                <a:solidFill>
+                  <a:srgbClr val="FFFFFF"/>
+                </a:solidFill>
+                <a:latin typeface="Arial"/>
+                <a:ea typeface="Arial"/>
+                <a:cs typeface="Arial"/>
+                <a:sym typeface="Arial"/>
+              </a:rPr>
+            </a:br>
+            <a:r>
+              <a:rPr lang="fr-FR" sz="1000" b="0" i="0" u="none" strike="noStrike" cap="none">
+                <a:solidFill>
+                  <a:srgbClr val="FFFFFF"/>
+                </a:solidFill>
+                <a:latin typeface="Arial"/>
+                <a:ea typeface="Arial"/>
+                <a:cs typeface="Arial"/>
+                <a:sym typeface="Arial"/>
+              </a:rPr>
+              <a:t>Cours introductif</a:t>
+            </a:r>
+            <a:endParaRPr sz="1000" b="0" i="0" u="none" strike="noStrike" cap="none">
+              <a:solidFill>
+                <a:srgbClr val="FFFFFF"/>
+              </a:solidFill>
+              <a:latin typeface="Arial"/>
+              <a:ea typeface="Arial"/>
+              <a:cs typeface="Arial"/>
+              <a:sym typeface="Arial"/>
+            </a:endParaRPr>
+          </a:p>
+        </p:txBody>
+      </p:sp>
+      <p:sp>
+        <p:nvSpPr>
+          <p:cNvPr id="517" name="Google Shape;517;g2abac93716c_0_50"/>
+          <p:cNvSpPr txBox="1"/>
+          <p:nvPr/>
+        </p:nvSpPr>
+        <p:spPr>
+          <a:xfrm>
+            <a:off x="467925" y="1846650"/>
+            <a:ext cx="8219100" cy="4215000"/>
+          </a:xfrm>
+          <a:prstGeom prst="rect">
+            <a:avLst/>
+          </a:prstGeom>
+          <a:noFill/>
+          <a:ln>
+            <a:noFill/>
+          </a:ln>
+        </p:spPr>
+        <p:txBody>
+          <a:bodyPr spcFirstLastPara="1" wrap="square" lIns="91425" tIns="91425" rIns="91425" bIns="91425" anchor="t" anchorCtr="0">
+            <a:noAutofit/>
+          </a:bodyPr>
+          <a:lstStyle/>
+          <a:p>
+            <a:pPr marL="0" marR="0" lvl="0" indent="0" algn="l" rtl="0">
+              <a:lnSpc>
+                <a:spcPct val="90000"/>
+              </a:lnSpc>
+              <a:spcBef>
+                <a:spcPts val="25"/>
+              </a:spcBef>
+              <a:spcAft>
+                <a:spcPts val="0"/>
+              </a:spcAft>
+              <a:buClr>
+                <a:schemeClr val="dk1"/>
+              </a:buClr>
+              <a:buSzPts val="1100"/>
+              <a:buFont typeface="Arial"/>
+              <a:buNone/>
+            </a:pPr>
+            <a:r>
+              <a:rPr lang="fr-FR" sz="1500" b="1" i="0" u="none" strike="noStrike" cap="none">
+                <a:solidFill>
+                  <a:schemeClr val="dk1"/>
+                </a:solidFill>
+                <a:latin typeface="Arial"/>
+                <a:ea typeface="Arial"/>
+                <a:cs typeface="Arial"/>
+                <a:sym typeface="Arial"/>
+              </a:rPr>
+              <a:t>BERGSTRÖM Marie, </a:t>
+            </a:r>
+            <a:r>
+              <a:rPr lang="fr-FR" sz="1500" b="0" i="0" u="none" strike="noStrike" cap="none">
+                <a:solidFill>
+                  <a:schemeClr val="dk1"/>
+                </a:solidFill>
+                <a:latin typeface="Arial"/>
+                <a:ea typeface="Arial"/>
+                <a:cs typeface="Arial"/>
+                <a:sym typeface="Arial"/>
+              </a:rPr>
+              <a:t>« De quoi l’écart d’âge est-il le nombre ? L’apport des big data à l’étude de la différence d’âge au sein des couples », </a:t>
+            </a:r>
+            <a:r>
+              <a:rPr lang="fr-FR" sz="1500" b="0" i="1" u="none" strike="noStrike" cap="none">
+                <a:solidFill>
+                  <a:schemeClr val="dk1"/>
+                </a:solidFill>
+                <a:latin typeface="Arial"/>
+                <a:ea typeface="Arial"/>
+                <a:cs typeface="Arial"/>
+                <a:sym typeface="Arial"/>
+              </a:rPr>
+              <a:t>Revue française de sociologie</a:t>
+            </a:r>
+            <a:r>
+              <a:rPr lang="fr-FR" sz="1500" b="0" i="0" u="none" strike="noStrike" cap="none">
+                <a:solidFill>
+                  <a:schemeClr val="dk1"/>
+                </a:solidFill>
+                <a:latin typeface="Arial"/>
+                <a:ea typeface="Arial"/>
+                <a:cs typeface="Arial"/>
+                <a:sym typeface="Arial"/>
+              </a:rPr>
+              <a:t>, 2018/3 (Vol. 59), pp. 395-422.</a:t>
+            </a:r>
+            <a:endParaRPr/>
+          </a:p>
+          <a:p>
+            <a:pPr marL="0" marR="0" lvl="0" indent="0" algn="l" rtl="0">
+              <a:lnSpc>
+                <a:spcPct val="90000"/>
+              </a:lnSpc>
+              <a:spcBef>
+                <a:spcPts val="25"/>
+              </a:spcBef>
+              <a:spcAft>
+                <a:spcPts val="0"/>
+              </a:spcAft>
+              <a:buClr>
+                <a:schemeClr val="dk1"/>
+              </a:buClr>
+              <a:buSzPts val="1100"/>
+              <a:buFont typeface="Arial"/>
+              <a:buNone/>
+            </a:pPr>
+            <a:endParaRPr sz="1500" b="0" i="0" u="none" strike="noStrike" cap="none">
+              <a:solidFill>
+                <a:schemeClr val="dk1"/>
+              </a:solidFill>
+              <a:latin typeface="Arial"/>
+              <a:ea typeface="Arial"/>
+              <a:cs typeface="Arial"/>
+              <a:sym typeface="Arial"/>
+            </a:endParaRPr>
+          </a:p>
+          <a:p>
+            <a:pPr marL="0" marR="0" lvl="0" indent="0" algn="l" rtl="0">
+              <a:lnSpc>
+                <a:spcPct val="90000"/>
+              </a:lnSpc>
+              <a:spcBef>
+                <a:spcPts val="25"/>
+              </a:spcBef>
+              <a:spcAft>
+                <a:spcPts val="0"/>
+              </a:spcAft>
+              <a:buClr>
+                <a:schemeClr val="dk1"/>
+              </a:buClr>
+              <a:buSzPts val="1100"/>
+              <a:buFont typeface="Arial"/>
+              <a:buNone/>
+            </a:pPr>
+            <a:r>
+              <a:rPr lang="fr-FR" sz="1600" b="1" i="0" u="none" strike="noStrike" cap="none">
+                <a:solidFill>
+                  <a:schemeClr val="dk1"/>
+                </a:solidFill>
+                <a:latin typeface="Arial"/>
+                <a:ea typeface="Arial"/>
+                <a:cs typeface="Arial"/>
+                <a:sym typeface="Arial"/>
+              </a:rPr>
+              <a:t>BRUN, Solène, et COSQUER, Clair.</a:t>
+            </a:r>
+            <a:r>
+              <a:rPr lang="fr-FR" sz="1600" b="0" i="0" u="none" strike="noStrike" cap="none">
+                <a:solidFill>
+                  <a:schemeClr val="dk1"/>
+                </a:solidFill>
+                <a:latin typeface="Arial"/>
+                <a:ea typeface="Arial"/>
+                <a:cs typeface="Arial"/>
+                <a:sym typeface="Arial"/>
+              </a:rPr>
+              <a:t> « 9. Les défis méthodologiques d’une analyse sociologique de la race », dans </a:t>
+            </a:r>
+            <a:r>
+              <a:rPr lang="fr-FR" sz="1600" b="0" i="1" u="none" strike="noStrike" cap="none">
+                <a:solidFill>
+                  <a:schemeClr val="dk1"/>
+                </a:solidFill>
+                <a:latin typeface="Arial"/>
+                <a:ea typeface="Arial"/>
+                <a:cs typeface="Arial"/>
+                <a:sym typeface="Arial"/>
+              </a:rPr>
+              <a:t>Sociologie de la race</a:t>
+            </a:r>
+            <a:r>
+              <a:rPr lang="fr-FR" sz="1600" b="0" i="0" u="none" strike="noStrike" cap="none">
+                <a:solidFill>
+                  <a:schemeClr val="dk1"/>
+                </a:solidFill>
+                <a:latin typeface="Arial"/>
+                <a:ea typeface="Arial"/>
+                <a:cs typeface="Arial"/>
+                <a:sym typeface="Arial"/>
+              </a:rPr>
+              <a:t>. Armand Colin, 2022, pp. 111-124</a:t>
+            </a:r>
+            <a:endParaRPr sz="1500" b="0" i="0" u="none" strike="noStrike" cap="none">
+              <a:solidFill>
+                <a:schemeClr val="dk1"/>
+              </a:solidFill>
+              <a:latin typeface="Arial"/>
+              <a:ea typeface="Arial"/>
+              <a:cs typeface="Arial"/>
+              <a:sym typeface="Arial"/>
+            </a:endParaRPr>
+          </a:p>
+          <a:p>
+            <a:pPr marL="0" marR="0" lvl="0" indent="0" algn="l" rtl="0">
+              <a:lnSpc>
+                <a:spcPct val="90000"/>
+              </a:lnSpc>
+              <a:spcBef>
+                <a:spcPts val="25"/>
+              </a:spcBef>
+              <a:spcAft>
+                <a:spcPts val="0"/>
+              </a:spcAft>
+              <a:buClr>
+                <a:schemeClr val="dk1"/>
+              </a:buClr>
+              <a:buSzPts val="1100"/>
+              <a:buFont typeface="Arial"/>
+              <a:buNone/>
+            </a:pPr>
+            <a:endParaRPr sz="1500" b="0" i="0" u="none" strike="noStrike" cap="none">
+              <a:solidFill>
+                <a:schemeClr val="dk1"/>
+              </a:solidFill>
+              <a:latin typeface="Arial"/>
+              <a:ea typeface="Arial"/>
+              <a:cs typeface="Arial"/>
+              <a:sym typeface="Arial"/>
+            </a:endParaRPr>
+          </a:p>
+          <a:p>
+            <a:pPr marL="0" marR="0" lvl="0" indent="0" algn="l" rtl="0">
+              <a:lnSpc>
+                <a:spcPct val="90000"/>
+              </a:lnSpc>
+              <a:spcBef>
+                <a:spcPts val="25"/>
+              </a:spcBef>
+              <a:spcAft>
+                <a:spcPts val="0"/>
+              </a:spcAft>
+              <a:buClr>
+                <a:schemeClr val="dk1"/>
+              </a:buClr>
+              <a:buSzPts val="1100"/>
+              <a:buFont typeface="Arial"/>
+              <a:buNone/>
+            </a:pPr>
+            <a:r>
+              <a:rPr lang="fr-FR" sz="1500" b="1" i="0" u="none" strike="noStrike" cap="none">
+                <a:solidFill>
+                  <a:schemeClr val="dk1"/>
+                </a:solidFill>
+                <a:latin typeface="Arial"/>
+                <a:ea typeface="Arial"/>
+                <a:cs typeface="Arial"/>
+                <a:sym typeface="Arial"/>
+              </a:rPr>
+              <a:t>DAGIRAL, Éric, LICOPPE, Christian, MARTIN, Olivier, </a:t>
+            </a:r>
+            <a:r>
+              <a:rPr lang="fr-FR" sz="1500" b="1" i="1" u="none" strike="noStrike" cap="none">
+                <a:solidFill>
+                  <a:schemeClr val="dk1"/>
+                </a:solidFill>
+                <a:latin typeface="Arial"/>
+                <a:ea typeface="Arial"/>
+                <a:cs typeface="Arial"/>
+                <a:sym typeface="Arial"/>
+              </a:rPr>
+              <a:t>et al.</a:t>
+            </a:r>
+            <a:r>
+              <a:rPr lang="fr-FR" sz="1500" b="0" i="0" u="none" strike="noStrike" cap="none">
+                <a:solidFill>
+                  <a:schemeClr val="dk1"/>
+                </a:solidFill>
+                <a:latin typeface="Arial"/>
+                <a:ea typeface="Arial"/>
+                <a:cs typeface="Arial"/>
+                <a:sym typeface="Arial"/>
+              </a:rPr>
+              <a:t> Le Quantified Self en question (s) Un état des lieux des travaux de sciences sociales consacrés à l’automesure des individus. </a:t>
+            </a:r>
+            <a:r>
+              <a:rPr lang="fr-FR" sz="1500" b="0" i="1" u="none" strike="noStrike" cap="none">
+                <a:solidFill>
+                  <a:schemeClr val="dk1"/>
+                </a:solidFill>
+                <a:latin typeface="Arial"/>
+                <a:ea typeface="Arial"/>
+                <a:cs typeface="Arial"/>
+                <a:sym typeface="Arial"/>
+              </a:rPr>
+              <a:t>Réseaux</a:t>
+            </a:r>
+            <a:r>
+              <a:rPr lang="fr-FR" sz="1500" b="0" i="0" u="none" strike="noStrike" cap="none">
+                <a:solidFill>
+                  <a:schemeClr val="dk1"/>
+                </a:solidFill>
+                <a:latin typeface="Arial"/>
+                <a:ea typeface="Arial"/>
+                <a:cs typeface="Arial"/>
+                <a:sym typeface="Arial"/>
+              </a:rPr>
+              <a:t>, 2019, no 4, p. 17-54.</a:t>
+            </a:r>
+            <a:endParaRPr/>
+          </a:p>
+          <a:p>
+            <a:pPr marL="0" marR="0" lvl="0" indent="0" algn="l" rtl="0">
+              <a:lnSpc>
+                <a:spcPct val="90000"/>
+              </a:lnSpc>
+              <a:spcBef>
+                <a:spcPts val="25"/>
+              </a:spcBef>
+              <a:spcAft>
+                <a:spcPts val="0"/>
+              </a:spcAft>
+              <a:buClr>
+                <a:schemeClr val="dk1"/>
+              </a:buClr>
+              <a:buSzPts val="1100"/>
+              <a:buFont typeface="Arial"/>
+              <a:buNone/>
+            </a:pPr>
+            <a:endParaRPr sz="1500" b="0" i="0" u="none" strike="noStrike" cap="none">
+              <a:solidFill>
+                <a:schemeClr val="dk1"/>
+              </a:solidFill>
+              <a:latin typeface="Arial"/>
+              <a:ea typeface="Arial"/>
+              <a:cs typeface="Arial"/>
+              <a:sym typeface="Arial"/>
+            </a:endParaRPr>
+          </a:p>
+          <a:p>
+            <a:pPr marL="0" marR="0" lvl="0" indent="0" algn="l" rtl="0">
+              <a:lnSpc>
+                <a:spcPct val="90000"/>
+              </a:lnSpc>
+              <a:spcBef>
+                <a:spcPts val="25"/>
+              </a:spcBef>
+              <a:spcAft>
+                <a:spcPts val="0"/>
+              </a:spcAft>
+              <a:buClr>
+                <a:schemeClr val="dk1"/>
+              </a:buClr>
+              <a:buSzPts val="1100"/>
+              <a:buFont typeface="Arial"/>
+              <a:buNone/>
+            </a:pPr>
+            <a:r>
+              <a:rPr lang="fr-FR" sz="1500" b="1" i="0" u="none" strike="noStrike" cap="none">
+                <a:solidFill>
+                  <a:schemeClr val="dk1"/>
+                </a:solidFill>
+                <a:latin typeface="Arial"/>
+                <a:ea typeface="Arial"/>
+                <a:cs typeface="Arial"/>
+                <a:sym typeface="Arial"/>
+              </a:rPr>
+              <a:t>MARTIN Olivier</a:t>
+            </a:r>
+            <a:r>
+              <a:rPr lang="fr-FR" sz="1500" b="0" i="0" u="none" strike="noStrike" cap="none">
+                <a:solidFill>
+                  <a:schemeClr val="dk1"/>
+                </a:solidFill>
+                <a:latin typeface="Arial"/>
+                <a:ea typeface="Arial"/>
+                <a:cs typeface="Arial"/>
+                <a:sym typeface="Arial"/>
+              </a:rPr>
+              <a:t>, </a:t>
+            </a:r>
+            <a:r>
+              <a:rPr lang="fr-FR" sz="1500" b="0" i="1" u="none" strike="noStrike" cap="none">
+                <a:solidFill>
+                  <a:schemeClr val="dk1"/>
+                </a:solidFill>
+                <a:latin typeface="Arial"/>
+                <a:ea typeface="Arial"/>
+                <a:cs typeface="Arial"/>
+                <a:sym typeface="Arial"/>
+              </a:rPr>
+              <a:t>L'analyse quantitative des données. </a:t>
+            </a:r>
+            <a:r>
+              <a:rPr lang="fr-FR" sz="1500" b="0" i="0" u="none" strike="noStrike" cap="none">
+                <a:solidFill>
+                  <a:schemeClr val="dk1"/>
+                </a:solidFill>
+                <a:latin typeface="Arial"/>
+                <a:ea typeface="Arial"/>
+                <a:cs typeface="Arial"/>
+                <a:sym typeface="Arial"/>
+              </a:rPr>
+              <a:t>Armand Colin, « 128 », 2020. </a:t>
+            </a:r>
+            <a:endParaRPr/>
+          </a:p>
+          <a:p>
+            <a:pPr marL="0" marR="0" lvl="0" indent="0" algn="l" rtl="0">
+              <a:lnSpc>
+                <a:spcPct val="90000"/>
+              </a:lnSpc>
+              <a:spcBef>
+                <a:spcPts val="25"/>
+              </a:spcBef>
+              <a:spcAft>
+                <a:spcPts val="0"/>
+              </a:spcAft>
+              <a:buClr>
+                <a:schemeClr val="dk1"/>
+              </a:buClr>
+              <a:buSzPts val="1100"/>
+              <a:buFont typeface="Arial"/>
+              <a:buNone/>
+            </a:pPr>
+            <a:endParaRPr sz="1500" b="1" i="0" u="none" strike="noStrike" cap="none">
+              <a:solidFill>
+                <a:schemeClr val="dk1"/>
+              </a:solidFill>
+              <a:latin typeface="Arial"/>
+              <a:ea typeface="Arial"/>
+              <a:cs typeface="Arial"/>
+              <a:sym typeface="Arial"/>
+            </a:endParaRPr>
+          </a:p>
+          <a:p>
+            <a:pPr marL="0" marR="0" lvl="0" indent="0" algn="l" rtl="0">
+              <a:lnSpc>
+                <a:spcPct val="90000"/>
+              </a:lnSpc>
+              <a:spcBef>
+                <a:spcPts val="25"/>
+              </a:spcBef>
+              <a:spcAft>
+                <a:spcPts val="0"/>
+              </a:spcAft>
+              <a:buClr>
+                <a:schemeClr val="dk1"/>
+              </a:buClr>
+              <a:buSzPts val="1100"/>
+              <a:buFont typeface="Arial"/>
+              <a:buNone/>
+            </a:pPr>
+            <a:r>
+              <a:rPr lang="fr-FR" sz="1500" b="1" i="0" u="none" strike="noStrike" cap="none">
+                <a:solidFill>
+                  <a:schemeClr val="dk1"/>
+                </a:solidFill>
+                <a:latin typeface="Arial"/>
+                <a:ea typeface="Arial"/>
+                <a:cs typeface="Arial"/>
+                <a:sym typeface="Arial"/>
+              </a:rPr>
+              <a:t>ALAN, Sule, ERTAC, Seda, et MUMCU, Ipek</a:t>
+            </a:r>
+            <a:r>
+              <a:rPr lang="fr-FR" sz="1500" b="0" i="0" u="none" strike="noStrike" cap="none">
+                <a:solidFill>
+                  <a:schemeClr val="dk1"/>
+                </a:solidFill>
+                <a:latin typeface="Arial"/>
+                <a:ea typeface="Arial"/>
+                <a:cs typeface="Arial"/>
+                <a:sym typeface="Arial"/>
+              </a:rPr>
+              <a:t>. Gender stereotypes in the classroom and effects on achievement. </a:t>
+            </a:r>
+            <a:r>
+              <a:rPr lang="fr-FR" sz="1500" b="0" i="1" u="none" strike="noStrike" cap="none">
+                <a:solidFill>
+                  <a:schemeClr val="dk1"/>
+                </a:solidFill>
+                <a:latin typeface="Arial"/>
+                <a:ea typeface="Arial"/>
+                <a:cs typeface="Arial"/>
+                <a:sym typeface="Arial"/>
+              </a:rPr>
+              <a:t>Review of Economics and Statistics</a:t>
+            </a:r>
+            <a:r>
+              <a:rPr lang="fr-FR" sz="1500" b="0" i="0" u="none" strike="noStrike" cap="none">
+                <a:solidFill>
+                  <a:schemeClr val="dk1"/>
+                </a:solidFill>
+                <a:latin typeface="Arial"/>
+                <a:ea typeface="Arial"/>
+                <a:cs typeface="Arial"/>
+                <a:sym typeface="Arial"/>
+              </a:rPr>
+              <a:t>, 2018, vol. 100, no 5, p. 876-890.</a:t>
+            </a:r>
+            <a:endParaRPr/>
+          </a:p>
+          <a:p>
+            <a:pPr marL="0" marR="0" lvl="0" indent="0" algn="l" rtl="0">
+              <a:lnSpc>
+                <a:spcPct val="90000"/>
+              </a:lnSpc>
+              <a:spcBef>
+                <a:spcPts val="25"/>
+              </a:spcBef>
+              <a:spcAft>
+                <a:spcPts val="0"/>
+              </a:spcAft>
+              <a:buClr>
+                <a:schemeClr val="dk1"/>
+              </a:buClr>
+              <a:buSzPts val="1100"/>
+              <a:buFont typeface="Arial"/>
+              <a:buNone/>
+            </a:pPr>
+            <a:endParaRPr sz="1500" b="0" i="0" u="none" strike="noStrike" cap="none">
+              <a:solidFill>
+                <a:schemeClr val="dk1"/>
+              </a:solidFill>
+              <a:latin typeface="Arial"/>
+              <a:ea typeface="Arial"/>
+              <a:cs typeface="Arial"/>
+              <a:sym typeface="Arial"/>
+            </a:endParaRPr>
+          </a:p>
+          <a:p>
+            <a:pPr marL="0" marR="0" lvl="0" indent="0" algn="l" rtl="0">
+              <a:lnSpc>
+                <a:spcPct val="90000"/>
+              </a:lnSpc>
+              <a:spcBef>
+                <a:spcPts val="25"/>
+              </a:spcBef>
+              <a:spcAft>
+                <a:spcPts val="0"/>
+              </a:spcAft>
+              <a:buClr>
+                <a:schemeClr val="dk1"/>
+              </a:buClr>
+              <a:buSzPts val="1100"/>
+              <a:buFont typeface="Arial"/>
+              <a:buNone/>
+            </a:pPr>
+            <a:r>
+              <a:rPr lang="fr-FR" sz="1500" b="1" i="0" u="none" strike="noStrike" cap="none">
+                <a:solidFill>
+                  <a:schemeClr val="dk1"/>
+                </a:solidFill>
+                <a:latin typeface="Arial"/>
+                <a:ea typeface="Arial"/>
+                <a:cs typeface="Arial"/>
+                <a:sym typeface="Arial"/>
+              </a:rPr>
+              <a:t>STEELE, Claude M. et ARONSON, Joshua</a:t>
+            </a:r>
+            <a:r>
+              <a:rPr lang="fr-FR" sz="1500" b="0" i="0" u="none" strike="noStrike" cap="none">
+                <a:solidFill>
+                  <a:schemeClr val="dk1"/>
+                </a:solidFill>
+                <a:latin typeface="Arial"/>
+                <a:ea typeface="Arial"/>
+                <a:cs typeface="Arial"/>
+                <a:sym typeface="Arial"/>
+              </a:rPr>
+              <a:t>. Stereotype threat and the intellectual test performance of African Americans. </a:t>
+            </a:r>
+            <a:r>
+              <a:rPr lang="fr-FR" sz="1500" b="0" i="1" u="none" strike="noStrike" cap="none">
+                <a:solidFill>
+                  <a:schemeClr val="dk1"/>
+                </a:solidFill>
+                <a:latin typeface="Arial"/>
+                <a:ea typeface="Arial"/>
+                <a:cs typeface="Arial"/>
+                <a:sym typeface="Arial"/>
+              </a:rPr>
+              <a:t>Journal of personality and social psychology</a:t>
+            </a:r>
+            <a:r>
+              <a:rPr lang="fr-FR" sz="1500" b="0" i="0" u="none" strike="noStrike" cap="none">
+                <a:solidFill>
+                  <a:schemeClr val="dk1"/>
+                </a:solidFill>
+                <a:latin typeface="Arial"/>
+                <a:ea typeface="Arial"/>
+                <a:cs typeface="Arial"/>
+                <a:sym typeface="Arial"/>
+              </a:rPr>
+              <a:t>, 1995, vol. 69, no 5, p. 797.</a:t>
+            </a:r>
+            <a:endParaRPr/>
+          </a:p>
+          <a:p>
+            <a:pPr marL="0" marR="0" lvl="0" indent="0" algn="l" rtl="0">
+              <a:lnSpc>
+                <a:spcPct val="90000"/>
+              </a:lnSpc>
+              <a:spcBef>
+                <a:spcPts val="25"/>
+              </a:spcBef>
+              <a:spcAft>
+                <a:spcPts val="0"/>
+              </a:spcAft>
+              <a:buClr>
+                <a:schemeClr val="dk1"/>
+              </a:buClr>
+              <a:buSzPts val="1100"/>
+              <a:buFont typeface="Arial"/>
+              <a:buNone/>
+            </a:pPr>
+            <a:endParaRPr sz="1500" b="0" i="0" u="none" strike="noStrike" cap="none">
+              <a:solidFill>
+                <a:schemeClr val="dk1"/>
+              </a:solidFill>
+              <a:latin typeface="Arial"/>
+              <a:ea typeface="Arial"/>
+              <a:cs typeface="Arial"/>
+              <a:sym typeface="Arial"/>
+            </a:endParaRPr>
+          </a:p>
+          <a:p>
+            <a:pPr marL="0" marR="0" lvl="0" indent="0" algn="l" rtl="0">
+              <a:lnSpc>
+                <a:spcPct val="90000"/>
+              </a:lnSpc>
+              <a:spcBef>
+                <a:spcPts val="25"/>
+              </a:spcBef>
+              <a:spcAft>
+                <a:spcPts val="0"/>
+              </a:spcAft>
+              <a:buClr>
+                <a:schemeClr val="dk1"/>
+              </a:buClr>
+              <a:buSzPts val="1100"/>
+              <a:buFont typeface="Arial"/>
+              <a:buNone/>
+            </a:pPr>
+            <a:r>
+              <a:rPr lang="fr-FR" sz="1500" b="1" i="0" u="none" strike="noStrike" cap="none">
+                <a:solidFill>
+                  <a:schemeClr val="dk1"/>
+                </a:solidFill>
+                <a:latin typeface="Arial"/>
+                <a:ea typeface="Arial"/>
+                <a:cs typeface="Arial"/>
+                <a:sym typeface="Arial"/>
+              </a:rPr>
+              <a:t>TITTEL Katharina</a:t>
+            </a:r>
+            <a:r>
+              <a:rPr lang="fr-FR" sz="1500" b="0" i="0" u="none" strike="noStrike" cap="none">
+                <a:solidFill>
+                  <a:schemeClr val="dk1"/>
+                </a:solidFill>
+                <a:latin typeface="Arial"/>
+                <a:ea typeface="Arial"/>
+                <a:cs typeface="Arial"/>
+                <a:sym typeface="Arial"/>
+              </a:rPr>
+              <a:t>, « Ébrécher le plafond de verre sans le percer. Le pouvoir épisodique des internautes ordinaires dans le discours Français sur l’immigration sur Twitter », </a:t>
+            </a:r>
+            <a:r>
+              <a:rPr lang="fr-FR" sz="1500" b="0" i="1" u="none" strike="noStrike" cap="none">
+                <a:solidFill>
+                  <a:schemeClr val="dk1"/>
+                </a:solidFill>
+                <a:latin typeface="Arial"/>
+                <a:ea typeface="Arial"/>
+                <a:cs typeface="Arial"/>
+                <a:sym typeface="Arial"/>
+              </a:rPr>
+              <a:t>Hommes &amp; Migrations</a:t>
+            </a:r>
+            <a:r>
+              <a:rPr lang="fr-FR" sz="1500" b="0" i="0" u="none" strike="noStrike" cap="none">
+                <a:solidFill>
+                  <a:schemeClr val="dk1"/>
+                </a:solidFill>
+                <a:latin typeface="Arial"/>
+                <a:ea typeface="Arial"/>
+                <a:cs typeface="Arial"/>
+                <a:sym typeface="Arial"/>
+              </a:rPr>
+              <a:t>, 2022/2 (n° 1337), p. 21-33. </a:t>
+            </a:r>
+            <a:endParaRPr sz="1500" b="0" i="0" u="none" strike="noStrike" cap="none">
+              <a:solidFill>
+                <a:schemeClr val="dk1"/>
+              </a:solidFill>
+              <a:latin typeface="Arial"/>
+              <a:ea typeface="Arial"/>
+              <a:cs typeface="Arial"/>
+              <a:sym typeface="Arial"/>
+            </a:endParaRPr>
+          </a:p>
+        </p:txBody>
+      </p:sp>
+      <p:sp>
+        <p:nvSpPr>
+          <p:cNvPr id="518" name="Google Shape;518;g2abac93716c_0_50"/>
+          <p:cNvSpPr txBox="1"/>
+          <p:nvPr/>
+        </p:nvSpPr>
+        <p:spPr>
+          <a:xfrm>
+            <a:off x="467650" y="973475"/>
+            <a:ext cx="8219100" cy="698100"/>
+          </a:xfrm>
+          <a:prstGeom prst="rect">
+            <a:avLst/>
+          </a:prstGeom>
+          <a:noFill/>
+          <a:ln>
+            <a:noFill/>
+          </a:ln>
+        </p:spPr>
+        <p:txBody>
+          <a:bodyPr spcFirstLastPara="1" wrap="square" lIns="91425" tIns="91425" rIns="91425" bIns="91425" anchor="t" anchorCtr="0">
+            <a:noAutofit/>
+          </a:bodyPr>
+          <a:lstStyle/>
+          <a:p>
+            <a:pPr marL="0" marR="0" lvl="0" indent="0" algn="l" rtl="0">
+              <a:lnSpc>
+                <a:spcPct val="100000"/>
+              </a:lnSpc>
+              <a:spcBef>
+                <a:spcPts val="0"/>
+              </a:spcBef>
+              <a:spcAft>
+                <a:spcPts val="0"/>
+              </a:spcAft>
+              <a:buClr>
+                <a:srgbClr val="000000"/>
+              </a:buClr>
+              <a:buSzPts val="3200"/>
+              <a:buFont typeface="Arial"/>
+              <a:buNone/>
+            </a:pPr>
+            <a:r>
+              <a:rPr lang="fr-FR" sz="3200" b="1" i="0" u="none" strike="noStrike" cap="none">
+                <a:solidFill>
+                  <a:srgbClr val="2E5D5A"/>
+                </a:solidFill>
+                <a:latin typeface="Calibri"/>
+                <a:ea typeface="Calibri"/>
+                <a:cs typeface="Calibri"/>
+                <a:sym typeface="Calibri"/>
+              </a:rPr>
+              <a:t>Références bibliographiques</a:t>
+            </a:r>
+            <a:endParaRPr sz="3200" b="1" i="0" u="none" strike="noStrike" cap="none">
+              <a:solidFill>
+                <a:srgbClr val="2E5D5A"/>
               </a:solidFill>
               <a:latin typeface="Calibri"/>
               <a:ea typeface="Calibri"/>

--- a/slides/1. Intro Partie I.pptx
+++ b/slides/1. Intro Partie I.pptx
@@ -5,7 +5,7 @@
     <p:sldMasterId id="2147483648" r:id="rId1"/>
   </p:sldMasterIdLst>
   <p:notesMasterIdLst>
-    <p:notesMasterId r:id="rId52"/>
+    <p:notesMasterId r:id="rId51"/>
   </p:notesMasterIdLst>
   <p:sldIdLst>
     <p:sldId id="256" r:id="rId2"/>
@@ -44,20 +44,19 @@
     <p:sldId id="289" r:id="rId35"/>
     <p:sldId id="290" r:id="rId36"/>
     <p:sldId id="303" r:id="rId37"/>
-    <p:sldId id="305" r:id="rId38"/>
-    <p:sldId id="307" r:id="rId39"/>
-    <p:sldId id="291" r:id="rId40"/>
-    <p:sldId id="292" r:id="rId41"/>
-    <p:sldId id="293" r:id="rId42"/>
-    <p:sldId id="294" r:id="rId43"/>
-    <p:sldId id="295" r:id="rId44"/>
-    <p:sldId id="296" r:id="rId45"/>
-    <p:sldId id="297" r:id="rId46"/>
-    <p:sldId id="298" r:id="rId47"/>
-    <p:sldId id="299" r:id="rId48"/>
-    <p:sldId id="300" r:id="rId49"/>
-    <p:sldId id="301" r:id="rId50"/>
-    <p:sldId id="302" r:id="rId51"/>
+    <p:sldId id="307" r:id="rId38"/>
+    <p:sldId id="291" r:id="rId39"/>
+    <p:sldId id="292" r:id="rId40"/>
+    <p:sldId id="293" r:id="rId41"/>
+    <p:sldId id="294" r:id="rId42"/>
+    <p:sldId id="295" r:id="rId43"/>
+    <p:sldId id="296" r:id="rId44"/>
+    <p:sldId id="297" r:id="rId45"/>
+    <p:sldId id="298" r:id="rId46"/>
+    <p:sldId id="299" r:id="rId47"/>
+    <p:sldId id="300" r:id="rId48"/>
+    <p:sldId id="301" r:id="rId49"/>
+    <p:sldId id="302" r:id="rId50"/>
   </p:sldIdLst>
   <p:sldSz cx="9144000" cy="6858000" type="screen4x3"/>
   <p:notesSz cx="6858000" cy="9144000"/>
@@ -306,7 +305,7 @@
       </p15:sldGuideLst>
     </p:ext>
     <p:ext uri="GoogleSlidesCustomDataVersion2">
-      <go:slidesCustomData xmlns="" xmlns:mc="http://schemas.openxmlformats.org/markup-compatibility/2006" xmlns:mv="urn:schemas-microsoft-com:mac:vml" xmlns:c="http://schemas.openxmlformats.org/drawingml/2006/chart" xmlns:dgm="http://schemas.openxmlformats.org/drawingml/2006/diagram" xmlns:o="urn:schemas-microsoft-com:office:office" xmlns:v="urn:schemas-microsoft-com:vml" xmlns:pvml="urn:schemas-microsoft-com:office:powerpoint" xmlns:com="http://schemas.openxmlformats.org/drawingml/2006/compatibility" xmlns:p14="http://schemas.microsoft.com/office/powerpoint/2010/main" xmlns:p15="http://schemas.microsoft.com/office/powerpoint/2012/main" xmlns:ahyp="http://schemas.microsoft.com/office/drawing/2018/hyperlinkcolor" xmlns:go="http://customooxmlschemas.google.com/" r:id="rId54" roundtripDataSignature="AMtx7mh+diUWKDfB17VYnpn5KHKAGBDscg=="/>
+      <go:slidesCustomData xmlns:go="http://customooxmlschemas.google.com/" xmlns:ahyp="http://schemas.microsoft.com/office/drawing/2018/hyperlinkcolor" xmlns:p15="http://schemas.microsoft.com/office/powerpoint/2012/main" xmlns:p14="http://schemas.microsoft.com/office/powerpoint/2010/main" xmlns:com="http://schemas.openxmlformats.org/drawingml/2006/compatibility" xmlns:pvml="urn:schemas-microsoft-com:office:powerpoint" xmlns:v="urn:schemas-microsoft-com:vml" xmlns:o="urn:schemas-microsoft-com:office:office" xmlns:dgm="http://schemas.openxmlformats.org/drawingml/2006/diagram" xmlns:c="http://schemas.openxmlformats.org/drawingml/2006/chart" xmlns:mv="urn:schemas-microsoft-com:mac:vml" xmlns:mc="http://schemas.openxmlformats.org/markup-compatibility/2006" xmlns="" r:id="rId54" roundtripDataSignature="AMtx7mh+diUWKDfB17VYnpn5KHKAGBDscg=="/>
     </p:ext>
   </p:extLst>
 </p:presentation>
@@ -329,7 +328,7 @@
         <p15:threadingInfo xmlns:p15="http://schemas.microsoft.com/office/powerpoint/2012/main" timeZoneBias="0"/>
       </p:ext>
       <p:ext uri="http://customooxmlschemas.google.com/">
-        <go:slidesCustomData xmlns="" xmlns:mc="http://schemas.openxmlformats.org/markup-compatibility/2006" xmlns:mv="urn:schemas-microsoft-com:mac:vml" xmlns:c="http://schemas.openxmlformats.org/drawingml/2006/chart" xmlns:dgm="http://schemas.openxmlformats.org/drawingml/2006/diagram" xmlns:o="urn:schemas-microsoft-com:office:office" xmlns:v="urn:schemas-microsoft-com:vml" xmlns:pvml="urn:schemas-microsoft-com:office:powerpoint" xmlns:com="http://schemas.openxmlformats.org/drawingml/2006/compatibility" xmlns:p14="http://schemas.microsoft.com/office/powerpoint/2010/main" xmlns:p15="http://schemas.microsoft.com/office/powerpoint/2012/main" xmlns:ahyp="http://schemas.microsoft.com/office/drawing/2018/hyperlinkcolor" xmlns:go="http://customooxmlschemas.google.com/" commentPostId="AAABa9tIG_E"/>
+        <go:slidesCustomData xmlns:go="http://customooxmlschemas.google.com/" xmlns:ahyp="http://schemas.microsoft.com/office/drawing/2018/hyperlinkcolor" xmlns:p15="http://schemas.microsoft.com/office/powerpoint/2012/main" xmlns:p14="http://schemas.microsoft.com/office/powerpoint/2010/main" xmlns:com="http://schemas.openxmlformats.org/drawingml/2006/compatibility" xmlns:pvml="urn:schemas-microsoft-com:office:powerpoint" xmlns:v="urn:schemas-microsoft-com:vml" xmlns:o="urn:schemas-microsoft-com:office:office" xmlns:dgm="http://schemas.openxmlformats.org/drawingml/2006/diagram" xmlns:c="http://schemas.openxmlformats.org/drawingml/2006/chart" xmlns:mv="urn:schemas-microsoft-com:mac:vml" xmlns:mc="http://schemas.openxmlformats.org/markup-compatibility/2006" xmlns="" commentPostId="AAABa9tIG_E"/>
       </p:ext>
     </p:extLst>
   </p:cm>
@@ -346,7 +345,7 @@
         <p15:threadingInfo xmlns:p15="http://schemas.microsoft.com/office/powerpoint/2012/main" timeZoneBias="0"/>
       </p:ext>
       <p:ext uri="http://customooxmlschemas.google.com/">
-        <go:slidesCustomData xmlns="" xmlns:mc="http://schemas.openxmlformats.org/markup-compatibility/2006" xmlns:mv="urn:schemas-microsoft-com:mac:vml" xmlns:c="http://schemas.openxmlformats.org/drawingml/2006/chart" xmlns:dgm="http://schemas.openxmlformats.org/drawingml/2006/diagram" xmlns:o="urn:schemas-microsoft-com:office:office" xmlns:v="urn:schemas-microsoft-com:vml" xmlns:pvml="urn:schemas-microsoft-com:office:powerpoint" xmlns:com="http://schemas.openxmlformats.org/drawingml/2006/compatibility" xmlns:p14="http://schemas.microsoft.com/office/powerpoint/2010/main" xmlns:p15="http://schemas.microsoft.com/office/powerpoint/2012/main" xmlns:ahyp="http://schemas.microsoft.com/office/drawing/2018/hyperlinkcolor" xmlns:go="http://customooxmlschemas.google.com/" commentPostId="AAABbKNt_Z8"/>
+        <go:slidesCustomData xmlns:go="http://customooxmlschemas.google.com/" xmlns:ahyp="http://schemas.microsoft.com/office/drawing/2018/hyperlinkcolor" xmlns:p15="http://schemas.microsoft.com/office/powerpoint/2012/main" xmlns:p14="http://schemas.microsoft.com/office/powerpoint/2010/main" xmlns:com="http://schemas.openxmlformats.org/drawingml/2006/compatibility" xmlns:pvml="urn:schemas-microsoft-com:office:powerpoint" xmlns:v="urn:schemas-microsoft-com:vml" xmlns:o="urn:schemas-microsoft-com:office:office" xmlns:dgm="http://schemas.openxmlformats.org/drawingml/2006/diagram" xmlns:c="http://schemas.openxmlformats.org/drawingml/2006/chart" xmlns:mv="urn:schemas-microsoft-com:mac:vml" xmlns:mc="http://schemas.openxmlformats.org/markup-compatibility/2006" xmlns="" commentPostId="AAABbKNt_Z8"/>
       </p:ext>
     </p:extLst>
   </p:cm>
@@ -364,7 +363,7 @@
         <p15:threadingInfo xmlns:p15="http://schemas.microsoft.com/office/powerpoint/2012/main" timeZoneBias="0"/>
       </p:ext>
       <p:ext uri="http://customooxmlschemas.google.com/">
-        <go:slidesCustomData xmlns="" xmlns:mc="http://schemas.openxmlformats.org/markup-compatibility/2006" xmlns:mv="urn:schemas-microsoft-com:mac:vml" xmlns:c="http://schemas.openxmlformats.org/drawingml/2006/chart" xmlns:dgm="http://schemas.openxmlformats.org/drawingml/2006/diagram" xmlns:o="urn:schemas-microsoft-com:office:office" xmlns:v="urn:schemas-microsoft-com:vml" xmlns:pvml="urn:schemas-microsoft-com:office:powerpoint" xmlns:com="http://schemas.openxmlformats.org/drawingml/2006/compatibility" xmlns:p14="http://schemas.microsoft.com/office/powerpoint/2010/main" xmlns:p15="http://schemas.microsoft.com/office/powerpoint/2012/main" xmlns:ahyp="http://schemas.microsoft.com/office/drawing/2018/hyperlinkcolor" xmlns:go="http://customooxmlschemas.google.com/" commentPostId="AAABbKNt_Zw"/>
+        <go:slidesCustomData xmlns:go="http://customooxmlschemas.google.com/" xmlns:ahyp="http://schemas.microsoft.com/office/drawing/2018/hyperlinkcolor" xmlns:p15="http://schemas.microsoft.com/office/powerpoint/2012/main" xmlns:p14="http://schemas.microsoft.com/office/powerpoint/2010/main" xmlns:com="http://schemas.openxmlformats.org/drawingml/2006/compatibility" xmlns:pvml="urn:schemas-microsoft-com:office:powerpoint" xmlns:v="urn:schemas-microsoft-com:vml" xmlns:o="urn:schemas-microsoft-com:office:office" xmlns:dgm="http://schemas.openxmlformats.org/drawingml/2006/diagram" xmlns:c="http://schemas.openxmlformats.org/drawingml/2006/chart" xmlns:mv="urn:schemas-microsoft-com:mac:vml" xmlns:mc="http://schemas.openxmlformats.org/markup-compatibility/2006" xmlns="" commentPostId="AAABbKNt_Zw"/>
       </p:ext>
     </p:extLst>
   </p:cm>
@@ -381,7 +380,7 @@
         <p15:threadingInfo xmlns:p15="http://schemas.microsoft.com/office/powerpoint/2012/main" timeZoneBias="0"/>
       </p:ext>
       <p:ext uri="http://customooxmlschemas.google.com/">
-        <go:slidesCustomData xmlns="" xmlns:mc="http://schemas.openxmlformats.org/markup-compatibility/2006" xmlns:mv="urn:schemas-microsoft-com:mac:vml" xmlns:c="http://schemas.openxmlformats.org/drawingml/2006/chart" xmlns:dgm="http://schemas.openxmlformats.org/drawingml/2006/diagram" xmlns:o="urn:schemas-microsoft-com:office:office" xmlns:v="urn:schemas-microsoft-com:vml" xmlns:pvml="urn:schemas-microsoft-com:office:powerpoint" xmlns:com="http://schemas.openxmlformats.org/drawingml/2006/compatibility" xmlns:p14="http://schemas.microsoft.com/office/powerpoint/2010/main" xmlns:p15="http://schemas.microsoft.com/office/powerpoint/2012/main" xmlns:ahyp="http://schemas.microsoft.com/office/drawing/2018/hyperlinkcolor" xmlns:go="http://customooxmlschemas.google.com/" commentPostId="AAABbKNt_aA"/>
+        <go:slidesCustomData xmlns:go="http://customooxmlschemas.google.com/" xmlns:ahyp="http://schemas.microsoft.com/office/drawing/2018/hyperlinkcolor" xmlns:p15="http://schemas.microsoft.com/office/powerpoint/2012/main" xmlns:p14="http://schemas.microsoft.com/office/powerpoint/2010/main" xmlns:com="http://schemas.openxmlformats.org/drawingml/2006/compatibility" xmlns:pvml="urn:schemas-microsoft-com:office:powerpoint" xmlns:v="urn:schemas-microsoft-com:vml" xmlns:o="urn:schemas-microsoft-com:office:office" xmlns:dgm="http://schemas.openxmlformats.org/drawingml/2006/diagram" xmlns:c="http://schemas.openxmlformats.org/drawingml/2006/chart" xmlns:mv="urn:schemas-microsoft-com:mac:vml" xmlns:mc="http://schemas.openxmlformats.org/markup-compatibility/2006" xmlns="" commentPostId="AAABbKNt_aA"/>
       </p:ext>
     </p:extLst>
   </p:cm>
@@ -395,7 +394,7 @@
         </p15:threadingInfo>
       </p:ext>
       <p:ext uri="http://customooxmlschemas.google.com/">
-        <go:slidesCustomData xmlns="" xmlns:mc="http://schemas.openxmlformats.org/markup-compatibility/2006" xmlns:mv="urn:schemas-microsoft-com:mac:vml" xmlns:c="http://schemas.openxmlformats.org/drawingml/2006/chart" xmlns:dgm="http://schemas.openxmlformats.org/drawingml/2006/diagram" xmlns:o="urn:schemas-microsoft-com:office:office" xmlns:v="urn:schemas-microsoft-com:vml" xmlns:pvml="urn:schemas-microsoft-com:office:powerpoint" xmlns:com="http://schemas.openxmlformats.org/drawingml/2006/compatibility" xmlns:p14="http://schemas.microsoft.com/office/powerpoint/2010/main" xmlns:p15="http://schemas.microsoft.com/office/powerpoint/2012/main" xmlns:ahyp="http://schemas.microsoft.com/office/drawing/2018/hyperlinkcolor" xmlns:go="http://customooxmlschemas.google.com/" commentPostId="AAABYhRMKyw"/>
+        <go:slidesCustomData xmlns:go="http://customooxmlschemas.google.com/" xmlns:ahyp="http://schemas.microsoft.com/office/drawing/2018/hyperlinkcolor" xmlns:p15="http://schemas.microsoft.com/office/powerpoint/2012/main" xmlns:p14="http://schemas.microsoft.com/office/powerpoint/2010/main" xmlns:com="http://schemas.openxmlformats.org/drawingml/2006/compatibility" xmlns:pvml="urn:schemas-microsoft-com:office:powerpoint" xmlns:v="urn:schemas-microsoft-com:vml" xmlns:o="urn:schemas-microsoft-com:office:office" xmlns:dgm="http://schemas.openxmlformats.org/drawingml/2006/diagram" xmlns:c="http://schemas.openxmlformats.org/drawingml/2006/chart" xmlns:mv="urn:schemas-microsoft-com:mac:vml" xmlns:mc="http://schemas.openxmlformats.org/markup-compatibility/2006" xmlns="" commentPostId="AAABYhRMKyw"/>
       </p:ext>
     </p:extLst>
   </p:cm>
@@ -5615,151 +5614,6 @@
         <p:cNvPr id="1" name="Shape 402">
           <a:extLst>
             <a:ext uri="{FF2B5EF4-FFF2-40B4-BE49-F238E27FC236}">
-              <a16:creationId xmlns:a16="http://schemas.microsoft.com/office/drawing/2014/main" id="{4F654F2A-1A7B-CD1B-5CE9-AACF06B8E87A}"/>
-            </a:ext>
-          </a:extLst>
-        </p:cNvPr>
-        <p:cNvGrpSpPr/>
-        <p:nvPr/>
-      </p:nvGrpSpPr>
-      <p:grpSpPr>
-        <a:xfrm>
-          <a:off x="0" y="0"/>
-          <a:ext cx="0" cy="0"/>
-          <a:chOff x="0" y="0"/>
-          <a:chExt cx="0" cy="0"/>
-        </a:xfrm>
-      </p:grpSpPr>
-      <p:sp>
-        <p:nvSpPr>
-          <p:cNvPr id="403" name="Google Shape;403;g32040ae3fd7_0_2:notes">
-            <a:extLst>
-              <a:ext uri="{FF2B5EF4-FFF2-40B4-BE49-F238E27FC236}">
-                <a16:creationId xmlns:a16="http://schemas.microsoft.com/office/drawing/2014/main" id="{5BB4E292-79C7-BD25-FB5B-A4A8AA040D37}"/>
-              </a:ext>
-            </a:extLst>
-          </p:cNvPr>
-          <p:cNvSpPr txBox="1">
-            <a:spLocks noGrp="1"/>
-          </p:cNvSpPr>
-          <p:nvPr>
-            <p:ph type="body" idx="1"/>
-          </p:nvPr>
-        </p:nvSpPr>
-        <p:spPr>
-          <a:xfrm>
-            <a:off x="685800" y="4343400"/>
-            <a:ext cx="5486400" cy="4114800"/>
-          </a:xfrm>
-          <a:prstGeom prst="rect">
-            <a:avLst/>
-          </a:prstGeom>
-          <a:noFill/>
-          <a:ln>
-            <a:noFill/>
-          </a:ln>
-        </p:spPr>
-        <p:txBody>
-          <a:bodyPr spcFirstLastPara="1" wrap="square" lIns="91425" tIns="45700" rIns="91425" bIns="45700" anchor="t" anchorCtr="0">
-            <a:noAutofit/>
-          </a:bodyPr>
-          <a:lstStyle/>
-          <a:p>
-            <a:pPr marL="0" lvl="0" indent="0" algn="l" rtl="0">
-              <a:lnSpc>
-                <a:spcPct val="100000"/>
-              </a:lnSpc>
-              <a:spcBef>
-                <a:spcPts val="0"/>
-              </a:spcBef>
-              <a:spcAft>
-                <a:spcPts val="0"/>
-              </a:spcAft>
-              <a:buSzPts val="1400"/>
-              <a:buNone/>
-            </a:pPr>
-            <a:endParaRPr/>
-          </a:p>
-        </p:txBody>
-      </p:sp>
-      <p:sp>
-        <p:nvSpPr>
-          <p:cNvPr id="404" name="Google Shape;404;g32040ae3fd7_0_2:notes">
-            <a:extLst>
-              <a:ext uri="{FF2B5EF4-FFF2-40B4-BE49-F238E27FC236}">
-                <a16:creationId xmlns:a16="http://schemas.microsoft.com/office/drawing/2014/main" id="{164FF9C1-FF92-6987-8A6C-9F7326C38F08}"/>
-              </a:ext>
-            </a:extLst>
-          </p:cNvPr>
-          <p:cNvSpPr>
-            <a:spLocks noGrp="1" noRot="1" noChangeAspect="1"/>
-          </p:cNvSpPr>
-          <p:nvPr>
-            <p:ph type="sldImg" idx="2"/>
-          </p:nvPr>
-        </p:nvSpPr>
-        <p:spPr>
-          <a:xfrm>
-            <a:off x="1143000" y="685800"/>
-            <a:ext cx="4572000" cy="3429000"/>
-          </a:xfrm>
-          <a:custGeom>
-            <a:avLst/>
-            <a:gdLst/>
-            <a:ahLst/>
-            <a:cxnLst/>
-            <a:rect l="l" t="t" r="r" b="b"/>
-            <a:pathLst>
-              <a:path w="120000" h="120000" extrusionOk="0">
-                <a:moveTo>
-                  <a:pt x="0" y="0"/>
-                </a:moveTo>
-                <a:lnTo>
-                  <a:pt x="120000" y="0"/>
-                </a:lnTo>
-                <a:lnTo>
-                  <a:pt x="120000" y="120000"/>
-                </a:lnTo>
-                <a:lnTo>
-                  <a:pt x="0" y="120000"/>
-                </a:lnTo>
-                <a:close/>
-              </a:path>
-            </a:pathLst>
-          </a:custGeom>
-          <a:noFill/>
-          <a:ln w="12700" cap="flat" cmpd="sng">
-            <a:solidFill>
-              <a:srgbClr val="000000"/>
-            </a:solidFill>
-            <a:prstDash val="solid"/>
-            <a:round/>
-            <a:headEnd type="none" w="sm" len="sm"/>
-            <a:tailEnd type="none" w="sm" len="sm"/>
-          </a:ln>
-        </p:spPr>
-      </p:sp>
-    </p:spTree>
-    <p:extLst>
-      <p:ext uri="{BB962C8B-B14F-4D97-AF65-F5344CB8AC3E}">
-        <p14:creationId xmlns:p14="http://schemas.microsoft.com/office/powerpoint/2010/main" val="373103465"/>
-      </p:ext>
-    </p:extLst>
-  </p:cSld>
-  <p:clrMapOvr>
-    <a:masterClrMapping/>
-  </p:clrMapOvr>
-</p:notes>
-</file>
-
-<file path=ppt/notesSlides/notesSlide38.xml><?xml version="1.0" encoding="utf-8"?>
-<p:notes xmlns:a="http://schemas.openxmlformats.org/drawingml/2006/main" xmlns:r="http://schemas.openxmlformats.org/officeDocument/2006/relationships" xmlns:p="http://schemas.openxmlformats.org/presentationml/2006/main" showMasterSp="0" showMasterPhAnim="0">
-  <p:cSld>
-    <p:spTree>
-      <p:nvGrpSpPr>
-        <p:cNvPr id="1" name="Shape 402">
-          <a:extLst>
-            <a:ext uri="{FF2B5EF4-FFF2-40B4-BE49-F238E27FC236}">
               <a16:creationId xmlns:a16="http://schemas.microsoft.com/office/drawing/2014/main" id="{37F41F6F-11E5-466C-789E-417625B64182}"/>
             </a:ext>
           </a:extLst>
@@ -5897,7 +5751,7 @@
 </p:notes>
 </file>
 
-<file path=ppt/notesSlides/notesSlide39.xml><?xml version="1.0" encoding="utf-8"?>
+<file path=ppt/notesSlides/notesSlide38.xml><?xml version="1.0" encoding="utf-8"?>
 <p:notes xmlns:a="http://schemas.openxmlformats.org/drawingml/2006/main" xmlns:r="http://schemas.openxmlformats.org/officeDocument/2006/relationships" xmlns:p="http://schemas.openxmlformats.org/presentationml/2006/main" showMasterSp="0" showMasterPhAnim="0">
   <p:cSld>
     <p:spTree>
@@ -5963,6 +5817,128 @@
       <p:sp>
         <p:nvSpPr>
           <p:cNvPr id="413" name="Google Shape;413;g2a994f7876f_0_40:notes"/>
+          <p:cNvSpPr>
+            <a:spLocks noGrp="1" noRot="1" noChangeAspect="1"/>
+          </p:cNvSpPr>
+          <p:nvPr>
+            <p:ph type="sldImg" idx="2"/>
+          </p:nvPr>
+        </p:nvSpPr>
+        <p:spPr>
+          <a:xfrm>
+            <a:off x="1143000" y="685800"/>
+            <a:ext cx="4572000" cy="3429000"/>
+          </a:xfrm>
+          <a:custGeom>
+            <a:avLst/>
+            <a:gdLst/>
+            <a:ahLst/>
+            <a:cxnLst/>
+            <a:rect l="l" t="t" r="r" b="b"/>
+            <a:pathLst>
+              <a:path w="120000" h="120000" extrusionOk="0">
+                <a:moveTo>
+                  <a:pt x="0" y="0"/>
+                </a:moveTo>
+                <a:lnTo>
+                  <a:pt x="120000" y="0"/>
+                </a:lnTo>
+                <a:lnTo>
+                  <a:pt x="120000" y="120000"/>
+                </a:lnTo>
+                <a:lnTo>
+                  <a:pt x="0" y="120000"/>
+                </a:lnTo>
+                <a:close/>
+              </a:path>
+            </a:pathLst>
+          </a:custGeom>
+          <a:noFill/>
+          <a:ln w="12700" cap="flat" cmpd="sng">
+            <a:solidFill>
+              <a:srgbClr val="000000"/>
+            </a:solidFill>
+            <a:prstDash val="solid"/>
+            <a:round/>
+            <a:headEnd type="none" w="sm" len="sm"/>
+            <a:tailEnd type="none" w="sm" len="sm"/>
+          </a:ln>
+        </p:spPr>
+      </p:sp>
+    </p:spTree>
+  </p:cSld>
+  <p:clrMapOvr>
+    <a:masterClrMapping/>
+  </p:clrMapOvr>
+</p:notes>
+</file>
+
+<file path=ppt/notesSlides/notesSlide39.xml><?xml version="1.0" encoding="utf-8"?>
+<p:notes xmlns:a="http://schemas.openxmlformats.org/drawingml/2006/main" xmlns:r="http://schemas.openxmlformats.org/officeDocument/2006/relationships" xmlns:p="http://schemas.openxmlformats.org/presentationml/2006/main" showMasterSp="0" showMasterPhAnim="0">
+  <p:cSld>
+    <p:spTree>
+      <p:nvGrpSpPr>
+        <p:cNvPr id="1" name="Shape 420"/>
+        <p:cNvGrpSpPr/>
+        <p:nvPr/>
+      </p:nvGrpSpPr>
+      <p:grpSpPr>
+        <a:xfrm>
+          <a:off x="0" y="0"/>
+          <a:ext cx="0" cy="0"/>
+          <a:chOff x="0" y="0"/>
+          <a:chExt cx="0" cy="0"/>
+        </a:xfrm>
+      </p:grpSpPr>
+      <p:sp>
+        <p:nvSpPr>
+          <p:cNvPr id="421" name="Google Shape;421;g2ab55a4ceb1_2_0:notes"/>
+          <p:cNvSpPr txBox="1">
+            <a:spLocks noGrp="1"/>
+          </p:cNvSpPr>
+          <p:nvPr>
+            <p:ph type="body" idx="1"/>
+          </p:nvPr>
+        </p:nvSpPr>
+        <p:spPr>
+          <a:xfrm>
+            <a:off x="685800" y="4343400"/>
+            <a:ext cx="5486400" cy="4114800"/>
+          </a:xfrm>
+          <a:prstGeom prst="rect">
+            <a:avLst/>
+          </a:prstGeom>
+          <a:noFill/>
+          <a:ln>
+            <a:noFill/>
+          </a:ln>
+        </p:spPr>
+        <p:txBody>
+          <a:bodyPr spcFirstLastPara="1" wrap="square" lIns="91425" tIns="45700" rIns="91425" bIns="45700" anchor="t" anchorCtr="0">
+            <a:noAutofit/>
+          </a:bodyPr>
+          <a:lstStyle/>
+          <a:p>
+            <a:pPr marL="0" lvl="0" indent="0" algn="l" rtl="0">
+              <a:lnSpc>
+                <a:spcPct val="100000"/>
+              </a:lnSpc>
+              <a:spcBef>
+                <a:spcPts val="0"/>
+              </a:spcBef>
+              <a:spcAft>
+                <a:spcPts val="0"/>
+              </a:spcAft>
+              <a:buSzPts val="1400"/>
+              <a:buNone/>
+            </a:pPr>
+            <a:endParaRPr/>
+          </a:p>
+        </p:txBody>
+      </p:sp>
+      <p:sp>
+        <p:nvSpPr>
+          <p:cNvPr id="422" name="Google Shape;422;g2ab55a4ceb1_2_0:notes"/>
           <p:cNvSpPr>
             <a:spLocks noGrp="1" noRot="1" noChangeAspect="1"/>
           </p:cNvSpPr>
@@ -6146,7 +6122,7 @@
   <p:cSld>
     <p:spTree>
       <p:nvGrpSpPr>
-        <p:cNvPr id="1" name="Shape 420"/>
+        <p:cNvPr id="1" name="Shape 429"/>
         <p:cNvGrpSpPr/>
         <p:nvPr/>
       </p:nvGrpSpPr>
@@ -6160,7 +6136,7 @@
       </p:grpSpPr>
       <p:sp>
         <p:nvSpPr>
-          <p:cNvPr id="421" name="Google Shape;421;g2ab55a4ceb1_2_0:notes"/>
+          <p:cNvPr id="430" name="Google Shape;430;g2a994f7876f_0_56:notes"/>
           <p:cNvSpPr txBox="1">
             <a:spLocks noGrp="1"/>
           </p:cNvSpPr>
@@ -6206,7 +6182,7 @@
       </p:sp>
       <p:sp>
         <p:nvSpPr>
-          <p:cNvPr id="422" name="Google Shape;422;g2ab55a4ceb1_2_0:notes"/>
+          <p:cNvPr id="431" name="Google Shape;431;g2a994f7876f_0_56:notes"/>
           <p:cNvSpPr>
             <a:spLocks noGrp="1" noRot="1" noChangeAspect="1"/>
           </p:cNvSpPr>
@@ -6268,7 +6244,7 @@
   <p:cSld>
     <p:spTree>
       <p:nvGrpSpPr>
-        <p:cNvPr id="1" name="Shape 429"/>
+        <p:cNvPr id="1" name="Shape 438"/>
         <p:cNvGrpSpPr/>
         <p:nvPr/>
       </p:nvGrpSpPr>
@@ -6282,7 +6258,7 @@
       </p:grpSpPr>
       <p:sp>
         <p:nvSpPr>
-          <p:cNvPr id="430" name="Google Shape;430;g2a994f7876f_0_56:notes"/>
+          <p:cNvPr id="439" name="Google Shape;439;g2ab55a4ceb1_2_8:notes"/>
           <p:cNvSpPr txBox="1">
             <a:spLocks noGrp="1"/>
           </p:cNvSpPr>
@@ -6328,7 +6304,7 @@
       </p:sp>
       <p:sp>
         <p:nvSpPr>
-          <p:cNvPr id="431" name="Google Shape;431;g2a994f7876f_0_56:notes"/>
+          <p:cNvPr id="440" name="Google Shape;440;g2ab55a4ceb1_2_8:notes"/>
           <p:cNvSpPr>
             <a:spLocks noGrp="1" noRot="1" noChangeAspect="1"/>
           </p:cNvSpPr>
@@ -6390,7 +6366,7 @@
   <p:cSld>
     <p:spTree>
       <p:nvGrpSpPr>
-        <p:cNvPr id="1" name="Shape 438"/>
+        <p:cNvPr id="1" name="Shape 447"/>
         <p:cNvGrpSpPr/>
         <p:nvPr/>
       </p:nvGrpSpPr>
@@ -6404,7 +6380,7 @@
       </p:grpSpPr>
       <p:sp>
         <p:nvSpPr>
-          <p:cNvPr id="439" name="Google Shape;439;g2ab55a4ceb1_2_8:notes"/>
+          <p:cNvPr id="448" name="Google Shape;448;g2a994f7876f_0_64:notes"/>
           <p:cNvSpPr txBox="1">
             <a:spLocks noGrp="1"/>
           </p:cNvSpPr>
@@ -6450,7 +6426,7 @@
       </p:sp>
       <p:sp>
         <p:nvSpPr>
-          <p:cNvPr id="440" name="Google Shape;440;g2ab55a4ceb1_2_8:notes"/>
+          <p:cNvPr id="449" name="Google Shape;449;g2a994f7876f_0_64:notes"/>
           <p:cNvSpPr>
             <a:spLocks noGrp="1" noRot="1" noChangeAspect="1"/>
           </p:cNvSpPr>
@@ -6512,7 +6488,7 @@
   <p:cSld>
     <p:spTree>
       <p:nvGrpSpPr>
-        <p:cNvPr id="1" name="Shape 447"/>
+        <p:cNvPr id="1" name="Shape 456"/>
         <p:cNvGrpSpPr/>
         <p:nvPr/>
       </p:nvGrpSpPr>
@@ -6526,7 +6502,7 @@
       </p:grpSpPr>
       <p:sp>
         <p:nvSpPr>
-          <p:cNvPr id="448" name="Google Shape;448;g2a994f7876f_0_64:notes"/>
+          <p:cNvPr id="457" name="Google Shape;457;g2ab55a4ceb1_2_16:notes"/>
           <p:cNvSpPr txBox="1">
             <a:spLocks noGrp="1"/>
           </p:cNvSpPr>
@@ -6572,7 +6548,7 @@
       </p:sp>
       <p:sp>
         <p:nvSpPr>
-          <p:cNvPr id="449" name="Google Shape;449;g2a994f7876f_0_64:notes"/>
+          <p:cNvPr id="458" name="Google Shape;458;g2ab55a4ceb1_2_16:notes"/>
           <p:cNvSpPr>
             <a:spLocks noGrp="1" noRot="1" noChangeAspect="1"/>
           </p:cNvSpPr>
@@ -6634,7 +6610,7 @@
   <p:cSld>
     <p:spTree>
       <p:nvGrpSpPr>
-        <p:cNvPr id="1" name="Shape 456"/>
+        <p:cNvPr id="1" name="Shape 465"/>
         <p:cNvGrpSpPr/>
         <p:nvPr/>
       </p:nvGrpSpPr>
@@ -6648,7 +6624,7 @@
       </p:grpSpPr>
       <p:sp>
         <p:nvSpPr>
-          <p:cNvPr id="457" name="Google Shape;457;g2ab55a4ceb1_2_16:notes"/>
+          <p:cNvPr id="466" name="Google Shape;466;g2ab55a4ceb1_0_0:notes"/>
           <p:cNvSpPr txBox="1">
             <a:spLocks noGrp="1"/>
           </p:cNvSpPr>
@@ -6694,7 +6670,7 @@
       </p:sp>
       <p:sp>
         <p:nvSpPr>
-          <p:cNvPr id="458" name="Google Shape;458;g2ab55a4ceb1_2_16:notes"/>
+          <p:cNvPr id="467" name="Google Shape;467;g2ab55a4ceb1_0_0:notes"/>
           <p:cNvSpPr>
             <a:spLocks noGrp="1" noRot="1" noChangeAspect="1"/>
           </p:cNvSpPr>
@@ -6756,7 +6732,7 @@
   <p:cSld>
     <p:spTree>
       <p:nvGrpSpPr>
-        <p:cNvPr id="1" name="Shape 465"/>
+        <p:cNvPr id="1" name="Shape 474"/>
         <p:cNvGrpSpPr/>
         <p:nvPr/>
       </p:nvGrpSpPr>
@@ -6770,7 +6746,7 @@
       </p:grpSpPr>
       <p:sp>
         <p:nvSpPr>
-          <p:cNvPr id="466" name="Google Shape;466;g2ab55a4ceb1_0_0:notes"/>
+          <p:cNvPr id="475" name="Google Shape;475;g2a994f7876f_0_72:notes"/>
           <p:cNvSpPr txBox="1">
             <a:spLocks noGrp="1"/>
           </p:cNvSpPr>
@@ -6816,7 +6792,7 @@
       </p:sp>
       <p:sp>
         <p:nvSpPr>
-          <p:cNvPr id="467" name="Google Shape;467;g2ab55a4ceb1_0_0:notes"/>
+          <p:cNvPr id="476" name="Google Shape;476;g2a994f7876f_0_72:notes"/>
           <p:cNvSpPr>
             <a:spLocks noGrp="1" noRot="1" noChangeAspect="1"/>
           </p:cNvSpPr>
@@ -6878,7 +6854,7 @@
   <p:cSld>
     <p:spTree>
       <p:nvGrpSpPr>
-        <p:cNvPr id="1" name="Shape 474"/>
+        <p:cNvPr id="1" name="Shape 483"/>
         <p:cNvGrpSpPr/>
         <p:nvPr/>
       </p:nvGrpSpPr>
@@ -6892,7 +6868,7 @@
       </p:grpSpPr>
       <p:sp>
         <p:nvSpPr>
-          <p:cNvPr id="475" name="Google Shape;475;g2a994f7876f_0_72:notes"/>
+          <p:cNvPr id="484" name="Google Shape;484;g2ab55a4ceb1_0_8:notes"/>
           <p:cNvSpPr txBox="1">
             <a:spLocks noGrp="1"/>
           </p:cNvSpPr>
@@ -6938,7 +6914,7 @@
       </p:sp>
       <p:sp>
         <p:nvSpPr>
-          <p:cNvPr id="476" name="Google Shape;476;g2a994f7876f_0_72:notes"/>
+          <p:cNvPr id="485" name="Google Shape;485;g2ab55a4ceb1_0_8:notes"/>
           <p:cNvSpPr>
             <a:spLocks noGrp="1" noRot="1" noChangeAspect="1"/>
           </p:cNvSpPr>
@@ -7000,7 +6976,7 @@
   <p:cSld>
     <p:spTree>
       <p:nvGrpSpPr>
-        <p:cNvPr id="1" name="Shape 483"/>
+        <p:cNvPr id="1" name="Shape 492"/>
         <p:cNvGrpSpPr/>
         <p:nvPr/>
       </p:nvGrpSpPr>
@@ -7014,7 +6990,7 @@
       </p:grpSpPr>
       <p:sp>
         <p:nvSpPr>
-          <p:cNvPr id="484" name="Google Shape;484;g2ab55a4ceb1_0_8:notes"/>
+          <p:cNvPr id="493" name="Google Shape;493;g2ab55a4ceb1_0_16:notes"/>
           <p:cNvSpPr txBox="1">
             <a:spLocks noGrp="1"/>
           </p:cNvSpPr>
@@ -7060,7 +7036,7 @@
       </p:sp>
       <p:sp>
         <p:nvSpPr>
-          <p:cNvPr id="485" name="Google Shape;485;g2ab55a4ceb1_0_8:notes"/>
+          <p:cNvPr id="494" name="Google Shape;494;g2ab55a4ceb1_0_16:notes"/>
           <p:cNvSpPr>
             <a:spLocks noGrp="1" noRot="1" noChangeAspect="1"/>
           </p:cNvSpPr>
@@ -7122,7 +7098,7 @@
   <p:cSld>
     <p:spTree>
       <p:nvGrpSpPr>
-        <p:cNvPr id="1" name="Shape 492"/>
+        <p:cNvPr id="1" name="Shape 501"/>
         <p:cNvGrpSpPr/>
         <p:nvPr/>
       </p:nvGrpSpPr>
@@ -7136,7 +7112,7 @@
       </p:grpSpPr>
       <p:sp>
         <p:nvSpPr>
-          <p:cNvPr id="493" name="Google Shape;493;g2ab55a4ceb1_0_16:notes"/>
+          <p:cNvPr id="502" name="Google Shape;502;g2ae90372f67_0_0:notes"/>
           <p:cNvSpPr txBox="1">
             <a:spLocks noGrp="1"/>
           </p:cNvSpPr>
@@ -7182,7 +7158,7 @@
       </p:sp>
       <p:sp>
         <p:nvSpPr>
-          <p:cNvPr id="494" name="Google Shape;494;g2ab55a4ceb1_0_16:notes"/>
+          <p:cNvPr id="503" name="Google Shape;503;g2ae90372f67_0_0:notes"/>
           <p:cNvSpPr>
             <a:spLocks noGrp="1" noRot="1" noChangeAspect="1"/>
           </p:cNvSpPr>
@@ -7244,7 +7220,7 @@
   <p:cSld>
     <p:spTree>
       <p:nvGrpSpPr>
-        <p:cNvPr id="1" name="Shape 501"/>
+        <p:cNvPr id="1" name="Shape 510"/>
         <p:cNvGrpSpPr/>
         <p:nvPr/>
       </p:nvGrpSpPr>
@@ -7258,7 +7234,7 @@
       </p:grpSpPr>
       <p:sp>
         <p:nvSpPr>
-          <p:cNvPr id="502" name="Google Shape;502;g2ae90372f67_0_0:notes"/>
+          <p:cNvPr id="511" name="Google Shape;511;g2abac93716c_0_50:notes"/>
           <p:cNvSpPr txBox="1">
             <a:spLocks noGrp="1"/>
           </p:cNvSpPr>
@@ -7304,7 +7280,7 @@
       </p:sp>
       <p:sp>
         <p:nvSpPr>
-          <p:cNvPr id="503" name="Google Shape;503;g2ae90372f67_0_0:notes"/>
+          <p:cNvPr id="512" name="Google Shape;512;g2abac93716c_0_50:notes"/>
           <p:cNvSpPr>
             <a:spLocks noGrp="1" noRot="1" noChangeAspect="1"/>
           </p:cNvSpPr>
@@ -7427,128 +7403,6 @@
       <p:sp>
         <p:nvSpPr>
           <p:cNvPr id="124" name="Google Shape;124;g2ab55a4ceb1_0_68:notes"/>
-          <p:cNvSpPr>
-            <a:spLocks noGrp="1" noRot="1" noChangeAspect="1"/>
-          </p:cNvSpPr>
-          <p:nvPr>
-            <p:ph type="sldImg" idx="2"/>
-          </p:nvPr>
-        </p:nvSpPr>
-        <p:spPr>
-          <a:xfrm>
-            <a:off x="1143000" y="685800"/>
-            <a:ext cx="4572000" cy="3429000"/>
-          </a:xfrm>
-          <a:custGeom>
-            <a:avLst/>
-            <a:gdLst/>
-            <a:ahLst/>
-            <a:cxnLst/>
-            <a:rect l="l" t="t" r="r" b="b"/>
-            <a:pathLst>
-              <a:path w="120000" h="120000" extrusionOk="0">
-                <a:moveTo>
-                  <a:pt x="0" y="0"/>
-                </a:moveTo>
-                <a:lnTo>
-                  <a:pt x="120000" y="0"/>
-                </a:lnTo>
-                <a:lnTo>
-                  <a:pt x="120000" y="120000"/>
-                </a:lnTo>
-                <a:lnTo>
-                  <a:pt x="0" y="120000"/>
-                </a:lnTo>
-                <a:close/>
-              </a:path>
-            </a:pathLst>
-          </a:custGeom>
-          <a:noFill/>
-          <a:ln w="12700" cap="flat" cmpd="sng">
-            <a:solidFill>
-              <a:srgbClr val="000000"/>
-            </a:solidFill>
-            <a:prstDash val="solid"/>
-            <a:round/>
-            <a:headEnd type="none" w="sm" len="sm"/>
-            <a:tailEnd type="none" w="sm" len="sm"/>
-          </a:ln>
-        </p:spPr>
-      </p:sp>
-    </p:spTree>
-  </p:cSld>
-  <p:clrMapOvr>
-    <a:masterClrMapping/>
-  </p:clrMapOvr>
-</p:notes>
-</file>
-
-<file path=ppt/notesSlides/notesSlide50.xml><?xml version="1.0" encoding="utf-8"?>
-<p:notes xmlns:a="http://schemas.openxmlformats.org/drawingml/2006/main" xmlns:r="http://schemas.openxmlformats.org/officeDocument/2006/relationships" xmlns:p="http://schemas.openxmlformats.org/presentationml/2006/main" showMasterSp="0" showMasterPhAnim="0">
-  <p:cSld>
-    <p:spTree>
-      <p:nvGrpSpPr>
-        <p:cNvPr id="1" name="Shape 510"/>
-        <p:cNvGrpSpPr/>
-        <p:nvPr/>
-      </p:nvGrpSpPr>
-      <p:grpSpPr>
-        <a:xfrm>
-          <a:off x="0" y="0"/>
-          <a:ext cx="0" cy="0"/>
-          <a:chOff x="0" y="0"/>
-          <a:chExt cx="0" cy="0"/>
-        </a:xfrm>
-      </p:grpSpPr>
-      <p:sp>
-        <p:nvSpPr>
-          <p:cNvPr id="511" name="Google Shape;511;g2abac93716c_0_50:notes"/>
-          <p:cNvSpPr txBox="1">
-            <a:spLocks noGrp="1"/>
-          </p:cNvSpPr>
-          <p:nvPr>
-            <p:ph type="body" idx="1"/>
-          </p:nvPr>
-        </p:nvSpPr>
-        <p:spPr>
-          <a:xfrm>
-            <a:off x="685800" y="4343400"/>
-            <a:ext cx="5486400" cy="4114800"/>
-          </a:xfrm>
-          <a:prstGeom prst="rect">
-            <a:avLst/>
-          </a:prstGeom>
-          <a:noFill/>
-          <a:ln>
-            <a:noFill/>
-          </a:ln>
-        </p:spPr>
-        <p:txBody>
-          <a:bodyPr spcFirstLastPara="1" wrap="square" lIns="91425" tIns="45700" rIns="91425" bIns="45700" anchor="t" anchorCtr="0">
-            <a:noAutofit/>
-          </a:bodyPr>
-          <a:lstStyle/>
-          <a:p>
-            <a:pPr marL="0" lvl="0" indent="0" algn="l" rtl="0">
-              <a:lnSpc>
-                <a:spcPct val="100000"/>
-              </a:lnSpc>
-              <a:spcBef>
-                <a:spcPts val="0"/>
-              </a:spcBef>
-              <a:spcAft>
-                <a:spcPts val="0"/>
-              </a:spcAft>
-              <a:buSzPts val="1400"/>
-              <a:buNone/>
-            </a:pPr>
-            <a:endParaRPr/>
-          </a:p>
-        </p:txBody>
-      </p:sp>
-      <p:sp>
-        <p:nvSpPr>
-          <p:cNvPr id="512" name="Google Shape;512;g2abac93716c_0_50:notes"/>
           <p:cNvSpPr>
             <a:spLocks noGrp="1" noRot="1" noChangeAspect="1"/>
           </p:cNvSpPr>
@@ -23811,7 +23665,7 @@
                 <a:sym typeface="Calibri"/>
                 <a:extLst>
                   <a:ext uri="http://customooxmlschemas.google.com/">
-                    <go:slidesCustomData xmlns="" xmlns:mc="http://schemas.openxmlformats.org/markup-compatibility/2006" xmlns:mv="urn:schemas-microsoft-com:mac:vml" xmlns:c="http://schemas.openxmlformats.org/drawingml/2006/chart" xmlns:dgm="http://schemas.openxmlformats.org/drawingml/2006/diagram" xmlns:o="urn:schemas-microsoft-com:office:office" xmlns:v="urn:schemas-microsoft-com:vml" xmlns:pvml="urn:schemas-microsoft-com:office:powerpoint" xmlns:com="http://schemas.openxmlformats.org/drawingml/2006/compatibility" xmlns:p14="http://schemas.microsoft.com/office/powerpoint/2010/main" xmlns:p15="http://schemas.microsoft.com/office/powerpoint/2012/main" xmlns:ahyp="http://schemas.microsoft.com/office/drawing/2018/hyperlinkcolor" xmlns:go="http://customooxmlschemas.google.com/" textRoundtripDataId="3"/>
+                    <go:slidesCustomData xmlns:go="http://customooxmlschemas.google.com/" xmlns:ahyp="http://schemas.microsoft.com/office/drawing/2018/hyperlinkcolor" xmlns:p15="http://schemas.microsoft.com/office/powerpoint/2012/main" xmlns:p14="http://schemas.microsoft.com/office/powerpoint/2010/main" xmlns:com="http://schemas.openxmlformats.org/drawingml/2006/compatibility" xmlns:pvml="urn:schemas-microsoft-com:office:powerpoint" xmlns:v="urn:schemas-microsoft-com:vml" xmlns:o="urn:schemas-microsoft-com:office:office" xmlns:dgm="http://schemas.openxmlformats.org/drawingml/2006/diagram" xmlns:c="http://schemas.openxmlformats.org/drawingml/2006/chart" xmlns:mv="urn:schemas-microsoft-com:mac:vml" xmlns:mc="http://schemas.openxmlformats.org/markup-compatibility/2006" xmlns="" textRoundtripDataId="3"/>
                   </a:ext>
                 </a:extLst>
               </a:rPr>
@@ -23828,7 +23682,7 @@
                 <a:sym typeface="Calibri"/>
                 <a:extLst>
                   <a:ext uri="http://customooxmlschemas.google.com/">
-                    <go:slidesCustomData xmlns="" xmlns:mc="http://schemas.openxmlformats.org/markup-compatibility/2006" xmlns:mv="urn:schemas-microsoft-com:mac:vml" xmlns:c="http://schemas.openxmlformats.org/drawingml/2006/chart" xmlns:dgm="http://schemas.openxmlformats.org/drawingml/2006/diagram" xmlns:o="urn:schemas-microsoft-com:office:office" xmlns:v="urn:schemas-microsoft-com:vml" xmlns:pvml="urn:schemas-microsoft-com:office:powerpoint" xmlns:com="http://schemas.openxmlformats.org/drawingml/2006/compatibility" xmlns:p14="http://schemas.microsoft.com/office/powerpoint/2010/main" xmlns:p15="http://schemas.microsoft.com/office/powerpoint/2012/main" xmlns:ahyp="http://schemas.microsoft.com/office/drawing/2018/hyperlinkcolor" xmlns:go="http://customooxmlschemas.google.com/" textRoundtripDataId="4"/>
+                    <go:slidesCustomData xmlns:go="http://customooxmlschemas.google.com/" xmlns:ahyp="http://schemas.microsoft.com/office/drawing/2018/hyperlinkcolor" xmlns:p15="http://schemas.microsoft.com/office/powerpoint/2012/main" xmlns:p14="http://schemas.microsoft.com/office/powerpoint/2010/main" xmlns:com="http://schemas.openxmlformats.org/drawingml/2006/compatibility" xmlns:pvml="urn:schemas-microsoft-com:office:powerpoint" xmlns:v="urn:schemas-microsoft-com:vml" xmlns:o="urn:schemas-microsoft-com:office:office" xmlns:dgm="http://schemas.openxmlformats.org/drawingml/2006/diagram" xmlns:c="http://schemas.openxmlformats.org/drawingml/2006/chart" xmlns:mv="urn:schemas-microsoft-com:mac:vml" xmlns:mc="http://schemas.openxmlformats.org/markup-compatibility/2006" xmlns="" textRoundtripDataId="4"/>
                   </a:ext>
                 </a:extLst>
               </a:rPr>
@@ -24253,7 +24107,7 @@
               <a:sym typeface="Calibri"/>
               <a:extLst>
                 <a:ext uri="http://customooxmlschemas.google.com/">
-                  <go:slidesCustomData xmlns="" xmlns:mc="http://schemas.openxmlformats.org/markup-compatibility/2006" xmlns:mv="urn:schemas-microsoft-com:mac:vml" xmlns:c="http://schemas.openxmlformats.org/drawingml/2006/chart" xmlns:dgm="http://schemas.openxmlformats.org/drawingml/2006/diagram" xmlns:o="urn:schemas-microsoft-com:office:office" xmlns:v="urn:schemas-microsoft-com:vml" xmlns:pvml="urn:schemas-microsoft-com:office:powerpoint" xmlns:com="http://schemas.openxmlformats.org/drawingml/2006/compatibility" xmlns:p14="http://schemas.microsoft.com/office/powerpoint/2010/main" xmlns:p15="http://schemas.microsoft.com/office/powerpoint/2012/main" xmlns:ahyp="http://schemas.microsoft.com/office/drawing/2018/hyperlinkcolor" xmlns:go="http://customooxmlschemas.google.com/" textRoundtripDataId="5"/>
+                  <go:slidesCustomData xmlns:go="http://customooxmlschemas.google.com/" xmlns:ahyp="http://schemas.microsoft.com/office/drawing/2018/hyperlinkcolor" xmlns:p15="http://schemas.microsoft.com/office/powerpoint/2012/main" xmlns:p14="http://schemas.microsoft.com/office/powerpoint/2010/main" xmlns:com="http://schemas.openxmlformats.org/drawingml/2006/compatibility" xmlns:pvml="urn:schemas-microsoft-com:office:powerpoint" xmlns:v="urn:schemas-microsoft-com:vml" xmlns:o="urn:schemas-microsoft-com:office:office" xmlns:dgm="http://schemas.openxmlformats.org/drawingml/2006/diagram" xmlns:c="http://schemas.openxmlformats.org/drawingml/2006/chart" xmlns:mv="urn:schemas-microsoft-com:mac:vml" xmlns:mc="http://schemas.openxmlformats.org/markup-compatibility/2006" xmlns="" textRoundtripDataId="5"/>
                 </a:ext>
               </a:extLst>
             </a:endParaRPr>
@@ -24287,7 +24141,7 @@
                 <a:sym typeface="Calibri"/>
                 <a:extLst>
                   <a:ext uri="http://customooxmlschemas.google.com/">
-                    <go:slidesCustomData xmlns="" xmlns:mc="http://schemas.openxmlformats.org/markup-compatibility/2006" xmlns:mv="urn:schemas-microsoft-com:mac:vml" xmlns:c="http://schemas.openxmlformats.org/drawingml/2006/chart" xmlns:dgm="http://schemas.openxmlformats.org/drawingml/2006/diagram" xmlns:o="urn:schemas-microsoft-com:office:office" xmlns:v="urn:schemas-microsoft-com:vml" xmlns:pvml="urn:schemas-microsoft-com:office:powerpoint" xmlns:com="http://schemas.openxmlformats.org/drawingml/2006/compatibility" xmlns:p14="http://schemas.microsoft.com/office/powerpoint/2010/main" xmlns:p15="http://schemas.microsoft.com/office/powerpoint/2012/main" xmlns:ahyp="http://schemas.microsoft.com/office/drawing/2018/hyperlinkcolor" xmlns:go="http://customooxmlschemas.google.com/" textRoundtripDataId="6"/>
+                    <go:slidesCustomData xmlns:go="http://customooxmlschemas.google.com/" xmlns:ahyp="http://schemas.microsoft.com/office/drawing/2018/hyperlinkcolor" xmlns:p15="http://schemas.microsoft.com/office/powerpoint/2012/main" xmlns:p14="http://schemas.microsoft.com/office/powerpoint/2010/main" xmlns:com="http://schemas.openxmlformats.org/drawingml/2006/compatibility" xmlns:pvml="urn:schemas-microsoft-com:office:powerpoint" xmlns:v="urn:schemas-microsoft-com:vml" xmlns:o="urn:schemas-microsoft-com:office:office" xmlns:dgm="http://schemas.openxmlformats.org/drawingml/2006/diagram" xmlns:c="http://schemas.openxmlformats.org/drawingml/2006/chart" xmlns:mv="urn:schemas-microsoft-com:mac:vml" xmlns:mc="http://schemas.openxmlformats.org/markup-compatibility/2006" xmlns="" textRoundtripDataId="6"/>
                   </a:ext>
                 </a:extLst>
               </a:rPr>
@@ -24303,7 +24157,7 @@
               <a:sym typeface="Calibri"/>
               <a:extLst>
                 <a:ext uri="http://customooxmlschemas.google.com/">
-                  <go:slidesCustomData xmlns="" xmlns:mc="http://schemas.openxmlformats.org/markup-compatibility/2006" xmlns:mv="urn:schemas-microsoft-com:mac:vml" xmlns:c="http://schemas.openxmlformats.org/drawingml/2006/chart" xmlns:dgm="http://schemas.openxmlformats.org/drawingml/2006/diagram" xmlns:o="urn:schemas-microsoft-com:office:office" xmlns:v="urn:schemas-microsoft-com:vml" xmlns:pvml="urn:schemas-microsoft-com:office:powerpoint" xmlns:com="http://schemas.openxmlformats.org/drawingml/2006/compatibility" xmlns:p14="http://schemas.microsoft.com/office/powerpoint/2010/main" xmlns:p15="http://schemas.microsoft.com/office/powerpoint/2012/main" xmlns:ahyp="http://schemas.microsoft.com/office/drawing/2018/hyperlinkcolor" xmlns:go="http://customooxmlschemas.google.com/" textRoundtripDataId="7"/>
+                  <go:slidesCustomData xmlns:go="http://customooxmlschemas.google.com/" xmlns:ahyp="http://schemas.microsoft.com/office/drawing/2018/hyperlinkcolor" xmlns:p15="http://schemas.microsoft.com/office/powerpoint/2012/main" xmlns:p14="http://schemas.microsoft.com/office/powerpoint/2010/main" xmlns:com="http://schemas.openxmlformats.org/drawingml/2006/compatibility" xmlns:pvml="urn:schemas-microsoft-com:office:powerpoint" xmlns:v="urn:schemas-microsoft-com:vml" xmlns:o="urn:schemas-microsoft-com:office:office" xmlns:dgm="http://schemas.openxmlformats.org/drawingml/2006/diagram" xmlns:c="http://schemas.openxmlformats.org/drawingml/2006/chart" xmlns:mv="urn:schemas-microsoft-com:mac:vml" xmlns:mc="http://schemas.openxmlformats.org/markup-compatibility/2006" xmlns="" textRoundtripDataId="7"/>
                 </a:ext>
               </a:extLst>
             </a:endParaRPr>
@@ -24337,7 +24191,7 @@
                 <a:sym typeface="Calibri"/>
                 <a:extLst>
                   <a:ext uri="http://customooxmlschemas.google.com/">
-                    <go:slidesCustomData xmlns="" xmlns:mc="http://schemas.openxmlformats.org/markup-compatibility/2006" xmlns:mv="urn:schemas-microsoft-com:mac:vml" xmlns:c="http://schemas.openxmlformats.org/drawingml/2006/chart" xmlns:dgm="http://schemas.openxmlformats.org/drawingml/2006/diagram" xmlns:o="urn:schemas-microsoft-com:office:office" xmlns:v="urn:schemas-microsoft-com:vml" xmlns:pvml="urn:schemas-microsoft-com:office:powerpoint" xmlns:com="http://schemas.openxmlformats.org/drawingml/2006/compatibility" xmlns:p14="http://schemas.microsoft.com/office/powerpoint/2010/main" xmlns:p15="http://schemas.microsoft.com/office/powerpoint/2012/main" xmlns:ahyp="http://schemas.microsoft.com/office/drawing/2018/hyperlinkcolor" xmlns:go="http://customooxmlschemas.google.com/" textRoundtripDataId="8"/>
+                    <go:slidesCustomData xmlns:go="http://customooxmlschemas.google.com/" xmlns:ahyp="http://schemas.microsoft.com/office/drawing/2018/hyperlinkcolor" xmlns:p15="http://schemas.microsoft.com/office/powerpoint/2012/main" xmlns:p14="http://schemas.microsoft.com/office/powerpoint/2010/main" xmlns:com="http://schemas.openxmlformats.org/drawingml/2006/compatibility" xmlns:pvml="urn:schemas-microsoft-com:office:powerpoint" xmlns:v="urn:schemas-microsoft-com:vml" xmlns:o="urn:schemas-microsoft-com:office:office" xmlns:dgm="http://schemas.openxmlformats.org/drawingml/2006/diagram" xmlns:c="http://schemas.openxmlformats.org/drawingml/2006/chart" xmlns:mv="urn:schemas-microsoft-com:mac:vml" xmlns:mc="http://schemas.openxmlformats.org/markup-compatibility/2006" xmlns="" textRoundtripDataId="8"/>
                   </a:ext>
                 </a:extLst>
               </a:rPr>
@@ -24353,7 +24207,7 @@
               <a:sym typeface="Calibri"/>
               <a:extLst>
                 <a:ext uri="http://customooxmlschemas.google.com/">
-                  <go:slidesCustomData xmlns="" xmlns:mc="http://schemas.openxmlformats.org/markup-compatibility/2006" xmlns:mv="urn:schemas-microsoft-com:mac:vml" xmlns:c="http://schemas.openxmlformats.org/drawingml/2006/chart" xmlns:dgm="http://schemas.openxmlformats.org/drawingml/2006/diagram" xmlns:o="urn:schemas-microsoft-com:office:office" xmlns:v="urn:schemas-microsoft-com:vml" xmlns:pvml="urn:schemas-microsoft-com:office:powerpoint" xmlns:com="http://schemas.openxmlformats.org/drawingml/2006/compatibility" xmlns:p14="http://schemas.microsoft.com/office/powerpoint/2010/main" xmlns:p15="http://schemas.microsoft.com/office/powerpoint/2012/main" xmlns:ahyp="http://schemas.microsoft.com/office/drawing/2018/hyperlinkcolor" xmlns:go="http://customooxmlschemas.google.com/" textRoundtripDataId="9"/>
+                  <go:slidesCustomData xmlns:go="http://customooxmlschemas.google.com/" xmlns:ahyp="http://schemas.microsoft.com/office/drawing/2018/hyperlinkcolor" xmlns:p15="http://schemas.microsoft.com/office/powerpoint/2012/main" xmlns:p14="http://schemas.microsoft.com/office/powerpoint/2010/main" xmlns:com="http://schemas.openxmlformats.org/drawingml/2006/compatibility" xmlns:pvml="urn:schemas-microsoft-com:office:powerpoint" xmlns:v="urn:schemas-microsoft-com:vml" xmlns:o="urn:schemas-microsoft-com:office:office" xmlns:dgm="http://schemas.openxmlformats.org/drawingml/2006/diagram" xmlns:c="http://schemas.openxmlformats.org/drawingml/2006/chart" xmlns:mv="urn:schemas-microsoft-com:mac:vml" xmlns:mc="http://schemas.openxmlformats.org/markup-compatibility/2006" xmlns="" textRoundtripDataId="9"/>
                 </a:ext>
               </a:extLst>
             </a:endParaRPr>
@@ -24381,7 +24235,7 @@
               <a:sym typeface="Calibri"/>
               <a:extLst>
                 <a:ext uri="http://customooxmlschemas.google.com/">
-                  <go:slidesCustomData xmlns="" xmlns:mc="http://schemas.openxmlformats.org/markup-compatibility/2006" xmlns:mv="urn:schemas-microsoft-com:mac:vml" xmlns:c="http://schemas.openxmlformats.org/drawingml/2006/chart" xmlns:dgm="http://schemas.openxmlformats.org/drawingml/2006/diagram" xmlns:o="urn:schemas-microsoft-com:office:office" xmlns:v="urn:schemas-microsoft-com:vml" xmlns:pvml="urn:schemas-microsoft-com:office:powerpoint" xmlns:com="http://schemas.openxmlformats.org/drawingml/2006/compatibility" xmlns:p14="http://schemas.microsoft.com/office/powerpoint/2010/main" xmlns:p15="http://schemas.microsoft.com/office/powerpoint/2012/main" xmlns:ahyp="http://schemas.microsoft.com/office/drawing/2018/hyperlinkcolor" xmlns:go="http://customooxmlschemas.google.com/" textRoundtripDataId="10"/>
+                  <go:slidesCustomData xmlns:go="http://customooxmlschemas.google.com/" xmlns:ahyp="http://schemas.microsoft.com/office/drawing/2018/hyperlinkcolor" xmlns:p15="http://schemas.microsoft.com/office/powerpoint/2012/main" xmlns:p14="http://schemas.microsoft.com/office/powerpoint/2010/main" xmlns:com="http://schemas.openxmlformats.org/drawingml/2006/compatibility" xmlns:pvml="urn:schemas-microsoft-com:office:powerpoint" xmlns:v="urn:schemas-microsoft-com:vml" xmlns:o="urn:schemas-microsoft-com:office:office" xmlns:dgm="http://schemas.openxmlformats.org/drawingml/2006/diagram" xmlns:c="http://schemas.openxmlformats.org/drawingml/2006/chart" xmlns:mv="urn:schemas-microsoft-com:mac:vml" xmlns:mc="http://schemas.openxmlformats.org/markup-compatibility/2006" xmlns="" textRoundtripDataId="10"/>
                 </a:ext>
               </a:extLst>
             </a:endParaRPr>
@@ -24410,7 +24264,7 @@
                 <a:sym typeface="Calibri"/>
                 <a:extLst>
                   <a:ext uri="http://customooxmlschemas.google.com/">
-                    <go:slidesCustomData xmlns="" xmlns:mc="http://schemas.openxmlformats.org/markup-compatibility/2006" xmlns:mv="urn:schemas-microsoft-com:mac:vml" xmlns:c="http://schemas.openxmlformats.org/drawingml/2006/chart" xmlns:dgm="http://schemas.openxmlformats.org/drawingml/2006/diagram" xmlns:o="urn:schemas-microsoft-com:office:office" xmlns:v="urn:schemas-microsoft-com:vml" xmlns:pvml="urn:schemas-microsoft-com:office:powerpoint" xmlns:com="http://schemas.openxmlformats.org/drawingml/2006/compatibility" xmlns:p14="http://schemas.microsoft.com/office/powerpoint/2010/main" xmlns:p15="http://schemas.microsoft.com/office/powerpoint/2012/main" xmlns:ahyp="http://schemas.microsoft.com/office/drawing/2018/hyperlinkcolor" xmlns:go="http://customooxmlschemas.google.com/" textRoundtripDataId="11"/>
+                    <go:slidesCustomData xmlns:go="http://customooxmlschemas.google.com/" xmlns:ahyp="http://schemas.microsoft.com/office/drawing/2018/hyperlinkcolor" xmlns:p15="http://schemas.microsoft.com/office/powerpoint/2012/main" xmlns:p14="http://schemas.microsoft.com/office/powerpoint/2010/main" xmlns:com="http://schemas.openxmlformats.org/drawingml/2006/compatibility" xmlns:pvml="urn:schemas-microsoft-com:office:powerpoint" xmlns:v="urn:schemas-microsoft-com:vml" xmlns:o="urn:schemas-microsoft-com:office:office" xmlns:dgm="http://schemas.openxmlformats.org/drawingml/2006/diagram" xmlns:c="http://schemas.openxmlformats.org/drawingml/2006/chart" xmlns:mv="urn:schemas-microsoft-com:mac:vml" xmlns:mc="http://schemas.openxmlformats.org/markup-compatibility/2006" xmlns="" textRoundtripDataId="11"/>
                   </a:ext>
                 </a:extLst>
               </a:rPr>
@@ -30635,7 +30489,7 @@
                 <a:sym typeface="Calibri"/>
                 <a:extLst>
                   <a:ext uri="http://customooxmlschemas.google.com/">
-                    <go:slidesCustomData xmlns="" xmlns:mc="http://schemas.openxmlformats.org/markup-compatibility/2006" xmlns:mv="urn:schemas-microsoft-com:mac:vml" xmlns:c="http://schemas.openxmlformats.org/drawingml/2006/chart" xmlns:dgm="http://schemas.openxmlformats.org/drawingml/2006/diagram" xmlns:o="urn:schemas-microsoft-com:office:office" xmlns:v="urn:schemas-microsoft-com:vml" xmlns:pvml="urn:schemas-microsoft-com:office:powerpoint" xmlns:com="http://schemas.openxmlformats.org/drawingml/2006/compatibility" xmlns:p14="http://schemas.microsoft.com/office/powerpoint/2010/main" xmlns:p15="http://schemas.microsoft.com/office/powerpoint/2012/main" xmlns:ahyp="http://schemas.microsoft.com/office/drawing/2018/hyperlinkcolor" xmlns:go="http://customooxmlschemas.google.com/" textRoundtripDataId="12"/>
+                    <go:slidesCustomData xmlns:go="http://customooxmlschemas.google.com/" xmlns:ahyp="http://schemas.microsoft.com/office/drawing/2018/hyperlinkcolor" xmlns:p15="http://schemas.microsoft.com/office/powerpoint/2012/main" xmlns:p14="http://schemas.microsoft.com/office/powerpoint/2010/main" xmlns:com="http://schemas.openxmlformats.org/drawingml/2006/compatibility" xmlns:pvml="urn:schemas-microsoft-com:office:powerpoint" xmlns:v="urn:schemas-microsoft-com:vml" xmlns:o="urn:schemas-microsoft-com:office:office" xmlns:dgm="http://schemas.openxmlformats.org/drawingml/2006/diagram" xmlns:c="http://schemas.openxmlformats.org/drawingml/2006/chart" xmlns:mv="urn:schemas-microsoft-com:mac:vml" xmlns:mc="http://schemas.openxmlformats.org/markup-compatibility/2006" xmlns="" textRoundtripDataId="12"/>
                   </a:ext>
                 </a:extLst>
               </a:rPr>
@@ -33945,17 +33799,8 @@
                   <a:schemeClr val="dk1"/>
                 </a:solidFill>
               </a:rPr>
-              <a:t>Engagements, politisation et réseaux sociaux ou avec l’enquête TeO1</a:t>
+              <a:t>Engagements, politisation et réseaux sociaux (ETUPOL)</a:t>
             </a:r>
-            <a:endParaRPr sz="2550" b="0" i="0" u="none" strike="noStrike" cap="none" dirty="0">
-              <a:solidFill>
-                <a:schemeClr val="dk1"/>
-              </a:solidFill>
-              <a:latin typeface="Arial"/>
-              <a:ea typeface="Arial"/>
-              <a:cs typeface="Arial"/>
-              <a:sym typeface="Arial"/>
-            </a:endParaRPr>
           </a:p>
           <a:p>
             <a:pPr marL="457200" marR="0" lvl="0" indent="-390525" algn="l" rtl="0">
@@ -33969,7 +33814,7 @@
                 <a:spcPts val="0"/>
               </a:spcAft>
               <a:buClr>
-                <a:srgbClr val="CCCCCC"/>
+                <a:srgbClr val="2E5D5A"/>
               </a:buClr>
               <a:buSzPts val="2550"/>
               <a:buFont typeface="Arial"/>
@@ -36822,31 +36667,7 @@
                   <a:schemeClr val="dk1"/>
                 </a:solidFill>
               </a:rPr>
-              <a:t>Regarder dans le dossier « data »</a:t>
-            </a:r>
-          </a:p>
-          <a:p>
-            <a:pPr marL="415925" lvl="5" indent="-342900">
-              <a:lnSpc>
-                <a:spcPct val="90000"/>
-              </a:lnSpc>
-              <a:spcBef>
-                <a:spcPts val="25"/>
-              </a:spcBef>
-              <a:buClr>
-                <a:schemeClr val="dk1"/>
-              </a:buClr>
-              <a:buSzPts val="2450"/>
-              <a:buFont typeface="Courier New" panose="02070309020205020404" pitchFamily="49" charset="0"/>
-              <a:buChar char="o"/>
-            </a:pPr>
-            <a:r>
-              <a:rPr lang="fr-FR" sz="2450" dirty="0">
-                <a:solidFill>
-                  <a:schemeClr val="dk1"/>
-                </a:solidFill>
-              </a:rPr>
-              <a:t>le questionnaire de l’enquête Engagements, politisation et réseaux sociaux (POF) : </a:t>
+              <a:t>Jeter un coup d’œil aux éléments dans le dossier « data », ils concernent l’enquête Engagements, politisation et réseaux sociaux (ETUPOL) : le questionnaire, le dictionnaire des codes, la présentation des données, même les données en </a:t>
             </a:r>
             <a:r>
               <a:rPr lang="fr-FR" sz="2450" dirty="0" err="1">
@@ -36854,45 +36675,35 @@
                   <a:schemeClr val="dk1"/>
                 </a:solidFill>
               </a:rPr>
-              <a:t>POF_questionnaire.pdf</a:t>
+              <a:t>xls</a:t>
             </a:r>
-            <a:endParaRPr lang="fr-FR" sz="2450" dirty="0">
-              <a:solidFill>
-                <a:schemeClr val="dk1"/>
-              </a:solidFill>
-            </a:endParaRPr>
-          </a:p>
-          <a:p>
-            <a:pPr marL="415925" lvl="5" indent="-342900">
-              <a:lnSpc>
-                <a:spcPct val="90000"/>
-              </a:lnSpc>
-              <a:spcBef>
-                <a:spcPts val="25"/>
-              </a:spcBef>
-              <a:buClr>
-                <a:schemeClr val="dk1"/>
-              </a:buClr>
-              <a:buSzPts val="2450"/>
-              <a:buFont typeface="Courier New" panose="02070309020205020404" pitchFamily="49" charset="0"/>
-              <a:buChar char="o"/>
-            </a:pPr>
             <a:r>
               <a:rPr lang="fr-FR" sz="2450" dirty="0">
                 <a:solidFill>
                   <a:schemeClr val="dk1"/>
                 </a:solidFill>
               </a:rPr>
-              <a:t>le questionnaire de l’enquête TeO1 : </a:t>
+              <a:t> si vous voulez</a:t>
             </a:r>
-            <a:r>
-              <a:rPr lang="fr-FR" sz="2450" dirty="0" err="1">
-                <a:solidFill>
-                  <a:schemeClr val="dk1"/>
-                </a:solidFill>
-              </a:rPr>
-              <a:t>TeO_questionnaire.pdf</a:t>
-            </a:r>
+          </a:p>
+          <a:p>
+            <a:pPr marL="457200" marR="0" lvl="0" indent="-384175" algn="l" rtl="0">
+              <a:lnSpc>
+                <a:spcPct val="90000"/>
+              </a:lnSpc>
+              <a:spcBef>
+                <a:spcPts val="25"/>
+              </a:spcBef>
+              <a:spcAft>
+                <a:spcPts val="0"/>
+              </a:spcAft>
+              <a:buClr>
+                <a:schemeClr val="dk1"/>
+              </a:buClr>
+              <a:buSzPts val="2450"/>
+              <a:buFont typeface="Arial"/>
+              <a:buChar char="-"/>
+            </a:pPr>
             <a:endParaRPr lang="fr-FR" sz="2450" dirty="0">
               <a:solidFill>
                 <a:schemeClr val="dk1"/>
@@ -36900,40 +36711,22 @@
             </a:endParaRPr>
           </a:p>
           <a:p>
-            <a:pPr marL="415925" lvl="5" indent="-342900">
+            <a:pPr marL="457200" marR="0" lvl="0" indent="-384175" algn="l" rtl="0">
               <a:lnSpc>
                 <a:spcPct val="90000"/>
               </a:lnSpc>
               <a:spcBef>
                 <a:spcPts val="25"/>
               </a:spcBef>
+              <a:spcAft>
+                <a:spcPts val="0"/>
+              </a:spcAft>
               <a:buClr>
                 <a:schemeClr val="dk1"/>
               </a:buClr>
               <a:buSzPts val="2450"/>
-              <a:buFont typeface="Courier New" panose="02070309020205020404" pitchFamily="49" charset="0"/>
-              <a:buChar char="o"/>
-            </a:pPr>
-            <a:endParaRPr lang="fr-FR" sz="2450" dirty="0">
-              <a:solidFill>
-                <a:schemeClr val="dk1"/>
-              </a:solidFill>
-            </a:endParaRPr>
-          </a:p>
-          <a:p>
-            <a:pPr marL="415925" lvl="5" indent="-342900">
-              <a:lnSpc>
-                <a:spcPct val="90000"/>
-              </a:lnSpc>
-              <a:spcBef>
-                <a:spcPts val="25"/>
-              </a:spcBef>
-              <a:buClr>
-                <a:schemeClr val="dk1"/>
-              </a:buClr>
-              <a:buSzPts val="2450"/>
-              <a:buFont typeface="Courier New" panose="02070309020205020404" pitchFamily="49" charset="0"/>
-              <a:buChar char="o"/>
+              <a:buFont typeface="Arial"/>
+              <a:buChar char="-"/>
             </a:pPr>
             <a:r>
               <a:rPr lang="fr-FR" sz="2450" dirty="0">
@@ -36941,17 +36734,8 @@
                   <a:schemeClr val="dk1"/>
                 </a:solidFill>
               </a:rPr>
-              <a:t>Penser à télécharger les questionnaires sur votre ordinateur pour les voir dans leur intégralité</a:t>
+              <a:t>Quelles variables suscitent votre intérêt ? Votre curiosité ?</a:t>
             </a:r>
-            <a:endParaRPr lang="fr-FR" sz="2450" b="0" i="0" u="none" strike="noStrike" cap="none" dirty="0">
-              <a:solidFill>
-                <a:schemeClr val="dk1"/>
-              </a:solidFill>
-              <a:latin typeface="Arial"/>
-              <a:ea typeface="Arial"/>
-              <a:cs typeface="Arial"/>
-              <a:sym typeface="Arial"/>
-            </a:endParaRPr>
           </a:p>
         </p:txBody>
       </p:sp>
@@ -36969,509 +36753,6 @@
 </file>
 
 <file path=ppt/slides/slide37.xml><?xml version="1.0" encoding="utf-8"?>
-<p:sld xmlns:a="http://schemas.openxmlformats.org/drawingml/2006/main" xmlns:r="http://schemas.openxmlformats.org/officeDocument/2006/relationships" xmlns:p="http://schemas.openxmlformats.org/presentationml/2006/main">
-  <p:cSld>
-    <p:spTree>
-      <p:nvGrpSpPr>
-        <p:cNvPr id="1" name="Shape 405">
-          <a:extLst>
-            <a:ext uri="{FF2B5EF4-FFF2-40B4-BE49-F238E27FC236}">
-              <a16:creationId xmlns:a16="http://schemas.microsoft.com/office/drawing/2014/main" id="{25C6AD65-A416-385B-AFCF-8616440F60E4}"/>
-            </a:ext>
-          </a:extLst>
-        </p:cNvPr>
-        <p:cNvGrpSpPr/>
-        <p:nvPr/>
-      </p:nvGrpSpPr>
-      <p:grpSpPr>
-        <a:xfrm>
-          <a:off x="0" y="0"/>
-          <a:ext cx="0" cy="0"/>
-          <a:chOff x="0" y="0"/>
-          <a:chExt cx="0" cy="0"/>
-        </a:xfrm>
-      </p:grpSpPr>
-      <p:sp>
-        <p:nvSpPr>
-          <p:cNvPr id="406" name="Google Shape;406;g32040ae3fd7_0_2">
-            <a:extLst>
-              <a:ext uri="{FF2B5EF4-FFF2-40B4-BE49-F238E27FC236}">
-                <a16:creationId xmlns:a16="http://schemas.microsoft.com/office/drawing/2014/main" id="{B5A7FA71-B3D9-5B78-0715-ED1C1DC5DCCB}"/>
-              </a:ext>
-            </a:extLst>
-          </p:cNvPr>
-          <p:cNvSpPr txBox="1">
-            <a:spLocks noGrp="1"/>
-          </p:cNvSpPr>
-          <p:nvPr>
-            <p:ph type="sldNum" idx="12"/>
-          </p:nvPr>
-        </p:nvSpPr>
-        <p:spPr>
-          <a:xfrm>
-            <a:off x="6553200" y="6356350"/>
-            <a:ext cx="2133600" cy="365100"/>
-          </a:xfrm>
-          <a:prstGeom prst="rect">
-            <a:avLst/>
-          </a:prstGeom>
-          <a:noFill/>
-          <a:ln>
-            <a:noFill/>
-          </a:ln>
-        </p:spPr>
-        <p:txBody>
-          <a:bodyPr spcFirstLastPara="1" wrap="square" lIns="91425" tIns="45700" rIns="91425" bIns="45700" anchor="ctr" anchorCtr="0">
-            <a:noAutofit/>
-          </a:bodyPr>
-          <a:lstStyle/>
-          <a:p>
-            <a:pPr marL="0" lvl="0" indent="0" algn="r" rtl="0">
-              <a:lnSpc>
-                <a:spcPct val="100000"/>
-              </a:lnSpc>
-              <a:spcBef>
-                <a:spcPts val="0"/>
-              </a:spcBef>
-              <a:spcAft>
-                <a:spcPts val="0"/>
-              </a:spcAft>
-              <a:buSzPts val="1000"/>
-              <a:buNone/>
-            </a:pPr>
-            <a:fld id="{00000000-1234-1234-1234-123412341234}" type="slidenum">
-              <a:rPr lang="fr-FR" sz="1000">
-                <a:solidFill>
-                  <a:srgbClr val="808080"/>
-                </a:solidFill>
-                <a:latin typeface="Arial"/>
-                <a:ea typeface="Arial"/>
-                <a:cs typeface="Arial"/>
-                <a:sym typeface="Arial"/>
-              </a:rPr>
-              <a:t>37</a:t>
-            </a:fld>
-            <a:endParaRPr sz="1000">
-              <a:solidFill>
-                <a:srgbClr val="808080"/>
-              </a:solidFill>
-              <a:latin typeface="Arial"/>
-              <a:ea typeface="Arial"/>
-              <a:cs typeface="Arial"/>
-              <a:sym typeface="Arial"/>
-            </a:endParaRPr>
-          </a:p>
-        </p:txBody>
-      </p:sp>
-      <p:sp>
-        <p:nvSpPr>
-          <p:cNvPr id="407" name="Google Shape;407;g32040ae3fd7_0_2">
-            <a:extLst>
-              <a:ext uri="{FF2B5EF4-FFF2-40B4-BE49-F238E27FC236}">
-                <a16:creationId xmlns:a16="http://schemas.microsoft.com/office/drawing/2014/main" id="{EC11DC69-D7B2-1063-6C15-4EF98ACEFE10}"/>
-              </a:ext>
-            </a:extLst>
-          </p:cNvPr>
-          <p:cNvSpPr/>
-          <p:nvPr/>
-        </p:nvSpPr>
-        <p:spPr>
-          <a:xfrm>
-            <a:off x="0" y="0"/>
-            <a:ext cx="9144000" cy="698100"/>
-          </a:xfrm>
-          <a:prstGeom prst="rect">
-            <a:avLst/>
-          </a:prstGeom>
-          <a:solidFill>
-            <a:srgbClr val="2E5D5A"/>
-          </a:solidFill>
-          <a:ln>
-            <a:noFill/>
-          </a:ln>
-        </p:spPr>
-        <p:txBody>
-          <a:bodyPr spcFirstLastPara="1" wrap="square" lIns="91425" tIns="45700" rIns="91425" bIns="45700" anchor="ctr" anchorCtr="0">
-            <a:noAutofit/>
-          </a:bodyPr>
-          <a:lstStyle/>
-          <a:p>
-            <a:pPr marL="0" marR="0" lvl="0" indent="0" algn="ctr" rtl="0">
-              <a:lnSpc>
-                <a:spcPct val="100000"/>
-              </a:lnSpc>
-              <a:spcBef>
-                <a:spcPts val="0"/>
-              </a:spcBef>
-              <a:spcAft>
-                <a:spcPts val="0"/>
-              </a:spcAft>
-              <a:buClr>
-                <a:srgbClr val="000000"/>
-              </a:buClr>
-              <a:buSzPts val="1800"/>
-              <a:buFont typeface="Arial"/>
-              <a:buNone/>
-            </a:pPr>
-            <a:endParaRPr sz="1800" b="0" i="0" u="none" strike="noStrike" cap="none">
-              <a:solidFill>
-                <a:srgbClr val="2E5D5A"/>
-              </a:solidFill>
-              <a:latin typeface="Calibri"/>
-              <a:ea typeface="Calibri"/>
-              <a:cs typeface="Calibri"/>
-              <a:sym typeface="Calibri"/>
-            </a:endParaRPr>
-          </a:p>
-        </p:txBody>
-      </p:sp>
-      <p:sp>
-        <p:nvSpPr>
-          <p:cNvPr id="408" name="Google Shape;408;g32040ae3fd7_0_2">
-            <a:extLst>
-              <a:ext uri="{FF2B5EF4-FFF2-40B4-BE49-F238E27FC236}">
-                <a16:creationId xmlns:a16="http://schemas.microsoft.com/office/drawing/2014/main" id="{6C3B9468-CE27-732B-EE5C-C592195EF216}"/>
-              </a:ext>
-            </a:extLst>
-          </p:cNvPr>
-          <p:cNvSpPr txBox="1"/>
-          <p:nvPr/>
-        </p:nvSpPr>
-        <p:spPr>
-          <a:xfrm>
-            <a:off x="6904408" y="142212"/>
-            <a:ext cx="1975500" cy="428400"/>
-          </a:xfrm>
-          <a:prstGeom prst="rect">
-            <a:avLst/>
-          </a:prstGeom>
-          <a:noFill/>
-          <a:ln>
-            <a:noFill/>
-          </a:ln>
-        </p:spPr>
-        <p:txBody>
-          <a:bodyPr spcFirstLastPara="1" wrap="square" lIns="91425" tIns="45700" rIns="91425" bIns="45700" anchor="t" anchorCtr="0">
-            <a:noAutofit/>
-          </a:bodyPr>
-          <a:lstStyle/>
-          <a:p>
-            <a:pPr marL="0" marR="0" lvl="0" indent="0" algn="r" rtl="0">
-              <a:lnSpc>
-                <a:spcPct val="110000"/>
-              </a:lnSpc>
-              <a:spcBef>
-                <a:spcPts val="0"/>
-              </a:spcBef>
-              <a:spcAft>
-                <a:spcPts val="0"/>
-              </a:spcAft>
-              <a:buClr>
-                <a:srgbClr val="000000"/>
-              </a:buClr>
-              <a:buSzPts val="1000"/>
-              <a:buFont typeface="Arial"/>
-              <a:buNone/>
-            </a:pPr>
-            <a:r>
-              <a:rPr lang="fr-FR" sz="1000" b="1" i="0" u="none" strike="noStrike" cap="none">
-                <a:solidFill>
-                  <a:srgbClr val="FFFFFF"/>
-                </a:solidFill>
-                <a:latin typeface="Arial"/>
-                <a:ea typeface="Arial"/>
-                <a:cs typeface="Arial"/>
-                <a:sym typeface="Arial"/>
-              </a:rPr>
-              <a:t>SEANCE 1</a:t>
-            </a:r>
-            <a:br>
-              <a:rPr lang="fr-FR" sz="1000" b="0" i="0" u="none" strike="noStrike" cap="none">
-                <a:solidFill>
-                  <a:srgbClr val="FFFFFF"/>
-                </a:solidFill>
-                <a:latin typeface="Arial"/>
-                <a:ea typeface="Arial"/>
-                <a:cs typeface="Arial"/>
-                <a:sym typeface="Arial"/>
-              </a:rPr>
-            </a:br>
-            <a:r>
-              <a:rPr lang="fr-FR" sz="1000" b="0" i="0" u="none" strike="noStrike" cap="none">
-                <a:solidFill>
-                  <a:srgbClr val="FFFFFF"/>
-                </a:solidFill>
-                <a:latin typeface="Arial"/>
-                <a:ea typeface="Arial"/>
-                <a:cs typeface="Arial"/>
-                <a:sym typeface="Arial"/>
-              </a:rPr>
-              <a:t>Cours introductif</a:t>
-            </a:r>
-            <a:endParaRPr sz="1000" b="0" i="0" u="none" strike="noStrike" cap="none">
-              <a:solidFill>
-                <a:srgbClr val="FFFFFF"/>
-              </a:solidFill>
-              <a:latin typeface="Arial"/>
-              <a:ea typeface="Arial"/>
-              <a:cs typeface="Arial"/>
-              <a:sym typeface="Arial"/>
-            </a:endParaRPr>
-          </a:p>
-        </p:txBody>
-      </p:sp>
-      <p:sp>
-        <p:nvSpPr>
-          <p:cNvPr id="409" name="Google Shape;409;g32040ae3fd7_0_2">
-            <a:extLst>
-              <a:ext uri="{FF2B5EF4-FFF2-40B4-BE49-F238E27FC236}">
-                <a16:creationId xmlns:a16="http://schemas.microsoft.com/office/drawing/2014/main" id="{F08E8FA9-6379-C3E3-16B2-1CFBC59E7E8A}"/>
-              </a:ext>
-            </a:extLst>
-          </p:cNvPr>
-          <p:cNvSpPr txBox="1"/>
-          <p:nvPr/>
-        </p:nvSpPr>
-        <p:spPr>
-          <a:xfrm>
-            <a:off x="467650" y="973475"/>
-            <a:ext cx="8219100" cy="698100"/>
-          </a:xfrm>
-          <a:prstGeom prst="rect">
-            <a:avLst/>
-          </a:prstGeom>
-          <a:noFill/>
-          <a:ln>
-            <a:noFill/>
-          </a:ln>
-        </p:spPr>
-        <p:txBody>
-          <a:bodyPr spcFirstLastPara="1" wrap="square" lIns="91425" tIns="91425" rIns="91425" bIns="91425" anchor="t" anchorCtr="0">
-            <a:noAutofit/>
-          </a:bodyPr>
-          <a:lstStyle/>
-          <a:p>
-            <a:pPr marL="0" marR="0" lvl="0" indent="0" algn="l" rtl="0">
-              <a:lnSpc>
-                <a:spcPct val="90000"/>
-              </a:lnSpc>
-              <a:spcBef>
-                <a:spcPts val="25"/>
-              </a:spcBef>
-              <a:spcAft>
-                <a:spcPts val="0"/>
-              </a:spcAft>
-              <a:buClr>
-                <a:srgbClr val="000000"/>
-              </a:buClr>
-              <a:buSzPts val="2550"/>
-              <a:buFont typeface="Arial"/>
-              <a:buNone/>
-            </a:pPr>
-            <a:r>
-              <a:rPr lang="fr-FR" sz="2550" b="1" i="0" u="none" strike="noStrike" cap="none" dirty="0">
-                <a:solidFill>
-                  <a:schemeClr val="dk1"/>
-                </a:solidFill>
-                <a:latin typeface="Arial"/>
-                <a:ea typeface="Arial"/>
-                <a:cs typeface="Arial"/>
-                <a:sym typeface="Arial"/>
-              </a:rPr>
-              <a:t>Quelle enquête utiliser pour le cours ?</a:t>
-            </a:r>
-            <a:endParaRPr sz="2550" b="1" i="0" u="none" strike="noStrike" cap="none" dirty="0">
-              <a:solidFill>
-                <a:schemeClr val="dk1"/>
-              </a:solidFill>
-              <a:latin typeface="Arial"/>
-              <a:ea typeface="Arial"/>
-              <a:cs typeface="Arial"/>
-              <a:sym typeface="Arial"/>
-            </a:endParaRPr>
-          </a:p>
-        </p:txBody>
-      </p:sp>
-      <p:sp>
-        <p:nvSpPr>
-          <p:cNvPr id="410" name="Google Shape;410;g32040ae3fd7_0_2">
-            <a:extLst>
-              <a:ext uri="{FF2B5EF4-FFF2-40B4-BE49-F238E27FC236}">
-                <a16:creationId xmlns:a16="http://schemas.microsoft.com/office/drawing/2014/main" id="{4F134B48-92CA-326E-AB83-685FF93C41F8}"/>
-              </a:ext>
-            </a:extLst>
-          </p:cNvPr>
-          <p:cNvSpPr txBox="1"/>
-          <p:nvPr/>
-        </p:nvSpPr>
-        <p:spPr>
-          <a:xfrm>
-            <a:off x="467925" y="1846650"/>
-            <a:ext cx="8219100" cy="4215000"/>
-          </a:xfrm>
-          <a:prstGeom prst="rect">
-            <a:avLst/>
-          </a:prstGeom>
-          <a:noFill/>
-          <a:ln>
-            <a:noFill/>
-          </a:ln>
-        </p:spPr>
-        <p:txBody>
-          <a:bodyPr spcFirstLastPara="1" wrap="square" lIns="91425" tIns="91425" rIns="91425" bIns="91425" anchor="t" anchorCtr="0">
-            <a:noAutofit/>
-          </a:bodyPr>
-          <a:lstStyle/>
-          <a:p>
-            <a:pPr marL="73025" lvl="0">
-              <a:lnSpc>
-                <a:spcPct val="90000"/>
-              </a:lnSpc>
-              <a:spcBef>
-                <a:spcPts val="25"/>
-              </a:spcBef>
-              <a:buClr>
-                <a:schemeClr val="dk1"/>
-              </a:buClr>
-              <a:buSzPts val="2450"/>
-            </a:pPr>
-            <a:r>
-              <a:rPr lang="fr-FR" sz="2450" dirty="0">
-                <a:solidFill>
-                  <a:schemeClr val="dk1"/>
-                </a:solidFill>
-              </a:rPr>
-              <a:t>Vigilance, pour TeO1, on ne dispose que d’une poignée de variables : celles listées dans le doc </a:t>
-            </a:r>
-            <a:r>
-              <a:rPr lang="fr-FR" sz="2450" dirty="0" err="1">
-                <a:solidFill>
-                  <a:schemeClr val="dk1"/>
-                </a:solidFill>
-              </a:rPr>
-              <a:t>TeO_selectionvariable.csv</a:t>
-            </a:r>
-            <a:endParaRPr lang="fr-FR" sz="2450" dirty="0">
-              <a:solidFill>
-                <a:schemeClr val="dk1"/>
-              </a:solidFill>
-            </a:endParaRPr>
-          </a:p>
-          <a:p>
-            <a:pPr marL="73025" lvl="0">
-              <a:lnSpc>
-                <a:spcPct val="90000"/>
-              </a:lnSpc>
-              <a:spcBef>
-                <a:spcPts val="25"/>
-              </a:spcBef>
-              <a:buClr>
-                <a:schemeClr val="dk1"/>
-              </a:buClr>
-              <a:buSzPts val="2450"/>
-            </a:pPr>
-            <a:endParaRPr lang="fr-FR" sz="2450" b="1" i="0" u="none" strike="noStrike" cap="none" dirty="0">
-              <a:solidFill>
-                <a:schemeClr val="dk1"/>
-              </a:solidFill>
-              <a:latin typeface="Arial"/>
-              <a:ea typeface="Arial"/>
-              <a:cs typeface="Arial"/>
-              <a:sym typeface="Arial"/>
-            </a:endParaRPr>
-          </a:p>
-          <a:p>
-            <a:pPr marL="73025" lvl="0">
-              <a:lnSpc>
-                <a:spcPct val="90000"/>
-              </a:lnSpc>
-              <a:spcBef>
-                <a:spcPts val="25"/>
-              </a:spcBef>
-              <a:buClr>
-                <a:schemeClr val="dk1"/>
-              </a:buClr>
-              <a:buSzPts val="2450"/>
-            </a:pPr>
-            <a:endParaRPr lang="fr-FR" sz="2450" b="1" dirty="0">
-              <a:solidFill>
-                <a:schemeClr val="dk1"/>
-              </a:solidFill>
-            </a:endParaRPr>
-          </a:p>
-          <a:p>
-            <a:pPr marL="73025" lvl="0">
-              <a:lnSpc>
-                <a:spcPct val="90000"/>
-              </a:lnSpc>
-              <a:spcBef>
-                <a:spcPts val="25"/>
-              </a:spcBef>
-              <a:buClr>
-                <a:schemeClr val="dk1"/>
-              </a:buClr>
-              <a:buSzPts val="2450"/>
-            </a:pPr>
-            <a:r>
-              <a:rPr lang="fr-FR" sz="2450" b="1" i="0" u="none" strike="noStrike" cap="none" dirty="0">
-                <a:solidFill>
-                  <a:schemeClr val="dk1"/>
-                </a:solidFill>
-                <a:latin typeface="Arial"/>
-                <a:ea typeface="Arial"/>
-                <a:cs typeface="Arial"/>
-                <a:sym typeface="Arial"/>
-              </a:rPr>
-              <a:t>Quelle enquête vous intéresse le plus ? Quelles variables suscitent votre curiosité ?</a:t>
-            </a:r>
-          </a:p>
-          <a:p>
-            <a:pPr marL="73025" lvl="0">
-              <a:lnSpc>
-                <a:spcPct val="90000"/>
-              </a:lnSpc>
-              <a:spcBef>
-                <a:spcPts val="25"/>
-              </a:spcBef>
-              <a:buClr>
-                <a:schemeClr val="dk1"/>
-              </a:buClr>
-              <a:buSzPts val="2450"/>
-            </a:pPr>
-            <a:r>
-              <a:rPr lang="fr-FR" sz="2450" b="1" i="0" u="none" strike="noStrike" cap="none" dirty="0">
-                <a:solidFill>
-                  <a:schemeClr val="dk1"/>
-                </a:solidFill>
-                <a:latin typeface="Arial"/>
-                <a:ea typeface="Arial"/>
-                <a:cs typeface="Arial"/>
-                <a:sym typeface="Arial"/>
-              </a:rPr>
-              <a:t>Réponse la semaine prochaine</a:t>
-            </a:r>
-            <a:endParaRPr lang="fr-FR" sz="2450" b="1" dirty="0">
-              <a:solidFill>
-                <a:schemeClr val="dk1"/>
-              </a:solidFill>
-            </a:endParaRPr>
-          </a:p>
-        </p:txBody>
-      </p:sp>
-    </p:spTree>
-    <p:extLst>
-      <p:ext uri="{BB962C8B-B14F-4D97-AF65-F5344CB8AC3E}">
-        <p14:creationId xmlns:p14="http://schemas.microsoft.com/office/powerpoint/2010/main" val="883674604"/>
-      </p:ext>
-    </p:extLst>
-  </p:cSld>
-  <p:clrMapOvr>
-    <a:masterClrMapping/>
-  </p:clrMapOvr>
-</p:sld>
-</file>
-
-<file path=ppt/slides/slide38.xml><?xml version="1.0" encoding="utf-8"?>
 <p:sld xmlns:a="http://schemas.openxmlformats.org/drawingml/2006/main" xmlns:r="http://schemas.openxmlformats.org/officeDocument/2006/relationships" xmlns:p="http://schemas.openxmlformats.org/presentationml/2006/main">
   <p:cSld>
     <p:spTree>
@@ -37552,7 +36833,7 @@
                 <a:cs typeface="Arial"/>
                 <a:sym typeface="Arial"/>
               </a:rPr>
-              <a:t>38</a:t>
+              <a:t>37</a:t>
             </a:fld>
             <a:endParaRPr sz="1000">
               <a:solidFill>
@@ -37982,7 +37263,7 @@
 </p:sld>
 </file>
 
-<file path=ppt/slides/slide39.xml><?xml version="1.0" encoding="utf-8"?>
+<file path=ppt/slides/slide38.xml><?xml version="1.0" encoding="utf-8"?>
 <p:sld xmlns:a="http://schemas.openxmlformats.org/drawingml/2006/main" xmlns:r="http://schemas.openxmlformats.org/officeDocument/2006/relationships" xmlns:p="http://schemas.openxmlformats.org/presentationml/2006/main">
   <p:cSld>
     <p:spTree>
@@ -38051,7 +37332,7 @@
                 <a:cs typeface="Arial"/>
                 <a:sym typeface="Arial"/>
               </a:rPr>
-              <a:t>39</a:t>
+              <a:t>38</a:t>
             </a:fld>
             <a:endParaRPr sz="1000">
               <a:solidFill>
@@ -38318,7 +37599,7 @@
                 <a:cs typeface="Arial"/>
                 <a:sym typeface="Arial"/>
               </a:rPr>
-              <a:t>Apprentissage théorique et mise en pratique sur R avec l’enquête Engagements, politisation et réseaux sociaux ou avec l’enquête TeO1</a:t>
+              <a:t>Apprentissage théorique et mise en pratique sur R avec l’enquête Engagements, politisation et réseaux sociaux (ETUPOL)</a:t>
             </a:r>
             <a:endParaRPr sz="2550" b="0" i="0" u="none" strike="noStrike" cap="none" dirty="0">
               <a:solidFill>
@@ -38434,6 +37715,649 @@
               <a:ea typeface="Calibri"/>
               <a:cs typeface="Calibri"/>
               <a:sym typeface="Calibri"/>
+            </a:endParaRPr>
+          </a:p>
+        </p:txBody>
+      </p:sp>
+    </p:spTree>
+  </p:cSld>
+  <p:clrMapOvr>
+    <a:masterClrMapping/>
+  </p:clrMapOvr>
+</p:sld>
+</file>
+
+<file path=ppt/slides/slide39.xml><?xml version="1.0" encoding="utf-8"?>
+<p:sld xmlns:a="http://schemas.openxmlformats.org/drawingml/2006/main" xmlns:r="http://schemas.openxmlformats.org/officeDocument/2006/relationships" xmlns:p="http://schemas.openxmlformats.org/presentationml/2006/main">
+  <p:cSld>
+    <p:spTree>
+      <p:nvGrpSpPr>
+        <p:cNvPr id="1" name="Shape 423"/>
+        <p:cNvGrpSpPr/>
+        <p:nvPr/>
+      </p:nvGrpSpPr>
+      <p:grpSpPr>
+        <a:xfrm>
+          <a:off x="0" y="0"/>
+          <a:ext cx="0" cy="0"/>
+          <a:chOff x="0" y="0"/>
+          <a:chExt cx="0" cy="0"/>
+        </a:xfrm>
+      </p:grpSpPr>
+      <p:sp>
+        <p:nvSpPr>
+          <p:cNvPr id="424" name="Google Shape;424;g2ab55a4ceb1_2_0"/>
+          <p:cNvSpPr txBox="1">
+            <a:spLocks noGrp="1"/>
+          </p:cNvSpPr>
+          <p:nvPr>
+            <p:ph type="sldNum" idx="12"/>
+          </p:nvPr>
+        </p:nvSpPr>
+        <p:spPr>
+          <a:xfrm>
+            <a:off x="6553200" y="6356350"/>
+            <a:ext cx="2133600" cy="365100"/>
+          </a:xfrm>
+          <a:prstGeom prst="rect">
+            <a:avLst/>
+          </a:prstGeom>
+          <a:noFill/>
+          <a:ln>
+            <a:noFill/>
+          </a:ln>
+        </p:spPr>
+        <p:txBody>
+          <a:bodyPr spcFirstLastPara="1" wrap="square" lIns="91425" tIns="45700" rIns="91425" bIns="45700" anchor="ctr" anchorCtr="0">
+            <a:noAutofit/>
+          </a:bodyPr>
+          <a:lstStyle/>
+          <a:p>
+            <a:pPr marL="0" lvl="0" indent="0" algn="r" rtl="0">
+              <a:lnSpc>
+                <a:spcPct val="100000"/>
+              </a:lnSpc>
+              <a:spcBef>
+                <a:spcPts val="0"/>
+              </a:spcBef>
+              <a:spcAft>
+                <a:spcPts val="0"/>
+              </a:spcAft>
+              <a:buSzPts val="1000"/>
+              <a:buNone/>
+            </a:pPr>
+            <a:fld id="{00000000-1234-1234-1234-123412341234}" type="slidenum">
+              <a:rPr lang="fr-FR" sz="1000">
+                <a:solidFill>
+                  <a:srgbClr val="808080"/>
+                </a:solidFill>
+                <a:latin typeface="Arial"/>
+                <a:ea typeface="Arial"/>
+                <a:cs typeface="Arial"/>
+                <a:sym typeface="Arial"/>
+              </a:rPr>
+              <a:t>39</a:t>
+            </a:fld>
+            <a:endParaRPr sz="1000">
+              <a:solidFill>
+                <a:srgbClr val="808080"/>
+              </a:solidFill>
+              <a:latin typeface="Arial"/>
+              <a:ea typeface="Arial"/>
+              <a:cs typeface="Arial"/>
+              <a:sym typeface="Arial"/>
+            </a:endParaRPr>
+          </a:p>
+        </p:txBody>
+      </p:sp>
+      <p:sp>
+        <p:nvSpPr>
+          <p:cNvPr id="425" name="Google Shape;425;g2ab55a4ceb1_2_0"/>
+          <p:cNvSpPr/>
+          <p:nvPr/>
+        </p:nvSpPr>
+        <p:spPr>
+          <a:xfrm>
+            <a:off x="0" y="0"/>
+            <a:ext cx="9144000" cy="698100"/>
+          </a:xfrm>
+          <a:prstGeom prst="rect">
+            <a:avLst/>
+          </a:prstGeom>
+          <a:solidFill>
+            <a:srgbClr val="2E5D5A"/>
+          </a:solidFill>
+          <a:ln>
+            <a:noFill/>
+          </a:ln>
+        </p:spPr>
+        <p:txBody>
+          <a:bodyPr spcFirstLastPara="1" wrap="square" lIns="91425" tIns="45700" rIns="91425" bIns="45700" anchor="ctr" anchorCtr="0">
+            <a:noAutofit/>
+          </a:bodyPr>
+          <a:lstStyle/>
+          <a:p>
+            <a:pPr marL="0" marR="0" lvl="0" indent="0" algn="ctr" rtl="0">
+              <a:lnSpc>
+                <a:spcPct val="100000"/>
+              </a:lnSpc>
+              <a:spcBef>
+                <a:spcPts val="0"/>
+              </a:spcBef>
+              <a:spcAft>
+                <a:spcPts val="0"/>
+              </a:spcAft>
+              <a:buClr>
+                <a:srgbClr val="000000"/>
+              </a:buClr>
+              <a:buSzPts val="1800"/>
+              <a:buFont typeface="Arial"/>
+              <a:buNone/>
+            </a:pPr>
+            <a:endParaRPr sz="1800" b="0" i="0" u="none" strike="noStrike" cap="none">
+              <a:solidFill>
+                <a:srgbClr val="2E5D5A"/>
+              </a:solidFill>
+              <a:latin typeface="Calibri"/>
+              <a:ea typeface="Calibri"/>
+              <a:cs typeface="Calibri"/>
+              <a:sym typeface="Calibri"/>
+            </a:endParaRPr>
+          </a:p>
+        </p:txBody>
+      </p:sp>
+      <p:sp>
+        <p:nvSpPr>
+          <p:cNvPr id="426" name="Google Shape;426;g2ab55a4ceb1_2_0"/>
+          <p:cNvSpPr txBox="1"/>
+          <p:nvPr/>
+        </p:nvSpPr>
+        <p:spPr>
+          <a:xfrm>
+            <a:off x="6904408" y="142212"/>
+            <a:ext cx="1975500" cy="428400"/>
+          </a:xfrm>
+          <a:prstGeom prst="rect">
+            <a:avLst/>
+          </a:prstGeom>
+          <a:noFill/>
+          <a:ln>
+            <a:noFill/>
+          </a:ln>
+        </p:spPr>
+        <p:txBody>
+          <a:bodyPr spcFirstLastPara="1" wrap="square" lIns="91425" tIns="45700" rIns="91425" bIns="45700" anchor="t" anchorCtr="0">
+            <a:noAutofit/>
+          </a:bodyPr>
+          <a:lstStyle/>
+          <a:p>
+            <a:pPr marL="0" marR="0" lvl="0" indent="0" algn="r" rtl="0">
+              <a:lnSpc>
+                <a:spcPct val="110000"/>
+              </a:lnSpc>
+              <a:spcBef>
+                <a:spcPts val="0"/>
+              </a:spcBef>
+              <a:spcAft>
+                <a:spcPts val="0"/>
+              </a:spcAft>
+              <a:buClr>
+                <a:srgbClr val="000000"/>
+              </a:buClr>
+              <a:buSzPts val="1000"/>
+              <a:buFont typeface="Arial"/>
+              <a:buNone/>
+            </a:pPr>
+            <a:r>
+              <a:rPr lang="fr-FR" sz="1000" b="1" i="0" u="none" strike="noStrike" cap="none">
+                <a:solidFill>
+                  <a:srgbClr val="FFFFFF"/>
+                </a:solidFill>
+                <a:latin typeface="Arial"/>
+                <a:ea typeface="Arial"/>
+                <a:cs typeface="Arial"/>
+                <a:sym typeface="Arial"/>
+              </a:rPr>
+              <a:t>SEANCE 1</a:t>
+            </a:r>
+            <a:br>
+              <a:rPr lang="fr-FR" sz="1000" b="0" i="0" u="none" strike="noStrike" cap="none">
+                <a:solidFill>
+                  <a:srgbClr val="FFFFFF"/>
+                </a:solidFill>
+                <a:latin typeface="Arial"/>
+                <a:ea typeface="Arial"/>
+                <a:cs typeface="Arial"/>
+                <a:sym typeface="Arial"/>
+              </a:rPr>
+            </a:br>
+            <a:r>
+              <a:rPr lang="fr-FR" sz="1000" b="0" i="0" u="none" strike="noStrike" cap="none">
+                <a:solidFill>
+                  <a:srgbClr val="FFFFFF"/>
+                </a:solidFill>
+                <a:latin typeface="Arial"/>
+                <a:ea typeface="Arial"/>
+                <a:cs typeface="Arial"/>
+                <a:sym typeface="Arial"/>
+              </a:rPr>
+              <a:t>Cours introductif</a:t>
+            </a:r>
+            <a:endParaRPr sz="1000" b="0" i="0" u="none" strike="noStrike" cap="none">
+              <a:solidFill>
+                <a:srgbClr val="FFFFFF"/>
+              </a:solidFill>
+              <a:latin typeface="Arial"/>
+              <a:ea typeface="Arial"/>
+              <a:cs typeface="Arial"/>
+              <a:sym typeface="Arial"/>
+            </a:endParaRPr>
+          </a:p>
+        </p:txBody>
+      </p:sp>
+      <p:sp>
+        <p:nvSpPr>
+          <p:cNvPr id="427" name="Google Shape;427;g2ab55a4ceb1_2_0"/>
+          <p:cNvSpPr txBox="1"/>
+          <p:nvPr/>
+        </p:nvSpPr>
+        <p:spPr>
+          <a:xfrm>
+            <a:off x="571150" y="1563745"/>
+            <a:ext cx="8048700" cy="4651500"/>
+          </a:xfrm>
+          <a:prstGeom prst="rect">
+            <a:avLst/>
+          </a:prstGeom>
+          <a:noFill/>
+          <a:ln>
+            <a:noFill/>
+          </a:ln>
+        </p:spPr>
+        <p:txBody>
+          <a:bodyPr spcFirstLastPara="1" wrap="square" lIns="91425" tIns="91425" rIns="91425" bIns="91425" anchor="t" anchorCtr="0">
+            <a:noAutofit/>
+          </a:bodyPr>
+          <a:lstStyle/>
+          <a:p>
+            <a:pPr marL="0" marR="0" lvl="0" indent="0" algn="l" rtl="0">
+              <a:lnSpc>
+                <a:spcPct val="90000"/>
+              </a:lnSpc>
+              <a:spcBef>
+                <a:spcPts val="25"/>
+              </a:spcBef>
+              <a:spcAft>
+                <a:spcPts val="0"/>
+              </a:spcAft>
+              <a:buClr>
+                <a:srgbClr val="000000"/>
+              </a:buClr>
+              <a:buSzPts val="2565"/>
+              <a:buFont typeface="Arial"/>
+              <a:buNone/>
+            </a:pPr>
+            <a:endParaRPr sz="1165">
+              <a:solidFill>
+                <a:schemeClr val="dk1"/>
+              </a:solidFill>
+            </a:endParaRPr>
+          </a:p>
+          <a:p>
+            <a:pPr marL="0" marR="0" lvl="0" indent="0" algn="l" rtl="0">
+              <a:lnSpc>
+                <a:spcPct val="90000"/>
+              </a:lnSpc>
+              <a:spcBef>
+                <a:spcPts val="25"/>
+              </a:spcBef>
+              <a:spcAft>
+                <a:spcPts val="0"/>
+              </a:spcAft>
+              <a:buClr>
+                <a:srgbClr val="000000"/>
+              </a:buClr>
+              <a:buSzPts val="2565"/>
+              <a:buFont typeface="Arial"/>
+              <a:buNone/>
+            </a:pPr>
+            <a:r>
+              <a:rPr lang="fr-FR" sz="2565" b="0" i="0" u="none" strike="noStrike" cap="none">
+                <a:solidFill>
+                  <a:schemeClr val="dk1"/>
+                </a:solidFill>
+                <a:latin typeface="Arial"/>
+                <a:ea typeface="Arial"/>
+                <a:cs typeface="Arial"/>
+                <a:sym typeface="Arial"/>
+              </a:rPr>
+              <a:t>cf. syllabus</a:t>
+            </a:r>
+            <a:endParaRPr sz="2565" b="0" i="0" u="none" strike="noStrike" cap="none">
+              <a:solidFill>
+                <a:schemeClr val="dk1"/>
+              </a:solidFill>
+              <a:latin typeface="Arial"/>
+              <a:ea typeface="Arial"/>
+              <a:cs typeface="Arial"/>
+              <a:sym typeface="Arial"/>
+            </a:endParaRPr>
+          </a:p>
+          <a:p>
+            <a:pPr marL="0" marR="0" lvl="0" indent="0" algn="l" rtl="0">
+              <a:lnSpc>
+                <a:spcPct val="90000"/>
+              </a:lnSpc>
+              <a:spcBef>
+                <a:spcPts val="25"/>
+              </a:spcBef>
+              <a:spcAft>
+                <a:spcPts val="0"/>
+              </a:spcAft>
+              <a:buClr>
+                <a:srgbClr val="000000"/>
+              </a:buClr>
+              <a:buSzPts val="2565"/>
+              <a:buFont typeface="Arial"/>
+              <a:buNone/>
+            </a:pPr>
+            <a:endParaRPr sz="1565">
+              <a:solidFill>
+                <a:schemeClr val="dk1"/>
+              </a:solidFill>
+            </a:endParaRPr>
+          </a:p>
+          <a:p>
+            <a:pPr marL="457200" marR="0" lvl="0" indent="-391477" algn="l" rtl="0">
+              <a:lnSpc>
+                <a:spcPct val="90000"/>
+              </a:lnSpc>
+              <a:spcBef>
+                <a:spcPts val="25"/>
+              </a:spcBef>
+              <a:spcAft>
+                <a:spcPts val="0"/>
+              </a:spcAft>
+              <a:buClr>
+                <a:schemeClr val="dk1"/>
+              </a:buClr>
+              <a:buSzPts val="2565"/>
+              <a:buChar char="-"/>
+            </a:pPr>
+            <a:r>
+              <a:rPr lang="fr-FR" sz="2565">
+                <a:solidFill>
+                  <a:schemeClr val="dk1"/>
+                </a:solidFill>
+              </a:rPr>
+              <a:t>Séance 1 &amp; 2: Introduction: les méthodes quantitatives qu’est-ce que c’est?</a:t>
+            </a:r>
+            <a:endParaRPr sz="2565">
+              <a:solidFill>
+                <a:schemeClr val="dk1"/>
+              </a:solidFill>
+            </a:endParaRPr>
+          </a:p>
+          <a:p>
+            <a:pPr marL="457200" marR="0" lvl="0" indent="0" algn="l" rtl="0">
+              <a:lnSpc>
+                <a:spcPct val="90000"/>
+              </a:lnSpc>
+              <a:spcBef>
+                <a:spcPts val="25"/>
+              </a:spcBef>
+              <a:spcAft>
+                <a:spcPts val="0"/>
+              </a:spcAft>
+              <a:buNone/>
+            </a:pPr>
+            <a:endParaRPr sz="1765">
+              <a:solidFill>
+                <a:schemeClr val="dk1"/>
+              </a:solidFill>
+            </a:endParaRPr>
+          </a:p>
+          <a:p>
+            <a:pPr marL="457200" marR="0" lvl="0" indent="-391477" algn="l" rtl="0">
+              <a:lnSpc>
+                <a:spcPct val="90000"/>
+              </a:lnSpc>
+              <a:spcBef>
+                <a:spcPts val="25"/>
+              </a:spcBef>
+              <a:spcAft>
+                <a:spcPts val="0"/>
+              </a:spcAft>
+              <a:buClr>
+                <a:schemeClr val="dk1"/>
+              </a:buClr>
+              <a:buSzPts val="2565"/>
+              <a:buChar char="-"/>
+            </a:pPr>
+            <a:r>
+              <a:rPr lang="fr-FR" sz="2565">
+                <a:solidFill>
+                  <a:schemeClr val="dk1"/>
+                </a:solidFill>
+              </a:rPr>
+              <a:t>Séance 3, 4 : l’analyse univariée</a:t>
+            </a:r>
+            <a:endParaRPr sz="2565">
+              <a:solidFill>
+                <a:schemeClr val="dk1"/>
+              </a:solidFill>
+            </a:endParaRPr>
+          </a:p>
+          <a:p>
+            <a:pPr marL="457200" marR="0" lvl="0" indent="0" algn="l" rtl="0">
+              <a:lnSpc>
+                <a:spcPct val="90000"/>
+              </a:lnSpc>
+              <a:spcBef>
+                <a:spcPts val="25"/>
+              </a:spcBef>
+              <a:spcAft>
+                <a:spcPts val="0"/>
+              </a:spcAft>
+              <a:buNone/>
+            </a:pPr>
+            <a:endParaRPr sz="1565">
+              <a:solidFill>
+                <a:schemeClr val="dk1"/>
+              </a:solidFill>
+            </a:endParaRPr>
+          </a:p>
+          <a:p>
+            <a:pPr marL="457200" marR="0" lvl="0" indent="-391477" algn="l" rtl="0">
+              <a:lnSpc>
+                <a:spcPct val="90000"/>
+              </a:lnSpc>
+              <a:spcBef>
+                <a:spcPts val="25"/>
+              </a:spcBef>
+              <a:spcAft>
+                <a:spcPts val="0"/>
+              </a:spcAft>
+              <a:buClr>
+                <a:schemeClr val="dk1"/>
+              </a:buClr>
+              <a:buSzPts val="2565"/>
+              <a:buChar char="-"/>
+            </a:pPr>
+            <a:r>
+              <a:rPr lang="fr-FR" sz="2565">
+                <a:solidFill>
+                  <a:schemeClr val="dk1"/>
+                </a:solidFill>
+              </a:rPr>
+              <a:t>Séance 5, 6 et 7 : l’analyse bivariée</a:t>
+            </a:r>
+            <a:endParaRPr sz="2565">
+              <a:solidFill>
+                <a:schemeClr val="dk1"/>
+              </a:solidFill>
+            </a:endParaRPr>
+          </a:p>
+          <a:p>
+            <a:pPr marL="457200" marR="0" lvl="0" indent="-327977" algn="l" rtl="0">
+              <a:lnSpc>
+                <a:spcPct val="90000"/>
+              </a:lnSpc>
+              <a:spcBef>
+                <a:spcPts val="0"/>
+              </a:spcBef>
+              <a:spcAft>
+                <a:spcPts val="0"/>
+              </a:spcAft>
+              <a:buClr>
+                <a:schemeClr val="dk1"/>
+              </a:buClr>
+              <a:buSzPts val="1565"/>
+              <a:buChar char="-"/>
+            </a:pPr>
+            <a:endParaRPr sz="1565">
+              <a:solidFill>
+                <a:schemeClr val="dk1"/>
+              </a:solidFill>
+            </a:endParaRPr>
+          </a:p>
+          <a:p>
+            <a:pPr marL="457200" marR="0" lvl="0" indent="-391477" algn="l" rtl="0">
+              <a:lnSpc>
+                <a:spcPct val="90000"/>
+              </a:lnSpc>
+              <a:spcBef>
+                <a:spcPts val="0"/>
+              </a:spcBef>
+              <a:spcAft>
+                <a:spcPts val="0"/>
+              </a:spcAft>
+              <a:buClr>
+                <a:schemeClr val="dk1"/>
+              </a:buClr>
+              <a:buSzPts val="2565"/>
+              <a:buChar char="-"/>
+            </a:pPr>
+            <a:r>
+              <a:rPr lang="fr-FR" sz="2565">
+                <a:solidFill>
+                  <a:schemeClr val="dk1"/>
+                </a:solidFill>
+              </a:rPr>
+              <a:t>Séance 8 &amp; 9 : introduction aux indicateurs synthétiques</a:t>
+            </a:r>
+            <a:endParaRPr sz="2565">
+              <a:solidFill>
+                <a:schemeClr val="dk1"/>
+              </a:solidFill>
+            </a:endParaRPr>
+          </a:p>
+          <a:p>
+            <a:pPr marL="457200" marR="0" lvl="0" indent="0" algn="l" rtl="0">
+              <a:lnSpc>
+                <a:spcPct val="90000"/>
+              </a:lnSpc>
+              <a:spcBef>
+                <a:spcPts val="25"/>
+              </a:spcBef>
+              <a:spcAft>
+                <a:spcPts val="0"/>
+              </a:spcAft>
+              <a:buNone/>
+            </a:pPr>
+            <a:endParaRPr sz="2065">
+              <a:solidFill>
+                <a:schemeClr val="dk1"/>
+              </a:solidFill>
+            </a:endParaRPr>
+          </a:p>
+          <a:p>
+            <a:pPr marL="457200" marR="0" lvl="0" indent="-391477" algn="l" rtl="0">
+              <a:lnSpc>
+                <a:spcPct val="90000"/>
+              </a:lnSpc>
+              <a:spcBef>
+                <a:spcPts val="25"/>
+              </a:spcBef>
+              <a:spcAft>
+                <a:spcPts val="0"/>
+              </a:spcAft>
+              <a:buClr>
+                <a:schemeClr val="dk1"/>
+              </a:buClr>
+              <a:buSzPts val="2565"/>
+              <a:buChar char="-"/>
+            </a:pPr>
+            <a:r>
+              <a:rPr lang="fr-FR" sz="2565">
+                <a:solidFill>
+                  <a:schemeClr val="dk1"/>
+                </a:solidFill>
+              </a:rPr>
+              <a:t>Séance 10 : travail en groupe en vue du rendu final  </a:t>
+            </a:r>
+            <a:endParaRPr sz="2565">
+              <a:solidFill>
+                <a:schemeClr val="dk1"/>
+              </a:solidFill>
+            </a:endParaRPr>
+          </a:p>
+        </p:txBody>
+      </p:sp>
+      <p:sp>
+        <p:nvSpPr>
+          <p:cNvPr id="428" name="Google Shape;428;g2ab55a4ceb1_2_0"/>
+          <p:cNvSpPr txBox="1"/>
+          <p:nvPr/>
+        </p:nvSpPr>
+        <p:spPr>
+          <a:xfrm>
+            <a:off x="467925" y="761600"/>
+            <a:ext cx="8274900" cy="698100"/>
+          </a:xfrm>
+          <a:prstGeom prst="rect">
+            <a:avLst/>
+          </a:prstGeom>
+          <a:noFill/>
+          <a:ln>
+            <a:noFill/>
+          </a:ln>
+        </p:spPr>
+        <p:txBody>
+          <a:bodyPr spcFirstLastPara="1" wrap="square" lIns="91425" tIns="91425" rIns="91425" bIns="91425" anchor="t" anchorCtr="0">
+            <a:noAutofit/>
+          </a:bodyPr>
+          <a:lstStyle/>
+          <a:p>
+            <a:pPr marL="0" marR="0" lvl="0" indent="0" algn="l" rtl="0">
+              <a:lnSpc>
+                <a:spcPct val="90000"/>
+              </a:lnSpc>
+              <a:spcBef>
+                <a:spcPts val="25"/>
+              </a:spcBef>
+              <a:spcAft>
+                <a:spcPts val="0"/>
+              </a:spcAft>
+              <a:buClr>
+                <a:srgbClr val="000000"/>
+              </a:buClr>
+              <a:buSzPts val="2950"/>
+              <a:buFont typeface="Arial"/>
+              <a:buNone/>
+            </a:pPr>
+            <a:r>
+              <a:rPr lang="fr-FR" sz="2750" b="1" i="0" u="none" strike="noStrike" cap="none">
+                <a:solidFill>
+                  <a:schemeClr val="dk1"/>
+                </a:solidFill>
+              </a:rPr>
+              <a:t>Planning du semestre : contenu des cours et évaluations</a:t>
+            </a:r>
+            <a:endParaRPr sz="2750" b="1" i="0" u="none" strike="noStrike" cap="none">
+              <a:solidFill>
+                <a:srgbClr val="CCCCCC"/>
+              </a:solidFill>
             </a:endParaRPr>
           </a:p>
         </p:txBody>
@@ -39071,649 +38995,6 @@
   <p:cSld>
     <p:spTree>
       <p:nvGrpSpPr>
-        <p:cNvPr id="1" name="Shape 423"/>
-        <p:cNvGrpSpPr/>
-        <p:nvPr/>
-      </p:nvGrpSpPr>
-      <p:grpSpPr>
-        <a:xfrm>
-          <a:off x="0" y="0"/>
-          <a:ext cx="0" cy="0"/>
-          <a:chOff x="0" y="0"/>
-          <a:chExt cx="0" cy="0"/>
-        </a:xfrm>
-      </p:grpSpPr>
-      <p:sp>
-        <p:nvSpPr>
-          <p:cNvPr id="424" name="Google Shape;424;g2ab55a4ceb1_2_0"/>
-          <p:cNvSpPr txBox="1">
-            <a:spLocks noGrp="1"/>
-          </p:cNvSpPr>
-          <p:nvPr>
-            <p:ph type="sldNum" idx="12"/>
-          </p:nvPr>
-        </p:nvSpPr>
-        <p:spPr>
-          <a:xfrm>
-            <a:off x="6553200" y="6356350"/>
-            <a:ext cx="2133600" cy="365100"/>
-          </a:xfrm>
-          <a:prstGeom prst="rect">
-            <a:avLst/>
-          </a:prstGeom>
-          <a:noFill/>
-          <a:ln>
-            <a:noFill/>
-          </a:ln>
-        </p:spPr>
-        <p:txBody>
-          <a:bodyPr spcFirstLastPara="1" wrap="square" lIns="91425" tIns="45700" rIns="91425" bIns="45700" anchor="ctr" anchorCtr="0">
-            <a:noAutofit/>
-          </a:bodyPr>
-          <a:lstStyle/>
-          <a:p>
-            <a:pPr marL="0" lvl="0" indent="0" algn="r" rtl="0">
-              <a:lnSpc>
-                <a:spcPct val="100000"/>
-              </a:lnSpc>
-              <a:spcBef>
-                <a:spcPts val="0"/>
-              </a:spcBef>
-              <a:spcAft>
-                <a:spcPts val="0"/>
-              </a:spcAft>
-              <a:buSzPts val="1000"/>
-              <a:buNone/>
-            </a:pPr>
-            <a:fld id="{00000000-1234-1234-1234-123412341234}" type="slidenum">
-              <a:rPr lang="fr-FR" sz="1000">
-                <a:solidFill>
-                  <a:srgbClr val="808080"/>
-                </a:solidFill>
-                <a:latin typeface="Arial"/>
-                <a:ea typeface="Arial"/>
-                <a:cs typeface="Arial"/>
-                <a:sym typeface="Arial"/>
-              </a:rPr>
-              <a:t>40</a:t>
-            </a:fld>
-            <a:endParaRPr sz="1000">
-              <a:solidFill>
-                <a:srgbClr val="808080"/>
-              </a:solidFill>
-              <a:latin typeface="Arial"/>
-              <a:ea typeface="Arial"/>
-              <a:cs typeface="Arial"/>
-              <a:sym typeface="Arial"/>
-            </a:endParaRPr>
-          </a:p>
-        </p:txBody>
-      </p:sp>
-      <p:sp>
-        <p:nvSpPr>
-          <p:cNvPr id="425" name="Google Shape;425;g2ab55a4ceb1_2_0"/>
-          <p:cNvSpPr/>
-          <p:nvPr/>
-        </p:nvSpPr>
-        <p:spPr>
-          <a:xfrm>
-            <a:off x="0" y="0"/>
-            <a:ext cx="9144000" cy="698100"/>
-          </a:xfrm>
-          <a:prstGeom prst="rect">
-            <a:avLst/>
-          </a:prstGeom>
-          <a:solidFill>
-            <a:srgbClr val="2E5D5A"/>
-          </a:solidFill>
-          <a:ln>
-            <a:noFill/>
-          </a:ln>
-        </p:spPr>
-        <p:txBody>
-          <a:bodyPr spcFirstLastPara="1" wrap="square" lIns="91425" tIns="45700" rIns="91425" bIns="45700" anchor="ctr" anchorCtr="0">
-            <a:noAutofit/>
-          </a:bodyPr>
-          <a:lstStyle/>
-          <a:p>
-            <a:pPr marL="0" marR="0" lvl="0" indent="0" algn="ctr" rtl="0">
-              <a:lnSpc>
-                <a:spcPct val="100000"/>
-              </a:lnSpc>
-              <a:spcBef>
-                <a:spcPts val="0"/>
-              </a:spcBef>
-              <a:spcAft>
-                <a:spcPts val="0"/>
-              </a:spcAft>
-              <a:buClr>
-                <a:srgbClr val="000000"/>
-              </a:buClr>
-              <a:buSzPts val="1800"/>
-              <a:buFont typeface="Arial"/>
-              <a:buNone/>
-            </a:pPr>
-            <a:endParaRPr sz="1800" b="0" i="0" u="none" strike="noStrike" cap="none">
-              <a:solidFill>
-                <a:srgbClr val="2E5D5A"/>
-              </a:solidFill>
-              <a:latin typeface="Calibri"/>
-              <a:ea typeface="Calibri"/>
-              <a:cs typeface="Calibri"/>
-              <a:sym typeface="Calibri"/>
-            </a:endParaRPr>
-          </a:p>
-        </p:txBody>
-      </p:sp>
-      <p:sp>
-        <p:nvSpPr>
-          <p:cNvPr id="426" name="Google Shape;426;g2ab55a4ceb1_2_0"/>
-          <p:cNvSpPr txBox="1"/>
-          <p:nvPr/>
-        </p:nvSpPr>
-        <p:spPr>
-          <a:xfrm>
-            <a:off x="6904408" y="142212"/>
-            <a:ext cx="1975500" cy="428400"/>
-          </a:xfrm>
-          <a:prstGeom prst="rect">
-            <a:avLst/>
-          </a:prstGeom>
-          <a:noFill/>
-          <a:ln>
-            <a:noFill/>
-          </a:ln>
-        </p:spPr>
-        <p:txBody>
-          <a:bodyPr spcFirstLastPara="1" wrap="square" lIns="91425" tIns="45700" rIns="91425" bIns="45700" anchor="t" anchorCtr="0">
-            <a:noAutofit/>
-          </a:bodyPr>
-          <a:lstStyle/>
-          <a:p>
-            <a:pPr marL="0" marR="0" lvl="0" indent="0" algn="r" rtl="0">
-              <a:lnSpc>
-                <a:spcPct val="110000"/>
-              </a:lnSpc>
-              <a:spcBef>
-                <a:spcPts val="0"/>
-              </a:spcBef>
-              <a:spcAft>
-                <a:spcPts val="0"/>
-              </a:spcAft>
-              <a:buClr>
-                <a:srgbClr val="000000"/>
-              </a:buClr>
-              <a:buSzPts val="1000"/>
-              <a:buFont typeface="Arial"/>
-              <a:buNone/>
-            </a:pPr>
-            <a:r>
-              <a:rPr lang="fr-FR" sz="1000" b="1" i="0" u="none" strike="noStrike" cap="none">
-                <a:solidFill>
-                  <a:srgbClr val="FFFFFF"/>
-                </a:solidFill>
-                <a:latin typeface="Arial"/>
-                <a:ea typeface="Arial"/>
-                <a:cs typeface="Arial"/>
-                <a:sym typeface="Arial"/>
-              </a:rPr>
-              <a:t>SEANCE 1</a:t>
-            </a:r>
-            <a:br>
-              <a:rPr lang="fr-FR" sz="1000" b="0" i="0" u="none" strike="noStrike" cap="none">
-                <a:solidFill>
-                  <a:srgbClr val="FFFFFF"/>
-                </a:solidFill>
-                <a:latin typeface="Arial"/>
-                <a:ea typeface="Arial"/>
-                <a:cs typeface="Arial"/>
-                <a:sym typeface="Arial"/>
-              </a:rPr>
-            </a:br>
-            <a:r>
-              <a:rPr lang="fr-FR" sz="1000" b="0" i="0" u="none" strike="noStrike" cap="none">
-                <a:solidFill>
-                  <a:srgbClr val="FFFFFF"/>
-                </a:solidFill>
-                <a:latin typeface="Arial"/>
-                <a:ea typeface="Arial"/>
-                <a:cs typeface="Arial"/>
-                <a:sym typeface="Arial"/>
-              </a:rPr>
-              <a:t>Cours introductif</a:t>
-            </a:r>
-            <a:endParaRPr sz="1000" b="0" i="0" u="none" strike="noStrike" cap="none">
-              <a:solidFill>
-                <a:srgbClr val="FFFFFF"/>
-              </a:solidFill>
-              <a:latin typeface="Arial"/>
-              <a:ea typeface="Arial"/>
-              <a:cs typeface="Arial"/>
-              <a:sym typeface="Arial"/>
-            </a:endParaRPr>
-          </a:p>
-        </p:txBody>
-      </p:sp>
-      <p:sp>
-        <p:nvSpPr>
-          <p:cNvPr id="427" name="Google Shape;427;g2ab55a4ceb1_2_0"/>
-          <p:cNvSpPr txBox="1"/>
-          <p:nvPr/>
-        </p:nvSpPr>
-        <p:spPr>
-          <a:xfrm>
-            <a:off x="571150" y="1563745"/>
-            <a:ext cx="8048700" cy="4651500"/>
-          </a:xfrm>
-          <a:prstGeom prst="rect">
-            <a:avLst/>
-          </a:prstGeom>
-          <a:noFill/>
-          <a:ln>
-            <a:noFill/>
-          </a:ln>
-        </p:spPr>
-        <p:txBody>
-          <a:bodyPr spcFirstLastPara="1" wrap="square" lIns="91425" tIns="91425" rIns="91425" bIns="91425" anchor="t" anchorCtr="0">
-            <a:noAutofit/>
-          </a:bodyPr>
-          <a:lstStyle/>
-          <a:p>
-            <a:pPr marL="0" marR="0" lvl="0" indent="0" algn="l" rtl="0">
-              <a:lnSpc>
-                <a:spcPct val="90000"/>
-              </a:lnSpc>
-              <a:spcBef>
-                <a:spcPts val="25"/>
-              </a:spcBef>
-              <a:spcAft>
-                <a:spcPts val="0"/>
-              </a:spcAft>
-              <a:buClr>
-                <a:srgbClr val="000000"/>
-              </a:buClr>
-              <a:buSzPts val="2565"/>
-              <a:buFont typeface="Arial"/>
-              <a:buNone/>
-            </a:pPr>
-            <a:endParaRPr sz="1165">
-              <a:solidFill>
-                <a:schemeClr val="dk1"/>
-              </a:solidFill>
-            </a:endParaRPr>
-          </a:p>
-          <a:p>
-            <a:pPr marL="0" marR="0" lvl="0" indent="0" algn="l" rtl="0">
-              <a:lnSpc>
-                <a:spcPct val="90000"/>
-              </a:lnSpc>
-              <a:spcBef>
-                <a:spcPts val="25"/>
-              </a:spcBef>
-              <a:spcAft>
-                <a:spcPts val="0"/>
-              </a:spcAft>
-              <a:buClr>
-                <a:srgbClr val="000000"/>
-              </a:buClr>
-              <a:buSzPts val="2565"/>
-              <a:buFont typeface="Arial"/>
-              <a:buNone/>
-            </a:pPr>
-            <a:r>
-              <a:rPr lang="fr-FR" sz="2565" b="0" i="0" u="none" strike="noStrike" cap="none">
-                <a:solidFill>
-                  <a:schemeClr val="dk1"/>
-                </a:solidFill>
-                <a:latin typeface="Arial"/>
-                <a:ea typeface="Arial"/>
-                <a:cs typeface="Arial"/>
-                <a:sym typeface="Arial"/>
-              </a:rPr>
-              <a:t>cf. syllabus</a:t>
-            </a:r>
-            <a:endParaRPr sz="2565" b="0" i="0" u="none" strike="noStrike" cap="none">
-              <a:solidFill>
-                <a:schemeClr val="dk1"/>
-              </a:solidFill>
-              <a:latin typeface="Arial"/>
-              <a:ea typeface="Arial"/>
-              <a:cs typeface="Arial"/>
-              <a:sym typeface="Arial"/>
-            </a:endParaRPr>
-          </a:p>
-          <a:p>
-            <a:pPr marL="0" marR="0" lvl="0" indent="0" algn="l" rtl="0">
-              <a:lnSpc>
-                <a:spcPct val="90000"/>
-              </a:lnSpc>
-              <a:spcBef>
-                <a:spcPts val="25"/>
-              </a:spcBef>
-              <a:spcAft>
-                <a:spcPts val="0"/>
-              </a:spcAft>
-              <a:buClr>
-                <a:srgbClr val="000000"/>
-              </a:buClr>
-              <a:buSzPts val="2565"/>
-              <a:buFont typeface="Arial"/>
-              <a:buNone/>
-            </a:pPr>
-            <a:endParaRPr sz="1565">
-              <a:solidFill>
-                <a:schemeClr val="dk1"/>
-              </a:solidFill>
-            </a:endParaRPr>
-          </a:p>
-          <a:p>
-            <a:pPr marL="457200" marR="0" lvl="0" indent="-391477" algn="l" rtl="0">
-              <a:lnSpc>
-                <a:spcPct val="90000"/>
-              </a:lnSpc>
-              <a:spcBef>
-                <a:spcPts val="25"/>
-              </a:spcBef>
-              <a:spcAft>
-                <a:spcPts val="0"/>
-              </a:spcAft>
-              <a:buClr>
-                <a:schemeClr val="dk1"/>
-              </a:buClr>
-              <a:buSzPts val="2565"/>
-              <a:buChar char="-"/>
-            </a:pPr>
-            <a:r>
-              <a:rPr lang="fr-FR" sz="2565">
-                <a:solidFill>
-                  <a:schemeClr val="dk1"/>
-                </a:solidFill>
-              </a:rPr>
-              <a:t>Séance 1 &amp; 2: Introduction: les méthodes quantitatives qu’est-ce que c’est?</a:t>
-            </a:r>
-            <a:endParaRPr sz="2565">
-              <a:solidFill>
-                <a:schemeClr val="dk1"/>
-              </a:solidFill>
-            </a:endParaRPr>
-          </a:p>
-          <a:p>
-            <a:pPr marL="457200" marR="0" lvl="0" indent="0" algn="l" rtl="0">
-              <a:lnSpc>
-                <a:spcPct val="90000"/>
-              </a:lnSpc>
-              <a:spcBef>
-                <a:spcPts val="25"/>
-              </a:spcBef>
-              <a:spcAft>
-                <a:spcPts val="0"/>
-              </a:spcAft>
-              <a:buNone/>
-            </a:pPr>
-            <a:endParaRPr sz="1765">
-              <a:solidFill>
-                <a:schemeClr val="dk1"/>
-              </a:solidFill>
-            </a:endParaRPr>
-          </a:p>
-          <a:p>
-            <a:pPr marL="457200" marR="0" lvl="0" indent="-391477" algn="l" rtl="0">
-              <a:lnSpc>
-                <a:spcPct val="90000"/>
-              </a:lnSpc>
-              <a:spcBef>
-                <a:spcPts val="25"/>
-              </a:spcBef>
-              <a:spcAft>
-                <a:spcPts val="0"/>
-              </a:spcAft>
-              <a:buClr>
-                <a:schemeClr val="dk1"/>
-              </a:buClr>
-              <a:buSzPts val="2565"/>
-              <a:buChar char="-"/>
-            </a:pPr>
-            <a:r>
-              <a:rPr lang="fr-FR" sz="2565">
-                <a:solidFill>
-                  <a:schemeClr val="dk1"/>
-                </a:solidFill>
-              </a:rPr>
-              <a:t>Séance 3, 4 : l’analyse univariée</a:t>
-            </a:r>
-            <a:endParaRPr sz="2565">
-              <a:solidFill>
-                <a:schemeClr val="dk1"/>
-              </a:solidFill>
-            </a:endParaRPr>
-          </a:p>
-          <a:p>
-            <a:pPr marL="457200" marR="0" lvl="0" indent="0" algn="l" rtl="0">
-              <a:lnSpc>
-                <a:spcPct val="90000"/>
-              </a:lnSpc>
-              <a:spcBef>
-                <a:spcPts val="25"/>
-              </a:spcBef>
-              <a:spcAft>
-                <a:spcPts val="0"/>
-              </a:spcAft>
-              <a:buNone/>
-            </a:pPr>
-            <a:endParaRPr sz="1565">
-              <a:solidFill>
-                <a:schemeClr val="dk1"/>
-              </a:solidFill>
-            </a:endParaRPr>
-          </a:p>
-          <a:p>
-            <a:pPr marL="457200" marR="0" lvl="0" indent="-391477" algn="l" rtl="0">
-              <a:lnSpc>
-                <a:spcPct val="90000"/>
-              </a:lnSpc>
-              <a:spcBef>
-                <a:spcPts val="25"/>
-              </a:spcBef>
-              <a:spcAft>
-                <a:spcPts val="0"/>
-              </a:spcAft>
-              <a:buClr>
-                <a:schemeClr val="dk1"/>
-              </a:buClr>
-              <a:buSzPts val="2565"/>
-              <a:buChar char="-"/>
-            </a:pPr>
-            <a:r>
-              <a:rPr lang="fr-FR" sz="2565">
-                <a:solidFill>
-                  <a:schemeClr val="dk1"/>
-                </a:solidFill>
-              </a:rPr>
-              <a:t>Séance 5, 6 et 7 : l’analyse bivariée</a:t>
-            </a:r>
-            <a:endParaRPr sz="2565">
-              <a:solidFill>
-                <a:schemeClr val="dk1"/>
-              </a:solidFill>
-            </a:endParaRPr>
-          </a:p>
-          <a:p>
-            <a:pPr marL="457200" marR="0" lvl="0" indent="-327977" algn="l" rtl="0">
-              <a:lnSpc>
-                <a:spcPct val="90000"/>
-              </a:lnSpc>
-              <a:spcBef>
-                <a:spcPts val="0"/>
-              </a:spcBef>
-              <a:spcAft>
-                <a:spcPts val="0"/>
-              </a:spcAft>
-              <a:buClr>
-                <a:schemeClr val="dk1"/>
-              </a:buClr>
-              <a:buSzPts val="1565"/>
-              <a:buChar char="-"/>
-            </a:pPr>
-            <a:endParaRPr sz="1565">
-              <a:solidFill>
-                <a:schemeClr val="dk1"/>
-              </a:solidFill>
-            </a:endParaRPr>
-          </a:p>
-          <a:p>
-            <a:pPr marL="457200" marR="0" lvl="0" indent="-391477" algn="l" rtl="0">
-              <a:lnSpc>
-                <a:spcPct val="90000"/>
-              </a:lnSpc>
-              <a:spcBef>
-                <a:spcPts val="0"/>
-              </a:spcBef>
-              <a:spcAft>
-                <a:spcPts val="0"/>
-              </a:spcAft>
-              <a:buClr>
-                <a:schemeClr val="dk1"/>
-              </a:buClr>
-              <a:buSzPts val="2565"/>
-              <a:buChar char="-"/>
-            </a:pPr>
-            <a:r>
-              <a:rPr lang="fr-FR" sz="2565">
-                <a:solidFill>
-                  <a:schemeClr val="dk1"/>
-                </a:solidFill>
-              </a:rPr>
-              <a:t>Séance 8 &amp; 9 : introduction aux indicateurs synthétiques</a:t>
-            </a:r>
-            <a:endParaRPr sz="2565">
-              <a:solidFill>
-                <a:schemeClr val="dk1"/>
-              </a:solidFill>
-            </a:endParaRPr>
-          </a:p>
-          <a:p>
-            <a:pPr marL="457200" marR="0" lvl="0" indent="0" algn="l" rtl="0">
-              <a:lnSpc>
-                <a:spcPct val="90000"/>
-              </a:lnSpc>
-              <a:spcBef>
-                <a:spcPts val="25"/>
-              </a:spcBef>
-              <a:spcAft>
-                <a:spcPts val="0"/>
-              </a:spcAft>
-              <a:buNone/>
-            </a:pPr>
-            <a:endParaRPr sz="2065">
-              <a:solidFill>
-                <a:schemeClr val="dk1"/>
-              </a:solidFill>
-            </a:endParaRPr>
-          </a:p>
-          <a:p>
-            <a:pPr marL="457200" marR="0" lvl="0" indent="-391477" algn="l" rtl="0">
-              <a:lnSpc>
-                <a:spcPct val="90000"/>
-              </a:lnSpc>
-              <a:spcBef>
-                <a:spcPts val="25"/>
-              </a:spcBef>
-              <a:spcAft>
-                <a:spcPts val="0"/>
-              </a:spcAft>
-              <a:buClr>
-                <a:schemeClr val="dk1"/>
-              </a:buClr>
-              <a:buSzPts val="2565"/>
-              <a:buChar char="-"/>
-            </a:pPr>
-            <a:r>
-              <a:rPr lang="fr-FR" sz="2565">
-                <a:solidFill>
-                  <a:schemeClr val="dk1"/>
-                </a:solidFill>
-              </a:rPr>
-              <a:t>Séance 10 : travail en groupe en vue du rendu final  </a:t>
-            </a:r>
-            <a:endParaRPr sz="2565">
-              <a:solidFill>
-                <a:schemeClr val="dk1"/>
-              </a:solidFill>
-            </a:endParaRPr>
-          </a:p>
-        </p:txBody>
-      </p:sp>
-      <p:sp>
-        <p:nvSpPr>
-          <p:cNvPr id="428" name="Google Shape;428;g2ab55a4ceb1_2_0"/>
-          <p:cNvSpPr txBox="1"/>
-          <p:nvPr/>
-        </p:nvSpPr>
-        <p:spPr>
-          <a:xfrm>
-            <a:off x="467925" y="761600"/>
-            <a:ext cx="8274900" cy="698100"/>
-          </a:xfrm>
-          <a:prstGeom prst="rect">
-            <a:avLst/>
-          </a:prstGeom>
-          <a:noFill/>
-          <a:ln>
-            <a:noFill/>
-          </a:ln>
-        </p:spPr>
-        <p:txBody>
-          <a:bodyPr spcFirstLastPara="1" wrap="square" lIns="91425" tIns="91425" rIns="91425" bIns="91425" anchor="t" anchorCtr="0">
-            <a:noAutofit/>
-          </a:bodyPr>
-          <a:lstStyle/>
-          <a:p>
-            <a:pPr marL="0" marR="0" lvl="0" indent="0" algn="l" rtl="0">
-              <a:lnSpc>
-                <a:spcPct val="90000"/>
-              </a:lnSpc>
-              <a:spcBef>
-                <a:spcPts val="25"/>
-              </a:spcBef>
-              <a:spcAft>
-                <a:spcPts val="0"/>
-              </a:spcAft>
-              <a:buClr>
-                <a:srgbClr val="000000"/>
-              </a:buClr>
-              <a:buSzPts val="2950"/>
-              <a:buFont typeface="Arial"/>
-              <a:buNone/>
-            </a:pPr>
-            <a:r>
-              <a:rPr lang="fr-FR" sz="2750" b="1" i="0" u="none" strike="noStrike" cap="none">
-                <a:solidFill>
-                  <a:schemeClr val="dk1"/>
-                </a:solidFill>
-              </a:rPr>
-              <a:t>Planning du semestre : contenu des cours et évaluations</a:t>
-            </a:r>
-            <a:endParaRPr sz="2750" b="1" i="0" u="none" strike="noStrike" cap="none">
-              <a:solidFill>
-                <a:srgbClr val="CCCCCC"/>
-              </a:solidFill>
-            </a:endParaRPr>
-          </a:p>
-        </p:txBody>
-      </p:sp>
-    </p:spTree>
-  </p:cSld>
-  <p:clrMapOvr>
-    <a:masterClrMapping/>
-  </p:clrMapOvr>
-</p:sld>
-</file>
-
-<file path=ppt/slides/slide41.xml><?xml version="1.0" encoding="utf-8"?>
-<p:sld xmlns:a="http://schemas.openxmlformats.org/drawingml/2006/main" xmlns:r="http://schemas.openxmlformats.org/officeDocument/2006/relationships" xmlns:p="http://schemas.openxmlformats.org/presentationml/2006/main">
-  <p:cSld>
-    <p:spTree>
-      <p:nvGrpSpPr>
         <p:cNvPr id="1" name="Shape 432"/>
         <p:cNvGrpSpPr/>
         <p:nvPr/>
@@ -39778,7 +39059,7 @@
                 <a:cs typeface="Arial"/>
                 <a:sym typeface="Arial"/>
               </a:rPr>
-              <a:t>41</a:t>
+              <a:t>40</a:t>
             </a:fld>
             <a:endParaRPr sz="1000">
               <a:solidFill>
@@ -40241,7 +39522,7 @@
 </p:sld>
 </file>
 
-<file path=ppt/slides/slide42.xml><?xml version="1.0" encoding="utf-8"?>
+<file path=ppt/slides/slide41.xml><?xml version="1.0" encoding="utf-8"?>
 <p:sld xmlns:a="http://schemas.openxmlformats.org/drawingml/2006/main" xmlns:r="http://schemas.openxmlformats.org/officeDocument/2006/relationships" xmlns:p="http://schemas.openxmlformats.org/presentationml/2006/main">
   <p:cSld>
     <p:spTree>
@@ -40310,7 +39591,7 @@
                 <a:cs typeface="Arial"/>
                 <a:sym typeface="Arial"/>
               </a:rPr>
-              <a:t>42</a:t>
+              <a:t>41</a:t>
             </a:fld>
             <a:endParaRPr sz="1000">
               <a:solidFill>
@@ -40792,7 +40073,7 @@
 </p:sld>
 </file>
 
-<file path=ppt/slides/slide43.xml><?xml version="1.0" encoding="utf-8"?>
+<file path=ppt/slides/slide42.xml><?xml version="1.0" encoding="utf-8"?>
 <p:sld xmlns:a="http://schemas.openxmlformats.org/drawingml/2006/main" xmlns:r="http://schemas.openxmlformats.org/officeDocument/2006/relationships" xmlns:p="http://schemas.openxmlformats.org/presentationml/2006/main">
   <p:cSld>
     <p:spTree>
@@ -40861,7 +40142,7 @@
                 <a:cs typeface="Arial"/>
                 <a:sym typeface="Arial"/>
               </a:rPr>
-              <a:t>43</a:t>
+              <a:t>42</a:t>
             </a:fld>
             <a:endParaRPr sz="1000">
               <a:solidFill>
@@ -41320,7 +40601,7 @@
 </p:sld>
 </file>
 
-<file path=ppt/slides/slide44.xml><?xml version="1.0" encoding="utf-8"?>
+<file path=ppt/slides/slide43.xml><?xml version="1.0" encoding="utf-8"?>
 <p:sld xmlns:a="http://schemas.openxmlformats.org/drawingml/2006/main" xmlns:r="http://schemas.openxmlformats.org/officeDocument/2006/relationships" xmlns:p="http://schemas.openxmlformats.org/presentationml/2006/main">
   <p:cSld>
     <p:spTree>
@@ -41389,7 +40670,7 @@
                 <a:cs typeface="Arial"/>
                 <a:sym typeface="Arial"/>
               </a:rPr>
-              <a:t>44</a:t>
+              <a:t>43</a:t>
             </a:fld>
             <a:endParaRPr sz="1000">
               <a:solidFill>
@@ -41896,7 +41177,7 @@
 </p:sld>
 </file>
 
-<file path=ppt/slides/slide45.xml><?xml version="1.0" encoding="utf-8"?>
+<file path=ppt/slides/slide44.xml><?xml version="1.0" encoding="utf-8"?>
 <p:sld xmlns:a="http://schemas.openxmlformats.org/drawingml/2006/main" xmlns:r="http://schemas.openxmlformats.org/officeDocument/2006/relationships" xmlns:p="http://schemas.openxmlformats.org/presentationml/2006/main">
   <p:cSld>
     <p:spTree>
@@ -41965,7 +41246,7 @@
                 <a:cs typeface="Arial"/>
                 <a:sym typeface="Arial"/>
               </a:rPr>
-              <a:t>45</a:t>
+              <a:t>44</a:t>
             </a:fld>
             <a:endParaRPr sz="1000">
               <a:solidFill>
@@ -42464,7 +41745,7 @@
 </p:sld>
 </file>
 
-<file path=ppt/slides/slide46.xml><?xml version="1.0" encoding="utf-8"?>
+<file path=ppt/slides/slide45.xml><?xml version="1.0" encoding="utf-8"?>
 <p:sld xmlns:a="http://schemas.openxmlformats.org/drawingml/2006/main" xmlns:r="http://schemas.openxmlformats.org/officeDocument/2006/relationships" xmlns:p="http://schemas.openxmlformats.org/presentationml/2006/main">
   <p:cSld>
     <p:spTree>
@@ -42533,7 +41814,7 @@
                 <a:cs typeface="Arial"/>
                 <a:sym typeface="Arial"/>
               </a:rPr>
-              <a:t>46</a:t>
+              <a:t>45</a:t>
             </a:fld>
             <a:endParaRPr sz="1000">
               <a:solidFill>
@@ -42984,7 +42265,7 @@
 </p:sld>
 </file>
 
-<file path=ppt/slides/slide47.xml><?xml version="1.0" encoding="utf-8"?>
+<file path=ppt/slides/slide46.xml><?xml version="1.0" encoding="utf-8"?>
 <p:sld xmlns:a="http://schemas.openxmlformats.org/drawingml/2006/main" xmlns:r="http://schemas.openxmlformats.org/officeDocument/2006/relationships" xmlns:p="http://schemas.openxmlformats.org/presentationml/2006/main">
   <p:cSld>
     <p:spTree>
@@ -43053,7 +42334,7 @@
                 <a:cs typeface="Arial"/>
                 <a:sym typeface="Arial"/>
               </a:rPr>
-              <a:t>47</a:t>
+              <a:t>46</a:t>
             </a:fld>
             <a:endParaRPr sz="1000">
               <a:solidFill>
@@ -43766,7 +43047,7 @@
 </p:sld>
 </file>
 
-<file path=ppt/slides/slide48.xml><?xml version="1.0" encoding="utf-8"?>
+<file path=ppt/slides/slide47.xml><?xml version="1.0" encoding="utf-8"?>
 <p:sld xmlns:a="http://schemas.openxmlformats.org/drawingml/2006/main" xmlns:r="http://schemas.openxmlformats.org/officeDocument/2006/relationships" xmlns:p="http://schemas.openxmlformats.org/presentationml/2006/main">
   <p:cSld>
     <p:spTree>
@@ -43835,7 +43116,7 @@
                 <a:cs typeface="Arial"/>
                 <a:sym typeface="Arial"/>
               </a:rPr>
-              <a:t>48</a:t>
+              <a:t>47</a:t>
             </a:fld>
             <a:endParaRPr sz="1000">
               <a:solidFill>
@@ -44336,7 +43617,7 @@
 </p:sld>
 </file>
 
-<file path=ppt/slides/slide49.xml><?xml version="1.0" encoding="utf-8"?>
+<file path=ppt/slides/slide48.xml><?xml version="1.0" encoding="utf-8"?>
 <p:sld xmlns:a="http://schemas.openxmlformats.org/drawingml/2006/main" xmlns:r="http://schemas.openxmlformats.org/officeDocument/2006/relationships" xmlns:p="http://schemas.openxmlformats.org/presentationml/2006/main">
   <p:cSld>
     <p:spTree>
@@ -44405,7 +43686,7 @@
                 <a:cs typeface="Arial"/>
                 <a:sym typeface="Arial"/>
               </a:rPr>
-              <a:t>49</a:t>
+              <a:t>48</a:t>
             </a:fld>
             <a:endParaRPr sz="1000">
               <a:solidFill>
@@ -44780,6 +44061,1006 @@
                 <a:sym typeface="Calibri"/>
               </a:rPr>
               <a:t>Personnes ressources</a:t>
+            </a:r>
+            <a:endParaRPr sz="3200" b="1" i="0" u="none" strike="noStrike" cap="none">
+              <a:solidFill>
+                <a:srgbClr val="2E5D5A"/>
+              </a:solidFill>
+              <a:latin typeface="Calibri"/>
+              <a:ea typeface="Calibri"/>
+              <a:cs typeface="Calibri"/>
+              <a:sym typeface="Calibri"/>
+            </a:endParaRPr>
+          </a:p>
+        </p:txBody>
+      </p:sp>
+    </p:spTree>
+  </p:cSld>
+  <p:clrMapOvr>
+    <a:masterClrMapping/>
+  </p:clrMapOvr>
+</p:sld>
+</file>
+
+<file path=ppt/slides/slide49.xml><?xml version="1.0" encoding="utf-8"?>
+<p:sld xmlns:a="http://schemas.openxmlformats.org/drawingml/2006/main" xmlns:r="http://schemas.openxmlformats.org/officeDocument/2006/relationships" xmlns:p="http://schemas.openxmlformats.org/presentationml/2006/main">
+  <p:cSld>
+    <p:spTree>
+      <p:nvGrpSpPr>
+        <p:cNvPr id="1" name="Shape 513"/>
+        <p:cNvGrpSpPr/>
+        <p:nvPr/>
+      </p:nvGrpSpPr>
+      <p:grpSpPr>
+        <a:xfrm>
+          <a:off x="0" y="0"/>
+          <a:ext cx="0" cy="0"/>
+          <a:chOff x="0" y="0"/>
+          <a:chExt cx="0" cy="0"/>
+        </a:xfrm>
+      </p:grpSpPr>
+      <p:sp>
+        <p:nvSpPr>
+          <p:cNvPr id="514" name="Google Shape;514;g2abac93716c_0_50"/>
+          <p:cNvSpPr txBox="1">
+            <a:spLocks noGrp="1"/>
+          </p:cNvSpPr>
+          <p:nvPr>
+            <p:ph type="sldNum" idx="12"/>
+          </p:nvPr>
+        </p:nvSpPr>
+        <p:spPr>
+          <a:xfrm>
+            <a:off x="6553200" y="6356350"/>
+            <a:ext cx="2133600" cy="365100"/>
+          </a:xfrm>
+          <a:prstGeom prst="rect">
+            <a:avLst/>
+          </a:prstGeom>
+          <a:noFill/>
+          <a:ln>
+            <a:noFill/>
+          </a:ln>
+        </p:spPr>
+        <p:txBody>
+          <a:bodyPr spcFirstLastPara="1" wrap="square" lIns="91425" tIns="45700" rIns="91425" bIns="45700" anchor="ctr" anchorCtr="0">
+            <a:noAutofit/>
+          </a:bodyPr>
+          <a:lstStyle/>
+          <a:p>
+            <a:pPr marL="0" lvl="0" indent="0" algn="r" rtl="0">
+              <a:lnSpc>
+                <a:spcPct val="100000"/>
+              </a:lnSpc>
+              <a:spcBef>
+                <a:spcPts val="0"/>
+              </a:spcBef>
+              <a:spcAft>
+                <a:spcPts val="0"/>
+              </a:spcAft>
+              <a:buSzPts val="1000"/>
+              <a:buNone/>
+            </a:pPr>
+            <a:fld id="{00000000-1234-1234-1234-123412341234}" type="slidenum">
+              <a:rPr lang="fr-FR" sz="1000">
+                <a:solidFill>
+                  <a:srgbClr val="808080"/>
+                </a:solidFill>
+                <a:latin typeface="Arial"/>
+                <a:ea typeface="Arial"/>
+                <a:cs typeface="Arial"/>
+                <a:sym typeface="Arial"/>
+              </a:rPr>
+              <a:t>49</a:t>
+            </a:fld>
+            <a:endParaRPr sz="1000">
+              <a:solidFill>
+                <a:srgbClr val="808080"/>
+              </a:solidFill>
+              <a:latin typeface="Arial"/>
+              <a:ea typeface="Arial"/>
+              <a:cs typeface="Arial"/>
+              <a:sym typeface="Arial"/>
+            </a:endParaRPr>
+          </a:p>
+        </p:txBody>
+      </p:sp>
+      <p:sp>
+        <p:nvSpPr>
+          <p:cNvPr id="515" name="Google Shape;515;g2abac93716c_0_50"/>
+          <p:cNvSpPr/>
+          <p:nvPr/>
+        </p:nvSpPr>
+        <p:spPr>
+          <a:xfrm>
+            <a:off x="0" y="0"/>
+            <a:ext cx="9144000" cy="698100"/>
+          </a:xfrm>
+          <a:prstGeom prst="rect">
+            <a:avLst/>
+          </a:prstGeom>
+          <a:solidFill>
+            <a:srgbClr val="2E5D5A"/>
+          </a:solidFill>
+          <a:ln>
+            <a:noFill/>
+          </a:ln>
+        </p:spPr>
+        <p:txBody>
+          <a:bodyPr spcFirstLastPara="1" wrap="square" lIns="91425" tIns="45700" rIns="91425" bIns="45700" anchor="ctr" anchorCtr="0">
+            <a:noAutofit/>
+          </a:bodyPr>
+          <a:lstStyle/>
+          <a:p>
+            <a:pPr marL="0" marR="0" lvl="0" indent="0" algn="ctr" rtl="0">
+              <a:lnSpc>
+                <a:spcPct val="100000"/>
+              </a:lnSpc>
+              <a:spcBef>
+                <a:spcPts val="0"/>
+              </a:spcBef>
+              <a:spcAft>
+                <a:spcPts val="0"/>
+              </a:spcAft>
+              <a:buClr>
+                <a:srgbClr val="000000"/>
+              </a:buClr>
+              <a:buSzPts val="1800"/>
+              <a:buFont typeface="Arial"/>
+              <a:buNone/>
+            </a:pPr>
+            <a:endParaRPr sz="1800" b="0" i="0" u="none" strike="noStrike" cap="none">
+              <a:solidFill>
+                <a:schemeClr val="dk1"/>
+              </a:solidFill>
+              <a:latin typeface="Calibri"/>
+              <a:ea typeface="Calibri"/>
+              <a:cs typeface="Calibri"/>
+              <a:sym typeface="Calibri"/>
+            </a:endParaRPr>
+          </a:p>
+        </p:txBody>
+      </p:sp>
+      <p:sp>
+        <p:nvSpPr>
+          <p:cNvPr id="516" name="Google Shape;516;g2abac93716c_0_50"/>
+          <p:cNvSpPr txBox="1"/>
+          <p:nvPr/>
+        </p:nvSpPr>
+        <p:spPr>
+          <a:xfrm>
+            <a:off x="6904408" y="142212"/>
+            <a:ext cx="1975500" cy="428400"/>
+          </a:xfrm>
+          <a:prstGeom prst="rect">
+            <a:avLst/>
+          </a:prstGeom>
+          <a:noFill/>
+          <a:ln>
+            <a:noFill/>
+          </a:ln>
+        </p:spPr>
+        <p:txBody>
+          <a:bodyPr spcFirstLastPara="1" wrap="square" lIns="91425" tIns="45700" rIns="91425" bIns="45700" anchor="t" anchorCtr="0">
+            <a:noAutofit/>
+          </a:bodyPr>
+          <a:lstStyle/>
+          <a:p>
+            <a:pPr marL="0" marR="0" lvl="0" indent="0" algn="r" rtl="0">
+              <a:lnSpc>
+                <a:spcPct val="110000"/>
+              </a:lnSpc>
+              <a:spcBef>
+                <a:spcPts val="0"/>
+              </a:spcBef>
+              <a:spcAft>
+                <a:spcPts val="0"/>
+              </a:spcAft>
+              <a:buClr>
+                <a:srgbClr val="000000"/>
+              </a:buClr>
+              <a:buSzPts val="1000"/>
+              <a:buFont typeface="Arial"/>
+              <a:buNone/>
+            </a:pPr>
+            <a:r>
+              <a:rPr lang="fr-FR" sz="1000" b="1" i="0" u="none" strike="noStrike" cap="none">
+                <a:solidFill>
+                  <a:srgbClr val="FFFFFF"/>
+                </a:solidFill>
+                <a:latin typeface="Arial"/>
+                <a:ea typeface="Arial"/>
+                <a:cs typeface="Arial"/>
+                <a:sym typeface="Arial"/>
+              </a:rPr>
+              <a:t>SEANCE 1</a:t>
+            </a:r>
+            <a:br>
+              <a:rPr lang="fr-FR" sz="1000" b="0" i="0" u="none" strike="noStrike" cap="none">
+                <a:solidFill>
+                  <a:srgbClr val="FFFFFF"/>
+                </a:solidFill>
+                <a:latin typeface="Arial"/>
+                <a:ea typeface="Arial"/>
+                <a:cs typeface="Arial"/>
+                <a:sym typeface="Arial"/>
+              </a:rPr>
+            </a:br>
+            <a:r>
+              <a:rPr lang="fr-FR" sz="1000" b="0" i="0" u="none" strike="noStrike" cap="none">
+                <a:solidFill>
+                  <a:srgbClr val="FFFFFF"/>
+                </a:solidFill>
+                <a:latin typeface="Arial"/>
+                <a:ea typeface="Arial"/>
+                <a:cs typeface="Arial"/>
+                <a:sym typeface="Arial"/>
+              </a:rPr>
+              <a:t>Cours introductif</a:t>
+            </a:r>
+            <a:endParaRPr sz="1000" b="0" i="0" u="none" strike="noStrike" cap="none">
+              <a:solidFill>
+                <a:srgbClr val="FFFFFF"/>
+              </a:solidFill>
+              <a:latin typeface="Arial"/>
+              <a:ea typeface="Arial"/>
+              <a:cs typeface="Arial"/>
+              <a:sym typeface="Arial"/>
+            </a:endParaRPr>
+          </a:p>
+        </p:txBody>
+      </p:sp>
+      <p:sp>
+        <p:nvSpPr>
+          <p:cNvPr id="517" name="Google Shape;517;g2abac93716c_0_50"/>
+          <p:cNvSpPr txBox="1"/>
+          <p:nvPr/>
+        </p:nvSpPr>
+        <p:spPr>
+          <a:xfrm>
+            <a:off x="467925" y="1846650"/>
+            <a:ext cx="8219100" cy="4215000"/>
+          </a:xfrm>
+          <a:prstGeom prst="rect">
+            <a:avLst/>
+          </a:prstGeom>
+          <a:noFill/>
+          <a:ln>
+            <a:noFill/>
+          </a:ln>
+        </p:spPr>
+        <p:txBody>
+          <a:bodyPr spcFirstLastPara="1" wrap="square" lIns="91425" tIns="91425" rIns="91425" bIns="91425" anchor="t" anchorCtr="0">
+            <a:noAutofit/>
+          </a:bodyPr>
+          <a:lstStyle/>
+          <a:p>
+            <a:pPr marL="0" marR="0" lvl="0" indent="0" algn="l" rtl="0">
+              <a:lnSpc>
+                <a:spcPct val="90000"/>
+              </a:lnSpc>
+              <a:spcBef>
+                <a:spcPts val="25"/>
+              </a:spcBef>
+              <a:spcAft>
+                <a:spcPts val="0"/>
+              </a:spcAft>
+              <a:buClr>
+                <a:schemeClr val="dk1"/>
+              </a:buClr>
+              <a:buSzPts val="1100"/>
+              <a:buFont typeface="Arial"/>
+              <a:buNone/>
+            </a:pPr>
+            <a:r>
+              <a:rPr lang="fr-FR" sz="1500" b="1" i="0" u="none" strike="noStrike" cap="none">
+                <a:solidFill>
+                  <a:schemeClr val="dk1"/>
+                </a:solidFill>
+                <a:latin typeface="Arial"/>
+                <a:ea typeface="Arial"/>
+                <a:cs typeface="Arial"/>
+                <a:sym typeface="Arial"/>
+              </a:rPr>
+              <a:t>BERGSTRÖM Marie, </a:t>
+            </a:r>
+            <a:r>
+              <a:rPr lang="fr-FR" sz="1500" b="0" i="0" u="none" strike="noStrike" cap="none">
+                <a:solidFill>
+                  <a:schemeClr val="dk1"/>
+                </a:solidFill>
+                <a:latin typeface="Arial"/>
+                <a:ea typeface="Arial"/>
+                <a:cs typeface="Arial"/>
+                <a:sym typeface="Arial"/>
+              </a:rPr>
+              <a:t>« De quoi l’écart d’âge est-il le nombre ? L’apport des big data à l’étude de la différence d’âge au sein des couples », </a:t>
+            </a:r>
+            <a:r>
+              <a:rPr lang="fr-FR" sz="1500" b="0" i="1" u="none" strike="noStrike" cap="none">
+                <a:solidFill>
+                  <a:schemeClr val="dk1"/>
+                </a:solidFill>
+                <a:latin typeface="Arial"/>
+                <a:ea typeface="Arial"/>
+                <a:cs typeface="Arial"/>
+                <a:sym typeface="Arial"/>
+              </a:rPr>
+              <a:t>Revue française de sociologie</a:t>
+            </a:r>
+            <a:r>
+              <a:rPr lang="fr-FR" sz="1500" b="0" i="0" u="none" strike="noStrike" cap="none">
+                <a:solidFill>
+                  <a:schemeClr val="dk1"/>
+                </a:solidFill>
+                <a:latin typeface="Arial"/>
+                <a:ea typeface="Arial"/>
+                <a:cs typeface="Arial"/>
+                <a:sym typeface="Arial"/>
+              </a:rPr>
+              <a:t>, 2018/3 (Vol. 59), pp. 395-422.</a:t>
+            </a:r>
+            <a:endParaRPr/>
+          </a:p>
+          <a:p>
+            <a:pPr marL="0" marR="0" lvl="0" indent="0" algn="l" rtl="0">
+              <a:lnSpc>
+                <a:spcPct val="90000"/>
+              </a:lnSpc>
+              <a:spcBef>
+                <a:spcPts val="25"/>
+              </a:spcBef>
+              <a:spcAft>
+                <a:spcPts val="0"/>
+              </a:spcAft>
+              <a:buClr>
+                <a:schemeClr val="dk1"/>
+              </a:buClr>
+              <a:buSzPts val="1100"/>
+              <a:buFont typeface="Arial"/>
+              <a:buNone/>
+            </a:pPr>
+            <a:endParaRPr sz="1500" b="0" i="0" u="none" strike="noStrike" cap="none">
+              <a:solidFill>
+                <a:schemeClr val="dk1"/>
+              </a:solidFill>
+              <a:latin typeface="Arial"/>
+              <a:ea typeface="Arial"/>
+              <a:cs typeface="Arial"/>
+              <a:sym typeface="Arial"/>
+            </a:endParaRPr>
+          </a:p>
+          <a:p>
+            <a:pPr marL="0" marR="0" lvl="0" indent="0" algn="l" rtl="0">
+              <a:lnSpc>
+                <a:spcPct val="90000"/>
+              </a:lnSpc>
+              <a:spcBef>
+                <a:spcPts val="25"/>
+              </a:spcBef>
+              <a:spcAft>
+                <a:spcPts val="0"/>
+              </a:spcAft>
+              <a:buClr>
+                <a:schemeClr val="dk1"/>
+              </a:buClr>
+              <a:buSzPts val="1100"/>
+              <a:buFont typeface="Arial"/>
+              <a:buNone/>
+            </a:pPr>
+            <a:r>
+              <a:rPr lang="fr-FR" sz="1600" b="1" i="0" u="none" strike="noStrike" cap="none">
+                <a:solidFill>
+                  <a:schemeClr val="dk1"/>
+                </a:solidFill>
+                <a:latin typeface="Arial"/>
+                <a:ea typeface="Arial"/>
+                <a:cs typeface="Arial"/>
+                <a:sym typeface="Arial"/>
+              </a:rPr>
+              <a:t>BRUN, Solène, et COSQUER, Clair.</a:t>
+            </a:r>
+            <a:r>
+              <a:rPr lang="fr-FR" sz="1600" b="0" i="0" u="none" strike="noStrike" cap="none">
+                <a:solidFill>
+                  <a:schemeClr val="dk1"/>
+                </a:solidFill>
+                <a:latin typeface="Arial"/>
+                <a:ea typeface="Arial"/>
+                <a:cs typeface="Arial"/>
+                <a:sym typeface="Arial"/>
+              </a:rPr>
+              <a:t> « 9. Les défis méthodologiques d’une analyse sociologique de la race », dans </a:t>
+            </a:r>
+            <a:r>
+              <a:rPr lang="fr-FR" sz="1600" b="0" i="1" u="none" strike="noStrike" cap="none">
+                <a:solidFill>
+                  <a:schemeClr val="dk1"/>
+                </a:solidFill>
+                <a:latin typeface="Arial"/>
+                <a:ea typeface="Arial"/>
+                <a:cs typeface="Arial"/>
+                <a:sym typeface="Arial"/>
+              </a:rPr>
+              <a:t>Sociologie de la race</a:t>
+            </a:r>
+            <a:r>
+              <a:rPr lang="fr-FR" sz="1600" b="0" i="0" u="none" strike="noStrike" cap="none">
+                <a:solidFill>
+                  <a:schemeClr val="dk1"/>
+                </a:solidFill>
+                <a:latin typeface="Arial"/>
+                <a:ea typeface="Arial"/>
+                <a:cs typeface="Arial"/>
+                <a:sym typeface="Arial"/>
+              </a:rPr>
+              <a:t>. Armand Colin, 2022, pp. 111-124</a:t>
+            </a:r>
+            <a:endParaRPr sz="1500" b="0" i="0" u="none" strike="noStrike" cap="none">
+              <a:solidFill>
+                <a:schemeClr val="dk1"/>
+              </a:solidFill>
+              <a:latin typeface="Arial"/>
+              <a:ea typeface="Arial"/>
+              <a:cs typeface="Arial"/>
+              <a:sym typeface="Arial"/>
+            </a:endParaRPr>
+          </a:p>
+          <a:p>
+            <a:pPr marL="0" marR="0" lvl="0" indent="0" algn="l" rtl="0">
+              <a:lnSpc>
+                <a:spcPct val="90000"/>
+              </a:lnSpc>
+              <a:spcBef>
+                <a:spcPts val="25"/>
+              </a:spcBef>
+              <a:spcAft>
+                <a:spcPts val="0"/>
+              </a:spcAft>
+              <a:buClr>
+                <a:schemeClr val="dk1"/>
+              </a:buClr>
+              <a:buSzPts val="1100"/>
+              <a:buFont typeface="Arial"/>
+              <a:buNone/>
+            </a:pPr>
+            <a:endParaRPr sz="1500" b="0" i="0" u="none" strike="noStrike" cap="none">
+              <a:solidFill>
+                <a:schemeClr val="dk1"/>
+              </a:solidFill>
+              <a:latin typeface="Arial"/>
+              <a:ea typeface="Arial"/>
+              <a:cs typeface="Arial"/>
+              <a:sym typeface="Arial"/>
+            </a:endParaRPr>
+          </a:p>
+          <a:p>
+            <a:pPr marL="0" marR="0" lvl="0" indent="0" algn="l" rtl="0">
+              <a:lnSpc>
+                <a:spcPct val="90000"/>
+              </a:lnSpc>
+              <a:spcBef>
+                <a:spcPts val="25"/>
+              </a:spcBef>
+              <a:spcAft>
+                <a:spcPts val="0"/>
+              </a:spcAft>
+              <a:buClr>
+                <a:schemeClr val="dk1"/>
+              </a:buClr>
+              <a:buSzPts val="1100"/>
+              <a:buFont typeface="Arial"/>
+              <a:buNone/>
+            </a:pPr>
+            <a:r>
+              <a:rPr lang="fr-FR" sz="1500" b="1" i="0" u="none" strike="noStrike" cap="none">
+                <a:solidFill>
+                  <a:schemeClr val="dk1"/>
+                </a:solidFill>
+                <a:latin typeface="Arial"/>
+                <a:ea typeface="Arial"/>
+                <a:cs typeface="Arial"/>
+                <a:sym typeface="Arial"/>
+              </a:rPr>
+              <a:t>DAGIRAL, Éric, LICOPPE, Christian, MARTIN, Olivier, </a:t>
+            </a:r>
+            <a:r>
+              <a:rPr lang="fr-FR" sz="1500" b="1" i="1" u="none" strike="noStrike" cap="none">
+                <a:solidFill>
+                  <a:schemeClr val="dk1"/>
+                </a:solidFill>
+                <a:latin typeface="Arial"/>
+                <a:ea typeface="Arial"/>
+                <a:cs typeface="Arial"/>
+                <a:sym typeface="Arial"/>
+              </a:rPr>
+              <a:t>et al.</a:t>
+            </a:r>
+            <a:r>
+              <a:rPr lang="fr-FR" sz="1500" b="0" i="0" u="none" strike="noStrike" cap="none">
+                <a:solidFill>
+                  <a:schemeClr val="dk1"/>
+                </a:solidFill>
+                <a:latin typeface="Arial"/>
+                <a:ea typeface="Arial"/>
+                <a:cs typeface="Arial"/>
+                <a:sym typeface="Arial"/>
+              </a:rPr>
+              <a:t> Le Quantified Self en question (s) Un état des lieux des travaux de sciences sociales consacrés à l’automesure des individus. </a:t>
+            </a:r>
+            <a:r>
+              <a:rPr lang="fr-FR" sz="1500" b="0" i="1" u="none" strike="noStrike" cap="none">
+                <a:solidFill>
+                  <a:schemeClr val="dk1"/>
+                </a:solidFill>
+                <a:latin typeface="Arial"/>
+                <a:ea typeface="Arial"/>
+                <a:cs typeface="Arial"/>
+                <a:sym typeface="Arial"/>
+              </a:rPr>
+              <a:t>Réseaux</a:t>
+            </a:r>
+            <a:r>
+              <a:rPr lang="fr-FR" sz="1500" b="0" i="0" u="none" strike="noStrike" cap="none">
+                <a:solidFill>
+                  <a:schemeClr val="dk1"/>
+                </a:solidFill>
+                <a:latin typeface="Arial"/>
+                <a:ea typeface="Arial"/>
+                <a:cs typeface="Arial"/>
+                <a:sym typeface="Arial"/>
+              </a:rPr>
+              <a:t>, 2019, no 4, p. 17-54.</a:t>
+            </a:r>
+            <a:endParaRPr/>
+          </a:p>
+          <a:p>
+            <a:pPr marL="0" marR="0" lvl="0" indent="0" algn="l" rtl="0">
+              <a:lnSpc>
+                <a:spcPct val="90000"/>
+              </a:lnSpc>
+              <a:spcBef>
+                <a:spcPts val="25"/>
+              </a:spcBef>
+              <a:spcAft>
+                <a:spcPts val="0"/>
+              </a:spcAft>
+              <a:buClr>
+                <a:schemeClr val="dk1"/>
+              </a:buClr>
+              <a:buSzPts val="1100"/>
+              <a:buFont typeface="Arial"/>
+              <a:buNone/>
+            </a:pPr>
+            <a:endParaRPr sz="1500" b="0" i="0" u="none" strike="noStrike" cap="none">
+              <a:solidFill>
+                <a:schemeClr val="dk1"/>
+              </a:solidFill>
+              <a:latin typeface="Arial"/>
+              <a:ea typeface="Arial"/>
+              <a:cs typeface="Arial"/>
+              <a:sym typeface="Arial"/>
+            </a:endParaRPr>
+          </a:p>
+          <a:p>
+            <a:pPr marL="0" marR="0" lvl="0" indent="0" algn="l" rtl="0">
+              <a:lnSpc>
+                <a:spcPct val="90000"/>
+              </a:lnSpc>
+              <a:spcBef>
+                <a:spcPts val="25"/>
+              </a:spcBef>
+              <a:spcAft>
+                <a:spcPts val="0"/>
+              </a:spcAft>
+              <a:buClr>
+                <a:schemeClr val="dk1"/>
+              </a:buClr>
+              <a:buSzPts val="1100"/>
+              <a:buFont typeface="Arial"/>
+              <a:buNone/>
+            </a:pPr>
+            <a:r>
+              <a:rPr lang="fr-FR" sz="1500" b="1" i="0" u="none" strike="noStrike" cap="none">
+                <a:solidFill>
+                  <a:schemeClr val="dk1"/>
+                </a:solidFill>
+                <a:latin typeface="Arial"/>
+                <a:ea typeface="Arial"/>
+                <a:cs typeface="Arial"/>
+                <a:sym typeface="Arial"/>
+              </a:rPr>
+              <a:t>MARTIN Olivier</a:t>
+            </a:r>
+            <a:r>
+              <a:rPr lang="fr-FR" sz="1500" b="0" i="0" u="none" strike="noStrike" cap="none">
+                <a:solidFill>
+                  <a:schemeClr val="dk1"/>
+                </a:solidFill>
+                <a:latin typeface="Arial"/>
+                <a:ea typeface="Arial"/>
+                <a:cs typeface="Arial"/>
+                <a:sym typeface="Arial"/>
+              </a:rPr>
+              <a:t>, </a:t>
+            </a:r>
+            <a:r>
+              <a:rPr lang="fr-FR" sz="1500" b="0" i="1" u="none" strike="noStrike" cap="none">
+                <a:solidFill>
+                  <a:schemeClr val="dk1"/>
+                </a:solidFill>
+                <a:latin typeface="Arial"/>
+                <a:ea typeface="Arial"/>
+                <a:cs typeface="Arial"/>
+                <a:sym typeface="Arial"/>
+              </a:rPr>
+              <a:t>L'analyse quantitative des données. </a:t>
+            </a:r>
+            <a:r>
+              <a:rPr lang="fr-FR" sz="1500" b="0" i="0" u="none" strike="noStrike" cap="none">
+                <a:solidFill>
+                  <a:schemeClr val="dk1"/>
+                </a:solidFill>
+                <a:latin typeface="Arial"/>
+                <a:ea typeface="Arial"/>
+                <a:cs typeface="Arial"/>
+                <a:sym typeface="Arial"/>
+              </a:rPr>
+              <a:t>Armand Colin, « 128 », 2020. </a:t>
+            </a:r>
+            <a:endParaRPr/>
+          </a:p>
+          <a:p>
+            <a:pPr marL="0" marR="0" lvl="0" indent="0" algn="l" rtl="0">
+              <a:lnSpc>
+                <a:spcPct val="90000"/>
+              </a:lnSpc>
+              <a:spcBef>
+                <a:spcPts val="25"/>
+              </a:spcBef>
+              <a:spcAft>
+                <a:spcPts val="0"/>
+              </a:spcAft>
+              <a:buClr>
+                <a:schemeClr val="dk1"/>
+              </a:buClr>
+              <a:buSzPts val="1100"/>
+              <a:buFont typeface="Arial"/>
+              <a:buNone/>
+            </a:pPr>
+            <a:endParaRPr sz="1500" b="1" i="0" u="none" strike="noStrike" cap="none">
+              <a:solidFill>
+                <a:schemeClr val="dk1"/>
+              </a:solidFill>
+              <a:latin typeface="Arial"/>
+              <a:ea typeface="Arial"/>
+              <a:cs typeface="Arial"/>
+              <a:sym typeface="Arial"/>
+            </a:endParaRPr>
+          </a:p>
+          <a:p>
+            <a:pPr marL="0" marR="0" lvl="0" indent="0" algn="l" rtl="0">
+              <a:lnSpc>
+                <a:spcPct val="90000"/>
+              </a:lnSpc>
+              <a:spcBef>
+                <a:spcPts val="25"/>
+              </a:spcBef>
+              <a:spcAft>
+                <a:spcPts val="0"/>
+              </a:spcAft>
+              <a:buClr>
+                <a:schemeClr val="dk1"/>
+              </a:buClr>
+              <a:buSzPts val="1100"/>
+              <a:buFont typeface="Arial"/>
+              <a:buNone/>
+            </a:pPr>
+            <a:r>
+              <a:rPr lang="fr-FR" sz="1500" b="1" i="0" u="none" strike="noStrike" cap="none">
+                <a:solidFill>
+                  <a:schemeClr val="dk1"/>
+                </a:solidFill>
+                <a:latin typeface="Arial"/>
+                <a:ea typeface="Arial"/>
+                <a:cs typeface="Arial"/>
+                <a:sym typeface="Arial"/>
+              </a:rPr>
+              <a:t>ALAN, Sule, ERTAC, Seda, et MUMCU, Ipek</a:t>
+            </a:r>
+            <a:r>
+              <a:rPr lang="fr-FR" sz="1500" b="0" i="0" u="none" strike="noStrike" cap="none">
+                <a:solidFill>
+                  <a:schemeClr val="dk1"/>
+                </a:solidFill>
+                <a:latin typeface="Arial"/>
+                <a:ea typeface="Arial"/>
+                <a:cs typeface="Arial"/>
+                <a:sym typeface="Arial"/>
+              </a:rPr>
+              <a:t>. Gender stereotypes in the classroom and effects on achievement. </a:t>
+            </a:r>
+            <a:r>
+              <a:rPr lang="fr-FR" sz="1500" b="0" i="1" u="none" strike="noStrike" cap="none">
+                <a:solidFill>
+                  <a:schemeClr val="dk1"/>
+                </a:solidFill>
+                <a:latin typeface="Arial"/>
+                <a:ea typeface="Arial"/>
+                <a:cs typeface="Arial"/>
+                <a:sym typeface="Arial"/>
+              </a:rPr>
+              <a:t>Review of Economics and Statistics</a:t>
+            </a:r>
+            <a:r>
+              <a:rPr lang="fr-FR" sz="1500" b="0" i="0" u="none" strike="noStrike" cap="none">
+                <a:solidFill>
+                  <a:schemeClr val="dk1"/>
+                </a:solidFill>
+                <a:latin typeface="Arial"/>
+                <a:ea typeface="Arial"/>
+                <a:cs typeface="Arial"/>
+                <a:sym typeface="Arial"/>
+              </a:rPr>
+              <a:t>, 2018, vol. 100, no 5, p. 876-890.</a:t>
+            </a:r>
+            <a:endParaRPr/>
+          </a:p>
+          <a:p>
+            <a:pPr marL="0" marR="0" lvl="0" indent="0" algn="l" rtl="0">
+              <a:lnSpc>
+                <a:spcPct val="90000"/>
+              </a:lnSpc>
+              <a:spcBef>
+                <a:spcPts val="25"/>
+              </a:spcBef>
+              <a:spcAft>
+                <a:spcPts val="0"/>
+              </a:spcAft>
+              <a:buClr>
+                <a:schemeClr val="dk1"/>
+              </a:buClr>
+              <a:buSzPts val="1100"/>
+              <a:buFont typeface="Arial"/>
+              <a:buNone/>
+            </a:pPr>
+            <a:endParaRPr sz="1500" b="0" i="0" u="none" strike="noStrike" cap="none">
+              <a:solidFill>
+                <a:schemeClr val="dk1"/>
+              </a:solidFill>
+              <a:latin typeface="Arial"/>
+              <a:ea typeface="Arial"/>
+              <a:cs typeface="Arial"/>
+              <a:sym typeface="Arial"/>
+            </a:endParaRPr>
+          </a:p>
+          <a:p>
+            <a:pPr marL="0" marR="0" lvl="0" indent="0" algn="l" rtl="0">
+              <a:lnSpc>
+                <a:spcPct val="90000"/>
+              </a:lnSpc>
+              <a:spcBef>
+                <a:spcPts val="25"/>
+              </a:spcBef>
+              <a:spcAft>
+                <a:spcPts val="0"/>
+              </a:spcAft>
+              <a:buClr>
+                <a:schemeClr val="dk1"/>
+              </a:buClr>
+              <a:buSzPts val="1100"/>
+              <a:buFont typeface="Arial"/>
+              <a:buNone/>
+            </a:pPr>
+            <a:r>
+              <a:rPr lang="fr-FR" sz="1500" b="1" i="0" u="none" strike="noStrike" cap="none">
+                <a:solidFill>
+                  <a:schemeClr val="dk1"/>
+                </a:solidFill>
+                <a:latin typeface="Arial"/>
+                <a:ea typeface="Arial"/>
+                <a:cs typeface="Arial"/>
+                <a:sym typeface="Arial"/>
+              </a:rPr>
+              <a:t>STEELE, Claude M. et ARONSON, Joshua</a:t>
+            </a:r>
+            <a:r>
+              <a:rPr lang="fr-FR" sz="1500" b="0" i="0" u="none" strike="noStrike" cap="none">
+                <a:solidFill>
+                  <a:schemeClr val="dk1"/>
+                </a:solidFill>
+                <a:latin typeface="Arial"/>
+                <a:ea typeface="Arial"/>
+                <a:cs typeface="Arial"/>
+                <a:sym typeface="Arial"/>
+              </a:rPr>
+              <a:t>. Stereotype threat and the intellectual test performance of African Americans. </a:t>
+            </a:r>
+            <a:r>
+              <a:rPr lang="fr-FR" sz="1500" b="0" i="1" u="none" strike="noStrike" cap="none">
+                <a:solidFill>
+                  <a:schemeClr val="dk1"/>
+                </a:solidFill>
+                <a:latin typeface="Arial"/>
+                <a:ea typeface="Arial"/>
+                <a:cs typeface="Arial"/>
+                <a:sym typeface="Arial"/>
+              </a:rPr>
+              <a:t>Journal of personality and social psychology</a:t>
+            </a:r>
+            <a:r>
+              <a:rPr lang="fr-FR" sz="1500" b="0" i="0" u="none" strike="noStrike" cap="none">
+                <a:solidFill>
+                  <a:schemeClr val="dk1"/>
+                </a:solidFill>
+                <a:latin typeface="Arial"/>
+                <a:ea typeface="Arial"/>
+                <a:cs typeface="Arial"/>
+                <a:sym typeface="Arial"/>
+              </a:rPr>
+              <a:t>, 1995, vol. 69, no 5, p. 797.</a:t>
+            </a:r>
+            <a:endParaRPr/>
+          </a:p>
+          <a:p>
+            <a:pPr marL="0" marR="0" lvl="0" indent="0" algn="l" rtl="0">
+              <a:lnSpc>
+                <a:spcPct val="90000"/>
+              </a:lnSpc>
+              <a:spcBef>
+                <a:spcPts val="25"/>
+              </a:spcBef>
+              <a:spcAft>
+                <a:spcPts val="0"/>
+              </a:spcAft>
+              <a:buClr>
+                <a:schemeClr val="dk1"/>
+              </a:buClr>
+              <a:buSzPts val="1100"/>
+              <a:buFont typeface="Arial"/>
+              <a:buNone/>
+            </a:pPr>
+            <a:endParaRPr sz="1500" b="0" i="0" u="none" strike="noStrike" cap="none">
+              <a:solidFill>
+                <a:schemeClr val="dk1"/>
+              </a:solidFill>
+              <a:latin typeface="Arial"/>
+              <a:ea typeface="Arial"/>
+              <a:cs typeface="Arial"/>
+              <a:sym typeface="Arial"/>
+            </a:endParaRPr>
+          </a:p>
+          <a:p>
+            <a:pPr marL="0" marR="0" lvl="0" indent="0" algn="l" rtl="0">
+              <a:lnSpc>
+                <a:spcPct val="90000"/>
+              </a:lnSpc>
+              <a:spcBef>
+                <a:spcPts val="25"/>
+              </a:spcBef>
+              <a:spcAft>
+                <a:spcPts val="0"/>
+              </a:spcAft>
+              <a:buClr>
+                <a:schemeClr val="dk1"/>
+              </a:buClr>
+              <a:buSzPts val="1100"/>
+              <a:buFont typeface="Arial"/>
+              <a:buNone/>
+            </a:pPr>
+            <a:r>
+              <a:rPr lang="fr-FR" sz="1500" b="1" i="0" u="none" strike="noStrike" cap="none">
+                <a:solidFill>
+                  <a:schemeClr val="dk1"/>
+                </a:solidFill>
+                <a:latin typeface="Arial"/>
+                <a:ea typeface="Arial"/>
+                <a:cs typeface="Arial"/>
+                <a:sym typeface="Arial"/>
+              </a:rPr>
+              <a:t>TITTEL Katharina</a:t>
+            </a:r>
+            <a:r>
+              <a:rPr lang="fr-FR" sz="1500" b="0" i="0" u="none" strike="noStrike" cap="none">
+                <a:solidFill>
+                  <a:schemeClr val="dk1"/>
+                </a:solidFill>
+                <a:latin typeface="Arial"/>
+                <a:ea typeface="Arial"/>
+                <a:cs typeface="Arial"/>
+                <a:sym typeface="Arial"/>
+              </a:rPr>
+              <a:t>, « Ébrécher le plafond de verre sans le percer. Le pouvoir épisodique des internautes ordinaires dans le discours Français sur l’immigration sur Twitter », </a:t>
+            </a:r>
+            <a:r>
+              <a:rPr lang="fr-FR" sz="1500" b="0" i="1" u="none" strike="noStrike" cap="none">
+                <a:solidFill>
+                  <a:schemeClr val="dk1"/>
+                </a:solidFill>
+                <a:latin typeface="Arial"/>
+                <a:ea typeface="Arial"/>
+                <a:cs typeface="Arial"/>
+                <a:sym typeface="Arial"/>
+              </a:rPr>
+              <a:t>Hommes &amp; Migrations</a:t>
+            </a:r>
+            <a:r>
+              <a:rPr lang="fr-FR" sz="1500" b="0" i="0" u="none" strike="noStrike" cap="none">
+                <a:solidFill>
+                  <a:schemeClr val="dk1"/>
+                </a:solidFill>
+                <a:latin typeface="Arial"/>
+                <a:ea typeface="Arial"/>
+                <a:cs typeface="Arial"/>
+                <a:sym typeface="Arial"/>
+              </a:rPr>
+              <a:t>, 2022/2 (n° 1337), p. 21-33. </a:t>
+            </a:r>
+            <a:endParaRPr sz="1500" b="0" i="0" u="none" strike="noStrike" cap="none">
+              <a:solidFill>
+                <a:schemeClr val="dk1"/>
+              </a:solidFill>
+              <a:latin typeface="Arial"/>
+              <a:ea typeface="Arial"/>
+              <a:cs typeface="Arial"/>
+              <a:sym typeface="Arial"/>
+            </a:endParaRPr>
+          </a:p>
+        </p:txBody>
+      </p:sp>
+      <p:sp>
+        <p:nvSpPr>
+          <p:cNvPr id="518" name="Google Shape;518;g2abac93716c_0_50"/>
+          <p:cNvSpPr txBox="1"/>
+          <p:nvPr/>
+        </p:nvSpPr>
+        <p:spPr>
+          <a:xfrm>
+            <a:off x="467650" y="973475"/>
+            <a:ext cx="8219100" cy="698100"/>
+          </a:xfrm>
+          <a:prstGeom prst="rect">
+            <a:avLst/>
+          </a:prstGeom>
+          <a:noFill/>
+          <a:ln>
+            <a:noFill/>
+          </a:ln>
+        </p:spPr>
+        <p:txBody>
+          <a:bodyPr spcFirstLastPara="1" wrap="square" lIns="91425" tIns="91425" rIns="91425" bIns="91425" anchor="t" anchorCtr="0">
+            <a:noAutofit/>
+          </a:bodyPr>
+          <a:lstStyle/>
+          <a:p>
+            <a:pPr marL="0" marR="0" lvl="0" indent="0" algn="l" rtl="0">
+              <a:lnSpc>
+                <a:spcPct val="100000"/>
+              </a:lnSpc>
+              <a:spcBef>
+                <a:spcPts val="0"/>
+              </a:spcBef>
+              <a:spcAft>
+                <a:spcPts val="0"/>
+              </a:spcAft>
+              <a:buClr>
+                <a:srgbClr val="000000"/>
+              </a:buClr>
+              <a:buSzPts val="3200"/>
+              <a:buFont typeface="Arial"/>
+              <a:buNone/>
+            </a:pPr>
+            <a:r>
+              <a:rPr lang="fr-FR" sz="3200" b="1" i="0" u="none" strike="noStrike" cap="none">
+                <a:solidFill>
+                  <a:srgbClr val="2E5D5A"/>
+                </a:solidFill>
+                <a:latin typeface="Calibri"/>
+                <a:ea typeface="Calibri"/>
+                <a:cs typeface="Calibri"/>
+                <a:sym typeface="Calibri"/>
+              </a:rPr>
+              <a:t>Références bibliographiques</a:t>
             </a:r>
             <a:endParaRPr sz="3200" b="1" i="0" u="none" strike="noStrike" cap="none">
               <a:solidFill>
@@ -45417,1006 +45698,6 @@
 </p:sld>
 </file>
 
-<file path=ppt/slides/slide50.xml><?xml version="1.0" encoding="utf-8"?>
-<p:sld xmlns:a="http://schemas.openxmlformats.org/drawingml/2006/main" xmlns:r="http://schemas.openxmlformats.org/officeDocument/2006/relationships" xmlns:p="http://schemas.openxmlformats.org/presentationml/2006/main">
-  <p:cSld>
-    <p:spTree>
-      <p:nvGrpSpPr>
-        <p:cNvPr id="1" name="Shape 513"/>
-        <p:cNvGrpSpPr/>
-        <p:nvPr/>
-      </p:nvGrpSpPr>
-      <p:grpSpPr>
-        <a:xfrm>
-          <a:off x="0" y="0"/>
-          <a:ext cx="0" cy="0"/>
-          <a:chOff x="0" y="0"/>
-          <a:chExt cx="0" cy="0"/>
-        </a:xfrm>
-      </p:grpSpPr>
-      <p:sp>
-        <p:nvSpPr>
-          <p:cNvPr id="514" name="Google Shape;514;g2abac93716c_0_50"/>
-          <p:cNvSpPr txBox="1">
-            <a:spLocks noGrp="1"/>
-          </p:cNvSpPr>
-          <p:nvPr>
-            <p:ph type="sldNum" idx="12"/>
-          </p:nvPr>
-        </p:nvSpPr>
-        <p:spPr>
-          <a:xfrm>
-            <a:off x="6553200" y="6356350"/>
-            <a:ext cx="2133600" cy="365100"/>
-          </a:xfrm>
-          <a:prstGeom prst="rect">
-            <a:avLst/>
-          </a:prstGeom>
-          <a:noFill/>
-          <a:ln>
-            <a:noFill/>
-          </a:ln>
-        </p:spPr>
-        <p:txBody>
-          <a:bodyPr spcFirstLastPara="1" wrap="square" lIns="91425" tIns="45700" rIns="91425" bIns="45700" anchor="ctr" anchorCtr="0">
-            <a:noAutofit/>
-          </a:bodyPr>
-          <a:lstStyle/>
-          <a:p>
-            <a:pPr marL="0" lvl="0" indent="0" algn="r" rtl="0">
-              <a:lnSpc>
-                <a:spcPct val="100000"/>
-              </a:lnSpc>
-              <a:spcBef>
-                <a:spcPts val="0"/>
-              </a:spcBef>
-              <a:spcAft>
-                <a:spcPts val="0"/>
-              </a:spcAft>
-              <a:buSzPts val="1000"/>
-              <a:buNone/>
-            </a:pPr>
-            <a:fld id="{00000000-1234-1234-1234-123412341234}" type="slidenum">
-              <a:rPr lang="fr-FR" sz="1000">
-                <a:solidFill>
-                  <a:srgbClr val="808080"/>
-                </a:solidFill>
-                <a:latin typeface="Arial"/>
-                <a:ea typeface="Arial"/>
-                <a:cs typeface="Arial"/>
-                <a:sym typeface="Arial"/>
-              </a:rPr>
-              <a:t>50</a:t>
-            </a:fld>
-            <a:endParaRPr sz="1000">
-              <a:solidFill>
-                <a:srgbClr val="808080"/>
-              </a:solidFill>
-              <a:latin typeface="Arial"/>
-              <a:ea typeface="Arial"/>
-              <a:cs typeface="Arial"/>
-              <a:sym typeface="Arial"/>
-            </a:endParaRPr>
-          </a:p>
-        </p:txBody>
-      </p:sp>
-      <p:sp>
-        <p:nvSpPr>
-          <p:cNvPr id="515" name="Google Shape;515;g2abac93716c_0_50"/>
-          <p:cNvSpPr/>
-          <p:nvPr/>
-        </p:nvSpPr>
-        <p:spPr>
-          <a:xfrm>
-            <a:off x="0" y="0"/>
-            <a:ext cx="9144000" cy="698100"/>
-          </a:xfrm>
-          <a:prstGeom prst="rect">
-            <a:avLst/>
-          </a:prstGeom>
-          <a:solidFill>
-            <a:srgbClr val="2E5D5A"/>
-          </a:solidFill>
-          <a:ln>
-            <a:noFill/>
-          </a:ln>
-        </p:spPr>
-        <p:txBody>
-          <a:bodyPr spcFirstLastPara="1" wrap="square" lIns="91425" tIns="45700" rIns="91425" bIns="45700" anchor="ctr" anchorCtr="0">
-            <a:noAutofit/>
-          </a:bodyPr>
-          <a:lstStyle/>
-          <a:p>
-            <a:pPr marL="0" marR="0" lvl="0" indent="0" algn="ctr" rtl="0">
-              <a:lnSpc>
-                <a:spcPct val="100000"/>
-              </a:lnSpc>
-              <a:spcBef>
-                <a:spcPts val="0"/>
-              </a:spcBef>
-              <a:spcAft>
-                <a:spcPts val="0"/>
-              </a:spcAft>
-              <a:buClr>
-                <a:srgbClr val="000000"/>
-              </a:buClr>
-              <a:buSzPts val="1800"/>
-              <a:buFont typeface="Arial"/>
-              <a:buNone/>
-            </a:pPr>
-            <a:endParaRPr sz="1800" b="0" i="0" u="none" strike="noStrike" cap="none">
-              <a:solidFill>
-                <a:schemeClr val="dk1"/>
-              </a:solidFill>
-              <a:latin typeface="Calibri"/>
-              <a:ea typeface="Calibri"/>
-              <a:cs typeface="Calibri"/>
-              <a:sym typeface="Calibri"/>
-            </a:endParaRPr>
-          </a:p>
-        </p:txBody>
-      </p:sp>
-      <p:sp>
-        <p:nvSpPr>
-          <p:cNvPr id="516" name="Google Shape;516;g2abac93716c_0_50"/>
-          <p:cNvSpPr txBox="1"/>
-          <p:nvPr/>
-        </p:nvSpPr>
-        <p:spPr>
-          <a:xfrm>
-            <a:off x="6904408" y="142212"/>
-            <a:ext cx="1975500" cy="428400"/>
-          </a:xfrm>
-          <a:prstGeom prst="rect">
-            <a:avLst/>
-          </a:prstGeom>
-          <a:noFill/>
-          <a:ln>
-            <a:noFill/>
-          </a:ln>
-        </p:spPr>
-        <p:txBody>
-          <a:bodyPr spcFirstLastPara="1" wrap="square" lIns="91425" tIns="45700" rIns="91425" bIns="45700" anchor="t" anchorCtr="0">
-            <a:noAutofit/>
-          </a:bodyPr>
-          <a:lstStyle/>
-          <a:p>
-            <a:pPr marL="0" marR="0" lvl="0" indent="0" algn="r" rtl="0">
-              <a:lnSpc>
-                <a:spcPct val="110000"/>
-              </a:lnSpc>
-              <a:spcBef>
-                <a:spcPts val="0"/>
-              </a:spcBef>
-              <a:spcAft>
-                <a:spcPts val="0"/>
-              </a:spcAft>
-              <a:buClr>
-                <a:srgbClr val="000000"/>
-              </a:buClr>
-              <a:buSzPts val="1000"/>
-              <a:buFont typeface="Arial"/>
-              <a:buNone/>
-            </a:pPr>
-            <a:r>
-              <a:rPr lang="fr-FR" sz="1000" b="1" i="0" u="none" strike="noStrike" cap="none">
-                <a:solidFill>
-                  <a:srgbClr val="FFFFFF"/>
-                </a:solidFill>
-                <a:latin typeface="Arial"/>
-                <a:ea typeface="Arial"/>
-                <a:cs typeface="Arial"/>
-                <a:sym typeface="Arial"/>
-              </a:rPr>
-              <a:t>SEANCE 1</a:t>
-            </a:r>
-            <a:br>
-              <a:rPr lang="fr-FR" sz="1000" b="0" i="0" u="none" strike="noStrike" cap="none">
-                <a:solidFill>
-                  <a:srgbClr val="FFFFFF"/>
-                </a:solidFill>
-                <a:latin typeface="Arial"/>
-                <a:ea typeface="Arial"/>
-                <a:cs typeface="Arial"/>
-                <a:sym typeface="Arial"/>
-              </a:rPr>
-            </a:br>
-            <a:r>
-              <a:rPr lang="fr-FR" sz="1000" b="0" i="0" u="none" strike="noStrike" cap="none">
-                <a:solidFill>
-                  <a:srgbClr val="FFFFFF"/>
-                </a:solidFill>
-                <a:latin typeface="Arial"/>
-                <a:ea typeface="Arial"/>
-                <a:cs typeface="Arial"/>
-                <a:sym typeface="Arial"/>
-              </a:rPr>
-              <a:t>Cours introductif</a:t>
-            </a:r>
-            <a:endParaRPr sz="1000" b="0" i="0" u="none" strike="noStrike" cap="none">
-              <a:solidFill>
-                <a:srgbClr val="FFFFFF"/>
-              </a:solidFill>
-              <a:latin typeface="Arial"/>
-              <a:ea typeface="Arial"/>
-              <a:cs typeface="Arial"/>
-              <a:sym typeface="Arial"/>
-            </a:endParaRPr>
-          </a:p>
-        </p:txBody>
-      </p:sp>
-      <p:sp>
-        <p:nvSpPr>
-          <p:cNvPr id="517" name="Google Shape;517;g2abac93716c_0_50"/>
-          <p:cNvSpPr txBox="1"/>
-          <p:nvPr/>
-        </p:nvSpPr>
-        <p:spPr>
-          <a:xfrm>
-            <a:off x="467925" y="1846650"/>
-            <a:ext cx="8219100" cy="4215000"/>
-          </a:xfrm>
-          <a:prstGeom prst="rect">
-            <a:avLst/>
-          </a:prstGeom>
-          <a:noFill/>
-          <a:ln>
-            <a:noFill/>
-          </a:ln>
-        </p:spPr>
-        <p:txBody>
-          <a:bodyPr spcFirstLastPara="1" wrap="square" lIns="91425" tIns="91425" rIns="91425" bIns="91425" anchor="t" anchorCtr="0">
-            <a:noAutofit/>
-          </a:bodyPr>
-          <a:lstStyle/>
-          <a:p>
-            <a:pPr marL="0" marR="0" lvl="0" indent="0" algn="l" rtl="0">
-              <a:lnSpc>
-                <a:spcPct val="90000"/>
-              </a:lnSpc>
-              <a:spcBef>
-                <a:spcPts val="25"/>
-              </a:spcBef>
-              <a:spcAft>
-                <a:spcPts val="0"/>
-              </a:spcAft>
-              <a:buClr>
-                <a:schemeClr val="dk1"/>
-              </a:buClr>
-              <a:buSzPts val="1100"/>
-              <a:buFont typeface="Arial"/>
-              <a:buNone/>
-            </a:pPr>
-            <a:r>
-              <a:rPr lang="fr-FR" sz="1500" b="1" i="0" u="none" strike="noStrike" cap="none">
-                <a:solidFill>
-                  <a:schemeClr val="dk1"/>
-                </a:solidFill>
-                <a:latin typeface="Arial"/>
-                <a:ea typeface="Arial"/>
-                <a:cs typeface="Arial"/>
-                <a:sym typeface="Arial"/>
-              </a:rPr>
-              <a:t>BERGSTRÖM Marie, </a:t>
-            </a:r>
-            <a:r>
-              <a:rPr lang="fr-FR" sz="1500" b="0" i="0" u="none" strike="noStrike" cap="none">
-                <a:solidFill>
-                  <a:schemeClr val="dk1"/>
-                </a:solidFill>
-                <a:latin typeface="Arial"/>
-                <a:ea typeface="Arial"/>
-                <a:cs typeface="Arial"/>
-                <a:sym typeface="Arial"/>
-              </a:rPr>
-              <a:t>« De quoi l’écart d’âge est-il le nombre ? L’apport des big data à l’étude de la différence d’âge au sein des couples », </a:t>
-            </a:r>
-            <a:r>
-              <a:rPr lang="fr-FR" sz="1500" b="0" i="1" u="none" strike="noStrike" cap="none">
-                <a:solidFill>
-                  <a:schemeClr val="dk1"/>
-                </a:solidFill>
-                <a:latin typeface="Arial"/>
-                <a:ea typeface="Arial"/>
-                <a:cs typeface="Arial"/>
-                <a:sym typeface="Arial"/>
-              </a:rPr>
-              <a:t>Revue française de sociologie</a:t>
-            </a:r>
-            <a:r>
-              <a:rPr lang="fr-FR" sz="1500" b="0" i="0" u="none" strike="noStrike" cap="none">
-                <a:solidFill>
-                  <a:schemeClr val="dk1"/>
-                </a:solidFill>
-                <a:latin typeface="Arial"/>
-                <a:ea typeface="Arial"/>
-                <a:cs typeface="Arial"/>
-                <a:sym typeface="Arial"/>
-              </a:rPr>
-              <a:t>, 2018/3 (Vol. 59), pp. 395-422.</a:t>
-            </a:r>
-            <a:endParaRPr/>
-          </a:p>
-          <a:p>
-            <a:pPr marL="0" marR="0" lvl="0" indent="0" algn="l" rtl="0">
-              <a:lnSpc>
-                <a:spcPct val="90000"/>
-              </a:lnSpc>
-              <a:spcBef>
-                <a:spcPts val="25"/>
-              </a:spcBef>
-              <a:spcAft>
-                <a:spcPts val="0"/>
-              </a:spcAft>
-              <a:buClr>
-                <a:schemeClr val="dk1"/>
-              </a:buClr>
-              <a:buSzPts val="1100"/>
-              <a:buFont typeface="Arial"/>
-              <a:buNone/>
-            </a:pPr>
-            <a:endParaRPr sz="1500" b="0" i="0" u="none" strike="noStrike" cap="none">
-              <a:solidFill>
-                <a:schemeClr val="dk1"/>
-              </a:solidFill>
-              <a:latin typeface="Arial"/>
-              <a:ea typeface="Arial"/>
-              <a:cs typeface="Arial"/>
-              <a:sym typeface="Arial"/>
-            </a:endParaRPr>
-          </a:p>
-          <a:p>
-            <a:pPr marL="0" marR="0" lvl="0" indent="0" algn="l" rtl="0">
-              <a:lnSpc>
-                <a:spcPct val="90000"/>
-              </a:lnSpc>
-              <a:spcBef>
-                <a:spcPts val="25"/>
-              </a:spcBef>
-              <a:spcAft>
-                <a:spcPts val="0"/>
-              </a:spcAft>
-              <a:buClr>
-                <a:schemeClr val="dk1"/>
-              </a:buClr>
-              <a:buSzPts val="1100"/>
-              <a:buFont typeface="Arial"/>
-              <a:buNone/>
-            </a:pPr>
-            <a:r>
-              <a:rPr lang="fr-FR" sz="1600" b="1" i="0" u="none" strike="noStrike" cap="none">
-                <a:solidFill>
-                  <a:schemeClr val="dk1"/>
-                </a:solidFill>
-                <a:latin typeface="Arial"/>
-                <a:ea typeface="Arial"/>
-                <a:cs typeface="Arial"/>
-                <a:sym typeface="Arial"/>
-              </a:rPr>
-              <a:t>BRUN, Solène, et COSQUER, Clair.</a:t>
-            </a:r>
-            <a:r>
-              <a:rPr lang="fr-FR" sz="1600" b="0" i="0" u="none" strike="noStrike" cap="none">
-                <a:solidFill>
-                  <a:schemeClr val="dk1"/>
-                </a:solidFill>
-                <a:latin typeface="Arial"/>
-                <a:ea typeface="Arial"/>
-                <a:cs typeface="Arial"/>
-                <a:sym typeface="Arial"/>
-              </a:rPr>
-              <a:t> « 9. Les défis méthodologiques d’une analyse sociologique de la race », dans </a:t>
-            </a:r>
-            <a:r>
-              <a:rPr lang="fr-FR" sz="1600" b="0" i="1" u="none" strike="noStrike" cap="none">
-                <a:solidFill>
-                  <a:schemeClr val="dk1"/>
-                </a:solidFill>
-                <a:latin typeface="Arial"/>
-                <a:ea typeface="Arial"/>
-                <a:cs typeface="Arial"/>
-                <a:sym typeface="Arial"/>
-              </a:rPr>
-              <a:t>Sociologie de la race</a:t>
-            </a:r>
-            <a:r>
-              <a:rPr lang="fr-FR" sz="1600" b="0" i="0" u="none" strike="noStrike" cap="none">
-                <a:solidFill>
-                  <a:schemeClr val="dk1"/>
-                </a:solidFill>
-                <a:latin typeface="Arial"/>
-                <a:ea typeface="Arial"/>
-                <a:cs typeface="Arial"/>
-                <a:sym typeface="Arial"/>
-              </a:rPr>
-              <a:t>. Armand Colin, 2022, pp. 111-124</a:t>
-            </a:r>
-            <a:endParaRPr sz="1500" b="0" i="0" u="none" strike="noStrike" cap="none">
-              <a:solidFill>
-                <a:schemeClr val="dk1"/>
-              </a:solidFill>
-              <a:latin typeface="Arial"/>
-              <a:ea typeface="Arial"/>
-              <a:cs typeface="Arial"/>
-              <a:sym typeface="Arial"/>
-            </a:endParaRPr>
-          </a:p>
-          <a:p>
-            <a:pPr marL="0" marR="0" lvl="0" indent="0" algn="l" rtl="0">
-              <a:lnSpc>
-                <a:spcPct val="90000"/>
-              </a:lnSpc>
-              <a:spcBef>
-                <a:spcPts val="25"/>
-              </a:spcBef>
-              <a:spcAft>
-                <a:spcPts val="0"/>
-              </a:spcAft>
-              <a:buClr>
-                <a:schemeClr val="dk1"/>
-              </a:buClr>
-              <a:buSzPts val="1100"/>
-              <a:buFont typeface="Arial"/>
-              <a:buNone/>
-            </a:pPr>
-            <a:endParaRPr sz="1500" b="0" i="0" u="none" strike="noStrike" cap="none">
-              <a:solidFill>
-                <a:schemeClr val="dk1"/>
-              </a:solidFill>
-              <a:latin typeface="Arial"/>
-              <a:ea typeface="Arial"/>
-              <a:cs typeface="Arial"/>
-              <a:sym typeface="Arial"/>
-            </a:endParaRPr>
-          </a:p>
-          <a:p>
-            <a:pPr marL="0" marR="0" lvl="0" indent="0" algn="l" rtl="0">
-              <a:lnSpc>
-                <a:spcPct val="90000"/>
-              </a:lnSpc>
-              <a:spcBef>
-                <a:spcPts val="25"/>
-              </a:spcBef>
-              <a:spcAft>
-                <a:spcPts val="0"/>
-              </a:spcAft>
-              <a:buClr>
-                <a:schemeClr val="dk1"/>
-              </a:buClr>
-              <a:buSzPts val="1100"/>
-              <a:buFont typeface="Arial"/>
-              <a:buNone/>
-            </a:pPr>
-            <a:r>
-              <a:rPr lang="fr-FR" sz="1500" b="1" i="0" u="none" strike="noStrike" cap="none">
-                <a:solidFill>
-                  <a:schemeClr val="dk1"/>
-                </a:solidFill>
-                <a:latin typeface="Arial"/>
-                <a:ea typeface="Arial"/>
-                <a:cs typeface="Arial"/>
-                <a:sym typeface="Arial"/>
-              </a:rPr>
-              <a:t>DAGIRAL, Éric, LICOPPE, Christian, MARTIN, Olivier, </a:t>
-            </a:r>
-            <a:r>
-              <a:rPr lang="fr-FR" sz="1500" b="1" i="1" u="none" strike="noStrike" cap="none">
-                <a:solidFill>
-                  <a:schemeClr val="dk1"/>
-                </a:solidFill>
-                <a:latin typeface="Arial"/>
-                <a:ea typeface="Arial"/>
-                <a:cs typeface="Arial"/>
-                <a:sym typeface="Arial"/>
-              </a:rPr>
-              <a:t>et al.</a:t>
-            </a:r>
-            <a:r>
-              <a:rPr lang="fr-FR" sz="1500" b="0" i="0" u="none" strike="noStrike" cap="none">
-                <a:solidFill>
-                  <a:schemeClr val="dk1"/>
-                </a:solidFill>
-                <a:latin typeface="Arial"/>
-                <a:ea typeface="Arial"/>
-                <a:cs typeface="Arial"/>
-                <a:sym typeface="Arial"/>
-              </a:rPr>
-              <a:t> Le Quantified Self en question (s) Un état des lieux des travaux de sciences sociales consacrés à l’automesure des individus. </a:t>
-            </a:r>
-            <a:r>
-              <a:rPr lang="fr-FR" sz="1500" b="0" i="1" u="none" strike="noStrike" cap="none">
-                <a:solidFill>
-                  <a:schemeClr val="dk1"/>
-                </a:solidFill>
-                <a:latin typeface="Arial"/>
-                <a:ea typeface="Arial"/>
-                <a:cs typeface="Arial"/>
-                <a:sym typeface="Arial"/>
-              </a:rPr>
-              <a:t>Réseaux</a:t>
-            </a:r>
-            <a:r>
-              <a:rPr lang="fr-FR" sz="1500" b="0" i="0" u="none" strike="noStrike" cap="none">
-                <a:solidFill>
-                  <a:schemeClr val="dk1"/>
-                </a:solidFill>
-                <a:latin typeface="Arial"/>
-                <a:ea typeface="Arial"/>
-                <a:cs typeface="Arial"/>
-                <a:sym typeface="Arial"/>
-              </a:rPr>
-              <a:t>, 2019, no 4, p. 17-54.</a:t>
-            </a:r>
-            <a:endParaRPr/>
-          </a:p>
-          <a:p>
-            <a:pPr marL="0" marR="0" lvl="0" indent="0" algn="l" rtl="0">
-              <a:lnSpc>
-                <a:spcPct val="90000"/>
-              </a:lnSpc>
-              <a:spcBef>
-                <a:spcPts val="25"/>
-              </a:spcBef>
-              <a:spcAft>
-                <a:spcPts val="0"/>
-              </a:spcAft>
-              <a:buClr>
-                <a:schemeClr val="dk1"/>
-              </a:buClr>
-              <a:buSzPts val="1100"/>
-              <a:buFont typeface="Arial"/>
-              <a:buNone/>
-            </a:pPr>
-            <a:endParaRPr sz="1500" b="0" i="0" u="none" strike="noStrike" cap="none">
-              <a:solidFill>
-                <a:schemeClr val="dk1"/>
-              </a:solidFill>
-              <a:latin typeface="Arial"/>
-              <a:ea typeface="Arial"/>
-              <a:cs typeface="Arial"/>
-              <a:sym typeface="Arial"/>
-            </a:endParaRPr>
-          </a:p>
-          <a:p>
-            <a:pPr marL="0" marR="0" lvl="0" indent="0" algn="l" rtl="0">
-              <a:lnSpc>
-                <a:spcPct val="90000"/>
-              </a:lnSpc>
-              <a:spcBef>
-                <a:spcPts val="25"/>
-              </a:spcBef>
-              <a:spcAft>
-                <a:spcPts val="0"/>
-              </a:spcAft>
-              <a:buClr>
-                <a:schemeClr val="dk1"/>
-              </a:buClr>
-              <a:buSzPts val="1100"/>
-              <a:buFont typeface="Arial"/>
-              <a:buNone/>
-            </a:pPr>
-            <a:r>
-              <a:rPr lang="fr-FR" sz="1500" b="1" i="0" u="none" strike="noStrike" cap="none">
-                <a:solidFill>
-                  <a:schemeClr val="dk1"/>
-                </a:solidFill>
-                <a:latin typeface="Arial"/>
-                <a:ea typeface="Arial"/>
-                <a:cs typeface="Arial"/>
-                <a:sym typeface="Arial"/>
-              </a:rPr>
-              <a:t>MARTIN Olivier</a:t>
-            </a:r>
-            <a:r>
-              <a:rPr lang="fr-FR" sz="1500" b="0" i="0" u="none" strike="noStrike" cap="none">
-                <a:solidFill>
-                  <a:schemeClr val="dk1"/>
-                </a:solidFill>
-                <a:latin typeface="Arial"/>
-                <a:ea typeface="Arial"/>
-                <a:cs typeface="Arial"/>
-                <a:sym typeface="Arial"/>
-              </a:rPr>
-              <a:t>, </a:t>
-            </a:r>
-            <a:r>
-              <a:rPr lang="fr-FR" sz="1500" b="0" i="1" u="none" strike="noStrike" cap="none">
-                <a:solidFill>
-                  <a:schemeClr val="dk1"/>
-                </a:solidFill>
-                <a:latin typeface="Arial"/>
-                <a:ea typeface="Arial"/>
-                <a:cs typeface="Arial"/>
-                <a:sym typeface="Arial"/>
-              </a:rPr>
-              <a:t>L'analyse quantitative des données. </a:t>
-            </a:r>
-            <a:r>
-              <a:rPr lang="fr-FR" sz="1500" b="0" i="0" u="none" strike="noStrike" cap="none">
-                <a:solidFill>
-                  <a:schemeClr val="dk1"/>
-                </a:solidFill>
-                <a:latin typeface="Arial"/>
-                <a:ea typeface="Arial"/>
-                <a:cs typeface="Arial"/>
-                <a:sym typeface="Arial"/>
-              </a:rPr>
-              <a:t>Armand Colin, « 128 », 2020. </a:t>
-            </a:r>
-            <a:endParaRPr/>
-          </a:p>
-          <a:p>
-            <a:pPr marL="0" marR="0" lvl="0" indent="0" algn="l" rtl="0">
-              <a:lnSpc>
-                <a:spcPct val="90000"/>
-              </a:lnSpc>
-              <a:spcBef>
-                <a:spcPts val="25"/>
-              </a:spcBef>
-              <a:spcAft>
-                <a:spcPts val="0"/>
-              </a:spcAft>
-              <a:buClr>
-                <a:schemeClr val="dk1"/>
-              </a:buClr>
-              <a:buSzPts val="1100"/>
-              <a:buFont typeface="Arial"/>
-              <a:buNone/>
-            </a:pPr>
-            <a:endParaRPr sz="1500" b="1" i="0" u="none" strike="noStrike" cap="none">
-              <a:solidFill>
-                <a:schemeClr val="dk1"/>
-              </a:solidFill>
-              <a:latin typeface="Arial"/>
-              <a:ea typeface="Arial"/>
-              <a:cs typeface="Arial"/>
-              <a:sym typeface="Arial"/>
-            </a:endParaRPr>
-          </a:p>
-          <a:p>
-            <a:pPr marL="0" marR="0" lvl="0" indent="0" algn="l" rtl="0">
-              <a:lnSpc>
-                <a:spcPct val="90000"/>
-              </a:lnSpc>
-              <a:spcBef>
-                <a:spcPts val="25"/>
-              </a:spcBef>
-              <a:spcAft>
-                <a:spcPts val="0"/>
-              </a:spcAft>
-              <a:buClr>
-                <a:schemeClr val="dk1"/>
-              </a:buClr>
-              <a:buSzPts val="1100"/>
-              <a:buFont typeface="Arial"/>
-              <a:buNone/>
-            </a:pPr>
-            <a:r>
-              <a:rPr lang="fr-FR" sz="1500" b="1" i="0" u="none" strike="noStrike" cap="none">
-                <a:solidFill>
-                  <a:schemeClr val="dk1"/>
-                </a:solidFill>
-                <a:latin typeface="Arial"/>
-                <a:ea typeface="Arial"/>
-                <a:cs typeface="Arial"/>
-                <a:sym typeface="Arial"/>
-              </a:rPr>
-              <a:t>ALAN, Sule, ERTAC, Seda, et MUMCU, Ipek</a:t>
-            </a:r>
-            <a:r>
-              <a:rPr lang="fr-FR" sz="1500" b="0" i="0" u="none" strike="noStrike" cap="none">
-                <a:solidFill>
-                  <a:schemeClr val="dk1"/>
-                </a:solidFill>
-                <a:latin typeface="Arial"/>
-                <a:ea typeface="Arial"/>
-                <a:cs typeface="Arial"/>
-                <a:sym typeface="Arial"/>
-              </a:rPr>
-              <a:t>. Gender stereotypes in the classroom and effects on achievement. </a:t>
-            </a:r>
-            <a:r>
-              <a:rPr lang="fr-FR" sz="1500" b="0" i="1" u="none" strike="noStrike" cap="none">
-                <a:solidFill>
-                  <a:schemeClr val="dk1"/>
-                </a:solidFill>
-                <a:latin typeface="Arial"/>
-                <a:ea typeface="Arial"/>
-                <a:cs typeface="Arial"/>
-                <a:sym typeface="Arial"/>
-              </a:rPr>
-              <a:t>Review of Economics and Statistics</a:t>
-            </a:r>
-            <a:r>
-              <a:rPr lang="fr-FR" sz="1500" b="0" i="0" u="none" strike="noStrike" cap="none">
-                <a:solidFill>
-                  <a:schemeClr val="dk1"/>
-                </a:solidFill>
-                <a:latin typeface="Arial"/>
-                <a:ea typeface="Arial"/>
-                <a:cs typeface="Arial"/>
-                <a:sym typeface="Arial"/>
-              </a:rPr>
-              <a:t>, 2018, vol. 100, no 5, p. 876-890.</a:t>
-            </a:r>
-            <a:endParaRPr/>
-          </a:p>
-          <a:p>
-            <a:pPr marL="0" marR="0" lvl="0" indent="0" algn="l" rtl="0">
-              <a:lnSpc>
-                <a:spcPct val="90000"/>
-              </a:lnSpc>
-              <a:spcBef>
-                <a:spcPts val="25"/>
-              </a:spcBef>
-              <a:spcAft>
-                <a:spcPts val="0"/>
-              </a:spcAft>
-              <a:buClr>
-                <a:schemeClr val="dk1"/>
-              </a:buClr>
-              <a:buSzPts val="1100"/>
-              <a:buFont typeface="Arial"/>
-              <a:buNone/>
-            </a:pPr>
-            <a:endParaRPr sz="1500" b="0" i="0" u="none" strike="noStrike" cap="none">
-              <a:solidFill>
-                <a:schemeClr val="dk1"/>
-              </a:solidFill>
-              <a:latin typeface="Arial"/>
-              <a:ea typeface="Arial"/>
-              <a:cs typeface="Arial"/>
-              <a:sym typeface="Arial"/>
-            </a:endParaRPr>
-          </a:p>
-          <a:p>
-            <a:pPr marL="0" marR="0" lvl="0" indent="0" algn="l" rtl="0">
-              <a:lnSpc>
-                <a:spcPct val="90000"/>
-              </a:lnSpc>
-              <a:spcBef>
-                <a:spcPts val="25"/>
-              </a:spcBef>
-              <a:spcAft>
-                <a:spcPts val="0"/>
-              </a:spcAft>
-              <a:buClr>
-                <a:schemeClr val="dk1"/>
-              </a:buClr>
-              <a:buSzPts val="1100"/>
-              <a:buFont typeface="Arial"/>
-              <a:buNone/>
-            </a:pPr>
-            <a:r>
-              <a:rPr lang="fr-FR" sz="1500" b="1" i="0" u="none" strike="noStrike" cap="none">
-                <a:solidFill>
-                  <a:schemeClr val="dk1"/>
-                </a:solidFill>
-                <a:latin typeface="Arial"/>
-                <a:ea typeface="Arial"/>
-                <a:cs typeface="Arial"/>
-                <a:sym typeface="Arial"/>
-              </a:rPr>
-              <a:t>STEELE, Claude M. et ARONSON, Joshua</a:t>
-            </a:r>
-            <a:r>
-              <a:rPr lang="fr-FR" sz="1500" b="0" i="0" u="none" strike="noStrike" cap="none">
-                <a:solidFill>
-                  <a:schemeClr val="dk1"/>
-                </a:solidFill>
-                <a:latin typeface="Arial"/>
-                <a:ea typeface="Arial"/>
-                <a:cs typeface="Arial"/>
-                <a:sym typeface="Arial"/>
-              </a:rPr>
-              <a:t>. Stereotype threat and the intellectual test performance of African Americans. </a:t>
-            </a:r>
-            <a:r>
-              <a:rPr lang="fr-FR" sz="1500" b="0" i="1" u="none" strike="noStrike" cap="none">
-                <a:solidFill>
-                  <a:schemeClr val="dk1"/>
-                </a:solidFill>
-                <a:latin typeface="Arial"/>
-                <a:ea typeface="Arial"/>
-                <a:cs typeface="Arial"/>
-                <a:sym typeface="Arial"/>
-              </a:rPr>
-              <a:t>Journal of personality and social psychology</a:t>
-            </a:r>
-            <a:r>
-              <a:rPr lang="fr-FR" sz="1500" b="0" i="0" u="none" strike="noStrike" cap="none">
-                <a:solidFill>
-                  <a:schemeClr val="dk1"/>
-                </a:solidFill>
-                <a:latin typeface="Arial"/>
-                <a:ea typeface="Arial"/>
-                <a:cs typeface="Arial"/>
-                <a:sym typeface="Arial"/>
-              </a:rPr>
-              <a:t>, 1995, vol. 69, no 5, p. 797.</a:t>
-            </a:r>
-            <a:endParaRPr/>
-          </a:p>
-          <a:p>
-            <a:pPr marL="0" marR="0" lvl="0" indent="0" algn="l" rtl="0">
-              <a:lnSpc>
-                <a:spcPct val="90000"/>
-              </a:lnSpc>
-              <a:spcBef>
-                <a:spcPts val="25"/>
-              </a:spcBef>
-              <a:spcAft>
-                <a:spcPts val="0"/>
-              </a:spcAft>
-              <a:buClr>
-                <a:schemeClr val="dk1"/>
-              </a:buClr>
-              <a:buSzPts val="1100"/>
-              <a:buFont typeface="Arial"/>
-              <a:buNone/>
-            </a:pPr>
-            <a:endParaRPr sz="1500" b="0" i="0" u="none" strike="noStrike" cap="none">
-              <a:solidFill>
-                <a:schemeClr val="dk1"/>
-              </a:solidFill>
-              <a:latin typeface="Arial"/>
-              <a:ea typeface="Arial"/>
-              <a:cs typeface="Arial"/>
-              <a:sym typeface="Arial"/>
-            </a:endParaRPr>
-          </a:p>
-          <a:p>
-            <a:pPr marL="0" marR="0" lvl="0" indent="0" algn="l" rtl="0">
-              <a:lnSpc>
-                <a:spcPct val="90000"/>
-              </a:lnSpc>
-              <a:spcBef>
-                <a:spcPts val="25"/>
-              </a:spcBef>
-              <a:spcAft>
-                <a:spcPts val="0"/>
-              </a:spcAft>
-              <a:buClr>
-                <a:schemeClr val="dk1"/>
-              </a:buClr>
-              <a:buSzPts val="1100"/>
-              <a:buFont typeface="Arial"/>
-              <a:buNone/>
-            </a:pPr>
-            <a:r>
-              <a:rPr lang="fr-FR" sz="1500" b="1" i="0" u="none" strike="noStrike" cap="none">
-                <a:solidFill>
-                  <a:schemeClr val="dk1"/>
-                </a:solidFill>
-                <a:latin typeface="Arial"/>
-                <a:ea typeface="Arial"/>
-                <a:cs typeface="Arial"/>
-                <a:sym typeface="Arial"/>
-              </a:rPr>
-              <a:t>TITTEL Katharina</a:t>
-            </a:r>
-            <a:r>
-              <a:rPr lang="fr-FR" sz="1500" b="0" i="0" u="none" strike="noStrike" cap="none">
-                <a:solidFill>
-                  <a:schemeClr val="dk1"/>
-                </a:solidFill>
-                <a:latin typeface="Arial"/>
-                <a:ea typeface="Arial"/>
-                <a:cs typeface="Arial"/>
-                <a:sym typeface="Arial"/>
-              </a:rPr>
-              <a:t>, « Ébrécher le plafond de verre sans le percer. Le pouvoir épisodique des internautes ordinaires dans le discours Français sur l’immigration sur Twitter », </a:t>
-            </a:r>
-            <a:r>
-              <a:rPr lang="fr-FR" sz="1500" b="0" i="1" u="none" strike="noStrike" cap="none">
-                <a:solidFill>
-                  <a:schemeClr val="dk1"/>
-                </a:solidFill>
-                <a:latin typeface="Arial"/>
-                <a:ea typeface="Arial"/>
-                <a:cs typeface="Arial"/>
-                <a:sym typeface="Arial"/>
-              </a:rPr>
-              <a:t>Hommes &amp; Migrations</a:t>
-            </a:r>
-            <a:r>
-              <a:rPr lang="fr-FR" sz="1500" b="0" i="0" u="none" strike="noStrike" cap="none">
-                <a:solidFill>
-                  <a:schemeClr val="dk1"/>
-                </a:solidFill>
-                <a:latin typeface="Arial"/>
-                <a:ea typeface="Arial"/>
-                <a:cs typeface="Arial"/>
-                <a:sym typeface="Arial"/>
-              </a:rPr>
-              <a:t>, 2022/2 (n° 1337), p. 21-33. </a:t>
-            </a:r>
-            <a:endParaRPr sz="1500" b="0" i="0" u="none" strike="noStrike" cap="none">
-              <a:solidFill>
-                <a:schemeClr val="dk1"/>
-              </a:solidFill>
-              <a:latin typeface="Arial"/>
-              <a:ea typeface="Arial"/>
-              <a:cs typeface="Arial"/>
-              <a:sym typeface="Arial"/>
-            </a:endParaRPr>
-          </a:p>
-        </p:txBody>
-      </p:sp>
-      <p:sp>
-        <p:nvSpPr>
-          <p:cNvPr id="518" name="Google Shape;518;g2abac93716c_0_50"/>
-          <p:cNvSpPr txBox="1"/>
-          <p:nvPr/>
-        </p:nvSpPr>
-        <p:spPr>
-          <a:xfrm>
-            <a:off x="467650" y="973475"/>
-            <a:ext cx="8219100" cy="698100"/>
-          </a:xfrm>
-          <a:prstGeom prst="rect">
-            <a:avLst/>
-          </a:prstGeom>
-          <a:noFill/>
-          <a:ln>
-            <a:noFill/>
-          </a:ln>
-        </p:spPr>
-        <p:txBody>
-          <a:bodyPr spcFirstLastPara="1" wrap="square" lIns="91425" tIns="91425" rIns="91425" bIns="91425" anchor="t" anchorCtr="0">
-            <a:noAutofit/>
-          </a:bodyPr>
-          <a:lstStyle/>
-          <a:p>
-            <a:pPr marL="0" marR="0" lvl="0" indent="0" algn="l" rtl="0">
-              <a:lnSpc>
-                <a:spcPct val="100000"/>
-              </a:lnSpc>
-              <a:spcBef>
-                <a:spcPts val="0"/>
-              </a:spcBef>
-              <a:spcAft>
-                <a:spcPts val="0"/>
-              </a:spcAft>
-              <a:buClr>
-                <a:srgbClr val="000000"/>
-              </a:buClr>
-              <a:buSzPts val="3200"/>
-              <a:buFont typeface="Arial"/>
-              <a:buNone/>
-            </a:pPr>
-            <a:r>
-              <a:rPr lang="fr-FR" sz="3200" b="1" i="0" u="none" strike="noStrike" cap="none">
-                <a:solidFill>
-                  <a:srgbClr val="2E5D5A"/>
-                </a:solidFill>
-                <a:latin typeface="Calibri"/>
-                <a:ea typeface="Calibri"/>
-                <a:cs typeface="Calibri"/>
-                <a:sym typeface="Calibri"/>
-              </a:rPr>
-              <a:t>Références bibliographiques</a:t>
-            </a:r>
-            <a:endParaRPr sz="3200" b="1" i="0" u="none" strike="noStrike" cap="none">
-              <a:solidFill>
-                <a:srgbClr val="2E5D5A"/>
-              </a:solidFill>
-              <a:latin typeface="Calibri"/>
-              <a:ea typeface="Calibri"/>
-              <a:cs typeface="Calibri"/>
-              <a:sym typeface="Calibri"/>
-            </a:endParaRPr>
-          </a:p>
-        </p:txBody>
-      </p:sp>
-    </p:spTree>
-  </p:cSld>
-  <p:clrMapOvr>
-    <a:masterClrMapping/>
-  </p:clrMapOvr>
-</p:sld>
-</file>
-
 <file path=ppt/slides/slide6.xml><?xml version="1.0" encoding="utf-8"?>
 <p:sld xmlns:a="http://schemas.openxmlformats.org/drawingml/2006/main" xmlns:r="http://schemas.openxmlformats.org/officeDocument/2006/relationships" xmlns:p="http://schemas.openxmlformats.org/presentationml/2006/main">
   <p:cSld>
@@ -49669,7 +48950,7 @@
                 <a:sym typeface="Calibri"/>
                 <a:extLst>
                   <a:ext uri="http://customooxmlschemas.google.com/">
-                    <go:slidesCustomData xmlns="" xmlns:mc="http://schemas.openxmlformats.org/markup-compatibility/2006" xmlns:mv="urn:schemas-microsoft-com:mac:vml" xmlns:c="http://schemas.openxmlformats.org/drawingml/2006/chart" xmlns:dgm="http://schemas.openxmlformats.org/drawingml/2006/diagram" xmlns:o="urn:schemas-microsoft-com:office:office" xmlns:v="urn:schemas-microsoft-com:vml" xmlns:pvml="urn:schemas-microsoft-com:office:powerpoint" xmlns:com="http://schemas.openxmlformats.org/drawingml/2006/compatibility" xmlns:p14="http://schemas.microsoft.com/office/powerpoint/2010/main" xmlns:p15="http://schemas.microsoft.com/office/powerpoint/2012/main" xmlns:ahyp="http://schemas.microsoft.com/office/drawing/2018/hyperlinkcolor" xmlns:go="http://customooxmlschemas.google.com/" textRoundtripDataId="0"/>
+                    <go:slidesCustomData xmlns:go="http://customooxmlschemas.google.com/" xmlns:ahyp="http://schemas.microsoft.com/office/drawing/2018/hyperlinkcolor" xmlns:p15="http://schemas.microsoft.com/office/powerpoint/2012/main" xmlns:p14="http://schemas.microsoft.com/office/powerpoint/2010/main" xmlns:com="http://schemas.openxmlformats.org/drawingml/2006/compatibility" xmlns:pvml="urn:schemas-microsoft-com:office:powerpoint" xmlns:v="urn:schemas-microsoft-com:vml" xmlns:o="urn:schemas-microsoft-com:office:office" xmlns:dgm="http://schemas.openxmlformats.org/drawingml/2006/diagram" xmlns:c="http://schemas.openxmlformats.org/drawingml/2006/chart" xmlns:mv="urn:schemas-microsoft-com:mac:vml" xmlns:mc="http://schemas.openxmlformats.org/markup-compatibility/2006" xmlns="" textRoundtripDataId="0"/>
                   </a:ext>
                 </a:extLst>
               </a:rPr>
@@ -49686,7 +48967,7 @@
                 <a:sym typeface="Calibri"/>
                 <a:extLst>
                   <a:ext uri="http://customooxmlschemas.google.com/">
-                    <go:slidesCustomData xmlns="" xmlns:mc="http://schemas.openxmlformats.org/markup-compatibility/2006" xmlns:mv="urn:schemas-microsoft-com:mac:vml" xmlns:c="http://schemas.openxmlformats.org/drawingml/2006/chart" xmlns:dgm="http://schemas.openxmlformats.org/drawingml/2006/diagram" xmlns:o="urn:schemas-microsoft-com:office:office" xmlns:v="urn:schemas-microsoft-com:vml" xmlns:pvml="urn:schemas-microsoft-com:office:powerpoint" xmlns:com="http://schemas.openxmlformats.org/drawingml/2006/compatibility" xmlns:p14="http://schemas.microsoft.com/office/powerpoint/2010/main" xmlns:p15="http://schemas.microsoft.com/office/powerpoint/2012/main" xmlns:ahyp="http://schemas.microsoft.com/office/drawing/2018/hyperlinkcolor" xmlns:go="http://customooxmlschemas.google.com/" textRoundtripDataId="1"/>
+                    <go:slidesCustomData xmlns:go="http://customooxmlschemas.google.com/" xmlns:ahyp="http://schemas.microsoft.com/office/drawing/2018/hyperlinkcolor" xmlns:p15="http://schemas.microsoft.com/office/powerpoint/2012/main" xmlns:p14="http://schemas.microsoft.com/office/powerpoint/2010/main" xmlns:com="http://schemas.openxmlformats.org/drawingml/2006/compatibility" xmlns:pvml="urn:schemas-microsoft-com:office:powerpoint" xmlns:v="urn:schemas-microsoft-com:vml" xmlns:o="urn:schemas-microsoft-com:office:office" xmlns:dgm="http://schemas.openxmlformats.org/drawingml/2006/diagram" xmlns:c="http://schemas.openxmlformats.org/drawingml/2006/chart" xmlns:mv="urn:schemas-microsoft-com:mac:vml" xmlns:mc="http://schemas.openxmlformats.org/markup-compatibility/2006" xmlns="" textRoundtripDataId="1"/>
                   </a:ext>
                 </a:extLst>
               </a:rPr>
@@ -49703,7 +48984,7 @@
                 <a:sym typeface="Calibri"/>
                 <a:extLst>
                   <a:ext uri="http://customooxmlschemas.google.com/">
-                    <go:slidesCustomData xmlns="" xmlns:mc="http://schemas.openxmlformats.org/markup-compatibility/2006" xmlns:mv="urn:schemas-microsoft-com:mac:vml" xmlns:c="http://schemas.openxmlformats.org/drawingml/2006/chart" xmlns:dgm="http://schemas.openxmlformats.org/drawingml/2006/diagram" xmlns:o="urn:schemas-microsoft-com:office:office" xmlns:v="urn:schemas-microsoft-com:vml" xmlns:pvml="urn:schemas-microsoft-com:office:powerpoint" xmlns:com="http://schemas.openxmlformats.org/drawingml/2006/compatibility" xmlns:p14="http://schemas.microsoft.com/office/powerpoint/2010/main" xmlns:p15="http://schemas.microsoft.com/office/powerpoint/2012/main" xmlns:ahyp="http://schemas.microsoft.com/office/drawing/2018/hyperlinkcolor" xmlns:go="http://customooxmlschemas.google.com/" textRoundtripDataId="2"/>
+                    <go:slidesCustomData xmlns:go="http://customooxmlschemas.google.com/" xmlns:ahyp="http://schemas.microsoft.com/office/drawing/2018/hyperlinkcolor" xmlns:p15="http://schemas.microsoft.com/office/powerpoint/2012/main" xmlns:p14="http://schemas.microsoft.com/office/powerpoint/2010/main" xmlns:com="http://schemas.openxmlformats.org/drawingml/2006/compatibility" xmlns:pvml="urn:schemas-microsoft-com:office:powerpoint" xmlns:v="urn:schemas-microsoft-com:vml" xmlns:o="urn:schemas-microsoft-com:office:office" xmlns:dgm="http://schemas.openxmlformats.org/drawingml/2006/diagram" xmlns:c="http://schemas.openxmlformats.org/drawingml/2006/chart" xmlns:mv="urn:schemas-microsoft-com:mac:vml" xmlns:mc="http://schemas.openxmlformats.org/markup-compatibility/2006" xmlns="" textRoundtripDataId="2"/>
                   </a:ext>
                 </a:extLst>
               </a:rPr>

--- a/slides/1. Intro Partie I.pptx
+++ b/slides/1. Intro Partie I.pptx
@@ -305,7 +305,7 @@
       </p15:sldGuideLst>
     </p:ext>
     <p:ext uri="GoogleSlidesCustomDataVersion2">
-      <go:slidesCustomData xmlns:go="http://customooxmlschemas.google.com/" xmlns:ahyp="http://schemas.microsoft.com/office/drawing/2018/hyperlinkcolor" xmlns:p15="http://schemas.microsoft.com/office/powerpoint/2012/main" xmlns:p14="http://schemas.microsoft.com/office/powerpoint/2010/main" xmlns:com="http://schemas.openxmlformats.org/drawingml/2006/compatibility" xmlns:pvml="urn:schemas-microsoft-com:office:powerpoint" xmlns:v="urn:schemas-microsoft-com:vml" xmlns:o="urn:schemas-microsoft-com:office:office" xmlns:dgm="http://schemas.openxmlformats.org/drawingml/2006/diagram" xmlns:c="http://schemas.openxmlformats.org/drawingml/2006/chart" xmlns:mv="urn:schemas-microsoft-com:mac:vml" xmlns:mc="http://schemas.openxmlformats.org/markup-compatibility/2006" xmlns="" r:id="rId54" roundtripDataSignature="AMtx7mh+diUWKDfB17VYnpn5KHKAGBDscg=="/>
+      <go:slidesCustomData xmlns="" xmlns:mc="http://schemas.openxmlformats.org/markup-compatibility/2006" xmlns:mv="urn:schemas-microsoft-com:mac:vml" xmlns:c="http://schemas.openxmlformats.org/drawingml/2006/chart" xmlns:dgm="http://schemas.openxmlformats.org/drawingml/2006/diagram" xmlns:o="urn:schemas-microsoft-com:office:office" xmlns:v="urn:schemas-microsoft-com:vml" xmlns:pvml="urn:schemas-microsoft-com:office:powerpoint" xmlns:com="http://schemas.openxmlformats.org/drawingml/2006/compatibility" xmlns:p14="http://schemas.microsoft.com/office/powerpoint/2010/main" xmlns:p15="http://schemas.microsoft.com/office/powerpoint/2012/main" xmlns:ahyp="http://schemas.microsoft.com/office/drawing/2018/hyperlinkcolor" xmlns:go="http://customooxmlschemas.google.com/" r:id="rId54" roundtripDataSignature="AMtx7mh+diUWKDfB17VYnpn5KHKAGBDscg=="/>
     </p:ext>
   </p:extLst>
 </p:presentation>
@@ -328,7 +328,7 @@
         <p15:threadingInfo xmlns:p15="http://schemas.microsoft.com/office/powerpoint/2012/main" timeZoneBias="0"/>
       </p:ext>
       <p:ext uri="http://customooxmlschemas.google.com/">
-        <go:slidesCustomData xmlns:go="http://customooxmlschemas.google.com/" xmlns:ahyp="http://schemas.microsoft.com/office/drawing/2018/hyperlinkcolor" xmlns:p15="http://schemas.microsoft.com/office/powerpoint/2012/main" xmlns:p14="http://schemas.microsoft.com/office/powerpoint/2010/main" xmlns:com="http://schemas.openxmlformats.org/drawingml/2006/compatibility" xmlns:pvml="urn:schemas-microsoft-com:office:powerpoint" xmlns:v="urn:schemas-microsoft-com:vml" xmlns:o="urn:schemas-microsoft-com:office:office" xmlns:dgm="http://schemas.openxmlformats.org/drawingml/2006/diagram" xmlns:c="http://schemas.openxmlformats.org/drawingml/2006/chart" xmlns:mv="urn:schemas-microsoft-com:mac:vml" xmlns:mc="http://schemas.openxmlformats.org/markup-compatibility/2006" xmlns="" commentPostId="AAABa9tIG_E"/>
+        <go:slidesCustomData xmlns="" xmlns:mc="http://schemas.openxmlformats.org/markup-compatibility/2006" xmlns:mv="urn:schemas-microsoft-com:mac:vml" xmlns:c="http://schemas.openxmlformats.org/drawingml/2006/chart" xmlns:dgm="http://schemas.openxmlformats.org/drawingml/2006/diagram" xmlns:o="urn:schemas-microsoft-com:office:office" xmlns:v="urn:schemas-microsoft-com:vml" xmlns:pvml="urn:schemas-microsoft-com:office:powerpoint" xmlns:com="http://schemas.openxmlformats.org/drawingml/2006/compatibility" xmlns:p14="http://schemas.microsoft.com/office/powerpoint/2010/main" xmlns:p15="http://schemas.microsoft.com/office/powerpoint/2012/main" xmlns:ahyp="http://schemas.microsoft.com/office/drawing/2018/hyperlinkcolor" xmlns:go="http://customooxmlschemas.google.com/" commentPostId="AAABa9tIG_E"/>
       </p:ext>
     </p:extLst>
   </p:cm>
@@ -345,7 +345,7 @@
         <p15:threadingInfo xmlns:p15="http://schemas.microsoft.com/office/powerpoint/2012/main" timeZoneBias="0"/>
       </p:ext>
       <p:ext uri="http://customooxmlschemas.google.com/">
-        <go:slidesCustomData xmlns:go="http://customooxmlschemas.google.com/" xmlns:ahyp="http://schemas.microsoft.com/office/drawing/2018/hyperlinkcolor" xmlns:p15="http://schemas.microsoft.com/office/powerpoint/2012/main" xmlns:p14="http://schemas.microsoft.com/office/powerpoint/2010/main" xmlns:com="http://schemas.openxmlformats.org/drawingml/2006/compatibility" xmlns:pvml="urn:schemas-microsoft-com:office:powerpoint" xmlns:v="urn:schemas-microsoft-com:vml" xmlns:o="urn:schemas-microsoft-com:office:office" xmlns:dgm="http://schemas.openxmlformats.org/drawingml/2006/diagram" xmlns:c="http://schemas.openxmlformats.org/drawingml/2006/chart" xmlns:mv="urn:schemas-microsoft-com:mac:vml" xmlns:mc="http://schemas.openxmlformats.org/markup-compatibility/2006" xmlns="" commentPostId="AAABbKNt_Z8"/>
+        <go:slidesCustomData xmlns="" xmlns:mc="http://schemas.openxmlformats.org/markup-compatibility/2006" xmlns:mv="urn:schemas-microsoft-com:mac:vml" xmlns:c="http://schemas.openxmlformats.org/drawingml/2006/chart" xmlns:dgm="http://schemas.openxmlformats.org/drawingml/2006/diagram" xmlns:o="urn:schemas-microsoft-com:office:office" xmlns:v="urn:schemas-microsoft-com:vml" xmlns:pvml="urn:schemas-microsoft-com:office:powerpoint" xmlns:com="http://schemas.openxmlformats.org/drawingml/2006/compatibility" xmlns:p14="http://schemas.microsoft.com/office/powerpoint/2010/main" xmlns:p15="http://schemas.microsoft.com/office/powerpoint/2012/main" xmlns:ahyp="http://schemas.microsoft.com/office/drawing/2018/hyperlinkcolor" xmlns:go="http://customooxmlschemas.google.com/" commentPostId="AAABbKNt_Z8"/>
       </p:ext>
     </p:extLst>
   </p:cm>
@@ -363,7 +363,7 @@
         <p15:threadingInfo xmlns:p15="http://schemas.microsoft.com/office/powerpoint/2012/main" timeZoneBias="0"/>
       </p:ext>
       <p:ext uri="http://customooxmlschemas.google.com/">
-        <go:slidesCustomData xmlns:go="http://customooxmlschemas.google.com/" xmlns:ahyp="http://schemas.microsoft.com/office/drawing/2018/hyperlinkcolor" xmlns:p15="http://schemas.microsoft.com/office/powerpoint/2012/main" xmlns:p14="http://schemas.microsoft.com/office/powerpoint/2010/main" xmlns:com="http://schemas.openxmlformats.org/drawingml/2006/compatibility" xmlns:pvml="urn:schemas-microsoft-com:office:powerpoint" xmlns:v="urn:schemas-microsoft-com:vml" xmlns:o="urn:schemas-microsoft-com:office:office" xmlns:dgm="http://schemas.openxmlformats.org/drawingml/2006/diagram" xmlns:c="http://schemas.openxmlformats.org/drawingml/2006/chart" xmlns:mv="urn:schemas-microsoft-com:mac:vml" xmlns:mc="http://schemas.openxmlformats.org/markup-compatibility/2006" xmlns="" commentPostId="AAABbKNt_Zw"/>
+        <go:slidesCustomData xmlns="" xmlns:mc="http://schemas.openxmlformats.org/markup-compatibility/2006" xmlns:mv="urn:schemas-microsoft-com:mac:vml" xmlns:c="http://schemas.openxmlformats.org/drawingml/2006/chart" xmlns:dgm="http://schemas.openxmlformats.org/drawingml/2006/diagram" xmlns:o="urn:schemas-microsoft-com:office:office" xmlns:v="urn:schemas-microsoft-com:vml" xmlns:pvml="urn:schemas-microsoft-com:office:powerpoint" xmlns:com="http://schemas.openxmlformats.org/drawingml/2006/compatibility" xmlns:p14="http://schemas.microsoft.com/office/powerpoint/2010/main" xmlns:p15="http://schemas.microsoft.com/office/powerpoint/2012/main" xmlns:ahyp="http://schemas.microsoft.com/office/drawing/2018/hyperlinkcolor" xmlns:go="http://customooxmlschemas.google.com/" commentPostId="AAABbKNt_Zw"/>
       </p:ext>
     </p:extLst>
   </p:cm>
@@ -380,7 +380,7 @@
         <p15:threadingInfo xmlns:p15="http://schemas.microsoft.com/office/powerpoint/2012/main" timeZoneBias="0"/>
       </p:ext>
       <p:ext uri="http://customooxmlschemas.google.com/">
-        <go:slidesCustomData xmlns:go="http://customooxmlschemas.google.com/" xmlns:ahyp="http://schemas.microsoft.com/office/drawing/2018/hyperlinkcolor" xmlns:p15="http://schemas.microsoft.com/office/powerpoint/2012/main" xmlns:p14="http://schemas.microsoft.com/office/powerpoint/2010/main" xmlns:com="http://schemas.openxmlformats.org/drawingml/2006/compatibility" xmlns:pvml="urn:schemas-microsoft-com:office:powerpoint" xmlns:v="urn:schemas-microsoft-com:vml" xmlns:o="urn:schemas-microsoft-com:office:office" xmlns:dgm="http://schemas.openxmlformats.org/drawingml/2006/diagram" xmlns:c="http://schemas.openxmlformats.org/drawingml/2006/chart" xmlns:mv="urn:schemas-microsoft-com:mac:vml" xmlns:mc="http://schemas.openxmlformats.org/markup-compatibility/2006" xmlns="" commentPostId="AAABbKNt_aA"/>
+        <go:slidesCustomData xmlns="" xmlns:mc="http://schemas.openxmlformats.org/markup-compatibility/2006" xmlns:mv="urn:schemas-microsoft-com:mac:vml" xmlns:c="http://schemas.openxmlformats.org/drawingml/2006/chart" xmlns:dgm="http://schemas.openxmlformats.org/drawingml/2006/diagram" xmlns:o="urn:schemas-microsoft-com:office:office" xmlns:v="urn:schemas-microsoft-com:vml" xmlns:pvml="urn:schemas-microsoft-com:office:powerpoint" xmlns:com="http://schemas.openxmlformats.org/drawingml/2006/compatibility" xmlns:p14="http://schemas.microsoft.com/office/powerpoint/2010/main" xmlns:p15="http://schemas.microsoft.com/office/powerpoint/2012/main" xmlns:ahyp="http://schemas.microsoft.com/office/drawing/2018/hyperlinkcolor" xmlns:go="http://customooxmlschemas.google.com/" commentPostId="AAABbKNt_aA"/>
       </p:ext>
     </p:extLst>
   </p:cm>
@@ -394,7 +394,7 @@
         </p15:threadingInfo>
       </p:ext>
       <p:ext uri="http://customooxmlschemas.google.com/">
-        <go:slidesCustomData xmlns:go="http://customooxmlschemas.google.com/" xmlns:ahyp="http://schemas.microsoft.com/office/drawing/2018/hyperlinkcolor" xmlns:p15="http://schemas.microsoft.com/office/powerpoint/2012/main" xmlns:p14="http://schemas.microsoft.com/office/powerpoint/2010/main" xmlns:com="http://schemas.openxmlformats.org/drawingml/2006/compatibility" xmlns:pvml="urn:schemas-microsoft-com:office:powerpoint" xmlns:v="urn:schemas-microsoft-com:vml" xmlns:o="urn:schemas-microsoft-com:office:office" xmlns:dgm="http://schemas.openxmlformats.org/drawingml/2006/diagram" xmlns:c="http://schemas.openxmlformats.org/drawingml/2006/chart" xmlns:mv="urn:schemas-microsoft-com:mac:vml" xmlns:mc="http://schemas.openxmlformats.org/markup-compatibility/2006" xmlns="" commentPostId="AAABYhRMKyw"/>
+        <go:slidesCustomData xmlns="" xmlns:mc="http://schemas.openxmlformats.org/markup-compatibility/2006" xmlns:mv="urn:schemas-microsoft-com:mac:vml" xmlns:c="http://schemas.openxmlformats.org/drawingml/2006/chart" xmlns:dgm="http://schemas.openxmlformats.org/drawingml/2006/diagram" xmlns:o="urn:schemas-microsoft-com:office:office" xmlns:v="urn:schemas-microsoft-com:vml" xmlns:pvml="urn:schemas-microsoft-com:office:powerpoint" xmlns:com="http://schemas.openxmlformats.org/drawingml/2006/compatibility" xmlns:p14="http://schemas.microsoft.com/office/powerpoint/2010/main" xmlns:p15="http://schemas.microsoft.com/office/powerpoint/2012/main" xmlns:ahyp="http://schemas.microsoft.com/office/drawing/2018/hyperlinkcolor" xmlns:go="http://customooxmlschemas.google.com/" commentPostId="AAABYhRMKyw"/>
       </p:ext>
     </p:extLst>
   </p:cm>
@@ -22857,7 +22857,7 @@
               <a:buFont typeface="Arial"/>
               <a:buNone/>
             </a:pPr>
-            <a:endParaRPr sz="3200" b="1" i="0" u="none" strike="noStrike" cap="none">
+            <a:endParaRPr sz="3200" b="1" i="0" u="none" strike="noStrike" cap="none" dirty="0">
               <a:solidFill>
                 <a:schemeClr val="dk1"/>
               </a:solidFill>
@@ -22886,7 +22886,7 @@
               <a:buNone/>
             </a:pPr>
             <a:r>
-              <a:rPr lang="fr-FR" sz="2900" b="0" i="0" u="none" strike="noStrike" cap="none">
+              <a:rPr lang="fr-FR" sz="2900" b="0" i="0" u="none" strike="noStrike" cap="none" dirty="0">
                 <a:solidFill>
                   <a:schemeClr val="dk1"/>
                 </a:solidFill>
@@ -22898,7 +22898,7 @@
               <a:t>L’usage des applications mais aussi des réseaux sociaux génère beaucoup de données. Celles-ci peuvent être ainsi utilisées dans le cadre du </a:t>
             </a:r>
             <a:r>
-              <a:rPr lang="fr-FR" sz="2900" b="1" i="0" u="none" strike="noStrike" cap="none">
+              <a:rPr lang="fr-FR" sz="2900" b="1" i="0" u="none" strike="noStrike" cap="none" dirty="0">
                 <a:solidFill>
                   <a:schemeClr val="dk1"/>
                 </a:solidFill>
@@ -22907,10 +22907,10 @@
                 <a:cs typeface="Calibri"/>
                 <a:sym typeface="Calibri"/>
               </a:rPr>
-              <a:t>web-scraping </a:t>
+              <a:t>web-</a:t>
             </a:r>
             <a:r>
-              <a:rPr lang="fr-FR" sz="2900" b="0" i="0" u="none" strike="noStrike" cap="none">
+              <a:rPr lang="fr-FR" sz="2900" b="1" i="0" u="none" strike="noStrike" cap="none" dirty="0" err="1">
                 <a:solidFill>
                   <a:schemeClr val="dk1"/>
                 </a:solidFill>
@@ -22919,9 +22919,33 @@
                 <a:cs typeface="Calibri"/>
                 <a:sym typeface="Calibri"/>
               </a:rPr>
+              <a:t>scraping</a:t>
+            </a:r>
+            <a:r>
+              <a:rPr lang="fr-FR" sz="2900" b="1" i="0" u="none" strike="noStrike" cap="none" dirty="0">
+                <a:solidFill>
+                  <a:schemeClr val="dk1"/>
+                </a:solidFill>
+                <a:latin typeface="Calibri"/>
+                <a:ea typeface="Calibri"/>
+                <a:cs typeface="Calibri"/>
+                <a:sym typeface="Calibri"/>
+              </a:rPr>
+              <a:t> </a:t>
+            </a:r>
+            <a:r>
+              <a:rPr lang="fr-FR" sz="2900" b="0" i="0" u="none" strike="noStrike" cap="none" dirty="0">
+                <a:solidFill>
+                  <a:schemeClr val="dk1"/>
+                </a:solidFill>
+                <a:latin typeface="Calibri"/>
+                <a:ea typeface="Calibri"/>
+                <a:cs typeface="Calibri"/>
+                <a:sym typeface="Calibri"/>
+              </a:rPr>
               <a:t>(= aspirer des données disponibles sur Internet)</a:t>
             </a:r>
-            <a:endParaRPr sz="2900" b="0" i="0" u="none" strike="noStrike" cap="none">
+            <a:endParaRPr sz="2900" b="0" i="0" u="none" strike="noStrike" cap="none" dirty="0">
               <a:solidFill>
                 <a:schemeClr val="dk1"/>
               </a:solidFill>
@@ -22949,7 +22973,7 @@
               <a:buFont typeface="Arial"/>
               <a:buNone/>
             </a:pPr>
-            <a:endParaRPr sz="2900" b="0" i="0" u="none" strike="noStrike" cap="none">
+            <a:endParaRPr sz="2900" b="0" i="0" u="none" strike="noStrike" cap="none" dirty="0">
               <a:solidFill>
                 <a:schemeClr val="dk1"/>
               </a:solidFill>
@@ -22978,7 +23002,7 @@
               <a:buNone/>
             </a:pPr>
             <a:r>
-              <a:rPr lang="fr-FR" sz="2900" b="0" i="0" u="none" strike="noStrike" cap="none">
+              <a:rPr lang="fr-FR" sz="2900" b="0" i="0" u="none" strike="noStrike" cap="none" dirty="0">
                 <a:solidFill>
                   <a:srgbClr val="38761D"/>
                 </a:solidFill>
@@ -22989,7 +23013,7 @@
               </a:rPr>
               <a:t>Des exemples ?</a:t>
             </a:r>
-            <a:endParaRPr sz="2900" b="0" i="0" u="none" strike="noStrike" cap="none">
+            <a:endParaRPr sz="2900" b="0" i="0" u="none" strike="noStrike" cap="none" dirty="0">
               <a:solidFill>
                 <a:srgbClr val="38761D"/>
               </a:solidFill>
@@ -23017,7 +23041,7 @@
               <a:buFont typeface="Arial"/>
               <a:buNone/>
             </a:pPr>
-            <a:endParaRPr sz="2900" b="0" i="0" u="none" strike="noStrike" cap="none">
+            <a:endParaRPr sz="2900" b="0" i="0" u="none" strike="noStrike" cap="none" dirty="0">
               <a:solidFill>
                 <a:schemeClr val="dk1"/>
               </a:solidFill>
@@ -23665,7 +23689,7 @@
                 <a:sym typeface="Calibri"/>
                 <a:extLst>
                   <a:ext uri="http://customooxmlschemas.google.com/">
-                    <go:slidesCustomData xmlns:go="http://customooxmlschemas.google.com/" xmlns:ahyp="http://schemas.microsoft.com/office/drawing/2018/hyperlinkcolor" xmlns:p15="http://schemas.microsoft.com/office/powerpoint/2012/main" xmlns:p14="http://schemas.microsoft.com/office/powerpoint/2010/main" xmlns:com="http://schemas.openxmlformats.org/drawingml/2006/compatibility" xmlns:pvml="urn:schemas-microsoft-com:office:powerpoint" xmlns:v="urn:schemas-microsoft-com:vml" xmlns:o="urn:schemas-microsoft-com:office:office" xmlns:dgm="http://schemas.openxmlformats.org/drawingml/2006/diagram" xmlns:c="http://schemas.openxmlformats.org/drawingml/2006/chart" xmlns:mv="urn:schemas-microsoft-com:mac:vml" xmlns:mc="http://schemas.openxmlformats.org/markup-compatibility/2006" xmlns="" textRoundtripDataId="3"/>
+                    <go:slidesCustomData xmlns="" xmlns:mc="http://schemas.openxmlformats.org/markup-compatibility/2006" xmlns:mv="urn:schemas-microsoft-com:mac:vml" xmlns:c="http://schemas.openxmlformats.org/drawingml/2006/chart" xmlns:dgm="http://schemas.openxmlformats.org/drawingml/2006/diagram" xmlns:o="urn:schemas-microsoft-com:office:office" xmlns:v="urn:schemas-microsoft-com:vml" xmlns:pvml="urn:schemas-microsoft-com:office:powerpoint" xmlns:com="http://schemas.openxmlformats.org/drawingml/2006/compatibility" xmlns:p14="http://schemas.microsoft.com/office/powerpoint/2010/main" xmlns:p15="http://schemas.microsoft.com/office/powerpoint/2012/main" xmlns:ahyp="http://schemas.microsoft.com/office/drawing/2018/hyperlinkcolor" xmlns:go="http://customooxmlschemas.google.com/" textRoundtripDataId="3"/>
                   </a:ext>
                 </a:extLst>
               </a:rPr>
@@ -23682,7 +23706,7 @@
                 <a:sym typeface="Calibri"/>
                 <a:extLst>
                   <a:ext uri="http://customooxmlschemas.google.com/">
-                    <go:slidesCustomData xmlns:go="http://customooxmlschemas.google.com/" xmlns:ahyp="http://schemas.microsoft.com/office/drawing/2018/hyperlinkcolor" xmlns:p15="http://schemas.microsoft.com/office/powerpoint/2012/main" xmlns:p14="http://schemas.microsoft.com/office/powerpoint/2010/main" xmlns:com="http://schemas.openxmlformats.org/drawingml/2006/compatibility" xmlns:pvml="urn:schemas-microsoft-com:office:powerpoint" xmlns:v="urn:schemas-microsoft-com:vml" xmlns:o="urn:schemas-microsoft-com:office:office" xmlns:dgm="http://schemas.openxmlformats.org/drawingml/2006/diagram" xmlns:c="http://schemas.openxmlformats.org/drawingml/2006/chart" xmlns:mv="urn:schemas-microsoft-com:mac:vml" xmlns:mc="http://schemas.openxmlformats.org/markup-compatibility/2006" xmlns="" textRoundtripDataId="4"/>
+                    <go:slidesCustomData xmlns="" xmlns:mc="http://schemas.openxmlformats.org/markup-compatibility/2006" xmlns:mv="urn:schemas-microsoft-com:mac:vml" xmlns:c="http://schemas.openxmlformats.org/drawingml/2006/chart" xmlns:dgm="http://schemas.openxmlformats.org/drawingml/2006/diagram" xmlns:o="urn:schemas-microsoft-com:office:office" xmlns:v="urn:schemas-microsoft-com:vml" xmlns:pvml="urn:schemas-microsoft-com:office:powerpoint" xmlns:com="http://schemas.openxmlformats.org/drawingml/2006/compatibility" xmlns:p14="http://schemas.microsoft.com/office/powerpoint/2010/main" xmlns:p15="http://schemas.microsoft.com/office/powerpoint/2012/main" xmlns:ahyp="http://schemas.microsoft.com/office/drawing/2018/hyperlinkcolor" xmlns:go="http://customooxmlschemas.google.com/" textRoundtripDataId="4"/>
                   </a:ext>
                 </a:extLst>
               </a:rPr>
@@ -24107,7 +24131,7 @@
               <a:sym typeface="Calibri"/>
               <a:extLst>
                 <a:ext uri="http://customooxmlschemas.google.com/">
-                  <go:slidesCustomData xmlns:go="http://customooxmlschemas.google.com/" xmlns:ahyp="http://schemas.microsoft.com/office/drawing/2018/hyperlinkcolor" xmlns:p15="http://schemas.microsoft.com/office/powerpoint/2012/main" xmlns:p14="http://schemas.microsoft.com/office/powerpoint/2010/main" xmlns:com="http://schemas.openxmlformats.org/drawingml/2006/compatibility" xmlns:pvml="urn:schemas-microsoft-com:office:powerpoint" xmlns:v="urn:schemas-microsoft-com:vml" xmlns:o="urn:schemas-microsoft-com:office:office" xmlns:dgm="http://schemas.openxmlformats.org/drawingml/2006/diagram" xmlns:c="http://schemas.openxmlformats.org/drawingml/2006/chart" xmlns:mv="urn:schemas-microsoft-com:mac:vml" xmlns:mc="http://schemas.openxmlformats.org/markup-compatibility/2006" xmlns="" textRoundtripDataId="5"/>
+                  <go:slidesCustomData xmlns="" xmlns:mc="http://schemas.openxmlformats.org/markup-compatibility/2006" xmlns:mv="urn:schemas-microsoft-com:mac:vml" xmlns:c="http://schemas.openxmlformats.org/drawingml/2006/chart" xmlns:dgm="http://schemas.openxmlformats.org/drawingml/2006/diagram" xmlns:o="urn:schemas-microsoft-com:office:office" xmlns:v="urn:schemas-microsoft-com:vml" xmlns:pvml="urn:schemas-microsoft-com:office:powerpoint" xmlns:com="http://schemas.openxmlformats.org/drawingml/2006/compatibility" xmlns:p14="http://schemas.microsoft.com/office/powerpoint/2010/main" xmlns:p15="http://schemas.microsoft.com/office/powerpoint/2012/main" xmlns:ahyp="http://schemas.microsoft.com/office/drawing/2018/hyperlinkcolor" xmlns:go="http://customooxmlschemas.google.com/" textRoundtripDataId="5"/>
                 </a:ext>
               </a:extLst>
             </a:endParaRPr>
@@ -24141,7 +24165,7 @@
                 <a:sym typeface="Calibri"/>
                 <a:extLst>
                   <a:ext uri="http://customooxmlschemas.google.com/">
-                    <go:slidesCustomData xmlns:go="http://customooxmlschemas.google.com/" xmlns:ahyp="http://schemas.microsoft.com/office/drawing/2018/hyperlinkcolor" xmlns:p15="http://schemas.microsoft.com/office/powerpoint/2012/main" xmlns:p14="http://schemas.microsoft.com/office/powerpoint/2010/main" xmlns:com="http://schemas.openxmlformats.org/drawingml/2006/compatibility" xmlns:pvml="urn:schemas-microsoft-com:office:powerpoint" xmlns:v="urn:schemas-microsoft-com:vml" xmlns:o="urn:schemas-microsoft-com:office:office" xmlns:dgm="http://schemas.openxmlformats.org/drawingml/2006/diagram" xmlns:c="http://schemas.openxmlformats.org/drawingml/2006/chart" xmlns:mv="urn:schemas-microsoft-com:mac:vml" xmlns:mc="http://schemas.openxmlformats.org/markup-compatibility/2006" xmlns="" textRoundtripDataId="6"/>
+                    <go:slidesCustomData xmlns="" xmlns:mc="http://schemas.openxmlformats.org/markup-compatibility/2006" xmlns:mv="urn:schemas-microsoft-com:mac:vml" xmlns:c="http://schemas.openxmlformats.org/drawingml/2006/chart" xmlns:dgm="http://schemas.openxmlformats.org/drawingml/2006/diagram" xmlns:o="urn:schemas-microsoft-com:office:office" xmlns:v="urn:schemas-microsoft-com:vml" xmlns:pvml="urn:schemas-microsoft-com:office:powerpoint" xmlns:com="http://schemas.openxmlformats.org/drawingml/2006/compatibility" xmlns:p14="http://schemas.microsoft.com/office/powerpoint/2010/main" xmlns:p15="http://schemas.microsoft.com/office/powerpoint/2012/main" xmlns:ahyp="http://schemas.microsoft.com/office/drawing/2018/hyperlinkcolor" xmlns:go="http://customooxmlschemas.google.com/" textRoundtripDataId="6"/>
                   </a:ext>
                 </a:extLst>
               </a:rPr>
@@ -24157,7 +24181,7 @@
               <a:sym typeface="Calibri"/>
               <a:extLst>
                 <a:ext uri="http://customooxmlschemas.google.com/">
-                  <go:slidesCustomData xmlns:go="http://customooxmlschemas.google.com/" xmlns:ahyp="http://schemas.microsoft.com/office/drawing/2018/hyperlinkcolor" xmlns:p15="http://schemas.microsoft.com/office/powerpoint/2012/main" xmlns:p14="http://schemas.microsoft.com/office/powerpoint/2010/main" xmlns:com="http://schemas.openxmlformats.org/drawingml/2006/compatibility" xmlns:pvml="urn:schemas-microsoft-com:office:powerpoint" xmlns:v="urn:schemas-microsoft-com:vml" xmlns:o="urn:schemas-microsoft-com:office:office" xmlns:dgm="http://schemas.openxmlformats.org/drawingml/2006/diagram" xmlns:c="http://schemas.openxmlformats.org/drawingml/2006/chart" xmlns:mv="urn:schemas-microsoft-com:mac:vml" xmlns:mc="http://schemas.openxmlformats.org/markup-compatibility/2006" xmlns="" textRoundtripDataId="7"/>
+                  <go:slidesCustomData xmlns="" xmlns:mc="http://schemas.openxmlformats.org/markup-compatibility/2006" xmlns:mv="urn:schemas-microsoft-com:mac:vml" xmlns:c="http://schemas.openxmlformats.org/drawingml/2006/chart" xmlns:dgm="http://schemas.openxmlformats.org/drawingml/2006/diagram" xmlns:o="urn:schemas-microsoft-com:office:office" xmlns:v="urn:schemas-microsoft-com:vml" xmlns:pvml="urn:schemas-microsoft-com:office:powerpoint" xmlns:com="http://schemas.openxmlformats.org/drawingml/2006/compatibility" xmlns:p14="http://schemas.microsoft.com/office/powerpoint/2010/main" xmlns:p15="http://schemas.microsoft.com/office/powerpoint/2012/main" xmlns:ahyp="http://schemas.microsoft.com/office/drawing/2018/hyperlinkcolor" xmlns:go="http://customooxmlschemas.google.com/" textRoundtripDataId="7"/>
                 </a:ext>
               </a:extLst>
             </a:endParaRPr>
@@ -24191,7 +24215,7 @@
                 <a:sym typeface="Calibri"/>
                 <a:extLst>
                   <a:ext uri="http://customooxmlschemas.google.com/">
-                    <go:slidesCustomData xmlns:go="http://customooxmlschemas.google.com/" xmlns:ahyp="http://schemas.microsoft.com/office/drawing/2018/hyperlinkcolor" xmlns:p15="http://schemas.microsoft.com/office/powerpoint/2012/main" xmlns:p14="http://schemas.microsoft.com/office/powerpoint/2010/main" xmlns:com="http://schemas.openxmlformats.org/drawingml/2006/compatibility" xmlns:pvml="urn:schemas-microsoft-com:office:powerpoint" xmlns:v="urn:schemas-microsoft-com:vml" xmlns:o="urn:schemas-microsoft-com:office:office" xmlns:dgm="http://schemas.openxmlformats.org/drawingml/2006/diagram" xmlns:c="http://schemas.openxmlformats.org/drawingml/2006/chart" xmlns:mv="urn:schemas-microsoft-com:mac:vml" xmlns:mc="http://schemas.openxmlformats.org/markup-compatibility/2006" xmlns="" textRoundtripDataId="8"/>
+                    <go:slidesCustomData xmlns="" xmlns:mc="http://schemas.openxmlformats.org/markup-compatibility/2006" xmlns:mv="urn:schemas-microsoft-com:mac:vml" xmlns:c="http://schemas.openxmlformats.org/drawingml/2006/chart" xmlns:dgm="http://schemas.openxmlformats.org/drawingml/2006/diagram" xmlns:o="urn:schemas-microsoft-com:office:office" xmlns:v="urn:schemas-microsoft-com:vml" xmlns:pvml="urn:schemas-microsoft-com:office:powerpoint" xmlns:com="http://schemas.openxmlformats.org/drawingml/2006/compatibility" xmlns:p14="http://schemas.microsoft.com/office/powerpoint/2010/main" xmlns:p15="http://schemas.microsoft.com/office/powerpoint/2012/main" xmlns:ahyp="http://schemas.microsoft.com/office/drawing/2018/hyperlinkcolor" xmlns:go="http://customooxmlschemas.google.com/" textRoundtripDataId="8"/>
                   </a:ext>
                 </a:extLst>
               </a:rPr>
@@ -24207,7 +24231,7 @@
               <a:sym typeface="Calibri"/>
               <a:extLst>
                 <a:ext uri="http://customooxmlschemas.google.com/">
-                  <go:slidesCustomData xmlns:go="http://customooxmlschemas.google.com/" xmlns:ahyp="http://schemas.microsoft.com/office/drawing/2018/hyperlinkcolor" xmlns:p15="http://schemas.microsoft.com/office/powerpoint/2012/main" xmlns:p14="http://schemas.microsoft.com/office/powerpoint/2010/main" xmlns:com="http://schemas.openxmlformats.org/drawingml/2006/compatibility" xmlns:pvml="urn:schemas-microsoft-com:office:powerpoint" xmlns:v="urn:schemas-microsoft-com:vml" xmlns:o="urn:schemas-microsoft-com:office:office" xmlns:dgm="http://schemas.openxmlformats.org/drawingml/2006/diagram" xmlns:c="http://schemas.openxmlformats.org/drawingml/2006/chart" xmlns:mv="urn:schemas-microsoft-com:mac:vml" xmlns:mc="http://schemas.openxmlformats.org/markup-compatibility/2006" xmlns="" textRoundtripDataId="9"/>
+                  <go:slidesCustomData xmlns="" xmlns:mc="http://schemas.openxmlformats.org/markup-compatibility/2006" xmlns:mv="urn:schemas-microsoft-com:mac:vml" xmlns:c="http://schemas.openxmlformats.org/drawingml/2006/chart" xmlns:dgm="http://schemas.openxmlformats.org/drawingml/2006/diagram" xmlns:o="urn:schemas-microsoft-com:office:office" xmlns:v="urn:schemas-microsoft-com:vml" xmlns:pvml="urn:schemas-microsoft-com:office:powerpoint" xmlns:com="http://schemas.openxmlformats.org/drawingml/2006/compatibility" xmlns:p14="http://schemas.microsoft.com/office/powerpoint/2010/main" xmlns:p15="http://schemas.microsoft.com/office/powerpoint/2012/main" xmlns:ahyp="http://schemas.microsoft.com/office/drawing/2018/hyperlinkcolor" xmlns:go="http://customooxmlschemas.google.com/" textRoundtripDataId="9"/>
                 </a:ext>
               </a:extLst>
             </a:endParaRPr>
@@ -24235,7 +24259,7 @@
               <a:sym typeface="Calibri"/>
               <a:extLst>
                 <a:ext uri="http://customooxmlschemas.google.com/">
-                  <go:slidesCustomData xmlns:go="http://customooxmlschemas.google.com/" xmlns:ahyp="http://schemas.microsoft.com/office/drawing/2018/hyperlinkcolor" xmlns:p15="http://schemas.microsoft.com/office/powerpoint/2012/main" xmlns:p14="http://schemas.microsoft.com/office/powerpoint/2010/main" xmlns:com="http://schemas.openxmlformats.org/drawingml/2006/compatibility" xmlns:pvml="urn:schemas-microsoft-com:office:powerpoint" xmlns:v="urn:schemas-microsoft-com:vml" xmlns:o="urn:schemas-microsoft-com:office:office" xmlns:dgm="http://schemas.openxmlformats.org/drawingml/2006/diagram" xmlns:c="http://schemas.openxmlformats.org/drawingml/2006/chart" xmlns:mv="urn:schemas-microsoft-com:mac:vml" xmlns:mc="http://schemas.openxmlformats.org/markup-compatibility/2006" xmlns="" textRoundtripDataId="10"/>
+                  <go:slidesCustomData xmlns="" xmlns:mc="http://schemas.openxmlformats.org/markup-compatibility/2006" xmlns:mv="urn:schemas-microsoft-com:mac:vml" xmlns:c="http://schemas.openxmlformats.org/drawingml/2006/chart" xmlns:dgm="http://schemas.openxmlformats.org/drawingml/2006/diagram" xmlns:o="urn:schemas-microsoft-com:office:office" xmlns:v="urn:schemas-microsoft-com:vml" xmlns:pvml="urn:schemas-microsoft-com:office:powerpoint" xmlns:com="http://schemas.openxmlformats.org/drawingml/2006/compatibility" xmlns:p14="http://schemas.microsoft.com/office/powerpoint/2010/main" xmlns:p15="http://schemas.microsoft.com/office/powerpoint/2012/main" xmlns:ahyp="http://schemas.microsoft.com/office/drawing/2018/hyperlinkcolor" xmlns:go="http://customooxmlschemas.google.com/" textRoundtripDataId="10"/>
                 </a:ext>
               </a:extLst>
             </a:endParaRPr>
@@ -24264,7 +24288,7 @@
                 <a:sym typeface="Calibri"/>
                 <a:extLst>
                   <a:ext uri="http://customooxmlschemas.google.com/">
-                    <go:slidesCustomData xmlns:go="http://customooxmlschemas.google.com/" xmlns:ahyp="http://schemas.microsoft.com/office/drawing/2018/hyperlinkcolor" xmlns:p15="http://schemas.microsoft.com/office/powerpoint/2012/main" xmlns:p14="http://schemas.microsoft.com/office/powerpoint/2010/main" xmlns:com="http://schemas.openxmlformats.org/drawingml/2006/compatibility" xmlns:pvml="urn:schemas-microsoft-com:office:powerpoint" xmlns:v="urn:schemas-microsoft-com:vml" xmlns:o="urn:schemas-microsoft-com:office:office" xmlns:dgm="http://schemas.openxmlformats.org/drawingml/2006/diagram" xmlns:c="http://schemas.openxmlformats.org/drawingml/2006/chart" xmlns:mv="urn:schemas-microsoft-com:mac:vml" xmlns:mc="http://schemas.openxmlformats.org/markup-compatibility/2006" xmlns="" textRoundtripDataId="11"/>
+                    <go:slidesCustomData xmlns="" xmlns:mc="http://schemas.openxmlformats.org/markup-compatibility/2006" xmlns:mv="urn:schemas-microsoft-com:mac:vml" xmlns:c="http://schemas.openxmlformats.org/drawingml/2006/chart" xmlns:dgm="http://schemas.openxmlformats.org/drawingml/2006/diagram" xmlns:o="urn:schemas-microsoft-com:office:office" xmlns:v="urn:schemas-microsoft-com:vml" xmlns:pvml="urn:schemas-microsoft-com:office:powerpoint" xmlns:com="http://schemas.openxmlformats.org/drawingml/2006/compatibility" xmlns:p14="http://schemas.microsoft.com/office/powerpoint/2010/main" xmlns:p15="http://schemas.microsoft.com/office/powerpoint/2012/main" xmlns:ahyp="http://schemas.microsoft.com/office/drawing/2018/hyperlinkcolor" xmlns:go="http://customooxmlschemas.google.com/" textRoundtripDataId="11"/>
                   </a:ext>
                 </a:extLst>
               </a:rPr>
@@ -25873,7 +25897,7 @@
               <a:buNone/>
             </a:pPr>
             <a:r>
-              <a:rPr lang="fr-FR" sz="1850" b="0" i="0" u="none" strike="noStrike" cap="none">
+              <a:rPr lang="fr-FR" sz="1850" b="0" i="0" u="none" strike="noStrike" cap="none" dirty="0">
                 <a:solidFill>
                   <a:srgbClr val="2E5D5A"/>
                 </a:solidFill>
@@ -25884,7 +25908,7 @@
               </a:rPr>
               <a:t>1. Les méthodes quantitatives en sciences sociales : qu’est-ce que c’est ?</a:t>
             </a:r>
-            <a:endParaRPr sz="1850" b="0" i="0" u="none" strike="noStrike" cap="none">
+            <a:endParaRPr sz="1850" b="0" i="0" u="none" strike="noStrike" cap="none" dirty="0">
               <a:solidFill>
                 <a:srgbClr val="2E5D5A"/>
               </a:solidFill>
@@ -25912,7 +25936,7 @@
               <a:buFont typeface="Arial"/>
               <a:buNone/>
             </a:pPr>
-            <a:endParaRPr sz="1850" b="0" i="0" u="none" strike="noStrike" cap="none">
+            <a:endParaRPr sz="1850" b="0" i="0" u="none" strike="noStrike" cap="none" dirty="0">
               <a:solidFill>
                 <a:srgbClr val="2E5D5A"/>
               </a:solidFill>
@@ -25941,7 +25965,7 @@
               <a:buNone/>
             </a:pPr>
             <a:r>
-              <a:rPr lang="fr-FR" sz="1665" b="0" i="0" u="none" strike="noStrike" cap="none">
+              <a:rPr lang="fr-FR" sz="1665" b="0" i="0" u="none" strike="noStrike" cap="none" dirty="0">
                 <a:solidFill>
                   <a:schemeClr val="dk1"/>
                 </a:solidFill>
@@ -25952,7 +25976,7 @@
               </a:rPr>
               <a:t>1.1. Définitions et principes des méthodes quantitatives en sciences sociales</a:t>
             </a:r>
-            <a:endParaRPr sz="1665" b="0" i="0" u="none" strike="noStrike" cap="none">
+            <a:endParaRPr sz="1665" b="0" i="0" u="none" strike="noStrike" cap="none" dirty="0">
               <a:solidFill>
                 <a:schemeClr val="dk1"/>
               </a:solidFill>
@@ -25981,7 +26005,7 @@
               <a:buNone/>
             </a:pPr>
             <a:r>
-              <a:rPr lang="fr-FR" sz="1665" b="0" i="0" u="none" strike="noStrike" cap="none">
+              <a:rPr lang="fr-FR" sz="1665" b="0" i="0" u="none" strike="noStrike" cap="none" dirty="0">
                 <a:solidFill>
                   <a:schemeClr val="dk1"/>
                 </a:solidFill>
@@ -25992,7 +26016,7 @@
               </a:rPr>
               <a:t>1.2. L’élaboration d’une enquête de la statistique publique : illustration avec l’exemple de l’enquête Trajectoires et Origines </a:t>
             </a:r>
-            <a:endParaRPr sz="1665" b="0" i="0" u="none" strike="noStrike" cap="none">
+            <a:endParaRPr sz="1665" b="0" i="0" u="none" strike="noStrike" cap="none" dirty="0">
               <a:solidFill>
                 <a:schemeClr val="dk1"/>
               </a:solidFill>
@@ -26020,7 +26044,7 @@
               <a:buFont typeface="Arial"/>
               <a:buNone/>
             </a:pPr>
-            <a:endParaRPr sz="1850" b="0" i="0" u="none" strike="noStrike" cap="none">
+            <a:endParaRPr sz="1850" b="0" i="0" u="none" strike="noStrike" cap="none" dirty="0">
               <a:solidFill>
                 <a:srgbClr val="E6142D"/>
               </a:solidFill>
@@ -26049,7 +26073,7 @@
               <a:buNone/>
             </a:pPr>
             <a:r>
-              <a:rPr lang="fr-FR" sz="1850" b="0" i="0" u="none" strike="noStrike" cap="none">
+              <a:rPr lang="fr-FR" sz="1850" b="0" i="0" u="none" strike="noStrike" cap="none" dirty="0">
                 <a:solidFill>
                   <a:srgbClr val="2E5D5A"/>
                 </a:solidFill>
@@ -26060,7 +26084,7 @@
               </a:rPr>
               <a:t>2. Objectifs et programme du cours</a:t>
             </a:r>
-            <a:endParaRPr sz="1850" b="0" i="0" u="none" strike="noStrike" cap="none">
+            <a:endParaRPr sz="1850" b="0" i="0" u="none" strike="noStrike" cap="none" dirty="0">
               <a:solidFill>
                 <a:srgbClr val="2E5D5A"/>
               </a:solidFill>
@@ -26088,7 +26112,7 @@
               <a:buFont typeface="Arial"/>
               <a:buNone/>
             </a:pPr>
-            <a:endParaRPr sz="1850" b="0" i="0" u="none" strike="noStrike" cap="none">
+            <a:endParaRPr sz="1850" b="0" i="0" u="none" strike="noStrike" cap="none" dirty="0">
               <a:solidFill>
                 <a:srgbClr val="2E5D5A"/>
               </a:solidFill>
@@ -26099,20 +26123,16 @@
             </a:endParaRPr>
           </a:p>
           <a:p>
-            <a:pPr marL="457200" marR="0" lvl="0" indent="0" algn="l" rtl="0">
+            <a:pPr marL="457200" lvl="0">
               <a:lnSpc>
                 <a:spcPct val="90000"/>
               </a:lnSpc>
               <a:spcBef>
                 <a:spcPts val="25"/>
               </a:spcBef>
-              <a:spcAft>
-                <a:spcPts val="0"/>
-              </a:spcAft>
-              <a:buNone/>
             </a:pPr>
             <a:r>
-              <a:rPr lang="fr-FR" sz="1665" b="0" i="0" u="none" strike="noStrike" cap="none">
+              <a:rPr lang="fr-FR" sz="1665" b="0" i="0" u="none" strike="noStrike" cap="none" dirty="0">
                 <a:solidFill>
                   <a:schemeClr val="dk1"/>
                 </a:solidFill>
@@ -26124,14 +26144,14 @@
               <a:t>2.1. Apprentissages théoriques et pratiques sur R avec l’enquête </a:t>
             </a:r>
             <a:r>
-              <a:rPr lang="fr-FR" sz="1665">
+              <a:rPr lang="fr-FR" sz="1800" dirty="0">
                 <a:solidFill>
                   <a:schemeClr val="dk1"/>
                 </a:solidFill>
               </a:rPr>
-              <a:t>Usages sociaux du temps</a:t>
+              <a:t>Engagements, politisation et réseaux sociaux</a:t>
             </a:r>
-            <a:endParaRPr sz="1800" b="0" i="0" u="none" strike="noStrike" cap="none">
+            <a:endParaRPr sz="1800" b="0" i="0" u="none" strike="noStrike" cap="none" dirty="0">
               <a:solidFill>
                 <a:schemeClr val="dk1"/>
               </a:solidFill>
@@ -26160,7 +26180,7 @@
               <a:buNone/>
             </a:pPr>
             <a:r>
-              <a:rPr lang="fr-FR" sz="1665" b="0" i="0" u="none" strike="noStrike" cap="none">
+              <a:rPr lang="fr-FR" sz="1665" b="0" i="0" u="none" strike="noStrike" cap="none" dirty="0">
                 <a:solidFill>
                   <a:schemeClr val="dk1"/>
                 </a:solidFill>
@@ -26172,7 +26192,7 @@
               <a:t>2.2. Planning du semestre</a:t>
             </a:r>
             <a:r>
-              <a:rPr lang="fr-FR" sz="1800" b="0" i="0" u="none" strike="noStrike" cap="none">
+              <a:rPr lang="fr-FR" sz="1800" b="0" i="0" u="none" strike="noStrike" cap="none" dirty="0">
                 <a:solidFill>
                   <a:schemeClr val="dk1"/>
                 </a:solidFill>
@@ -26184,7 +26204,7 @@
               <a:t> : </a:t>
             </a:r>
             <a:r>
-              <a:rPr lang="fr-FR" sz="1670" b="0" i="0" u="none" strike="noStrike" cap="none">
+              <a:rPr lang="fr-FR" sz="1670" b="0" i="0" u="none" strike="noStrike" cap="none" dirty="0">
                 <a:solidFill>
                   <a:schemeClr val="dk1"/>
                 </a:solidFill>
@@ -26195,7 +26215,7 @@
               </a:rPr>
               <a:t>contenu des cours et évaluations</a:t>
             </a:r>
-            <a:endParaRPr sz="1670" b="0" i="0" u="none" strike="noStrike" cap="none">
+            <a:endParaRPr sz="1670" b="0" i="0" u="none" strike="noStrike" cap="none" dirty="0">
               <a:solidFill>
                 <a:srgbClr val="E6142D"/>
               </a:solidFill>
@@ -26223,7 +26243,7 @@
               <a:buFont typeface="Arial"/>
               <a:buNone/>
             </a:pPr>
-            <a:endParaRPr sz="1850" b="0" i="0" u="none" strike="noStrike" cap="none">
+            <a:endParaRPr sz="1850" b="0" i="0" u="none" strike="noStrike" cap="none" dirty="0">
               <a:solidFill>
                 <a:srgbClr val="E6142D"/>
               </a:solidFill>
@@ -26252,7 +26272,7 @@
               <a:buNone/>
             </a:pPr>
             <a:r>
-              <a:rPr lang="fr-FR" sz="1850" b="0" i="0" u="none" strike="noStrike" cap="none">
+              <a:rPr lang="fr-FR" sz="1850" b="0" i="0" u="none" strike="noStrike" cap="none" dirty="0">
                 <a:solidFill>
                   <a:srgbClr val="2E5D5A"/>
                 </a:solidFill>
@@ -26263,7 +26283,7 @@
               </a:rPr>
               <a:t>3. Modalités d’évaluation</a:t>
             </a:r>
-            <a:endParaRPr sz="1850" b="0" i="0" u="none" strike="noStrike" cap="none">
+            <a:endParaRPr sz="1850" b="0" i="0" u="none" strike="noStrike" cap="none" dirty="0">
               <a:solidFill>
                 <a:srgbClr val="2E5D5A"/>
               </a:solidFill>
@@ -26291,7 +26311,7 @@
               <a:buFont typeface="Arial"/>
               <a:buNone/>
             </a:pPr>
-            <a:endParaRPr sz="1850" b="0" i="0" u="none" strike="noStrike" cap="none">
+            <a:endParaRPr sz="1850" b="0" i="0" u="none" strike="noStrike" cap="none" dirty="0">
               <a:solidFill>
                 <a:srgbClr val="2E5D5A"/>
               </a:solidFill>
@@ -26320,7 +26340,7 @@
               <a:buNone/>
             </a:pPr>
             <a:r>
-              <a:rPr lang="fr-FR" sz="1665" b="0" i="0" u="none" strike="noStrike" cap="none">
+              <a:rPr lang="fr-FR" sz="1665" b="0" i="0" u="none" strike="noStrike" cap="none" dirty="0">
                 <a:solidFill>
                   <a:schemeClr val="dk1"/>
                 </a:solidFill>
@@ -26331,7 +26351,7 @@
               </a:rPr>
               <a:t>3.1. Devoirs sur table</a:t>
             </a:r>
-            <a:endParaRPr sz="1800" b="0" i="0" u="none" strike="noStrike" cap="none">
+            <a:endParaRPr sz="1800" b="0" i="0" u="none" strike="noStrike" cap="none" dirty="0">
               <a:solidFill>
                 <a:schemeClr val="dk1"/>
               </a:solidFill>
@@ -26360,7 +26380,7 @@
               <a:buNone/>
             </a:pPr>
             <a:r>
-              <a:rPr lang="fr-FR" sz="1665" b="0" i="0" u="none" strike="noStrike" cap="none">
+              <a:rPr lang="fr-FR" sz="1665" b="0" i="0" u="none" strike="noStrike" cap="none" dirty="0">
                 <a:solidFill>
                   <a:schemeClr val="dk1"/>
                 </a:solidFill>
@@ -26371,7 +26391,7 @@
               </a:rPr>
               <a:t>3.2. Compte rendu collectif</a:t>
             </a:r>
-            <a:endParaRPr sz="1800" b="0" i="0" u="none" strike="noStrike" cap="none">
+            <a:endParaRPr sz="1800" b="0" i="0" u="none" strike="noStrike" cap="none" dirty="0">
               <a:solidFill>
                 <a:schemeClr val="dk1"/>
               </a:solidFill>
@@ -26399,7 +26419,7 @@
               <a:buFont typeface="Arial"/>
               <a:buNone/>
             </a:pPr>
-            <a:endParaRPr sz="1665" b="0" i="0" u="none" strike="noStrike" cap="none">
+            <a:endParaRPr sz="1665" b="0" i="0" u="none" strike="noStrike" cap="none" dirty="0">
               <a:solidFill>
                 <a:schemeClr val="dk1"/>
               </a:solidFill>
@@ -26427,7 +26447,7 @@
               <a:buFont typeface="Arial"/>
               <a:buNone/>
             </a:pPr>
-            <a:endParaRPr sz="3200" b="0" i="0" u="none" strike="noStrike" cap="none">
+            <a:endParaRPr sz="3200" b="0" i="0" u="none" strike="noStrike" cap="none" dirty="0">
               <a:solidFill>
                 <a:schemeClr val="dk1"/>
               </a:solidFill>
@@ -30489,7 +30509,7 @@
                 <a:sym typeface="Calibri"/>
                 <a:extLst>
                   <a:ext uri="http://customooxmlschemas.google.com/">
-                    <go:slidesCustomData xmlns:go="http://customooxmlschemas.google.com/" xmlns:ahyp="http://schemas.microsoft.com/office/drawing/2018/hyperlinkcolor" xmlns:p15="http://schemas.microsoft.com/office/powerpoint/2012/main" xmlns:p14="http://schemas.microsoft.com/office/powerpoint/2010/main" xmlns:com="http://schemas.openxmlformats.org/drawingml/2006/compatibility" xmlns:pvml="urn:schemas-microsoft-com:office:powerpoint" xmlns:v="urn:schemas-microsoft-com:vml" xmlns:o="urn:schemas-microsoft-com:office:office" xmlns:dgm="http://schemas.openxmlformats.org/drawingml/2006/diagram" xmlns:c="http://schemas.openxmlformats.org/drawingml/2006/chart" xmlns:mv="urn:schemas-microsoft-com:mac:vml" xmlns:mc="http://schemas.openxmlformats.org/markup-compatibility/2006" xmlns="" textRoundtripDataId="12"/>
+                    <go:slidesCustomData xmlns="" xmlns:mc="http://schemas.openxmlformats.org/markup-compatibility/2006" xmlns:mv="urn:schemas-microsoft-com:mac:vml" xmlns:c="http://schemas.openxmlformats.org/drawingml/2006/chart" xmlns:dgm="http://schemas.openxmlformats.org/drawingml/2006/diagram" xmlns:o="urn:schemas-microsoft-com:office:office" xmlns:v="urn:schemas-microsoft-com:vml" xmlns:pvml="urn:schemas-microsoft-com:office:powerpoint" xmlns:com="http://schemas.openxmlformats.org/drawingml/2006/compatibility" xmlns:p14="http://schemas.microsoft.com/office/powerpoint/2010/main" xmlns:p15="http://schemas.microsoft.com/office/powerpoint/2012/main" xmlns:ahyp="http://schemas.microsoft.com/office/drawing/2018/hyperlinkcolor" xmlns:go="http://customooxmlschemas.google.com/" textRoundtripDataId="12"/>
                   </a:ext>
                 </a:extLst>
               </a:rPr>
@@ -35687,37 +35707,56 @@
               </a:rPr>
               <a:t>étudiant.es</a:t>
             </a:r>
-            <a:endParaRPr sz="2550" dirty="0">
-              <a:solidFill>
-                <a:schemeClr val="dk1"/>
-              </a:solidFill>
-            </a:endParaRPr>
-          </a:p>
-          <a:p>
-            <a:pPr marL="457200" marR="0" lvl="0" indent="-390525" algn="l" rtl="0">
-              <a:lnSpc>
-                <a:spcPct val="90000"/>
-              </a:lnSpc>
-              <a:spcBef>
-                <a:spcPts val="25"/>
-              </a:spcBef>
-              <a:spcAft>
-                <a:spcPts val="0"/>
-              </a:spcAft>
-              <a:buClr>
-                <a:schemeClr val="dk1"/>
-              </a:buClr>
-              <a:buSzPts val="2550"/>
-              <a:buFont typeface="Arial"/>
-              <a:buChar char="-"/>
-            </a:pPr>
             <a:r>
               <a:rPr lang="fr-FR" sz="2550" dirty="0">
                 <a:solidFill>
                   <a:schemeClr val="dk1"/>
                 </a:solidFill>
               </a:rPr>
-              <a:t>Interroger les usages sociaux du temps par les étudiants des universités Paris-Nanterre, Paris 8 Vincennes-Saint-Denis, Le Havre Normandie et Nantes. </a:t>
+              <a:t>, avec le collectif POF (Paris-Ouest-France) un collectif d’</a:t>
+            </a:r>
+            <a:r>
+              <a:rPr lang="fr-FR" sz="2550" dirty="0" err="1">
+                <a:solidFill>
+                  <a:schemeClr val="dk1"/>
+                </a:solidFill>
+              </a:rPr>
+              <a:t>enseignant·es-chercheur·se</a:t>
+            </a:r>
+            <a:r>
+              <a:rPr lang="fr-FR" sz="2550" dirty="0">
+                <a:solidFill>
+                  <a:schemeClr val="dk1"/>
+                </a:solidFill>
+              </a:rPr>
+              <a:t> en sociologie</a:t>
+            </a:r>
+          </a:p>
+          <a:p>
+            <a:pPr marL="457200" marR="0" lvl="0" indent="-390525" algn="l" rtl="0">
+              <a:lnSpc>
+                <a:spcPct val="90000"/>
+              </a:lnSpc>
+              <a:spcBef>
+                <a:spcPts val="25"/>
+              </a:spcBef>
+              <a:spcAft>
+                <a:spcPts val="0"/>
+              </a:spcAft>
+              <a:buClr>
+                <a:schemeClr val="dk1"/>
+              </a:buClr>
+              <a:buSzPts val="2550"/>
+              <a:buFont typeface="Arial"/>
+              <a:buChar char="-"/>
+            </a:pPr>
+            <a:r>
+              <a:rPr lang="fr-FR" sz="2550" dirty="0">
+                <a:solidFill>
+                  <a:schemeClr val="dk1"/>
+                </a:solidFill>
+              </a:rPr>
+              <a:t>Enquête menée à Brest, Caen, l’ENS-Paris-Saclay, Le Havre, Nantes, Saint-Denis, Nanterre, Saint-Étienne, Tours, Saint-Quentin-en-Yvelines</a:t>
             </a:r>
             <a:endParaRPr sz="2550" dirty="0">
               <a:solidFill>
@@ -36054,25 +36093,17 @@
           </a:bodyPr>
           <a:lstStyle/>
           <a:p>
-            <a:pPr marL="0" marR="0" lvl="0" indent="0" algn="l" rtl="0">
+            <a:pPr lvl="0">
               <a:lnSpc>
                 <a:spcPct val="90000"/>
               </a:lnSpc>
               <a:spcBef>
                 <a:spcPts val="25"/>
               </a:spcBef>
-              <a:spcAft>
-                <a:spcPts val="0"/>
-              </a:spcAft>
-              <a:buClr>
-                <a:srgbClr val="000000"/>
-              </a:buClr>
               <a:buSzPts val="2550"/>
-              <a:buFont typeface="Arial"/>
-              <a:buNone/>
             </a:pPr>
             <a:r>
-              <a:rPr lang="fr-FR" sz="2550" b="1" i="0" u="none" strike="noStrike" cap="none">
+              <a:rPr lang="fr-FR" sz="2550" b="1" i="0" u="none" strike="noStrike" cap="none" dirty="0">
                 <a:solidFill>
                   <a:schemeClr val="dk1"/>
                 </a:solidFill>
@@ -36081,17 +36112,9 @@
                 <a:cs typeface="Arial"/>
                 <a:sym typeface="Arial"/>
               </a:rPr>
-              <a:t>L’enquête </a:t>
+              <a:t>L’enquête Engagements, politisation et réseaux sociaux</a:t>
             </a:r>
-            <a:r>
-              <a:rPr lang="fr-FR" sz="2550" b="1">
-                <a:solidFill>
-                  <a:schemeClr val="dk1"/>
-                </a:solidFill>
-              </a:rPr>
-              <a:t>Usages sociaux du temps (enquête POF 2019-2020)</a:t>
-            </a:r>
-            <a:endParaRPr sz="2550" b="1" i="0" u="none" strike="noStrike" cap="none">
+            <a:endParaRPr sz="2550" b="1" i="0" u="none" strike="noStrike" cap="none" dirty="0">
               <a:solidFill>
                 <a:schemeClr val="dk1"/>
               </a:solidFill>
@@ -36151,7 +36174,7 @@
                   <a:schemeClr val="dk1"/>
                 </a:solidFill>
               </a:rPr>
-              <a:t>Tirage aléatoire des salles de cours de Brest, Caen, ENS-Paris-Saclay, Le Havre, Nantes, Saint-Denis, Nanterre, Saint-Étienne, Tours, Saint-Quentin-en-Yvelines</a:t>
+              <a:t>Tirage aléatoire des salles de cours</a:t>
             </a:r>
           </a:p>
           <a:p>
@@ -42536,7 +42559,7 @@
               <a:buNone/>
             </a:pPr>
             <a:r>
-              <a:rPr lang="fr-FR" sz="2550" b="1" i="0" u="none" strike="noStrike" cap="none">
+              <a:rPr lang="fr-FR" sz="2550" b="1" i="0" u="none" strike="noStrike" cap="none" dirty="0">
                 <a:solidFill>
                   <a:schemeClr val="dk1"/>
                 </a:solidFill>
@@ -42548,14 +42571,14 @@
               <a:t>Compte rendu collectif (50%</a:t>
             </a:r>
             <a:r>
-              <a:rPr lang="fr-FR" sz="2550" b="1">
+              <a:rPr lang="fr-FR" sz="2550" b="1" dirty="0">
                 <a:solidFill>
                   <a:schemeClr val="dk1"/>
                 </a:solidFill>
               </a:rPr>
               <a:t> de la note finale)</a:t>
             </a:r>
-            <a:endParaRPr sz="2550" b="1" i="0" u="none" strike="noStrike" cap="none">
+            <a:endParaRPr sz="2550" b="1" i="0" u="none" strike="noStrike" cap="none" dirty="0">
               <a:solidFill>
                 <a:schemeClr val="dk1"/>
               </a:solidFill>
@@ -42578,7 +42601,7 @@
               </a:spcAft>
               <a:buNone/>
             </a:pPr>
-            <a:endParaRPr sz="2550" u="sng">
+            <a:endParaRPr sz="2550" u="sng" dirty="0">
               <a:solidFill>
                 <a:schemeClr val="dk1"/>
               </a:solidFill>
@@ -42603,7 +42626,7 @@
               <a:buChar char="-"/>
             </a:pPr>
             <a:r>
-              <a:rPr lang="fr-FR" sz="2550" u="sng">
+              <a:rPr lang="fr-FR" sz="2550" u="sng" dirty="0">
                 <a:solidFill>
                   <a:schemeClr val="dk1"/>
                 </a:solidFill>
@@ -42611,14 +42634,14 @@
               <a:t>Groupe:</a:t>
             </a:r>
             <a:r>
-              <a:rPr lang="fr-FR" sz="2550">
+              <a:rPr lang="fr-FR" sz="2550" dirty="0">
                 <a:solidFill>
                   <a:schemeClr val="dk1"/>
                 </a:solidFill>
               </a:rPr>
               <a:t> 3 ou 4 personnes</a:t>
             </a:r>
-            <a:endParaRPr sz="2550">
+            <a:endParaRPr sz="2550" dirty="0">
               <a:solidFill>
                 <a:schemeClr val="dk1"/>
               </a:solidFill>
@@ -42637,23 +42660,20 @@
               </a:spcAft>
               <a:buNone/>
             </a:pPr>
-            <a:endParaRPr sz="2550">
-              <a:solidFill>
-                <a:schemeClr val="dk1"/>
-              </a:solidFill>
-            </a:endParaRPr>
-          </a:p>
-          <a:p>
-            <a:pPr marL="457200" marR="0" lvl="0" indent="-390525" algn="l" rtl="0">
+            <a:endParaRPr sz="2550" dirty="0">
+              <a:solidFill>
+                <a:schemeClr val="dk1"/>
+              </a:solidFill>
+            </a:endParaRPr>
+          </a:p>
+          <a:p>
+            <a:pPr marL="457200" lvl="0" indent="-390525">
               <a:lnSpc>
                 <a:spcPct val="90000"/>
               </a:lnSpc>
               <a:spcBef>
                 <a:spcPts val="25"/>
               </a:spcBef>
-              <a:spcAft>
-                <a:spcPts val="0"/>
-              </a:spcAft>
               <a:buClr>
                 <a:schemeClr val="dk1"/>
               </a:buClr>
@@ -42662,7 +42682,7 @@
               <a:buChar char="-"/>
             </a:pPr>
             <a:r>
-              <a:rPr lang="fr-FR" sz="2550" b="0" i="0" u="sng" strike="noStrike" cap="none">
+              <a:rPr lang="fr-FR" sz="2550" b="0" i="0" u="sng" strike="noStrike" cap="none" dirty="0">
                 <a:solidFill>
                   <a:schemeClr val="dk1"/>
                 </a:solidFill>
@@ -42674,7 +42694,7 @@
               <a:t>Sujet </a:t>
             </a:r>
             <a:r>
-              <a:rPr lang="fr-FR" sz="2550" b="0" i="0" u="none" strike="noStrike" cap="none">
+              <a:rPr lang="fr-FR" sz="2550" b="0" i="0" u="none" strike="noStrike" cap="none" dirty="0">
                 <a:solidFill>
                   <a:schemeClr val="dk1"/>
                 </a:solidFill>
@@ -42686,15 +42706,71 @@
               <a:t>: à formuler par vous-mêmes à partir des variables disponibles dans la base de donnée </a:t>
             </a:r>
             <a:r>
-              <a:rPr lang="fr-FR" sz="2550">
+              <a:rPr lang="fr-FR" sz="2550" dirty="0">
                 <a:solidFill>
                   <a:schemeClr val="dk1"/>
                 </a:solidFill>
               </a:rPr>
-              <a:t>Usages sociaux du temps</a:t>
+              <a:t>Engagements, politisation et réseaux sociaux</a:t>
             </a:r>
+            <a:endParaRPr sz="2550" b="0" i="0" u="none" strike="noStrike" cap="none" dirty="0">
+              <a:solidFill>
+                <a:schemeClr val="dk1"/>
+              </a:solidFill>
+              <a:latin typeface="Arial"/>
+              <a:ea typeface="Arial"/>
+              <a:cs typeface="Arial"/>
+              <a:sym typeface="Arial"/>
+            </a:endParaRPr>
+          </a:p>
+          <a:p>
+            <a:pPr marL="457200" marR="0" lvl="0" indent="0" algn="l" rtl="0">
+              <a:lnSpc>
+                <a:spcPct val="90000"/>
+              </a:lnSpc>
+              <a:spcBef>
+                <a:spcPts val="25"/>
+              </a:spcBef>
+              <a:spcAft>
+                <a:spcPts val="0"/>
+              </a:spcAft>
+              <a:buClr>
+                <a:srgbClr val="000000"/>
+              </a:buClr>
+              <a:buSzPts val="2550"/>
+              <a:buFont typeface="Arial"/>
+              <a:buNone/>
+            </a:pPr>
+            <a:endParaRPr sz="2550" b="0" i="0" u="none" strike="noStrike" cap="none" dirty="0">
+              <a:solidFill>
+                <a:schemeClr val="dk1"/>
+              </a:solidFill>
+              <a:latin typeface="Arial"/>
+              <a:ea typeface="Arial"/>
+              <a:cs typeface="Arial"/>
+              <a:sym typeface="Arial"/>
+            </a:endParaRPr>
+          </a:p>
+          <a:p>
+            <a:pPr marL="457200" marR="0" lvl="0" indent="-390525" algn="l" rtl="0">
+              <a:lnSpc>
+                <a:spcPct val="90000"/>
+              </a:lnSpc>
+              <a:spcBef>
+                <a:spcPts val="25"/>
+              </a:spcBef>
+              <a:spcAft>
+                <a:spcPts val="0"/>
+              </a:spcAft>
+              <a:buClr>
+                <a:schemeClr val="dk1"/>
+              </a:buClr>
+              <a:buSzPts val="2550"/>
+              <a:buFont typeface="Arial"/>
+              <a:buChar char="-"/>
+            </a:pPr>
             <a:r>
-              <a:rPr lang="fr-FR" sz="2550" b="0" i="0" u="none" strike="noStrike" cap="none">
+              <a:rPr lang="fr-FR" sz="2550" b="0" i="0" u="sng" strike="noStrike" cap="none" dirty="0">
                 <a:solidFill>
                   <a:schemeClr val="dk1"/>
                 </a:solidFill>
@@ -42703,9 +42779,21 @@
                 <a:cs typeface="Arial"/>
                 <a:sym typeface="Arial"/>
               </a:rPr>
-              <a:t> </a:t>
+              <a:t>Contenu </a:t>
             </a:r>
-            <a:endParaRPr sz="2550" b="0" i="0" u="none" strike="noStrike" cap="none">
+            <a:r>
+              <a:rPr lang="fr-FR" sz="2550" b="0" i="0" u="none" strike="noStrike" cap="none" dirty="0">
+                <a:solidFill>
+                  <a:schemeClr val="dk1"/>
+                </a:solidFill>
+                <a:latin typeface="Arial"/>
+                <a:ea typeface="Arial"/>
+                <a:cs typeface="Arial"/>
+                <a:sym typeface="Arial"/>
+              </a:rPr>
+              <a:t>: </a:t>
+            </a:r>
+            <a:endParaRPr sz="2550" b="0" i="0" u="none" strike="noStrike" cap="none" dirty="0">
               <a:solidFill>
                 <a:schemeClr val="dk1"/>
               </a:solidFill>
@@ -42733,7 +42821,19 @@
               <a:buFont typeface="Arial"/>
               <a:buNone/>
             </a:pPr>
-            <a:endParaRPr sz="2550" b="0" i="0" u="none" strike="noStrike" cap="none">
+            <a:r>
+              <a:rPr lang="fr-FR" sz="2550" b="0" i="0" u="none" strike="noStrike" cap="none" dirty="0">
+                <a:solidFill>
+                  <a:schemeClr val="dk1"/>
+                </a:solidFill>
+                <a:latin typeface="Arial"/>
+                <a:ea typeface="Arial"/>
+                <a:cs typeface="Arial"/>
+                <a:sym typeface="Arial"/>
+              </a:rPr>
+              <a:t>(1) Introduction incluant question de recherche</a:t>
+            </a:r>
+            <a:endParaRPr sz="2550" b="0" i="0" u="none" strike="noStrike" cap="none" dirty="0">
               <a:solidFill>
                 <a:schemeClr val="dk1"/>
               </a:solidFill>
@@ -42744,7 +42844,7 @@
             </a:endParaRPr>
           </a:p>
           <a:p>
-            <a:pPr marL="457200" marR="0" lvl="0" indent="-390525" algn="l" rtl="0">
+            <a:pPr marL="457200" marR="0" lvl="0" indent="0" algn="l" rtl="0">
               <a:lnSpc>
                 <a:spcPct val="90000"/>
               </a:lnSpc>
@@ -42755,14 +42855,14 @@
                 <a:spcPts val="0"/>
               </a:spcAft>
               <a:buClr>
-                <a:schemeClr val="dk1"/>
+                <a:srgbClr val="000000"/>
               </a:buClr>
               <a:buSzPts val="2550"/>
               <a:buFont typeface="Arial"/>
-              <a:buChar char="-"/>
+              <a:buNone/>
             </a:pPr>
             <a:r>
-              <a:rPr lang="fr-FR" sz="2550" b="0" i="0" u="sng" strike="noStrike" cap="none">
+              <a:rPr lang="fr-FR" sz="2550" b="0" i="0" u="none" strike="noStrike" cap="none" dirty="0">
                 <a:solidFill>
                   <a:schemeClr val="dk1"/>
                 </a:solidFill>
@@ -42771,10 +42871,38 @@
                 <a:cs typeface="Arial"/>
                 <a:sym typeface="Arial"/>
               </a:rPr>
-              <a:t>Contenu </a:t>
+              <a:t>(2) Présentation des variables utilisées et des méthodes employées</a:t>
             </a:r>
+            <a:endParaRPr sz="2550" b="0" i="0" u="none" strike="noStrike" cap="none" dirty="0">
+              <a:solidFill>
+                <a:schemeClr val="dk1"/>
+              </a:solidFill>
+              <a:latin typeface="Arial"/>
+              <a:ea typeface="Arial"/>
+              <a:cs typeface="Arial"/>
+              <a:sym typeface="Arial"/>
+            </a:endParaRPr>
+          </a:p>
+          <a:p>
+            <a:pPr marL="457200" marR="0" lvl="0" indent="0" algn="l" rtl="0">
+              <a:lnSpc>
+                <a:spcPct val="90000"/>
+              </a:lnSpc>
+              <a:spcBef>
+                <a:spcPts val="25"/>
+              </a:spcBef>
+              <a:spcAft>
+                <a:spcPts val="0"/>
+              </a:spcAft>
+              <a:buClr>
+                <a:srgbClr val="000000"/>
+              </a:buClr>
+              <a:buSzPts val="2550"/>
+              <a:buFont typeface="Arial"/>
+              <a:buNone/>
+            </a:pPr>
             <a:r>
-              <a:rPr lang="fr-FR" sz="2550" b="0" i="0" u="none" strike="noStrike" cap="none">
+              <a:rPr lang="fr-FR" sz="2550" b="0" i="0" u="none" strike="noStrike" cap="none" dirty="0">
                 <a:solidFill>
                   <a:schemeClr val="dk1"/>
                 </a:solidFill>
@@ -42783,9 +42911,9 @@
                 <a:cs typeface="Arial"/>
                 <a:sym typeface="Arial"/>
               </a:rPr>
-              <a:t>: </a:t>
+              <a:t>(3) Présentation des résultats</a:t>
             </a:r>
-            <a:endParaRPr sz="2550" b="0" i="0" u="none" strike="noStrike" cap="none">
+            <a:endParaRPr sz="2550" b="0" i="0" u="none" strike="noStrike" cap="none" dirty="0">
               <a:solidFill>
                 <a:schemeClr val="dk1"/>
               </a:solidFill>
@@ -42814,7 +42942,7 @@
               <a:buNone/>
             </a:pPr>
             <a:r>
-              <a:rPr lang="fr-FR" sz="2550" b="0" i="0" u="none" strike="noStrike" cap="none">
+              <a:rPr lang="fr-FR" sz="2550" b="0" i="0" u="none" strike="noStrike" cap="none" dirty="0">
                 <a:solidFill>
                   <a:schemeClr val="dk1"/>
                 </a:solidFill>
@@ -42823,9 +42951,9 @@
                 <a:cs typeface="Arial"/>
                 <a:sym typeface="Arial"/>
               </a:rPr>
-              <a:t>(1) Introduction incluant question de recherche</a:t>
+              <a:t>(4) Conclusion </a:t>
             </a:r>
-            <a:endParaRPr sz="2550" b="0" i="0" u="none" strike="noStrike" cap="none">
+            <a:endParaRPr sz="2550" b="0" i="0" u="none" strike="noStrike" cap="none" dirty="0">
               <a:solidFill>
                 <a:schemeClr val="dk1"/>
               </a:solidFill>
@@ -42853,127 +42981,7 @@
               <a:buFont typeface="Arial"/>
               <a:buNone/>
             </a:pPr>
-            <a:r>
-              <a:rPr lang="fr-FR" sz="2550" b="0" i="0" u="none" strike="noStrike" cap="none">
-                <a:solidFill>
-                  <a:schemeClr val="dk1"/>
-                </a:solidFill>
-                <a:latin typeface="Arial"/>
-                <a:ea typeface="Arial"/>
-                <a:cs typeface="Arial"/>
-                <a:sym typeface="Arial"/>
-              </a:rPr>
-              <a:t>(2) Présentation des variables utilisées et des méthodes employées</a:t>
-            </a:r>
-            <a:endParaRPr sz="2550" b="0" i="0" u="none" strike="noStrike" cap="none">
-              <a:solidFill>
-                <a:schemeClr val="dk1"/>
-              </a:solidFill>
-              <a:latin typeface="Arial"/>
-              <a:ea typeface="Arial"/>
-              <a:cs typeface="Arial"/>
-              <a:sym typeface="Arial"/>
-            </a:endParaRPr>
-          </a:p>
-          <a:p>
-            <a:pPr marL="457200" marR="0" lvl="0" indent="0" algn="l" rtl="0">
-              <a:lnSpc>
-                <a:spcPct val="90000"/>
-              </a:lnSpc>
-              <a:spcBef>
-                <a:spcPts val="25"/>
-              </a:spcBef>
-              <a:spcAft>
-                <a:spcPts val="0"/>
-              </a:spcAft>
-              <a:buClr>
-                <a:srgbClr val="000000"/>
-              </a:buClr>
-              <a:buSzPts val="2550"/>
-              <a:buFont typeface="Arial"/>
-              <a:buNone/>
-            </a:pPr>
-            <a:r>
-              <a:rPr lang="fr-FR" sz="2550" b="0" i="0" u="none" strike="noStrike" cap="none">
-                <a:solidFill>
-                  <a:schemeClr val="dk1"/>
-                </a:solidFill>
-                <a:latin typeface="Arial"/>
-                <a:ea typeface="Arial"/>
-                <a:cs typeface="Arial"/>
-                <a:sym typeface="Arial"/>
-              </a:rPr>
-              <a:t>(3) Présentation des résultats</a:t>
-            </a:r>
-            <a:endParaRPr sz="2550" b="0" i="0" u="none" strike="noStrike" cap="none">
-              <a:solidFill>
-                <a:schemeClr val="dk1"/>
-              </a:solidFill>
-              <a:latin typeface="Arial"/>
-              <a:ea typeface="Arial"/>
-              <a:cs typeface="Arial"/>
-              <a:sym typeface="Arial"/>
-            </a:endParaRPr>
-          </a:p>
-          <a:p>
-            <a:pPr marL="457200" marR="0" lvl="0" indent="0" algn="l" rtl="0">
-              <a:lnSpc>
-                <a:spcPct val="90000"/>
-              </a:lnSpc>
-              <a:spcBef>
-                <a:spcPts val="25"/>
-              </a:spcBef>
-              <a:spcAft>
-                <a:spcPts val="0"/>
-              </a:spcAft>
-              <a:buClr>
-                <a:srgbClr val="000000"/>
-              </a:buClr>
-              <a:buSzPts val="2550"/>
-              <a:buFont typeface="Arial"/>
-              <a:buNone/>
-            </a:pPr>
-            <a:r>
-              <a:rPr lang="fr-FR" sz="2550" b="0" i="0" u="none" strike="noStrike" cap="none">
-                <a:solidFill>
-                  <a:schemeClr val="dk1"/>
-                </a:solidFill>
-                <a:latin typeface="Arial"/>
-                <a:ea typeface="Arial"/>
-                <a:cs typeface="Arial"/>
-                <a:sym typeface="Arial"/>
-              </a:rPr>
-              <a:t>(4) Conclusion </a:t>
-            </a:r>
-            <a:endParaRPr sz="2550" b="0" i="0" u="none" strike="noStrike" cap="none">
-              <a:solidFill>
-                <a:schemeClr val="dk1"/>
-              </a:solidFill>
-              <a:latin typeface="Arial"/>
-              <a:ea typeface="Arial"/>
-              <a:cs typeface="Arial"/>
-              <a:sym typeface="Arial"/>
-            </a:endParaRPr>
-          </a:p>
-          <a:p>
-            <a:pPr marL="457200" marR="0" lvl="0" indent="0" algn="l" rtl="0">
-              <a:lnSpc>
-                <a:spcPct val="90000"/>
-              </a:lnSpc>
-              <a:spcBef>
-                <a:spcPts val="25"/>
-              </a:spcBef>
-              <a:spcAft>
-                <a:spcPts val="0"/>
-              </a:spcAft>
-              <a:buClr>
-                <a:srgbClr val="000000"/>
-              </a:buClr>
-              <a:buSzPts val="2550"/>
-              <a:buFont typeface="Arial"/>
-              <a:buNone/>
-            </a:pPr>
-            <a:endParaRPr sz="2550" b="0" i="0" u="none" strike="noStrike" cap="none">
+            <a:endParaRPr sz="2550" b="0" i="0" u="none" strike="noStrike" cap="none" dirty="0">
               <a:solidFill>
                 <a:schemeClr val="dk1"/>
               </a:solidFill>
@@ -48681,7 +48689,7 @@
               <a:buNone/>
             </a:pPr>
             <a:r>
-              <a:rPr lang="fr-FR" sz="2700" b="0" i="0" u="none" strike="noStrike" cap="none">
+              <a:rPr lang="fr-FR" sz="2700" b="0" i="0" u="none" strike="noStrike" cap="none" dirty="0">
                 <a:solidFill>
                   <a:schemeClr val="dk1"/>
                 </a:solidFill>
@@ -48693,7 +48701,7 @@
               <a:t>Les méthodes quantitatives consistent à recueillir et traiter des </a:t>
             </a:r>
             <a:r>
-              <a:rPr lang="fr-FR" sz="2700" b="1" i="0" u="none" strike="noStrike" cap="none">
+              <a:rPr lang="fr-FR" sz="2700" b="1" i="0" u="none" strike="noStrike" cap="none" dirty="0">
                 <a:solidFill>
                   <a:schemeClr val="dk1"/>
                 </a:solidFill>
@@ -48705,7 +48713,7 @@
               <a:t>données quantitatives</a:t>
             </a:r>
             <a:r>
-              <a:rPr lang="fr-FR" sz="2700" b="0" i="0" u="none" strike="noStrike" cap="none">
+              <a:rPr lang="fr-FR" sz="2700" b="0" i="0" u="none" strike="noStrike" cap="none" dirty="0">
                 <a:solidFill>
                   <a:schemeClr val="dk1"/>
                 </a:solidFill>
@@ -48716,7 +48724,7 @@
               </a:rPr>
               <a:t>.</a:t>
             </a:r>
-            <a:endParaRPr sz="2700" b="0" i="0" u="none" strike="noStrike" cap="none">
+            <a:endParaRPr sz="2700" b="0" i="0" u="none" strike="noStrike" cap="none" dirty="0">
               <a:solidFill>
                 <a:schemeClr val="dk1"/>
               </a:solidFill>
@@ -48744,7 +48752,7 @@
               <a:buFont typeface="Arial"/>
               <a:buNone/>
             </a:pPr>
-            <a:endParaRPr sz="2700" b="0" i="0" u="none" strike="noStrike" cap="none">
+            <a:endParaRPr sz="2700" b="0" i="0" u="none" strike="noStrike" cap="none" dirty="0">
               <a:solidFill>
                 <a:schemeClr val="dk1"/>
               </a:solidFill>
@@ -48773,7 +48781,7 @@
               <a:buNone/>
             </a:pPr>
             <a:r>
-              <a:rPr lang="fr-FR" sz="2700" b="0" i="0" u="none" strike="noStrike" cap="none">
+              <a:rPr lang="fr-FR" sz="2700" b="0" i="0" u="none" strike="noStrike" cap="none" dirty="0">
                 <a:solidFill>
                   <a:schemeClr val="dk1"/>
                 </a:solidFill>
@@ -48784,7 +48792,7 @@
               </a:rPr>
               <a:t>Cela ne signifie pas que ces données expriment des quantités, mais qu’elles sont :</a:t>
             </a:r>
-            <a:endParaRPr sz="2700" b="0" i="0" u="none" strike="noStrike" cap="none">
+            <a:endParaRPr sz="2700" b="0" i="0" u="none" strike="noStrike" cap="none" dirty="0">
               <a:solidFill>
                 <a:schemeClr val="dk1"/>
               </a:solidFill>
@@ -48812,7 +48820,7 @@
               <a:buFont typeface="Arial"/>
               <a:buNone/>
             </a:pPr>
-            <a:endParaRPr sz="1200">
+            <a:endParaRPr sz="1200" dirty="0">
               <a:solidFill>
                 <a:schemeClr val="dk1"/>
               </a:solidFill>
@@ -48841,7 +48849,7 @@
               <a:buAutoNum type="arabicPeriod"/>
             </a:pPr>
             <a:r>
-              <a:rPr lang="fr-FR" sz="2700" b="1" i="0" u="none" strike="noStrike" cap="none">
+              <a:rPr lang="fr-FR" sz="2700" b="1" i="0" u="none" strike="noStrike" cap="none" dirty="0">
                 <a:solidFill>
                   <a:schemeClr val="dk1"/>
                 </a:solidFill>
@@ -48853,7 +48861,7 @@
               <a:t>nombreuses</a:t>
             </a:r>
             <a:r>
-              <a:rPr lang="fr-FR" sz="2700" b="0" i="0" u="none" strike="noStrike" cap="none">
+              <a:rPr lang="fr-FR" sz="2700" b="0" i="0" u="none" strike="noStrike" cap="none" dirty="0">
                 <a:solidFill>
                   <a:schemeClr val="dk1"/>
                 </a:solidFill>
@@ -48864,7 +48872,7 @@
               </a:rPr>
               <a:t>, c’est-à-dire disponibles en grande quantité (d’où l’usage des méthodes statistiques), et </a:t>
             </a:r>
-            <a:endParaRPr sz="2700" b="0" i="0" u="none" strike="noStrike" cap="none">
+            <a:endParaRPr sz="2700" b="0" i="0" u="none" strike="noStrike" cap="none" dirty="0">
               <a:solidFill>
                 <a:schemeClr val="dk1"/>
               </a:solidFill>
@@ -48887,7 +48895,7 @@
               </a:spcAft>
               <a:buNone/>
             </a:pPr>
-            <a:endParaRPr sz="700">
+            <a:endParaRPr sz="700" dirty="0">
               <a:solidFill>
                 <a:schemeClr val="dk1"/>
               </a:solidFill>
@@ -48916,7 +48924,7 @@
               <a:buAutoNum type="arabicPeriod"/>
             </a:pPr>
             <a:r>
-              <a:rPr lang="fr-FR" sz="2700" b="1" i="0" u="none" strike="noStrike" cap="none">
+              <a:rPr lang="fr-FR" sz="2700" b="1" i="0" u="none" strike="noStrike" cap="none" dirty="0">
                 <a:solidFill>
                   <a:schemeClr val="dk1"/>
                 </a:solidFill>
@@ -48928,7 +48936,7 @@
               <a:t>standardisées</a:t>
             </a:r>
             <a:r>
-              <a:rPr lang="fr-FR" sz="2700" b="1">
+              <a:rPr lang="fr-FR" sz="2700" b="1" dirty="0">
                 <a:solidFill>
                   <a:schemeClr val="dk1"/>
                 </a:solidFill>
@@ -48940,7 +48948,7 @@
               <a:t> </a:t>
             </a:r>
             <a:r>
-              <a:rPr lang="fr-FR" sz="2700">
+              <a:rPr lang="fr-FR" sz="2700" dirty="0">
                 <a:solidFill>
                   <a:schemeClr val="dk1"/>
                 </a:solidFill>
@@ -48950,14 +48958,14 @@
                 <a:sym typeface="Calibri"/>
                 <a:extLst>
                   <a:ext uri="http://customooxmlschemas.google.com/">
-                    <go:slidesCustomData xmlns:go="http://customooxmlschemas.google.com/" xmlns:ahyp="http://schemas.microsoft.com/office/drawing/2018/hyperlinkcolor" xmlns:p15="http://schemas.microsoft.com/office/powerpoint/2012/main" xmlns:p14="http://schemas.microsoft.com/office/powerpoint/2010/main" xmlns:com="http://schemas.openxmlformats.org/drawingml/2006/compatibility" xmlns:pvml="urn:schemas-microsoft-com:office:powerpoint" xmlns:v="urn:schemas-microsoft-com:vml" xmlns:o="urn:schemas-microsoft-com:office:office" xmlns:dgm="http://schemas.openxmlformats.org/drawingml/2006/diagram" xmlns:c="http://schemas.openxmlformats.org/drawingml/2006/chart" xmlns:mv="urn:schemas-microsoft-com:mac:vml" xmlns:mc="http://schemas.openxmlformats.org/markup-compatibility/2006" xmlns="" textRoundtripDataId="0"/>
+                    <go:slidesCustomData xmlns="" xmlns:mc="http://schemas.openxmlformats.org/markup-compatibility/2006" xmlns:mv="urn:schemas-microsoft-com:mac:vml" xmlns:c="http://schemas.openxmlformats.org/drawingml/2006/chart" xmlns:dgm="http://schemas.openxmlformats.org/drawingml/2006/diagram" xmlns:o="urn:schemas-microsoft-com:office:office" xmlns:v="urn:schemas-microsoft-com:vml" xmlns:pvml="urn:schemas-microsoft-com:office:powerpoint" xmlns:com="http://schemas.openxmlformats.org/drawingml/2006/compatibility" xmlns:p14="http://schemas.microsoft.com/office/powerpoint/2010/main" xmlns:p15="http://schemas.microsoft.com/office/powerpoint/2012/main" xmlns:ahyp="http://schemas.microsoft.com/office/drawing/2018/hyperlinkcolor" xmlns:go="http://customooxmlschemas.google.com/" textRoundtripDataId="0"/>
                   </a:ext>
                 </a:extLst>
               </a:rPr>
               <a:t>selon des </a:t>
             </a:r>
             <a:r>
-              <a:rPr lang="fr-FR" sz="2700" i="0" u="none" strike="noStrike" cap="none">
+              <a:rPr lang="fr-FR" sz="2700" i="0" u="none" strike="noStrike" cap="none" dirty="0">
                 <a:solidFill>
                   <a:schemeClr val="dk1"/>
                 </a:solidFill>
@@ -48967,14 +48975,14 @@
                 <a:sym typeface="Calibri"/>
                 <a:extLst>
                   <a:ext uri="http://customooxmlschemas.google.com/">
-                    <go:slidesCustomData xmlns:go="http://customooxmlschemas.google.com/" xmlns:ahyp="http://schemas.microsoft.com/office/drawing/2018/hyperlinkcolor" xmlns:p15="http://schemas.microsoft.com/office/powerpoint/2012/main" xmlns:p14="http://schemas.microsoft.com/office/powerpoint/2010/main" xmlns:com="http://schemas.openxmlformats.org/drawingml/2006/compatibility" xmlns:pvml="urn:schemas-microsoft-com:office:powerpoint" xmlns:v="urn:schemas-microsoft-com:vml" xmlns:o="urn:schemas-microsoft-com:office:office" xmlns:dgm="http://schemas.openxmlformats.org/drawingml/2006/diagram" xmlns:c="http://schemas.openxmlformats.org/drawingml/2006/chart" xmlns:mv="urn:schemas-microsoft-com:mac:vml" xmlns:mc="http://schemas.openxmlformats.org/markup-compatibility/2006" xmlns="" textRoundtripDataId="1"/>
+                    <go:slidesCustomData xmlns="" xmlns:mc="http://schemas.openxmlformats.org/markup-compatibility/2006" xmlns:mv="urn:schemas-microsoft-com:mac:vml" xmlns:c="http://schemas.openxmlformats.org/drawingml/2006/chart" xmlns:dgm="http://schemas.openxmlformats.org/drawingml/2006/diagram" xmlns:o="urn:schemas-microsoft-com:office:office" xmlns:v="urn:schemas-microsoft-com:vml" xmlns:pvml="urn:schemas-microsoft-com:office:powerpoint" xmlns:com="http://schemas.openxmlformats.org/drawingml/2006/compatibility" xmlns:p14="http://schemas.microsoft.com/office/powerpoint/2010/main" xmlns:p15="http://schemas.microsoft.com/office/powerpoint/2012/main" xmlns:ahyp="http://schemas.microsoft.com/office/drawing/2018/hyperlinkcolor" xmlns:go="http://customooxmlschemas.google.com/" textRoundtripDataId="1"/>
                   </a:ext>
                 </a:extLst>
               </a:rPr>
               <a:t>unités de mesure</a:t>
             </a:r>
             <a:r>
-              <a:rPr lang="fr-FR" sz="2700">
+              <a:rPr lang="fr-FR" sz="2700" dirty="0">
                 <a:solidFill>
                   <a:schemeClr val="dk1"/>
                 </a:solidFill>
@@ -48984,14 +48992,14 @@
                 <a:sym typeface="Calibri"/>
                 <a:extLst>
                   <a:ext uri="http://customooxmlschemas.google.com/">
-                    <go:slidesCustomData xmlns:go="http://customooxmlschemas.google.com/" xmlns:ahyp="http://schemas.microsoft.com/office/drawing/2018/hyperlinkcolor" xmlns:p15="http://schemas.microsoft.com/office/powerpoint/2012/main" xmlns:p14="http://schemas.microsoft.com/office/powerpoint/2010/main" xmlns:com="http://schemas.openxmlformats.org/drawingml/2006/compatibility" xmlns:pvml="urn:schemas-microsoft-com:office:powerpoint" xmlns:v="urn:schemas-microsoft-com:vml" xmlns:o="urn:schemas-microsoft-com:office:office" xmlns:dgm="http://schemas.openxmlformats.org/drawingml/2006/diagram" xmlns:c="http://schemas.openxmlformats.org/drawingml/2006/chart" xmlns:mv="urn:schemas-microsoft-com:mac:vml" xmlns:mc="http://schemas.openxmlformats.org/markup-compatibility/2006" xmlns="" textRoundtripDataId="2"/>
+                    <go:slidesCustomData xmlns="" xmlns:mc="http://schemas.openxmlformats.org/markup-compatibility/2006" xmlns:mv="urn:schemas-microsoft-com:mac:vml" xmlns:c="http://schemas.openxmlformats.org/drawingml/2006/chart" xmlns:dgm="http://schemas.openxmlformats.org/drawingml/2006/diagram" xmlns:o="urn:schemas-microsoft-com:office:office" xmlns:v="urn:schemas-microsoft-com:vml" xmlns:pvml="urn:schemas-microsoft-com:office:powerpoint" xmlns:com="http://schemas.openxmlformats.org/drawingml/2006/compatibility" xmlns:p14="http://schemas.microsoft.com/office/powerpoint/2010/main" xmlns:p15="http://schemas.microsoft.com/office/powerpoint/2012/main" xmlns:ahyp="http://schemas.microsoft.com/office/drawing/2018/hyperlinkcolor" xmlns:go="http://customooxmlschemas.google.com/" textRoundtripDataId="2"/>
                   </a:ext>
                 </a:extLst>
               </a:rPr>
               <a:t> ou des catégories dans lesquelles les réponses sont supposées suffisamment “équivalentes” </a:t>
             </a:r>
             <a:r>
-              <a:rPr lang="fr-FR" sz="2700">
+              <a:rPr lang="fr-FR" sz="2700" dirty="0">
                 <a:solidFill>
                   <a:schemeClr val="dk1"/>
                 </a:solidFill>
@@ -49003,7 +49011,7 @@
               <a:t>pour former une unité </a:t>
             </a:r>
             <a:r>
-              <a:rPr lang="fr-FR" sz="2700" b="0" i="0" u="none" strike="noStrike" cap="none">
+              <a:rPr lang="fr-FR" sz="2700" b="0" i="0" u="none" strike="noStrike" cap="none" dirty="0">
                 <a:solidFill>
                   <a:schemeClr val="dk1"/>
                 </a:solidFill>
@@ -49015,7 +49023,7 @@
               <a:t> (</a:t>
             </a:r>
             <a:r>
-              <a:rPr lang="fr-FR" sz="2700">
+              <a:rPr lang="fr-FR" sz="2700" dirty="0">
                 <a:solidFill>
                   <a:schemeClr val="dk1"/>
                 </a:solidFill>
@@ -49027,7 +49035,7 @@
               <a:t>nécessite parfois </a:t>
             </a:r>
             <a:r>
-              <a:rPr lang="fr-FR" sz="2700" b="0" i="0" u="none" strike="noStrike" cap="none">
+              <a:rPr lang="fr-FR" sz="2700" b="0" i="0" u="none" strike="noStrike" cap="none" dirty="0">
                 <a:solidFill>
                   <a:schemeClr val="dk1"/>
                 </a:solidFill>
@@ -49038,7 +49046,7 @@
               </a:rPr>
               <a:t>un codage et/ou d’un nettoyage) - </a:t>
             </a:r>
-            <a:endParaRPr sz="2700" b="0" i="0" u="none" strike="noStrike" cap="none">
+            <a:endParaRPr sz="2700" b="0" i="0" u="none" strike="noStrike" cap="none" dirty="0">
               <a:solidFill>
                 <a:schemeClr val="dk1"/>
               </a:solidFill>
@@ -49066,7 +49074,7 @@
               <a:buFont typeface="Arial"/>
               <a:buNone/>
             </a:pPr>
-            <a:endParaRPr sz="2900" b="0" i="0" u="none" strike="noStrike" cap="none">
+            <a:endParaRPr sz="2900" b="0" i="0" u="none" strike="noStrike" cap="none" dirty="0">
               <a:solidFill>
                 <a:schemeClr val="dk1"/>
               </a:solidFill>
@@ -49094,7 +49102,7 @@
               <a:buFont typeface="Arial"/>
               <a:buNone/>
             </a:pPr>
-            <a:endParaRPr sz="2900" b="0" i="0" u="none" strike="noStrike" cap="none">
+            <a:endParaRPr sz="2900" b="0" i="0" u="none" strike="noStrike" cap="none" dirty="0">
               <a:solidFill>
                 <a:schemeClr val="dk1"/>
               </a:solidFill>
@@ -49122,7 +49130,7 @@
               <a:buFont typeface="Arial"/>
               <a:buNone/>
             </a:pPr>
-            <a:endParaRPr sz="2900" b="0" i="0" u="none" strike="noStrike" cap="none">
+            <a:endParaRPr sz="2900" b="0" i="0" u="none" strike="noStrike" cap="none" dirty="0">
               <a:solidFill>
                 <a:schemeClr val="dk1"/>
               </a:solidFill>
@@ -49150,7 +49158,7 @@
               <a:buFont typeface="Arial"/>
               <a:buNone/>
             </a:pPr>
-            <a:endParaRPr sz="2900" b="0" i="0" u="none" strike="noStrike" cap="none">
+            <a:endParaRPr sz="2900" b="0" i="0" u="none" strike="noStrike" cap="none" dirty="0">
               <a:solidFill>
                 <a:schemeClr val="dk1"/>
               </a:solidFill>
@@ -49178,7 +49186,7 @@
               <a:buFont typeface="Arial"/>
               <a:buNone/>
             </a:pPr>
-            <a:endParaRPr sz="2900" b="0" i="0" u="none" strike="noStrike" cap="none">
+            <a:endParaRPr sz="2900" b="0" i="0" u="none" strike="noStrike" cap="none" dirty="0">
               <a:solidFill>
                 <a:schemeClr val="dk1"/>
               </a:solidFill>
@@ -49206,7 +49214,7 @@
               <a:buFont typeface="Arial"/>
               <a:buNone/>
             </a:pPr>
-            <a:endParaRPr sz="2900" b="0" i="0" u="none" strike="noStrike" cap="none">
+            <a:endParaRPr sz="2900" b="0" i="0" u="none" strike="noStrike" cap="none" dirty="0">
               <a:solidFill>
                 <a:srgbClr val="38761D"/>
               </a:solidFill>
